--- a/Presentation Materials/MVA-ApplicationsOnAzure-06.pptx
+++ b/Presentation Materials/MVA-ApplicationsOnAzure-06.pptx
@@ -5,15 +5,40 @@
     <p:sldMasterId id="2147483660" r:id="rId4"/>
   </p:sldMasterIdLst>
   <p:notesMasterIdLst>
-    <p:notesMasterId r:id="rId8"/>
+    <p:notesMasterId r:id="rId33"/>
   </p:notesMasterIdLst>
   <p:handoutMasterIdLst>
-    <p:handoutMasterId r:id="rId9"/>
+    <p:handoutMasterId r:id="rId34"/>
   </p:handoutMasterIdLst>
   <p:sldIdLst>
-    <p:sldId id="277" r:id="rId5"/>
-    <p:sldId id="278" r:id="rId6"/>
-    <p:sldId id="282" r:id="rId7"/>
+    <p:sldId id="271" r:id="rId5"/>
+    <p:sldId id="274" r:id="rId6"/>
+    <p:sldId id="284" r:id="rId7"/>
+    <p:sldId id="275" r:id="rId8"/>
+    <p:sldId id="285" r:id="rId9"/>
+    <p:sldId id="288" r:id="rId10"/>
+    <p:sldId id="286" r:id="rId11"/>
+    <p:sldId id="287" r:id="rId12"/>
+    <p:sldId id="289" r:id="rId13"/>
+    <p:sldId id="290" r:id="rId14"/>
+    <p:sldId id="291" r:id="rId15"/>
+    <p:sldId id="292" r:id="rId16"/>
+    <p:sldId id="293" r:id="rId17"/>
+    <p:sldId id="294" r:id="rId18"/>
+    <p:sldId id="295" r:id="rId19"/>
+    <p:sldId id="296" r:id="rId20"/>
+    <p:sldId id="297" r:id="rId21"/>
+    <p:sldId id="298" r:id="rId22"/>
+    <p:sldId id="300" r:id="rId23"/>
+    <p:sldId id="301" r:id="rId24"/>
+    <p:sldId id="302" r:id="rId25"/>
+    <p:sldId id="303" r:id="rId26"/>
+    <p:sldId id="304" r:id="rId27"/>
+    <p:sldId id="305" r:id="rId28"/>
+    <p:sldId id="306" r:id="rId29"/>
+    <p:sldId id="307" r:id="rId30"/>
+    <p:sldId id="299" r:id="rId31"/>
+    <p:sldId id="269" r:id="rId32"/>
   </p:sldIdLst>
   <p:sldSz cx="12192000" cy="6858000"/>
   <p:notesSz cx="6858000" cy="9144000"/>
@@ -114,7 +139,18 @@
   </p:defaultTextStyle>
   <p:extLst>
     <p:ext uri="{EFAFB233-063F-42B5-8137-9DF3F51BA10A}">
-      <p15:sldGuideLst xmlns:p15="http://schemas.microsoft.com/office/powerpoint/2012/main"/>
+      <p15:sldGuideLst xmlns:p15="http://schemas.microsoft.com/office/powerpoint/2012/main">
+        <p15:guide id="1" orient="horz" pos="2160">
+          <p15:clr>
+            <a:srgbClr val="A4A3A4"/>
+          </p15:clr>
+        </p15:guide>
+        <p15:guide id="2" pos="3840">
+          <p15:clr>
+            <a:srgbClr val="A4A3A4"/>
+          </p15:clr>
+        </p15:guide>
+      </p15:sldGuideLst>
     </p:ext>
     <p:ext uri="{2D200454-40CA-4A62-9FC3-DE9A4176ACB9}">
       <p15:notesGuideLst xmlns:p15="http://schemas.microsoft.com/office/powerpoint/2012/main"/>
@@ -205,7 +241,7 @@
           <a:p>
             <a:fld id="{312E7B4A-039C-48A2-9B2C-AF16AA3873D8}" type="datetimeFigureOut">
               <a:rPr lang="en-US" smtClean="0"/>
-              <a:t>10/14/2015</a:t>
+              <a:t>11/4/2015</a:t>
             </a:fld>
             <a:endParaRPr lang="en-US"/>
           </a:p>
@@ -370,7 +406,7 @@
           <a:p>
             <a:fld id="{DA005A0C-54D9-45AA-87D4-C551D08DFCE1}" type="datetimeFigureOut">
               <a:rPr lang="en-US" smtClean="0"/>
-              <a:t>10/14/2015</a:t>
+              <a:t>11/4/2015</a:t>
             </a:fld>
             <a:endParaRPr lang="en-US"/>
           </a:p>
@@ -718,7 +754,1105 @@
     </p:spTree>
     <p:extLst>
       <p:ext uri="{BB962C8B-B14F-4D97-AF65-F5344CB8AC3E}">
-        <p14:creationId xmlns:p14="http://schemas.microsoft.com/office/powerpoint/2010/main" val="1088711496"/>
+        <p14:creationId xmlns:p14="http://schemas.microsoft.com/office/powerpoint/2010/main" val="180611100"/>
+      </p:ext>
+    </p:extLst>
+  </p:cSld>
+  <p:clrMapOvr>
+    <a:masterClrMapping/>
+  </p:clrMapOvr>
+</p:notes>
+</file>
+
+<file path=ppt/notesSlides/notesSlide10.xml><?xml version="1.0" encoding="utf-8"?>
+<p:notes xmlns:a="http://schemas.openxmlformats.org/drawingml/2006/main" xmlns:r="http://schemas.openxmlformats.org/officeDocument/2006/relationships" xmlns:p="http://schemas.openxmlformats.org/presentationml/2006/main">
+  <p:cSld>
+    <p:spTree>
+      <p:nvGrpSpPr>
+        <p:cNvPr id="1" name=""/>
+        <p:cNvGrpSpPr/>
+        <p:nvPr/>
+      </p:nvGrpSpPr>
+      <p:grpSpPr>
+        <a:xfrm>
+          <a:off x="0" y="0"/>
+          <a:ext cx="0" cy="0"/>
+          <a:chOff x="0" y="0"/>
+          <a:chExt cx="0" cy="0"/>
+        </a:xfrm>
+      </p:grpSpPr>
+      <p:sp>
+        <p:nvSpPr>
+          <p:cNvPr id="2" name="Slide Image Placeholder 1"/>
+          <p:cNvSpPr>
+            <a:spLocks noGrp="1" noRot="1" noChangeAspect="1"/>
+          </p:cNvSpPr>
+          <p:nvPr>
+            <p:ph type="sldImg"/>
+          </p:nvPr>
+        </p:nvSpPr>
+        <p:spPr>
+          <a:xfrm>
+            <a:off x="381000" y="685800"/>
+            <a:ext cx="6096000" cy="3429000"/>
+          </a:xfrm>
+        </p:spPr>
+      </p:sp>
+      <p:sp>
+        <p:nvSpPr>
+          <p:cNvPr id="3" name="Notes Placeholder 2"/>
+          <p:cNvSpPr>
+            <a:spLocks noGrp="1"/>
+          </p:cNvSpPr>
+          <p:nvPr>
+            <p:ph type="body" idx="1"/>
+          </p:nvPr>
+        </p:nvSpPr>
+        <p:spPr/>
+        <p:txBody>
+          <a:bodyPr>
+            <a:normAutofit/>
+          </a:bodyPr>
+          <a:lstStyle/>
+          <a:p>
+            <a:r>
+              <a:rPr lang="en-CA" b="0" dirty="0" smtClean="0"/>
+              <a:t>So</a:t>
+            </a:r>
+            <a:r>
+              <a:rPr lang="en-CA" b="0" baseline="0" dirty="0" smtClean="0"/>
+              <a:t> we need big data and because it is so big we can’t just read the files by hand. Unless you really like reading or you have an infinite number of monkeys who are taking a break from writing Twelfth Night. We would also like to be able to analyze the data for oddities or trends. Tools like app insights provide some of this data but they tend to only instrument points that we know to instrument and not everything. So to glean new insights we need to look at data historically. Finally we would like to correlate actions through the system via some sort of correlation id. </a:t>
+            </a:r>
+          </a:p>
+          <a:p>
+            <a:endParaRPr lang="en-CA" b="0" baseline="0" dirty="0" smtClean="0"/>
+          </a:p>
+          <a:p>
+            <a:r>
+              <a:rPr lang="en-CA" b="0" baseline="0" dirty="0" smtClean="0"/>
+              <a:t>Perhaps us Azure ML to analyze log files. </a:t>
+            </a:r>
+            <a:endParaRPr lang="en-CA" b="0" dirty="0" smtClean="0"/>
+          </a:p>
+        </p:txBody>
+      </p:sp>
+      <p:sp>
+        <p:nvSpPr>
+          <p:cNvPr id="4" name="Slide Number Placeholder 3"/>
+          <p:cNvSpPr>
+            <a:spLocks noGrp="1"/>
+          </p:cNvSpPr>
+          <p:nvPr>
+            <p:ph type="sldNum" sz="quarter" idx="10"/>
+          </p:nvPr>
+        </p:nvSpPr>
+        <p:spPr/>
+        <p:txBody>
+          <a:bodyPr/>
+          <a:lstStyle/>
+          <a:p>
+            <a:fld id="{13F0F35F-DD44-4607-AEC1-49D7A4BC4066}" type="slidenum">
+              <a:rPr lang="en-US" smtClean="0"/>
+              <a:pPr/>
+              <a:t>10</a:t>
+            </a:fld>
+            <a:endParaRPr lang="en-US" dirty="0"/>
+          </a:p>
+        </p:txBody>
+      </p:sp>
+    </p:spTree>
+    <p:extLst>
+      <p:ext uri="{BB962C8B-B14F-4D97-AF65-F5344CB8AC3E}">
+        <p14:creationId xmlns:p14="http://schemas.microsoft.com/office/powerpoint/2010/main" val="3198789835"/>
+      </p:ext>
+    </p:extLst>
+  </p:cSld>
+  <p:clrMapOvr>
+    <a:masterClrMapping/>
+  </p:clrMapOvr>
+</p:notes>
+</file>
+
+<file path=ppt/notesSlides/notesSlide11.xml><?xml version="1.0" encoding="utf-8"?>
+<p:notes xmlns:a="http://schemas.openxmlformats.org/drawingml/2006/main" xmlns:r="http://schemas.openxmlformats.org/officeDocument/2006/relationships" xmlns:p="http://schemas.openxmlformats.org/presentationml/2006/main">
+  <p:cSld>
+    <p:spTree>
+      <p:nvGrpSpPr>
+        <p:cNvPr id="1" name=""/>
+        <p:cNvGrpSpPr/>
+        <p:nvPr/>
+      </p:nvGrpSpPr>
+      <p:grpSpPr>
+        <a:xfrm>
+          <a:off x="0" y="0"/>
+          <a:ext cx="0" cy="0"/>
+          <a:chOff x="0" y="0"/>
+          <a:chExt cx="0" cy="0"/>
+        </a:xfrm>
+      </p:grpSpPr>
+      <p:sp>
+        <p:nvSpPr>
+          <p:cNvPr id="2" name="Slide Image Placeholder 1"/>
+          <p:cNvSpPr>
+            <a:spLocks noGrp="1" noRot="1" noChangeAspect="1"/>
+          </p:cNvSpPr>
+          <p:nvPr>
+            <p:ph type="sldImg"/>
+          </p:nvPr>
+        </p:nvSpPr>
+        <p:spPr>
+          <a:xfrm>
+            <a:off x="381000" y="685800"/>
+            <a:ext cx="6096000" cy="3429000"/>
+          </a:xfrm>
+        </p:spPr>
+      </p:sp>
+      <p:sp>
+        <p:nvSpPr>
+          <p:cNvPr id="3" name="Notes Placeholder 2"/>
+          <p:cNvSpPr>
+            <a:spLocks noGrp="1"/>
+          </p:cNvSpPr>
+          <p:nvPr>
+            <p:ph type="body" idx="1"/>
+          </p:nvPr>
+        </p:nvSpPr>
+        <p:spPr/>
+        <p:txBody>
+          <a:bodyPr>
+            <a:normAutofit/>
+          </a:bodyPr>
+          <a:lstStyle/>
+          <a:p>
+            <a:r>
+              <a:rPr lang="en-CA" b="0" dirty="0" smtClean="0"/>
+              <a:t>Being from Canada we are pretty familiar</a:t>
+            </a:r>
+            <a:r>
+              <a:rPr lang="en-CA" b="0" baseline="0" dirty="0" smtClean="0"/>
+              <a:t> with this stack. We have whole herds of these things. So do the </a:t>
+            </a:r>
+            <a:r>
+              <a:rPr lang="en-CA" b="0" baseline="0" dirty="0" err="1" smtClean="0"/>
+              <a:t>americans</a:t>
+            </a:r>
+            <a:r>
+              <a:rPr lang="en-CA" b="0" baseline="0" dirty="0" smtClean="0"/>
+              <a:t>. Don’t confuse them with reindeer and the reindeer stack, that’s a whole different stack. Geeze there are a lot of stacks out there these days MEAN, ELK, LAMP, </a:t>
+            </a:r>
+          </a:p>
+          <a:p>
+            <a:endParaRPr lang="en-CA" b="0" baseline="0" dirty="0" smtClean="0"/>
+          </a:p>
+          <a:p>
+            <a:r>
+              <a:rPr lang="en-CA" b="0" baseline="0" dirty="0" smtClean="0"/>
+              <a:t>Used by lots of people </a:t>
+            </a:r>
+            <a:r>
+              <a:rPr lang="en-US" sz="1200" b="0" i="0" kern="1200" dirty="0" smtClean="0">
+                <a:solidFill>
+                  <a:schemeClr val="tx1"/>
+                </a:solidFill>
+                <a:effectLst/>
+                <a:latin typeface="+mn-lt"/>
+                <a:ea typeface="+mn-ea"/>
+                <a:cs typeface="+mn-cs"/>
+              </a:rPr>
+              <a:t>Cisco, Comcast, eBay, Facebook, Goldman Sachs, Groupon, the Guardian, ING, Mayo Clinic, Netflix, Verizon</a:t>
+            </a:r>
+            <a:endParaRPr lang="en-CA" b="0" dirty="0" smtClean="0"/>
+          </a:p>
+        </p:txBody>
+      </p:sp>
+      <p:sp>
+        <p:nvSpPr>
+          <p:cNvPr id="4" name="Slide Number Placeholder 3"/>
+          <p:cNvSpPr>
+            <a:spLocks noGrp="1"/>
+          </p:cNvSpPr>
+          <p:nvPr>
+            <p:ph type="sldNum" sz="quarter" idx="10"/>
+          </p:nvPr>
+        </p:nvSpPr>
+        <p:spPr/>
+        <p:txBody>
+          <a:bodyPr/>
+          <a:lstStyle/>
+          <a:p>
+            <a:fld id="{13F0F35F-DD44-4607-AEC1-49D7A4BC4066}" type="slidenum">
+              <a:rPr lang="en-US" smtClean="0"/>
+              <a:pPr/>
+              <a:t>11</a:t>
+            </a:fld>
+            <a:endParaRPr lang="en-US" dirty="0"/>
+          </a:p>
+        </p:txBody>
+      </p:sp>
+    </p:spTree>
+    <p:extLst>
+      <p:ext uri="{BB962C8B-B14F-4D97-AF65-F5344CB8AC3E}">
+        <p14:creationId xmlns:p14="http://schemas.microsoft.com/office/powerpoint/2010/main" val="1302941360"/>
+      </p:ext>
+    </p:extLst>
+  </p:cSld>
+  <p:clrMapOvr>
+    <a:masterClrMapping/>
+  </p:clrMapOvr>
+</p:notes>
+</file>
+
+<file path=ppt/notesSlides/notesSlide12.xml><?xml version="1.0" encoding="utf-8"?>
+<p:notes xmlns:a="http://schemas.openxmlformats.org/drawingml/2006/main" xmlns:r="http://schemas.openxmlformats.org/officeDocument/2006/relationships" xmlns:p="http://schemas.openxmlformats.org/presentationml/2006/main">
+  <p:cSld>
+    <p:spTree>
+      <p:nvGrpSpPr>
+        <p:cNvPr id="1" name=""/>
+        <p:cNvGrpSpPr/>
+        <p:nvPr/>
+      </p:nvGrpSpPr>
+      <p:grpSpPr>
+        <a:xfrm>
+          <a:off x="0" y="0"/>
+          <a:ext cx="0" cy="0"/>
+          <a:chOff x="0" y="0"/>
+          <a:chExt cx="0" cy="0"/>
+        </a:xfrm>
+      </p:grpSpPr>
+      <p:sp>
+        <p:nvSpPr>
+          <p:cNvPr id="2" name="Slide Image Placeholder 1"/>
+          <p:cNvSpPr>
+            <a:spLocks noGrp="1" noRot="1" noChangeAspect="1"/>
+          </p:cNvSpPr>
+          <p:nvPr>
+            <p:ph type="sldImg"/>
+          </p:nvPr>
+        </p:nvSpPr>
+        <p:spPr/>
+      </p:sp>
+      <p:sp>
+        <p:nvSpPr>
+          <p:cNvPr id="3" name="Notes Placeholder 2"/>
+          <p:cNvSpPr>
+            <a:spLocks noGrp="1"/>
+          </p:cNvSpPr>
+          <p:nvPr>
+            <p:ph type="body" idx="1"/>
+          </p:nvPr>
+        </p:nvSpPr>
+        <p:spPr/>
+        <p:txBody>
+          <a:bodyPr/>
+          <a:lstStyle/>
+          <a:p>
+            <a:r>
+              <a:rPr lang="en-US" dirty="0" smtClean="0"/>
+              <a:t>Let's start with log stash</a:t>
+            </a:r>
+          </a:p>
+          <a:p>
+            <a:r>
+              <a:rPr lang="en-US" dirty="0" smtClean="0"/>
+              <a:t> - log stash is like a sewage plant</a:t>
+            </a:r>
+          </a:p>
+          <a:p>
+            <a:r>
+              <a:rPr lang="en-US" dirty="0" smtClean="0"/>
+              <a:t> -</a:t>
+            </a:r>
+            <a:endParaRPr lang="en-US" dirty="0"/>
+          </a:p>
+        </p:txBody>
+      </p:sp>
+      <p:sp>
+        <p:nvSpPr>
+          <p:cNvPr id="4" name="Slide Number Placeholder 3"/>
+          <p:cNvSpPr>
+            <a:spLocks noGrp="1"/>
+          </p:cNvSpPr>
+          <p:nvPr>
+            <p:ph type="sldNum" sz="quarter" idx="10"/>
+          </p:nvPr>
+        </p:nvSpPr>
+        <p:spPr/>
+        <p:txBody>
+          <a:bodyPr/>
+          <a:lstStyle/>
+          <a:p>
+            <a:fld id="{4CFD207A-07DF-40AD-A916-9872E089CE7A}" type="slidenum">
+              <a:rPr lang="en-US" smtClean="0"/>
+              <a:t>12</a:t>
+            </a:fld>
+            <a:endParaRPr lang="en-US"/>
+          </a:p>
+        </p:txBody>
+      </p:sp>
+    </p:spTree>
+    <p:extLst>
+      <p:ext uri="{BB962C8B-B14F-4D97-AF65-F5344CB8AC3E}">
+        <p14:creationId xmlns:p14="http://schemas.microsoft.com/office/powerpoint/2010/main" val="841634238"/>
+      </p:ext>
+    </p:extLst>
+  </p:cSld>
+  <p:clrMapOvr>
+    <a:masterClrMapping/>
+  </p:clrMapOvr>
+</p:notes>
+</file>
+
+<file path=ppt/notesSlides/notesSlide13.xml><?xml version="1.0" encoding="utf-8"?>
+<p:notes xmlns:a="http://schemas.openxmlformats.org/drawingml/2006/main" xmlns:r="http://schemas.openxmlformats.org/officeDocument/2006/relationships" xmlns:p="http://schemas.openxmlformats.org/presentationml/2006/main">
+  <p:cSld>
+    <p:spTree>
+      <p:nvGrpSpPr>
+        <p:cNvPr id="1" name=""/>
+        <p:cNvGrpSpPr/>
+        <p:nvPr/>
+      </p:nvGrpSpPr>
+      <p:grpSpPr>
+        <a:xfrm>
+          <a:off x="0" y="0"/>
+          <a:ext cx="0" cy="0"/>
+          <a:chOff x="0" y="0"/>
+          <a:chExt cx="0" cy="0"/>
+        </a:xfrm>
+      </p:grpSpPr>
+      <p:sp>
+        <p:nvSpPr>
+          <p:cNvPr id="2" name="Slide Image Placeholder 1"/>
+          <p:cNvSpPr>
+            <a:spLocks noGrp="1" noRot="1" noChangeAspect="1"/>
+          </p:cNvSpPr>
+          <p:nvPr>
+            <p:ph type="sldImg"/>
+          </p:nvPr>
+        </p:nvSpPr>
+        <p:spPr/>
+      </p:sp>
+      <p:sp>
+        <p:nvSpPr>
+          <p:cNvPr id="3" name="Notes Placeholder 2"/>
+          <p:cNvSpPr>
+            <a:spLocks noGrp="1"/>
+          </p:cNvSpPr>
+          <p:nvPr>
+            <p:ph type="body" idx="1"/>
+          </p:nvPr>
+        </p:nvSpPr>
+        <p:spPr/>
+        <p:txBody>
+          <a:bodyPr/>
+          <a:lstStyle/>
+          <a:p>
+            <a:r>
+              <a:rPr lang="en-US" dirty="0" smtClean="0"/>
+              <a:t>no </a:t>
+            </a:r>
+            <a:r>
+              <a:rPr lang="en-US" dirty="0" err="1" smtClean="0"/>
+              <a:t>no</a:t>
+            </a:r>
+            <a:r>
+              <a:rPr lang="en-US" dirty="0" smtClean="0"/>
+              <a:t>, stay with me. </a:t>
+            </a:r>
+          </a:p>
+          <a:p>
+            <a:r>
+              <a:rPr lang="en-US" dirty="0" smtClean="0"/>
+              <a:t>contains a lot of pipes</a:t>
+            </a:r>
+          </a:p>
+          <a:p>
+            <a:r>
+              <a:rPr lang="en-US" dirty="0" smtClean="0"/>
+              <a:t>message waste comes in and is cleaned and sorted and sometimes we add things to the messages</a:t>
+            </a:r>
+          </a:p>
+        </p:txBody>
+      </p:sp>
+      <p:sp>
+        <p:nvSpPr>
+          <p:cNvPr id="4" name="Slide Number Placeholder 3"/>
+          <p:cNvSpPr>
+            <a:spLocks noGrp="1"/>
+          </p:cNvSpPr>
+          <p:nvPr>
+            <p:ph type="sldNum" sz="quarter" idx="10"/>
+          </p:nvPr>
+        </p:nvSpPr>
+        <p:spPr/>
+        <p:txBody>
+          <a:bodyPr/>
+          <a:lstStyle/>
+          <a:p>
+            <a:fld id="{4CFD207A-07DF-40AD-A916-9872E089CE7A}" type="slidenum">
+              <a:rPr lang="en-US" smtClean="0"/>
+              <a:t>13</a:t>
+            </a:fld>
+            <a:endParaRPr lang="en-US"/>
+          </a:p>
+        </p:txBody>
+      </p:sp>
+    </p:spTree>
+    <p:extLst>
+      <p:ext uri="{BB962C8B-B14F-4D97-AF65-F5344CB8AC3E}">
+        <p14:creationId xmlns:p14="http://schemas.microsoft.com/office/powerpoint/2010/main" val="651189190"/>
+      </p:ext>
+    </p:extLst>
+  </p:cSld>
+  <p:clrMapOvr>
+    <a:masterClrMapping/>
+  </p:clrMapOvr>
+</p:notes>
+</file>
+
+<file path=ppt/notesSlides/notesSlide14.xml><?xml version="1.0" encoding="utf-8"?>
+<p:notes xmlns:a="http://schemas.openxmlformats.org/drawingml/2006/main" xmlns:r="http://schemas.openxmlformats.org/officeDocument/2006/relationships" xmlns:p="http://schemas.openxmlformats.org/presentationml/2006/main">
+  <p:cSld>
+    <p:spTree>
+      <p:nvGrpSpPr>
+        <p:cNvPr id="1" name=""/>
+        <p:cNvGrpSpPr/>
+        <p:nvPr/>
+      </p:nvGrpSpPr>
+      <p:grpSpPr>
+        <a:xfrm>
+          <a:off x="0" y="0"/>
+          <a:ext cx="0" cy="0"/>
+          <a:chOff x="0" y="0"/>
+          <a:chExt cx="0" cy="0"/>
+        </a:xfrm>
+      </p:grpSpPr>
+      <p:sp>
+        <p:nvSpPr>
+          <p:cNvPr id="2" name="Slide Image Placeholder 1"/>
+          <p:cNvSpPr>
+            <a:spLocks noGrp="1" noRot="1" noChangeAspect="1"/>
+          </p:cNvSpPr>
+          <p:nvPr>
+            <p:ph type="sldImg"/>
+          </p:nvPr>
+        </p:nvSpPr>
+        <p:spPr/>
+      </p:sp>
+      <p:sp>
+        <p:nvSpPr>
+          <p:cNvPr id="3" name="Notes Placeholder 2"/>
+          <p:cNvSpPr>
+            <a:spLocks noGrp="1"/>
+          </p:cNvSpPr>
+          <p:nvPr>
+            <p:ph type="body" idx="1"/>
+          </p:nvPr>
+        </p:nvSpPr>
+        <p:spPr/>
+        <p:txBody>
+          <a:bodyPr/>
+          <a:lstStyle/>
+          <a:p>
+            <a:r>
+              <a:rPr lang="en-US" dirty="0" smtClean="0"/>
+              <a:t>no </a:t>
+            </a:r>
+            <a:r>
+              <a:rPr lang="en-US" dirty="0" err="1" smtClean="0"/>
+              <a:t>no</a:t>
+            </a:r>
+            <a:r>
+              <a:rPr lang="en-US" dirty="0" smtClean="0"/>
+              <a:t>, stay with me. </a:t>
+            </a:r>
+          </a:p>
+          <a:p>
+            <a:r>
+              <a:rPr lang="en-US" dirty="0" smtClean="0"/>
+              <a:t>contains a lot of pipes</a:t>
+            </a:r>
+          </a:p>
+          <a:p>
+            <a:r>
+              <a:rPr lang="en-US" smtClean="0"/>
+              <a:t>message </a:t>
+            </a:r>
+            <a:r>
+              <a:rPr lang="en-US" dirty="0" smtClean="0"/>
+              <a:t>waste comes in and is cleaned and sorted and sometimes we add things to the messages</a:t>
+            </a:r>
+          </a:p>
+        </p:txBody>
+      </p:sp>
+      <p:sp>
+        <p:nvSpPr>
+          <p:cNvPr id="4" name="Slide Number Placeholder 3"/>
+          <p:cNvSpPr>
+            <a:spLocks noGrp="1"/>
+          </p:cNvSpPr>
+          <p:nvPr>
+            <p:ph type="sldNum" sz="quarter" idx="10"/>
+          </p:nvPr>
+        </p:nvSpPr>
+        <p:spPr/>
+        <p:txBody>
+          <a:bodyPr/>
+          <a:lstStyle/>
+          <a:p>
+            <a:fld id="{4CFD207A-07DF-40AD-A916-9872E089CE7A}" type="slidenum">
+              <a:rPr lang="en-US" smtClean="0"/>
+              <a:t>14</a:t>
+            </a:fld>
+            <a:endParaRPr lang="en-US"/>
+          </a:p>
+        </p:txBody>
+      </p:sp>
+    </p:spTree>
+    <p:extLst>
+      <p:ext uri="{BB962C8B-B14F-4D97-AF65-F5344CB8AC3E}">
+        <p14:creationId xmlns:p14="http://schemas.microsoft.com/office/powerpoint/2010/main" val="328486038"/>
+      </p:ext>
+    </p:extLst>
+  </p:cSld>
+  <p:clrMapOvr>
+    <a:masterClrMapping/>
+  </p:clrMapOvr>
+</p:notes>
+</file>
+
+<file path=ppt/notesSlides/notesSlide15.xml><?xml version="1.0" encoding="utf-8"?>
+<p:notes xmlns:a="http://schemas.openxmlformats.org/drawingml/2006/main" xmlns:r="http://schemas.openxmlformats.org/officeDocument/2006/relationships" xmlns:p="http://schemas.openxmlformats.org/presentationml/2006/main">
+  <p:cSld>
+    <p:spTree>
+      <p:nvGrpSpPr>
+        <p:cNvPr id="1" name=""/>
+        <p:cNvGrpSpPr/>
+        <p:nvPr/>
+      </p:nvGrpSpPr>
+      <p:grpSpPr>
+        <a:xfrm>
+          <a:off x="0" y="0"/>
+          <a:ext cx="0" cy="0"/>
+          <a:chOff x="0" y="0"/>
+          <a:chExt cx="0" cy="0"/>
+        </a:xfrm>
+      </p:grpSpPr>
+      <p:sp>
+        <p:nvSpPr>
+          <p:cNvPr id="2" name="Slide Image Placeholder 1"/>
+          <p:cNvSpPr>
+            <a:spLocks noGrp="1" noRot="1" noChangeAspect="1"/>
+          </p:cNvSpPr>
+          <p:nvPr>
+            <p:ph type="sldImg"/>
+          </p:nvPr>
+        </p:nvSpPr>
+        <p:spPr/>
+      </p:sp>
+      <p:sp>
+        <p:nvSpPr>
+          <p:cNvPr id="3" name="Notes Placeholder 2"/>
+          <p:cNvSpPr>
+            <a:spLocks noGrp="1"/>
+          </p:cNvSpPr>
+          <p:nvPr>
+            <p:ph type="body" idx="1"/>
+          </p:nvPr>
+        </p:nvSpPr>
+        <p:spPr/>
+        <p:txBody>
+          <a:bodyPr/>
+          <a:lstStyle/>
+          <a:p>
+            <a:r>
+              <a:rPr lang="en-US" dirty="0" smtClean="0"/>
+              <a:t>Can run arbitrary</a:t>
+            </a:r>
+            <a:r>
+              <a:rPr lang="en-US" baseline="0" dirty="0" smtClean="0"/>
+              <a:t> code to convert one format to another or whatever your little heart desires. What does 157.45.68.98 tell you about an IP? Nothing. 192.168.1.5? A little bit</a:t>
+            </a:r>
+            <a:endParaRPr lang="en-US" dirty="0" smtClean="0"/>
+          </a:p>
+        </p:txBody>
+      </p:sp>
+      <p:sp>
+        <p:nvSpPr>
+          <p:cNvPr id="4" name="Slide Number Placeholder 3"/>
+          <p:cNvSpPr>
+            <a:spLocks noGrp="1"/>
+          </p:cNvSpPr>
+          <p:nvPr>
+            <p:ph type="sldNum" sz="quarter" idx="10"/>
+          </p:nvPr>
+        </p:nvSpPr>
+        <p:spPr/>
+        <p:txBody>
+          <a:bodyPr/>
+          <a:lstStyle/>
+          <a:p>
+            <a:fld id="{4CFD207A-07DF-40AD-A916-9872E089CE7A}" type="slidenum">
+              <a:rPr lang="en-US" smtClean="0"/>
+              <a:t>15</a:t>
+            </a:fld>
+            <a:endParaRPr lang="en-US"/>
+          </a:p>
+        </p:txBody>
+      </p:sp>
+    </p:spTree>
+    <p:extLst>
+      <p:ext uri="{BB962C8B-B14F-4D97-AF65-F5344CB8AC3E}">
+        <p14:creationId xmlns:p14="http://schemas.microsoft.com/office/powerpoint/2010/main" val="190222636"/>
+      </p:ext>
+    </p:extLst>
+  </p:cSld>
+  <p:clrMapOvr>
+    <a:masterClrMapping/>
+  </p:clrMapOvr>
+</p:notes>
+</file>
+
+<file path=ppt/notesSlides/notesSlide16.xml><?xml version="1.0" encoding="utf-8"?>
+<p:notes xmlns:a="http://schemas.openxmlformats.org/drawingml/2006/main" xmlns:r="http://schemas.openxmlformats.org/officeDocument/2006/relationships" xmlns:p="http://schemas.openxmlformats.org/presentationml/2006/main">
+  <p:cSld>
+    <p:spTree>
+      <p:nvGrpSpPr>
+        <p:cNvPr id="1" name=""/>
+        <p:cNvGrpSpPr/>
+        <p:nvPr/>
+      </p:nvGrpSpPr>
+      <p:grpSpPr>
+        <a:xfrm>
+          <a:off x="0" y="0"/>
+          <a:ext cx="0" cy="0"/>
+          <a:chOff x="0" y="0"/>
+          <a:chExt cx="0" cy="0"/>
+        </a:xfrm>
+      </p:grpSpPr>
+      <p:sp>
+        <p:nvSpPr>
+          <p:cNvPr id="2" name="Slide Image Placeholder 1"/>
+          <p:cNvSpPr>
+            <a:spLocks noGrp="1" noRot="1" noChangeAspect="1"/>
+          </p:cNvSpPr>
+          <p:nvPr>
+            <p:ph type="sldImg"/>
+          </p:nvPr>
+        </p:nvSpPr>
+        <p:spPr/>
+      </p:sp>
+      <p:sp>
+        <p:nvSpPr>
+          <p:cNvPr id="3" name="Notes Placeholder 2"/>
+          <p:cNvSpPr>
+            <a:spLocks noGrp="1"/>
+          </p:cNvSpPr>
+          <p:nvPr>
+            <p:ph type="body" idx="1"/>
+          </p:nvPr>
+        </p:nvSpPr>
+        <p:spPr/>
+        <p:txBody>
+          <a:bodyPr/>
+          <a:lstStyle/>
+          <a:p>
+            <a:r>
+              <a:rPr lang="en-US" dirty="0" smtClean="0"/>
+              <a:t>Can run arbitrary</a:t>
+            </a:r>
+            <a:r>
+              <a:rPr lang="en-US" baseline="0" dirty="0" smtClean="0"/>
+              <a:t> code to convert one format to another or whatever your little heart desires. What does 157.45.68.98 tell you about an IP? Nothing. 192.168.1.5? A little bit</a:t>
+            </a:r>
+            <a:endParaRPr lang="en-US" dirty="0" smtClean="0"/>
+          </a:p>
+        </p:txBody>
+      </p:sp>
+      <p:sp>
+        <p:nvSpPr>
+          <p:cNvPr id="4" name="Slide Number Placeholder 3"/>
+          <p:cNvSpPr>
+            <a:spLocks noGrp="1"/>
+          </p:cNvSpPr>
+          <p:nvPr>
+            <p:ph type="sldNum" sz="quarter" idx="10"/>
+          </p:nvPr>
+        </p:nvSpPr>
+        <p:spPr/>
+        <p:txBody>
+          <a:bodyPr/>
+          <a:lstStyle/>
+          <a:p>
+            <a:fld id="{4CFD207A-07DF-40AD-A916-9872E089CE7A}" type="slidenum">
+              <a:rPr lang="en-US" smtClean="0"/>
+              <a:t>16</a:t>
+            </a:fld>
+            <a:endParaRPr lang="en-US"/>
+          </a:p>
+        </p:txBody>
+      </p:sp>
+    </p:spTree>
+    <p:extLst>
+      <p:ext uri="{BB962C8B-B14F-4D97-AF65-F5344CB8AC3E}">
+        <p14:creationId xmlns:p14="http://schemas.microsoft.com/office/powerpoint/2010/main" val="3908626167"/>
+      </p:ext>
+    </p:extLst>
+  </p:cSld>
+  <p:clrMapOvr>
+    <a:masterClrMapping/>
+  </p:clrMapOvr>
+</p:notes>
+</file>
+
+<file path=ppt/notesSlides/notesSlide17.xml><?xml version="1.0" encoding="utf-8"?>
+<p:notes xmlns:a="http://schemas.openxmlformats.org/drawingml/2006/main" xmlns:r="http://schemas.openxmlformats.org/officeDocument/2006/relationships" xmlns:p="http://schemas.openxmlformats.org/presentationml/2006/main">
+  <p:cSld>
+    <p:spTree>
+      <p:nvGrpSpPr>
+        <p:cNvPr id="1" name=""/>
+        <p:cNvGrpSpPr/>
+        <p:nvPr/>
+      </p:nvGrpSpPr>
+      <p:grpSpPr>
+        <a:xfrm>
+          <a:off x="0" y="0"/>
+          <a:ext cx="0" cy="0"/>
+          <a:chOff x="0" y="0"/>
+          <a:chExt cx="0" cy="0"/>
+        </a:xfrm>
+      </p:grpSpPr>
+      <p:sp>
+        <p:nvSpPr>
+          <p:cNvPr id="2" name="Slide Image Placeholder 1"/>
+          <p:cNvSpPr>
+            <a:spLocks noGrp="1" noRot="1" noChangeAspect="1"/>
+          </p:cNvSpPr>
+          <p:nvPr>
+            <p:ph type="sldImg"/>
+          </p:nvPr>
+        </p:nvSpPr>
+        <p:spPr/>
+      </p:sp>
+      <p:sp>
+        <p:nvSpPr>
+          <p:cNvPr id="3" name="Notes Placeholder 2"/>
+          <p:cNvSpPr>
+            <a:spLocks noGrp="1"/>
+          </p:cNvSpPr>
+          <p:nvPr>
+            <p:ph type="body" idx="1"/>
+          </p:nvPr>
+        </p:nvSpPr>
+        <p:spPr/>
+        <p:txBody>
+          <a:bodyPr/>
+          <a:lstStyle/>
+          <a:p>
+            <a:r>
+              <a:rPr lang="en-US" dirty="0" smtClean="0"/>
+              <a:t>Apparently </a:t>
+            </a:r>
+            <a:r>
+              <a:rPr lang="en-US" dirty="0" err="1" smtClean="0"/>
+              <a:t>elasticsearch</a:t>
+            </a:r>
+            <a:r>
+              <a:rPr lang="en-US" dirty="0" smtClean="0"/>
+              <a:t> is now just called elastic</a:t>
+            </a:r>
+          </a:p>
+        </p:txBody>
+      </p:sp>
+      <p:sp>
+        <p:nvSpPr>
+          <p:cNvPr id="4" name="Slide Number Placeholder 3"/>
+          <p:cNvSpPr>
+            <a:spLocks noGrp="1"/>
+          </p:cNvSpPr>
+          <p:nvPr>
+            <p:ph type="sldNum" sz="quarter" idx="10"/>
+          </p:nvPr>
+        </p:nvSpPr>
+        <p:spPr/>
+        <p:txBody>
+          <a:bodyPr/>
+          <a:lstStyle/>
+          <a:p>
+            <a:fld id="{4CFD207A-07DF-40AD-A916-9872E089CE7A}" type="slidenum">
+              <a:rPr lang="en-US" smtClean="0"/>
+              <a:t>17</a:t>
+            </a:fld>
+            <a:endParaRPr lang="en-US"/>
+          </a:p>
+        </p:txBody>
+      </p:sp>
+    </p:spTree>
+    <p:extLst>
+      <p:ext uri="{BB962C8B-B14F-4D97-AF65-F5344CB8AC3E}">
+        <p14:creationId xmlns:p14="http://schemas.microsoft.com/office/powerpoint/2010/main" val="2348154011"/>
+      </p:ext>
+    </p:extLst>
+  </p:cSld>
+  <p:clrMapOvr>
+    <a:masterClrMapping/>
+  </p:clrMapOvr>
+</p:notes>
+</file>
+
+<file path=ppt/notesSlides/notesSlide18.xml><?xml version="1.0" encoding="utf-8"?>
+<p:notes xmlns:a="http://schemas.openxmlformats.org/drawingml/2006/main" xmlns:r="http://schemas.openxmlformats.org/officeDocument/2006/relationships" xmlns:p="http://schemas.openxmlformats.org/presentationml/2006/main">
+  <p:cSld>
+    <p:spTree>
+      <p:nvGrpSpPr>
+        <p:cNvPr id="1" name=""/>
+        <p:cNvGrpSpPr/>
+        <p:nvPr/>
+      </p:nvGrpSpPr>
+      <p:grpSpPr>
+        <a:xfrm>
+          <a:off x="0" y="0"/>
+          <a:ext cx="0" cy="0"/>
+          <a:chOff x="0" y="0"/>
+          <a:chExt cx="0" cy="0"/>
+        </a:xfrm>
+      </p:grpSpPr>
+      <p:sp>
+        <p:nvSpPr>
+          <p:cNvPr id="2" name="Slide Image Placeholder 1"/>
+          <p:cNvSpPr>
+            <a:spLocks noGrp="1" noRot="1" noChangeAspect="1"/>
+          </p:cNvSpPr>
+          <p:nvPr>
+            <p:ph type="sldImg"/>
+          </p:nvPr>
+        </p:nvSpPr>
+        <p:spPr/>
+      </p:sp>
+      <p:sp>
+        <p:nvSpPr>
+          <p:cNvPr id="3" name="Notes Placeholder 2"/>
+          <p:cNvSpPr>
+            <a:spLocks noGrp="1"/>
+          </p:cNvSpPr>
+          <p:nvPr>
+            <p:ph type="body" idx="1"/>
+          </p:nvPr>
+        </p:nvSpPr>
+        <p:spPr/>
+        <p:txBody>
+          <a:bodyPr/>
+          <a:lstStyle/>
+          <a:p>
+            <a:r>
+              <a:rPr lang="en-US" dirty="0" smtClean="0"/>
+              <a:t>Seems like companies don’t like to name</a:t>
+            </a:r>
+            <a:r>
+              <a:rPr lang="en-US" baseline="0" dirty="0" smtClean="0"/>
+              <a:t> things in a way that can be easily found by search engines. A pity. </a:t>
+            </a:r>
+          </a:p>
+          <a:p>
+            <a:endParaRPr lang="en-US" baseline="0" dirty="0" smtClean="0"/>
+          </a:p>
+          <a:p>
+            <a:r>
+              <a:rPr lang="en-US" baseline="0" dirty="0" smtClean="0"/>
+              <a:t>Most people are using elastic just as a search engine. You can put pretty much anything into it and do fast full text searches. However elastic is built on top of a distributed database. Data is </a:t>
+            </a:r>
+            <a:r>
+              <a:rPr lang="en-US" baseline="0" dirty="0" err="1" smtClean="0"/>
+              <a:t>sharded</a:t>
+            </a:r>
+            <a:r>
+              <a:rPr lang="en-US" baseline="0" dirty="0" smtClean="0"/>
+              <a:t> onto multiple nodes in a way that is tolerant to failures of some nodes. It is an eventually consistent system and stresses </a:t>
+            </a:r>
+            <a:endParaRPr lang="en-US" dirty="0" smtClean="0"/>
+          </a:p>
+        </p:txBody>
+      </p:sp>
+      <p:sp>
+        <p:nvSpPr>
+          <p:cNvPr id="4" name="Slide Number Placeholder 3"/>
+          <p:cNvSpPr>
+            <a:spLocks noGrp="1"/>
+          </p:cNvSpPr>
+          <p:nvPr>
+            <p:ph type="sldNum" sz="quarter" idx="10"/>
+          </p:nvPr>
+        </p:nvSpPr>
+        <p:spPr/>
+        <p:txBody>
+          <a:bodyPr/>
+          <a:lstStyle/>
+          <a:p>
+            <a:fld id="{4CFD207A-07DF-40AD-A916-9872E089CE7A}" type="slidenum">
+              <a:rPr lang="en-US" smtClean="0"/>
+              <a:t>18</a:t>
+            </a:fld>
+            <a:endParaRPr lang="en-US"/>
+          </a:p>
+        </p:txBody>
+      </p:sp>
+    </p:spTree>
+    <p:extLst>
+      <p:ext uri="{BB962C8B-B14F-4D97-AF65-F5344CB8AC3E}">
+        <p14:creationId xmlns:p14="http://schemas.microsoft.com/office/powerpoint/2010/main" val="246593106"/>
+      </p:ext>
+    </p:extLst>
+  </p:cSld>
+  <p:clrMapOvr>
+    <a:masterClrMapping/>
+  </p:clrMapOvr>
+</p:notes>
+</file>
+
+<file path=ppt/notesSlides/notesSlide19.xml><?xml version="1.0" encoding="utf-8"?>
+<p:notes xmlns:a="http://schemas.openxmlformats.org/drawingml/2006/main" xmlns:r="http://schemas.openxmlformats.org/officeDocument/2006/relationships" xmlns:p="http://schemas.openxmlformats.org/presentationml/2006/main">
+  <p:cSld>
+    <p:spTree>
+      <p:nvGrpSpPr>
+        <p:cNvPr id="1" name=""/>
+        <p:cNvGrpSpPr/>
+        <p:nvPr/>
+      </p:nvGrpSpPr>
+      <p:grpSpPr>
+        <a:xfrm>
+          <a:off x="0" y="0"/>
+          <a:ext cx="0" cy="0"/>
+          <a:chOff x="0" y="0"/>
+          <a:chExt cx="0" cy="0"/>
+        </a:xfrm>
+      </p:grpSpPr>
+      <p:sp>
+        <p:nvSpPr>
+          <p:cNvPr id="2" name="Slide Image Placeholder 1"/>
+          <p:cNvSpPr>
+            <a:spLocks noGrp="1" noRot="1" noChangeAspect="1"/>
+          </p:cNvSpPr>
+          <p:nvPr>
+            <p:ph type="sldImg"/>
+          </p:nvPr>
+        </p:nvSpPr>
+        <p:spPr/>
+      </p:sp>
+      <p:sp>
+        <p:nvSpPr>
+          <p:cNvPr id="3" name="Notes Placeholder 2"/>
+          <p:cNvSpPr>
+            <a:spLocks noGrp="1"/>
+          </p:cNvSpPr>
+          <p:nvPr>
+            <p:ph type="body" idx="1"/>
+          </p:nvPr>
+        </p:nvSpPr>
+        <p:spPr/>
+        <p:txBody>
+          <a:bodyPr/>
+          <a:lstStyle/>
+          <a:p>
+            <a:r>
+              <a:rPr lang="en-US" dirty="0" smtClean="0"/>
+              <a:t>Docker is all about isolation. Ramble on for a bit about </a:t>
+            </a:r>
+            <a:r>
+              <a:rPr lang="en-US" dirty="0" err="1" smtClean="0"/>
+              <a:t>docker</a:t>
+            </a:r>
+            <a:r>
+              <a:rPr lang="en-US" dirty="0" smtClean="0"/>
+              <a:t>. The library it is built</a:t>
+            </a:r>
+            <a:r>
+              <a:rPr lang="en-US" baseline="0" dirty="0" smtClean="0"/>
+              <a:t> on is </a:t>
+            </a:r>
+            <a:r>
+              <a:rPr lang="en-US" b="1" baseline="0" dirty="0" err="1" smtClean="0"/>
+              <a:t>libcontainer</a:t>
+            </a:r>
+            <a:r>
+              <a:rPr lang="en-US" baseline="0" dirty="0" smtClean="0"/>
+              <a:t>, </a:t>
+            </a:r>
+            <a:r>
+              <a:rPr lang="en-US" baseline="0" dirty="0" err="1" smtClean="0"/>
+              <a:t>libvirt</a:t>
+            </a:r>
+            <a:r>
+              <a:rPr lang="en-US" baseline="0" dirty="0" smtClean="0"/>
+              <a:t>, LXC, system-</a:t>
+            </a:r>
+            <a:r>
+              <a:rPr lang="en-US" baseline="0" dirty="0" err="1" smtClean="0"/>
+              <a:t>nspan</a:t>
+            </a:r>
+            <a:endParaRPr lang="en-US" baseline="0" dirty="0" smtClean="0"/>
+          </a:p>
+          <a:p>
+            <a:endParaRPr lang="en-US" baseline="0" dirty="0" smtClean="0"/>
+          </a:p>
+          <a:p>
+            <a:r>
+              <a:rPr lang="en-US" baseline="0" dirty="0" smtClean="0"/>
+              <a:t>“</a:t>
+            </a:r>
+            <a:r>
+              <a:rPr lang="en-US" sz="1200" b="0" i="0" kern="1200" dirty="0" smtClean="0">
+                <a:solidFill>
+                  <a:schemeClr val="tx1"/>
+                </a:solidFill>
+                <a:effectLst/>
+                <a:latin typeface="+mn-lt"/>
+                <a:ea typeface="+mn-ea"/>
+                <a:cs typeface="+mn-cs"/>
+              </a:rPr>
+              <a:t>By using containers, resources can be isolated, services restricted, and processes provisioned to have an almost completely private view of the operating system with their own process ID space, file system structure, and network interfaces. Multiple containers share the same kernel, but each container can be constrained to only use a defined amount of resources such as CPU, memory and I/O.” -</a:t>
+            </a:r>
+            <a:r>
+              <a:rPr lang="en-US" sz="1200" b="0" i="0" kern="1200" dirty="0" err="1" smtClean="0">
+                <a:solidFill>
+                  <a:schemeClr val="tx1"/>
+                </a:solidFill>
+                <a:effectLst/>
+                <a:latin typeface="+mn-lt"/>
+                <a:ea typeface="+mn-ea"/>
+                <a:cs typeface="+mn-cs"/>
+              </a:rPr>
+              <a:t>wikipedia</a:t>
+            </a:r>
+            <a:endParaRPr lang="en-US" dirty="0"/>
+          </a:p>
+        </p:txBody>
+      </p:sp>
+      <p:sp>
+        <p:nvSpPr>
+          <p:cNvPr id="4" name="Slide Number Placeholder 3"/>
+          <p:cNvSpPr>
+            <a:spLocks noGrp="1"/>
+          </p:cNvSpPr>
+          <p:nvPr>
+            <p:ph type="sldNum" sz="quarter" idx="10"/>
+          </p:nvPr>
+        </p:nvSpPr>
+        <p:spPr/>
+        <p:txBody>
+          <a:bodyPr/>
+          <a:lstStyle/>
+          <a:p>
+            <a:fld id="{4CFD207A-07DF-40AD-A916-9872E089CE7A}" type="slidenum">
+              <a:rPr lang="en-US" smtClean="0"/>
+              <a:t>23</a:t>
+            </a:fld>
+            <a:endParaRPr lang="en-US"/>
+          </a:p>
+        </p:txBody>
+      </p:sp>
+    </p:spTree>
+    <p:extLst>
+      <p:ext uri="{BB962C8B-B14F-4D97-AF65-F5344CB8AC3E}">
+        <p14:creationId xmlns:p14="http://schemas.microsoft.com/office/powerpoint/2010/main" val="2508391104"/>
       </p:ext>
     </p:extLst>
   </p:cSld>
@@ -769,17 +1903,10 @@
         </p:nvSpPr>
         <p:spPr/>
         <p:txBody>
-          <a:bodyPr>
-            <a:noAutofit/>
-          </a:bodyPr>
-          <a:lstStyle/>
-          <a:p>
-            <a:endParaRPr lang="en-GB" dirty="0">
-              <a:solidFill>
-                <a:schemeClr val="tx2"/>
-              </a:solidFill>
-              <a:latin typeface="Segoe" pitchFamily="34" charset="0"/>
-            </a:endParaRPr>
+          <a:bodyPr/>
+          <a:lstStyle/>
+          <a:p>
+            <a:endParaRPr lang="en-US" dirty="0"/>
           </a:p>
         </p:txBody>
       </p:sp>
@@ -810,7 +1937,436 @@
     </p:spTree>
     <p:extLst>
       <p:ext uri="{BB962C8B-B14F-4D97-AF65-F5344CB8AC3E}">
-        <p14:creationId xmlns:p14="http://schemas.microsoft.com/office/powerpoint/2010/main" val="1542757562"/>
+        <p14:creationId xmlns:p14="http://schemas.microsoft.com/office/powerpoint/2010/main" val="2595756465"/>
+      </p:ext>
+    </p:extLst>
+  </p:cSld>
+  <p:clrMapOvr>
+    <a:masterClrMapping/>
+  </p:clrMapOvr>
+</p:notes>
+</file>
+
+<file path=ppt/notesSlides/notesSlide20.xml><?xml version="1.0" encoding="utf-8"?>
+<p:notes xmlns:a="http://schemas.openxmlformats.org/drawingml/2006/main" xmlns:r="http://schemas.openxmlformats.org/officeDocument/2006/relationships" xmlns:p="http://schemas.openxmlformats.org/presentationml/2006/main">
+  <p:cSld>
+    <p:spTree>
+      <p:nvGrpSpPr>
+        <p:cNvPr id="1" name=""/>
+        <p:cNvGrpSpPr/>
+        <p:nvPr/>
+      </p:nvGrpSpPr>
+      <p:grpSpPr>
+        <a:xfrm>
+          <a:off x="0" y="0"/>
+          <a:ext cx="0" cy="0"/>
+          <a:chOff x="0" y="0"/>
+          <a:chExt cx="0" cy="0"/>
+        </a:xfrm>
+      </p:grpSpPr>
+      <p:sp>
+        <p:nvSpPr>
+          <p:cNvPr id="2" name="Slide Image Placeholder 1"/>
+          <p:cNvSpPr>
+            <a:spLocks noGrp="1" noRot="1" noChangeAspect="1"/>
+          </p:cNvSpPr>
+          <p:nvPr>
+            <p:ph type="sldImg"/>
+          </p:nvPr>
+        </p:nvSpPr>
+        <p:spPr/>
+      </p:sp>
+      <p:sp>
+        <p:nvSpPr>
+          <p:cNvPr id="3" name="Notes Placeholder 2"/>
+          <p:cNvSpPr>
+            <a:spLocks noGrp="1"/>
+          </p:cNvSpPr>
+          <p:nvPr>
+            <p:ph type="body" idx="1"/>
+          </p:nvPr>
+        </p:nvSpPr>
+        <p:spPr/>
+        <p:txBody>
+          <a:bodyPr/>
+          <a:lstStyle/>
+          <a:p>
+            <a:r>
+              <a:rPr lang="en-US" dirty="0" smtClean="0"/>
+              <a:t>Handles stacking </a:t>
+            </a:r>
+            <a:r>
+              <a:rPr lang="en-US" dirty="0" err="1" smtClean="0"/>
+              <a:t>docker</a:t>
+            </a:r>
+            <a:r>
+              <a:rPr lang="en-US" dirty="0" smtClean="0"/>
+              <a:t> on</a:t>
+            </a:r>
+            <a:r>
+              <a:rPr lang="en-US" baseline="0" dirty="0" smtClean="0"/>
+              <a:t> top of a </a:t>
+            </a:r>
+            <a:r>
+              <a:rPr lang="en-US" baseline="0" dirty="0" err="1" smtClean="0"/>
+              <a:t>vm</a:t>
+            </a:r>
+            <a:r>
+              <a:rPr lang="en-US" baseline="0" dirty="0" smtClean="0"/>
+              <a:t>. Facilitates talking to the </a:t>
+            </a:r>
+            <a:r>
+              <a:rPr lang="en-US" baseline="0" dirty="0" err="1" smtClean="0"/>
+              <a:t>docker</a:t>
+            </a:r>
+            <a:r>
+              <a:rPr lang="en-US" baseline="0" dirty="0" smtClean="0"/>
+              <a:t> images easily</a:t>
+            </a:r>
+            <a:endParaRPr lang="en-US" dirty="0"/>
+          </a:p>
+        </p:txBody>
+      </p:sp>
+      <p:sp>
+        <p:nvSpPr>
+          <p:cNvPr id="4" name="Slide Number Placeholder 3"/>
+          <p:cNvSpPr>
+            <a:spLocks noGrp="1"/>
+          </p:cNvSpPr>
+          <p:nvPr>
+            <p:ph type="sldNum" sz="quarter" idx="10"/>
+          </p:nvPr>
+        </p:nvSpPr>
+        <p:spPr/>
+        <p:txBody>
+          <a:bodyPr/>
+          <a:lstStyle/>
+          <a:p>
+            <a:fld id="{4CFD207A-07DF-40AD-A916-9872E089CE7A}" type="slidenum">
+              <a:rPr lang="en-US" smtClean="0"/>
+              <a:t>24</a:t>
+            </a:fld>
+            <a:endParaRPr lang="en-US"/>
+          </a:p>
+        </p:txBody>
+      </p:sp>
+    </p:spTree>
+    <p:extLst>
+      <p:ext uri="{BB962C8B-B14F-4D97-AF65-F5344CB8AC3E}">
+        <p14:creationId xmlns:p14="http://schemas.microsoft.com/office/powerpoint/2010/main" val="298101098"/>
+      </p:ext>
+    </p:extLst>
+  </p:cSld>
+  <p:clrMapOvr>
+    <a:masterClrMapping/>
+  </p:clrMapOvr>
+</p:notes>
+</file>
+
+<file path=ppt/notesSlides/notesSlide21.xml><?xml version="1.0" encoding="utf-8"?>
+<p:notes xmlns:a="http://schemas.openxmlformats.org/drawingml/2006/main" xmlns:r="http://schemas.openxmlformats.org/officeDocument/2006/relationships" xmlns:p="http://schemas.openxmlformats.org/presentationml/2006/main">
+  <p:cSld>
+    <p:spTree>
+      <p:nvGrpSpPr>
+        <p:cNvPr id="1" name=""/>
+        <p:cNvGrpSpPr/>
+        <p:nvPr/>
+      </p:nvGrpSpPr>
+      <p:grpSpPr>
+        <a:xfrm>
+          <a:off x="0" y="0"/>
+          <a:ext cx="0" cy="0"/>
+          <a:chOff x="0" y="0"/>
+          <a:chExt cx="0" cy="0"/>
+        </a:xfrm>
+      </p:grpSpPr>
+      <p:sp>
+        <p:nvSpPr>
+          <p:cNvPr id="2" name="Slide Image Placeholder 1"/>
+          <p:cNvSpPr>
+            <a:spLocks noGrp="1" noRot="1" noChangeAspect="1"/>
+          </p:cNvSpPr>
+          <p:nvPr>
+            <p:ph type="sldImg"/>
+          </p:nvPr>
+        </p:nvSpPr>
+        <p:spPr/>
+      </p:sp>
+      <p:sp>
+        <p:nvSpPr>
+          <p:cNvPr id="3" name="Notes Placeholder 2"/>
+          <p:cNvSpPr>
+            <a:spLocks noGrp="1"/>
+          </p:cNvSpPr>
+          <p:nvPr>
+            <p:ph type="body" idx="1"/>
+          </p:nvPr>
+        </p:nvSpPr>
+        <p:spPr/>
+        <p:txBody>
+          <a:bodyPr/>
+          <a:lstStyle/>
+          <a:p>
+            <a:r>
+              <a:rPr lang="en-US" dirty="0" smtClean="0"/>
+              <a:t>A bunch of whales. Provides</a:t>
+            </a:r>
+            <a:r>
+              <a:rPr lang="en-US" baseline="0" dirty="0" smtClean="0"/>
+              <a:t> an abstraction over multiple machines so you can throw up a bunch of </a:t>
+            </a:r>
+            <a:r>
+              <a:rPr lang="en-US" baseline="0" dirty="0" err="1" smtClean="0"/>
+              <a:t>docker</a:t>
+            </a:r>
+            <a:r>
+              <a:rPr lang="en-US" baseline="0" dirty="0" smtClean="0"/>
+              <a:t> images without having to worry about which machine is running it or load balancing or any of that. Docker on azure will be compatible with swarm</a:t>
+            </a:r>
+            <a:endParaRPr lang="en-US" dirty="0"/>
+          </a:p>
+        </p:txBody>
+      </p:sp>
+      <p:sp>
+        <p:nvSpPr>
+          <p:cNvPr id="4" name="Slide Number Placeholder 3"/>
+          <p:cNvSpPr>
+            <a:spLocks noGrp="1"/>
+          </p:cNvSpPr>
+          <p:nvPr>
+            <p:ph type="sldNum" sz="quarter" idx="10"/>
+          </p:nvPr>
+        </p:nvSpPr>
+        <p:spPr/>
+        <p:txBody>
+          <a:bodyPr/>
+          <a:lstStyle/>
+          <a:p>
+            <a:fld id="{4CFD207A-07DF-40AD-A916-9872E089CE7A}" type="slidenum">
+              <a:rPr lang="en-US" smtClean="0"/>
+              <a:t>25</a:t>
+            </a:fld>
+            <a:endParaRPr lang="en-US"/>
+          </a:p>
+        </p:txBody>
+      </p:sp>
+    </p:spTree>
+    <p:extLst>
+      <p:ext uri="{BB962C8B-B14F-4D97-AF65-F5344CB8AC3E}">
+        <p14:creationId xmlns:p14="http://schemas.microsoft.com/office/powerpoint/2010/main" val="558400090"/>
+      </p:ext>
+    </p:extLst>
+  </p:cSld>
+  <p:clrMapOvr>
+    <a:masterClrMapping/>
+  </p:clrMapOvr>
+</p:notes>
+</file>
+
+<file path=ppt/notesSlides/notesSlide22.xml><?xml version="1.0" encoding="utf-8"?>
+<p:notes xmlns:a="http://schemas.openxmlformats.org/drawingml/2006/main" xmlns:r="http://schemas.openxmlformats.org/officeDocument/2006/relationships" xmlns:p="http://schemas.openxmlformats.org/presentationml/2006/main">
+  <p:cSld>
+    <p:spTree>
+      <p:nvGrpSpPr>
+        <p:cNvPr id="1" name=""/>
+        <p:cNvGrpSpPr/>
+        <p:nvPr/>
+      </p:nvGrpSpPr>
+      <p:grpSpPr>
+        <a:xfrm>
+          <a:off x="0" y="0"/>
+          <a:ext cx="0" cy="0"/>
+          <a:chOff x="0" y="0"/>
+          <a:chExt cx="0" cy="0"/>
+        </a:xfrm>
+      </p:grpSpPr>
+      <p:sp>
+        <p:nvSpPr>
+          <p:cNvPr id="2" name="Slide Image Placeholder 1"/>
+          <p:cNvSpPr>
+            <a:spLocks noGrp="1" noRot="1" noChangeAspect="1"/>
+          </p:cNvSpPr>
+          <p:nvPr>
+            <p:ph type="sldImg"/>
+          </p:nvPr>
+        </p:nvSpPr>
+        <p:spPr/>
+      </p:sp>
+      <p:sp>
+        <p:nvSpPr>
+          <p:cNvPr id="3" name="Notes Placeholder 2"/>
+          <p:cNvSpPr>
+            <a:spLocks noGrp="1"/>
+          </p:cNvSpPr>
+          <p:nvPr>
+            <p:ph type="body" idx="1"/>
+          </p:nvPr>
+        </p:nvSpPr>
+        <p:spPr/>
+        <p:txBody>
+          <a:bodyPr/>
+          <a:lstStyle/>
+          <a:p>
+            <a:r>
+              <a:rPr lang="en-US" dirty="0" smtClean="0"/>
+              <a:t>JSON based desired state configuration for </a:t>
+            </a:r>
+            <a:r>
+              <a:rPr lang="en-US" smtClean="0"/>
+              <a:t>resource groups</a:t>
+            </a:r>
+            <a:endParaRPr lang="en-US"/>
+          </a:p>
+        </p:txBody>
+      </p:sp>
+      <p:sp>
+        <p:nvSpPr>
+          <p:cNvPr id="4" name="Slide Number Placeholder 3"/>
+          <p:cNvSpPr>
+            <a:spLocks noGrp="1"/>
+          </p:cNvSpPr>
+          <p:nvPr>
+            <p:ph type="sldNum" sz="quarter" idx="10"/>
+          </p:nvPr>
+        </p:nvSpPr>
+        <p:spPr/>
+        <p:txBody>
+          <a:bodyPr/>
+          <a:lstStyle/>
+          <a:p>
+            <a:fld id="{4CFD207A-07DF-40AD-A916-9872E089CE7A}" type="slidenum">
+              <a:rPr lang="en-US" smtClean="0"/>
+              <a:t>26</a:t>
+            </a:fld>
+            <a:endParaRPr lang="en-US"/>
+          </a:p>
+        </p:txBody>
+      </p:sp>
+    </p:spTree>
+    <p:extLst>
+      <p:ext uri="{BB962C8B-B14F-4D97-AF65-F5344CB8AC3E}">
+        <p14:creationId xmlns:p14="http://schemas.microsoft.com/office/powerpoint/2010/main" val="2726624729"/>
+      </p:ext>
+    </p:extLst>
+  </p:cSld>
+  <p:clrMapOvr>
+    <a:masterClrMapping/>
+  </p:clrMapOvr>
+</p:notes>
+</file>
+
+<file path=ppt/notesSlides/notesSlide23.xml><?xml version="1.0" encoding="utf-8"?>
+<p:notes xmlns:a="http://schemas.openxmlformats.org/drawingml/2006/main" xmlns:r="http://schemas.openxmlformats.org/officeDocument/2006/relationships" xmlns:p="http://schemas.openxmlformats.org/presentationml/2006/main">
+  <p:cSld>
+    <p:spTree>
+      <p:nvGrpSpPr>
+        <p:cNvPr id="1" name=""/>
+        <p:cNvGrpSpPr/>
+        <p:nvPr/>
+      </p:nvGrpSpPr>
+      <p:grpSpPr>
+        <a:xfrm>
+          <a:off x="0" y="0"/>
+          <a:ext cx="0" cy="0"/>
+          <a:chOff x="0" y="0"/>
+          <a:chExt cx="0" cy="0"/>
+        </a:xfrm>
+      </p:grpSpPr>
+      <p:sp>
+        <p:nvSpPr>
+          <p:cNvPr id="2" name="Slide Image Placeholder 1"/>
+          <p:cNvSpPr>
+            <a:spLocks noGrp="1" noRot="1" noChangeAspect="1"/>
+          </p:cNvSpPr>
+          <p:nvPr>
+            <p:ph type="sldImg"/>
+          </p:nvPr>
+        </p:nvSpPr>
+        <p:spPr/>
+      </p:sp>
+      <p:sp>
+        <p:nvSpPr>
+          <p:cNvPr id="3" name="Notes Placeholder 2"/>
+          <p:cNvSpPr>
+            <a:spLocks noGrp="1"/>
+          </p:cNvSpPr>
+          <p:nvPr>
+            <p:ph type="body" idx="1"/>
+          </p:nvPr>
+        </p:nvSpPr>
+        <p:spPr/>
+        <p:txBody>
+          <a:bodyPr/>
+          <a:lstStyle/>
+          <a:p>
+            <a:r>
+              <a:rPr lang="en-US" dirty="0" smtClean="0"/>
+              <a:t>Seems like companies don’t like to name</a:t>
+            </a:r>
+            <a:r>
+              <a:rPr lang="en-US" baseline="0" dirty="0" smtClean="0"/>
+              <a:t> things in a way that can be easily found by search engines. A </a:t>
+            </a:r>
+            <a:r>
+              <a:rPr lang="en-US" baseline="0" dirty="0" err="1" smtClean="0"/>
+              <a:t>pitty</a:t>
+            </a:r>
+            <a:r>
+              <a:rPr lang="en-US" baseline="0" dirty="0" smtClean="0"/>
+              <a:t>. </a:t>
+            </a:r>
+          </a:p>
+          <a:p>
+            <a:endParaRPr lang="en-US" baseline="0" dirty="0" smtClean="0"/>
+          </a:p>
+          <a:p>
+            <a:r>
+              <a:rPr lang="en-US" baseline="0" dirty="0" smtClean="0"/>
+              <a:t>Most people are using elastic just as a search engine. You can put pretty much anything into it and do fast full text searches. However elastic is built on top of a distributed database. Data is </a:t>
+            </a:r>
+            <a:r>
+              <a:rPr lang="en-US" baseline="0" dirty="0" err="1" smtClean="0"/>
+              <a:t>sharded</a:t>
+            </a:r>
+            <a:r>
+              <a:rPr lang="en-US" baseline="0" dirty="0" smtClean="0"/>
+              <a:t> onto multiple nodes in a way that is tolerant to failures of some nodes. It is an eventually consistent system </a:t>
+            </a:r>
+            <a:r>
+              <a:rPr lang="en-US" baseline="0" smtClean="0"/>
+              <a:t>and stresses </a:t>
+            </a:r>
+            <a:endParaRPr lang="en-US" dirty="0" smtClean="0"/>
+          </a:p>
+        </p:txBody>
+      </p:sp>
+      <p:sp>
+        <p:nvSpPr>
+          <p:cNvPr id="4" name="Slide Number Placeholder 3"/>
+          <p:cNvSpPr>
+            <a:spLocks noGrp="1"/>
+          </p:cNvSpPr>
+          <p:nvPr>
+            <p:ph type="sldNum" sz="quarter" idx="10"/>
+          </p:nvPr>
+        </p:nvSpPr>
+        <p:spPr/>
+        <p:txBody>
+          <a:bodyPr/>
+          <a:lstStyle/>
+          <a:p>
+            <a:fld id="{4CFD207A-07DF-40AD-A916-9872E089CE7A}" type="slidenum">
+              <a:rPr lang="en-US" smtClean="0"/>
+              <a:t>27</a:t>
+            </a:fld>
+            <a:endParaRPr lang="en-US"/>
+          </a:p>
+        </p:txBody>
+      </p:sp>
+    </p:spTree>
+    <p:extLst>
+      <p:ext uri="{BB962C8B-B14F-4D97-AF65-F5344CB8AC3E}">
+        <p14:creationId xmlns:p14="http://schemas.microsoft.com/office/powerpoint/2010/main" val="1358550594"/>
       </p:ext>
     </p:extLst>
   </p:cSld>
@@ -864,7 +2420,7 @@
           <a:bodyPr/>
           <a:lstStyle/>
           <a:p>
-            <a:endParaRPr lang="en-US"/>
+            <a:endParaRPr lang="en-US" dirty="0"/>
           </a:p>
         </p:txBody>
       </p:sp>
@@ -883,18 +2439,649 @@
           <a:bodyPr/>
           <a:lstStyle/>
           <a:p>
-            <a:fld id="{4CFD207A-07DF-40AD-A916-9872E089CE7A}" type="slidenum">
+            <a:fld id="{13F0F35F-DD44-4607-AEC1-49D7A4BC4066}" type="slidenum">
               <a:rPr lang="en-US" smtClean="0"/>
+              <a:pPr/>
               <a:t>3</a:t>
             </a:fld>
-            <a:endParaRPr lang="en-US"/>
+            <a:endParaRPr lang="en-US" dirty="0"/>
           </a:p>
         </p:txBody>
       </p:sp>
     </p:spTree>
     <p:extLst>
       <p:ext uri="{BB962C8B-B14F-4D97-AF65-F5344CB8AC3E}">
-        <p14:creationId xmlns:p14="http://schemas.microsoft.com/office/powerpoint/2010/main" val="1692121609"/>
+        <p14:creationId xmlns:p14="http://schemas.microsoft.com/office/powerpoint/2010/main" val="2595756465"/>
+      </p:ext>
+    </p:extLst>
+  </p:cSld>
+  <p:clrMapOvr>
+    <a:masterClrMapping/>
+  </p:clrMapOvr>
+</p:notes>
+</file>
+
+<file path=ppt/notesSlides/notesSlide4.xml><?xml version="1.0" encoding="utf-8"?>
+<p:notes xmlns:a="http://schemas.openxmlformats.org/drawingml/2006/main" xmlns:r="http://schemas.openxmlformats.org/officeDocument/2006/relationships" xmlns:p="http://schemas.openxmlformats.org/presentationml/2006/main">
+  <p:cSld>
+    <p:spTree>
+      <p:nvGrpSpPr>
+        <p:cNvPr id="1" name=""/>
+        <p:cNvGrpSpPr/>
+        <p:nvPr/>
+      </p:nvGrpSpPr>
+      <p:grpSpPr>
+        <a:xfrm>
+          <a:off x="0" y="0"/>
+          <a:ext cx="0" cy="0"/>
+          <a:chOff x="0" y="0"/>
+          <a:chExt cx="0" cy="0"/>
+        </a:xfrm>
+      </p:grpSpPr>
+      <p:sp>
+        <p:nvSpPr>
+          <p:cNvPr id="2" name="Slide Image Placeholder 1"/>
+          <p:cNvSpPr>
+            <a:spLocks noGrp="1" noRot="1" noChangeAspect="1"/>
+          </p:cNvSpPr>
+          <p:nvPr>
+            <p:ph type="sldImg"/>
+          </p:nvPr>
+        </p:nvSpPr>
+        <p:spPr>
+          <a:xfrm>
+            <a:off x="381000" y="685800"/>
+            <a:ext cx="6096000" cy="3429000"/>
+          </a:xfrm>
+        </p:spPr>
+      </p:sp>
+      <p:sp>
+        <p:nvSpPr>
+          <p:cNvPr id="3" name="Notes Placeholder 2"/>
+          <p:cNvSpPr>
+            <a:spLocks noGrp="1"/>
+          </p:cNvSpPr>
+          <p:nvPr>
+            <p:ph type="body" idx="1"/>
+          </p:nvPr>
+        </p:nvSpPr>
+        <p:spPr/>
+        <p:txBody>
+          <a:bodyPr>
+            <a:normAutofit/>
+          </a:bodyPr>
+          <a:lstStyle/>
+          <a:p>
+            <a:r>
+              <a:rPr lang="en-CA" b="0" dirty="0" smtClean="0"/>
+              <a:t>Log files</a:t>
+            </a:r>
+            <a:r>
+              <a:rPr lang="en-CA" b="0" baseline="0" dirty="0" smtClean="0"/>
+              <a:t> are important. We have all sorts of cool shinny tools like App Insights which monitor the current state of a system and give a high level overview of what people are doing but we still need logs. Logs tell us what has happened. When we’re trying to track down a messy bug it is amazingly useful to have good log files in place. </a:t>
+            </a:r>
+          </a:p>
+          <a:p>
+            <a:endParaRPr lang="en-CA" b="0" baseline="0" dirty="0" smtClean="0"/>
+          </a:p>
+          <a:p>
+            <a:r>
+              <a:rPr lang="en-CA" b="0" baseline="0" dirty="0" smtClean="0"/>
+              <a:t>Have you ever had somebody come to you and ask “why is the system in this state?” or “who changed this field” with good log files you can tell them. </a:t>
+            </a:r>
+          </a:p>
+          <a:p>
+            <a:endParaRPr lang="en-CA" b="0" baseline="0" dirty="0" smtClean="0"/>
+          </a:p>
+          <a:p>
+            <a:r>
+              <a:rPr lang="en-CA" b="0" baseline="0" dirty="0" smtClean="0"/>
+              <a:t>If you think about the </a:t>
+            </a:r>
+            <a:r>
+              <a:rPr lang="en-CA" b="0" baseline="0" dirty="0" err="1" smtClean="0"/>
+              <a:t>mediatr</a:t>
+            </a:r>
+            <a:r>
+              <a:rPr lang="en-CA" b="0" baseline="0" dirty="0" smtClean="0"/>
+              <a:t> pattern we’ve been using we have an ideal place to hook logging into place: the mediator. We can log every command in the system and thusly every change that happened to the data. I use this on some systems in the form of a logging mediator. </a:t>
+            </a:r>
+            <a:endParaRPr lang="en-CA" b="0" dirty="0" smtClean="0"/>
+          </a:p>
+        </p:txBody>
+      </p:sp>
+      <p:sp>
+        <p:nvSpPr>
+          <p:cNvPr id="4" name="Slide Number Placeholder 3"/>
+          <p:cNvSpPr>
+            <a:spLocks noGrp="1"/>
+          </p:cNvSpPr>
+          <p:nvPr>
+            <p:ph type="sldNum" sz="quarter" idx="10"/>
+          </p:nvPr>
+        </p:nvSpPr>
+        <p:spPr/>
+        <p:txBody>
+          <a:bodyPr/>
+          <a:lstStyle/>
+          <a:p>
+            <a:fld id="{13F0F35F-DD44-4607-AEC1-49D7A4BC4066}" type="slidenum">
+              <a:rPr lang="en-US" smtClean="0"/>
+              <a:pPr/>
+              <a:t>4</a:t>
+            </a:fld>
+            <a:endParaRPr lang="en-US" dirty="0"/>
+          </a:p>
+        </p:txBody>
+      </p:sp>
+    </p:spTree>
+    <p:extLst>
+      <p:ext uri="{BB962C8B-B14F-4D97-AF65-F5344CB8AC3E}">
+        <p14:creationId xmlns:p14="http://schemas.microsoft.com/office/powerpoint/2010/main" val="2911304509"/>
+      </p:ext>
+    </p:extLst>
+  </p:cSld>
+  <p:clrMapOvr>
+    <a:masterClrMapping/>
+  </p:clrMapOvr>
+</p:notes>
+</file>
+
+<file path=ppt/notesSlides/notesSlide5.xml><?xml version="1.0" encoding="utf-8"?>
+<p:notes xmlns:a="http://schemas.openxmlformats.org/drawingml/2006/main" xmlns:r="http://schemas.openxmlformats.org/officeDocument/2006/relationships" xmlns:p="http://schemas.openxmlformats.org/presentationml/2006/main">
+  <p:cSld>
+    <p:spTree>
+      <p:nvGrpSpPr>
+        <p:cNvPr id="1" name=""/>
+        <p:cNvGrpSpPr/>
+        <p:nvPr/>
+      </p:nvGrpSpPr>
+      <p:grpSpPr>
+        <a:xfrm>
+          <a:off x="0" y="0"/>
+          <a:ext cx="0" cy="0"/>
+          <a:chOff x="0" y="0"/>
+          <a:chExt cx="0" cy="0"/>
+        </a:xfrm>
+      </p:grpSpPr>
+      <p:sp>
+        <p:nvSpPr>
+          <p:cNvPr id="2" name="Slide Image Placeholder 1"/>
+          <p:cNvSpPr>
+            <a:spLocks noGrp="1" noRot="1" noChangeAspect="1"/>
+          </p:cNvSpPr>
+          <p:nvPr>
+            <p:ph type="sldImg"/>
+          </p:nvPr>
+        </p:nvSpPr>
+        <p:spPr>
+          <a:xfrm>
+            <a:off x="381000" y="685800"/>
+            <a:ext cx="6096000" cy="3429000"/>
+          </a:xfrm>
+        </p:spPr>
+      </p:sp>
+      <p:sp>
+        <p:nvSpPr>
+          <p:cNvPr id="3" name="Notes Placeholder 2"/>
+          <p:cNvSpPr>
+            <a:spLocks noGrp="1"/>
+          </p:cNvSpPr>
+          <p:nvPr>
+            <p:ph type="body" idx="1"/>
+          </p:nvPr>
+        </p:nvSpPr>
+        <p:spPr/>
+        <p:txBody>
+          <a:bodyPr>
+            <a:normAutofit/>
+          </a:bodyPr>
+          <a:lstStyle/>
+          <a:p>
+            <a:r>
+              <a:rPr lang="en-CA" b="0" dirty="0" smtClean="0"/>
+              <a:t>Everything we have produces log files. But they are all over the place. </a:t>
+            </a:r>
+            <a:endParaRPr lang="en-CA" b="0" dirty="0" smtClean="0"/>
+          </a:p>
+        </p:txBody>
+      </p:sp>
+      <p:sp>
+        <p:nvSpPr>
+          <p:cNvPr id="4" name="Slide Number Placeholder 3"/>
+          <p:cNvSpPr>
+            <a:spLocks noGrp="1"/>
+          </p:cNvSpPr>
+          <p:nvPr>
+            <p:ph type="sldNum" sz="quarter" idx="10"/>
+          </p:nvPr>
+        </p:nvSpPr>
+        <p:spPr/>
+        <p:txBody>
+          <a:bodyPr/>
+          <a:lstStyle/>
+          <a:p>
+            <a:fld id="{13F0F35F-DD44-4607-AEC1-49D7A4BC4066}" type="slidenum">
+              <a:rPr lang="en-US" smtClean="0"/>
+              <a:pPr/>
+              <a:t>5</a:t>
+            </a:fld>
+            <a:endParaRPr lang="en-US" dirty="0"/>
+          </a:p>
+        </p:txBody>
+      </p:sp>
+    </p:spTree>
+    <p:extLst>
+      <p:ext uri="{BB962C8B-B14F-4D97-AF65-F5344CB8AC3E}">
+        <p14:creationId xmlns:p14="http://schemas.microsoft.com/office/powerpoint/2010/main" val="3951869880"/>
+      </p:ext>
+    </p:extLst>
+  </p:cSld>
+  <p:clrMapOvr>
+    <a:masterClrMapping/>
+  </p:clrMapOvr>
+</p:notes>
+</file>
+
+<file path=ppt/notesSlides/notesSlide6.xml><?xml version="1.0" encoding="utf-8"?>
+<p:notes xmlns:a="http://schemas.openxmlformats.org/drawingml/2006/main" xmlns:r="http://schemas.openxmlformats.org/officeDocument/2006/relationships" xmlns:p="http://schemas.openxmlformats.org/presentationml/2006/main">
+  <p:cSld>
+    <p:spTree>
+      <p:nvGrpSpPr>
+        <p:cNvPr id="1" name=""/>
+        <p:cNvGrpSpPr/>
+        <p:nvPr/>
+      </p:nvGrpSpPr>
+      <p:grpSpPr>
+        <a:xfrm>
+          <a:off x="0" y="0"/>
+          <a:ext cx="0" cy="0"/>
+          <a:chOff x="0" y="0"/>
+          <a:chExt cx="0" cy="0"/>
+        </a:xfrm>
+      </p:grpSpPr>
+      <p:sp>
+        <p:nvSpPr>
+          <p:cNvPr id="2" name="Slide Image Placeholder 1"/>
+          <p:cNvSpPr>
+            <a:spLocks noGrp="1" noRot="1" noChangeAspect="1"/>
+          </p:cNvSpPr>
+          <p:nvPr>
+            <p:ph type="sldImg"/>
+          </p:nvPr>
+        </p:nvSpPr>
+        <p:spPr>
+          <a:xfrm>
+            <a:off x="381000" y="685800"/>
+            <a:ext cx="6096000" cy="3429000"/>
+          </a:xfrm>
+        </p:spPr>
+      </p:sp>
+      <p:sp>
+        <p:nvSpPr>
+          <p:cNvPr id="3" name="Notes Placeholder 2"/>
+          <p:cNvSpPr>
+            <a:spLocks noGrp="1"/>
+          </p:cNvSpPr>
+          <p:nvPr>
+            <p:ph type="body" idx="1"/>
+          </p:nvPr>
+        </p:nvSpPr>
+        <p:spPr/>
+        <p:txBody>
+          <a:bodyPr>
+            <a:normAutofit/>
+          </a:bodyPr>
+          <a:lstStyle/>
+          <a:p>
+            <a:r>
+              <a:rPr lang="en-CA" b="0" dirty="0" smtClean="0"/>
+              <a:t>What’s worse is that everything we produce is in a different format</a:t>
+            </a:r>
+            <a:endParaRPr lang="en-CA" b="0" dirty="0" smtClean="0"/>
+          </a:p>
+        </p:txBody>
+      </p:sp>
+      <p:sp>
+        <p:nvSpPr>
+          <p:cNvPr id="4" name="Slide Number Placeholder 3"/>
+          <p:cNvSpPr>
+            <a:spLocks noGrp="1"/>
+          </p:cNvSpPr>
+          <p:nvPr>
+            <p:ph type="sldNum" sz="quarter" idx="10"/>
+          </p:nvPr>
+        </p:nvSpPr>
+        <p:spPr/>
+        <p:txBody>
+          <a:bodyPr/>
+          <a:lstStyle/>
+          <a:p>
+            <a:fld id="{13F0F35F-DD44-4607-AEC1-49D7A4BC4066}" type="slidenum">
+              <a:rPr lang="en-US" smtClean="0"/>
+              <a:pPr/>
+              <a:t>6</a:t>
+            </a:fld>
+            <a:endParaRPr lang="en-US" dirty="0"/>
+          </a:p>
+        </p:txBody>
+      </p:sp>
+    </p:spTree>
+    <p:extLst>
+      <p:ext uri="{BB962C8B-B14F-4D97-AF65-F5344CB8AC3E}">
+        <p14:creationId xmlns:p14="http://schemas.microsoft.com/office/powerpoint/2010/main" val="2152532078"/>
+      </p:ext>
+    </p:extLst>
+  </p:cSld>
+  <p:clrMapOvr>
+    <a:masterClrMapping/>
+  </p:clrMapOvr>
+</p:notes>
+</file>
+
+<file path=ppt/notesSlides/notesSlide7.xml><?xml version="1.0" encoding="utf-8"?>
+<p:notes xmlns:a="http://schemas.openxmlformats.org/drawingml/2006/main" xmlns:r="http://schemas.openxmlformats.org/officeDocument/2006/relationships" xmlns:p="http://schemas.openxmlformats.org/presentationml/2006/main">
+  <p:cSld>
+    <p:spTree>
+      <p:nvGrpSpPr>
+        <p:cNvPr id="1" name=""/>
+        <p:cNvGrpSpPr/>
+        <p:nvPr/>
+      </p:nvGrpSpPr>
+      <p:grpSpPr>
+        <a:xfrm>
+          <a:off x="0" y="0"/>
+          <a:ext cx="0" cy="0"/>
+          <a:chOff x="0" y="0"/>
+          <a:chExt cx="0" cy="0"/>
+        </a:xfrm>
+      </p:grpSpPr>
+      <p:sp>
+        <p:nvSpPr>
+          <p:cNvPr id="2" name="Slide Image Placeholder 1"/>
+          <p:cNvSpPr>
+            <a:spLocks noGrp="1" noRot="1" noChangeAspect="1"/>
+          </p:cNvSpPr>
+          <p:nvPr>
+            <p:ph type="sldImg"/>
+          </p:nvPr>
+        </p:nvSpPr>
+        <p:spPr>
+          <a:xfrm>
+            <a:off x="381000" y="685800"/>
+            <a:ext cx="6096000" cy="3429000"/>
+          </a:xfrm>
+        </p:spPr>
+      </p:sp>
+      <p:sp>
+        <p:nvSpPr>
+          <p:cNvPr id="3" name="Notes Placeholder 2"/>
+          <p:cNvSpPr>
+            <a:spLocks noGrp="1"/>
+          </p:cNvSpPr>
+          <p:nvPr>
+            <p:ph type="body" idx="1"/>
+          </p:nvPr>
+        </p:nvSpPr>
+        <p:spPr/>
+        <p:txBody>
+          <a:bodyPr>
+            <a:normAutofit/>
+          </a:bodyPr>
+          <a:lstStyle/>
+          <a:p>
+            <a:r>
+              <a:rPr lang="en-CA" b="0" dirty="0" smtClean="0"/>
+              <a:t>We need to find some way to get them all to the same place and the same format</a:t>
+            </a:r>
+            <a:endParaRPr lang="en-CA" b="0" dirty="0" smtClean="0"/>
+          </a:p>
+        </p:txBody>
+      </p:sp>
+      <p:sp>
+        <p:nvSpPr>
+          <p:cNvPr id="4" name="Slide Number Placeholder 3"/>
+          <p:cNvSpPr>
+            <a:spLocks noGrp="1"/>
+          </p:cNvSpPr>
+          <p:nvPr>
+            <p:ph type="sldNum" sz="quarter" idx="10"/>
+          </p:nvPr>
+        </p:nvSpPr>
+        <p:spPr/>
+        <p:txBody>
+          <a:bodyPr/>
+          <a:lstStyle/>
+          <a:p>
+            <a:fld id="{13F0F35F-DD44-4607-AEC1-49D7A4BC4066}" type="slidenum">
+              <a:rPr lang="en-US" smtClean="0"/>
+              <a:pPr/>
+              <a:t>7</a:t>
+            </a:fld>
+            <a:endParaRPr lang="en-US" dirty="0"/>
+          </a:p>
+        </p:txBody>
+      </p:sp>
+    </p:spTree>
+    <p:extLst>
+      <p:ext uri="{BB962C8B-B14F-4D97-AF65-F5344CB8AC3E}">
+        <p14:creationId xmlns:p14="http://schemas.microsoft.com/office/powerpoint/2010/main" val="749318869"/>
+      </p:ext>
+    </p:extLst>
+  </p:cSld>
+  <p:clrMapOvr>
+    <a:masterClrMapping/>
+  </p:clrMapOvr>
+</p:notes>
+</file>
+
+<file path=ppt/notesSlides/notesSlide8.xml><?xml version="1.0" encoding="utf-8"?>
+<p:notes xmlns:a="http://schemas.openxmlformats.org/drawingml/2006/main" xmlns:r="http://schemas.openxmlformats.org/officeDocument/2006/relationships" xmlns:p="http://schemas.openxmlformats.org/presentationml/2006/main">
+  <p:cSld>
+    <p:spTree>
+      <p:nvGrpSpPr>
+        <p:cNvPr id="1" name=""/>
+        <p:cNvGrpSpPr/>
+        <p:nvPr/>
+      </p:nvGrpSpPr>
+      <p:grpSpPr>
+        <a:xfrm>
+          <a:off x="0" y="0"/>
+          <a:ext cx="0" cy="0"/>
+          <a:chOff x="0" y="0"/>
+          <a:chExt cx="0" cy="0"/>
+        </a:xfrm>
+      </p:grpSpPr>
+      <p:sp>
+        <p:nvSpPr>
+          <p:cNvPr id="2" name="Slide Image Placeholder 1"/>
+          <p:cNvSpPr>
+            <a:spLocks noGrp="1" noRot="1" noChangeAspect="1"/>
+          </p:cNvSpPr>
+          <p:nvPr>
+            <p:ph type="sldImg"/>
+          </p:nvPr>
+        </p:nvSpPr>
+        <p:spPr>
+          <a:xfrm>
+            <a:off x="381000" y="685800"/>
+            <a:ext cx="6096000" cy="3429000"/>
+          </a:xfrm>
+        </p:spPr>
+      </p:sp>
+      <p:sp>
+        <p:nvSpPr>
+          <p:cNvPr id="3" name="Notes Placeholder 2"/>
+          <p:cNvSpPr>
+            <a:spLocks noGrp="1"/>
+          </p:cNvSpPr>
+          <p:nvPr>
+            <p:ph type="body" idx="1"/>
+          </p:nvPr>
+        </p:nvSpPr>
+        <p:spPr/>
+        <p:txBody>
+          <a:bodyPr>
+            <a:normAutofit/>
+          </a:bodyPr>
+          <a:lstStyle/>
+          <a:p>
+            <a:r>
+              <a:rPr lang="en-CA" b="0" dirty="0" smtClean="0"/>
+              <a:t>This one central log file could be our super</a:t>
+            </a:r>
+            <a:r>
+              <a:rPr lang="en-CA" b="0" baseline="0" dirty="0" smtClean="0"/>
+              <a:t> log file. The place we go to </a:t>
+            </a:r>
+            <a:r>
+              <a:rPr lang="en-CA" b="0" baseline="0" dirty="0" err="1" smtClean="0"/>
+              <a:t>to</a:t>
+            </a:r>
+            <a:r>
+              <a:rPr lang="en-CA" b="0" baseline="0" dirty="0" smtClean="0"/>
+              <a:t> understand what happened in the system</a:t>
+            </a:r>
+            <a:endParaRPr lang="en-CA" b="0" dirty="0" smtClean="0"/>
+          </a:p>
+        </p:txBody>
+      </p:sp>
+      <p:sp>
+        <p:nvSpPr>
+          <p:cNvPr id="4" name="Slide Number Placeholder 3"/>
+          <p:cNvSpPr>
+            <a:spLocks noGrp="1"/>
+          </p:cNvSpPr>
+          <p:nvPr>
+            <p:ph type="sldNum" sz="quarter" idx="10"/>
+          </p:nvPr>
+        </p:nvSpPr>
+        <p:spPr/>
+        <p:txBody>
+          <a:bodyPr/>
+          <a:lstStyle/>
+          <a:p>
+            <a:fld id="{13F0F35F-DD44-4607-AEC1-49D7A4BC4066}" type="slidenum">
+              <a:rPr lang="en-US" smtClean="0"/>
+              <a:pPr/>
+              <a:t>8</a:t>
+            </a:fld>
+            <a:endParaRPr lang="en-US" dirty="0"/>
+          </a:p>
+        </p:txBody>
+      </p:sp>
+    </p:spTree>
+    <p:extLst>
+      <p:ext uri="{BB962C8B-B14F-4D97-AF65-F5344CB8AC3E}">
+        <p14:creationId xmlns:p14="http://schemas.microsoft.com/office/powerpoint/2010/main" val="1903368349"/>
+      </p:ext>
+    </p:extLst>
+  </p:cSld>
+  <p:clrMapOvr>
+    <a:masterClrMapping/>
+  </p:clrMapOvr>
+</p:notes>
+</file>
+
+<file path=ppt/notesSlides/notesSlide9.xml><?xml version="1.0" encoding="utf-8"?>
+<p:notes xmlns:a="http://schemas.openxmlformats.org/drawingml/2006/main" xmlns:r="http://schemas.openxmlformats.org/officeDocument/2006/relationships" xmlns:p="http://schemas.openxmlformats.org/presentationml/2006/main">
+  <p:cSld>
+    <p:spTree>
+      <p:nvGrpSpPr>
+        <p:cNvPr id="1" name=""/>
+        <p:cNvGrpSpPr/>
+        <p:nvPr/>
+      </p:nvGrpSpPr>
+      <p:grpSpPr>
+        <a:xfrm>
+          <a:off x="0" y="0"/>
+          <a:ext cx="0" cy="0"/>
+          <a:chOff x="0" y="0"/>
+          <a:chExt cx="0" cy="0"/>
+        </a:xfrm>
+      </p:grpSpPr>
+      <p:sp>
+        <p:nvSpPr>
+          <p:cNvPr id="2" name="Slide Image Placeholder 1"/>
+          <p:cNvSpPr>
+            <a:spLocks noGrp="1" noRot="1" noChangeAspect="1"/>
+          </p:cNvSpPr>
+          <p:nvPr>
+            <p:ph type="sldImg"/>
+          </p:nvPr>
+        </p:nvSpPr>
+        <p:spPr>
+          <a:xfrm>
+            <a:off x="381000" y="685800"/>
+            <a:ext cx="6096000" cy="3429000"/>
+          </a:xfrm>
+        </p:spPr>
+      </p:sp>
+      <p:sp>
+        <p:nvSpPr>
+          <p:cNvPr id="3" name="Notes Placeholder 2"/>
+          <p:cNvSpPr>
+            <a:spLocks noGrp="1"/>
+          </p:cNvSpPr>
+          <p:nvPr>
+            <p:ph type="body" idx="1"/>
+          </p:nvPr>
+        </p:nvSpPr>
+        <p:spPr/>
+        <p:txBody>
+          <a:bodyPr>
+            <a:normAutofit/>
+          </a:bodyPr>
+          <a:lstStyle/>
+          <a:p>
+            <a:r>
+              <a:rPr lang="en-CA" b="0" dirty="0" smtClean="0"/>
+              <a:t>Log data</a:t>
+            </a:r>
+            <a:r>
+              <a:rPr lang="en-CA" b="0" baseline="0" dirty="0" smtClean="0"/>
+              <a:t> can be huge, I mean seriously huge. Consider that if we log every change to data in the mediator then we’re logging at the very least the same amount of data that we’ve got in the system, likely several fold more data. So if your production </a:t>
+            </a:r>
+            <a:r>
+              <a:rPr lang="en-CA" b="0" baseline="0" dirty="0" err="1" smtClean="0"/>
+              <a:t>db</a:t>
+            </a:r>
+            <a:r>
+              <a:rPr lang="en-CA" b="0" baseline="0" dirty="0" smtClean="0"/>
+              <a:t> is 1TB your logs could be 10TB. Logs can be a big data problem even for system that aren’t “big data”</a:t>
+            </a:r>
+            <a:endParaRPr lang="en-CA" b="0" dirty="0" smtClean="0"/>
+          </a:p>
+        </p:txBody>
+      </p:sp>
+      <p:sp>
+        <p:nvSpPr>
+          <p:cNvPr id="4" name="Slide Number Placeholder 3"/>
+          <p:cNvSpPr>
+            <a:spLocks noGrp="1"/>
+          </p:cNvSpPr>
+          <p:nvPr>
+            <p:ph type="sldNum" sz="quarter" idx="10"/>
+          </p:nvPr>
+        </p:nvSpPr>
+        <p:spPr/>
+        <p:txBody>
+          <a:bodyPr/>
+          <a:lstStyle/>
+          <a:p>
+            <a:fld id="{13F0F35F-DD44-4607-AEC1-49D7A4BC4066}" type="slidenum">
+              <a:rPr lang="en-US" smtClean="0"/>
+              <a:pPr/>
+              <a:t>9</a:t>
+            </a:fld>
+            <a:endParaRPr lang="en-US" dirty="0"/>
+          </a:p>
+        </p:txBody>
+      </p:sp>
+    </p:spTree>
+    <p:extLst>
+      <p:ext uri="{BB962C8B-B14F-4D97-AF65-F5344CB8AC3E}">
+        <p14:creationId xmlns:p14="http://schemas.microsoft.com/office/powerpoint/2010/main" val="1876507788"/>
       </p:ext>
     </p:extLst>
   </p:cSld>
@@ -1321,660 +3508,6 @@
 </file>
 
 <file path=ppt/slideLayouts/slideLayout2.xml><?xml version="1.0" encoding="utf-8"?>
-<p:sldLayout xmlns:a="http://schemas.openxmlformats.org/drawingml/2006/main" xmlns:r="http://schemas.openxmlformats.org/officeDocument/2006/relationships" xmlns:p="http://schemas.openxmlformats.org/presentationml/2006/main" userDrawn="1">
-  <p:cSld name="1_Section Header">
-    <p:spTree>
-      <p:nvGrpSpPr>
-        <p:cNvPr id="1" name=""/>
-        <p:cNvGrpSpPr/>
-        <p:nvPr/>
-      </p:nvGrpSpPr>
-      <p:grpSpPr>
-        <a:xfrm>
-          <a:off x="0" y="0"/>
-          <a:ext cx="0" cy="0"/>
-          <a:chOff x="0" y="0"/>
-          <a:chExt cx="0" cy="0"/>
-        </a:xfrm>
-      </p:grpSpPr>
-      <p:sp>
-        <p:nvSpPr>
-          <p:cNvPr id="9" name="Subtitle 2"/>
-          <p:cNvSpPr txBox="1">
-            <a:spLocks/>
-          </p:cNvSpPr>
-          <p:nvPr userDrawn="1"/>
-        </p:nvSpPr>
-        <p:spPr>
-          <a:xfrm>
-            <a:off x="8738733" y="2685050"/>
-            <a:ext cx="2241224" cy="2355337"/>
-          </a:xfrm>
-          <a:prstGeom prst="rect">
-            <a:avLst/>
-          </a:prstGeom>
-        </p:spPr>
-        <p:txBody>
-          <a:bodyPr vert="horz" lIns="91409" tIns="45705" rIns="91409" bIns="45705" rtlCol="0" anchor="ctr" anchorCtr="0">
-            <a:normAutofit/>
-          </a:bodyPr>
-          <a:lstStyle>
-            <a:lvl1pPr marL="0" indent="0" algn="l" defTabSz="914052" rtl="0" eaLnBrk="1" latinLnBrk="0" hangingPunct="1">
-              <a:lnSpc>
-                <a:spcPct val="100000"/>
-              </a:lnSpc>
-              <a:spcBef>
-                <a:spcPts val="0"/>
-              </a:spcBef>
-              <a:buSzPct val="90000"/>
-              <a:buFont typeface="Arial" pitchFamily="34" charset="0"/>
-              <a:buNone/>
-              <a:defRPr lang="en-US" sz="1800" b="1" kern="1200" spc="-30" baseline="0" dirty="0">
-                <a:gradFill>
-                  <a:gsLst>
-                    <a:gs pos="1250">
-                      <a:srgbClr val="FFFFFF"/>
-                    </a:gs>
-                    <a:gs pos="6250">
-                      <a:srgbClr val="FFFFFF"/>
-                    </a:gs>
-                  </a:gsLst>
-                  <a:lin ang="5400000" scaled="0"/>
-                </a:gradFill>
-                <a:latin typeface="Segoe UI" pitchFamily="34" charset="0"/>
-                <a:ea typeface="Segoe UI" pitchFamily="34" charset="0"/>
-                <a:cs typeface="Segoe UI" pitchFamily="34" charset="0"/>
-              </a:defRPr>
-            </a:lvl1pPr>
-            <a:lvl2pPr marL="457044" indent="0" algn="ctr" defTabSz="914088" rtl="0" eaLnBrk="1" latinLnBrk="0" hangingPunct="1">
-              <a:spcBef>
-                <a:spcPts val="300"/>
-              </a:spcBef>
-              <a:spcAft>
-                <a:spcPts val="300"/>
-              </a:spcAft>
-              <a:buFont typeface="Arial" pitchFamily="34" charset="0"/>
-              <a:buNone/>
-              <a:defRPr sz="2800" kern="1200">
-                <a:solidFill>
-                  <a:schemeClr val="tx1">
-                    <a:tint val="75000"/>
-                  </a:schemeClr>
-                </a:solidFill>
-                <a:latin typeface="Segoe UI" pitchFamily="34" charset="0"/>
-                <a:ea typeface="Segoe UI" pitchFamily="34" charset="0"/>
-                <a:cs typeface="Segoe UI" pitchFamily="34" charset="0"/>
-              </a:defRPr>
-            </a:lvl2pPr>
-            <a:lvl3pPr marL="914088" indent="0" algn="ctr" defTabSz="914088" rtl="0" eaLnBrk="1" latinLnBrk="0" hangingPunct="1">
-              <a:spcBef>
-                <a:spcPts val="200"/>
-              </a:spcBef>
-              <a:spcAft>
-                <a:spcPts val="200"/>
-              </a:spcAft>
-              <a:buFont typeface="Arial" pitchFamily="34" charset="0"/>
-              <a:buNone/>
-              <a:defRPr sz="2400" kern="1200">
-                <a:solidFill>
-                  <a:schemeClr val="tx1">
-                    <a:tint val="75000"/>
-                  </a:schemeClr>
-                </a:solidFill>
-                <a:latin typeface="Segoe UI" pitchFamily="34" charset="0"/>
-                <a:ea typeface="Segoe UI" pitchFamily="34" charset="0"/>
-                <a:cs typeface="Segoe UI" pitchFamily="34" charset="0"/>
-              </a:defRPr>
-            </a:lvl3pPr>
-            <a:lvl4pPr marL="1371133" indent="0" algn="ctr" defTabSz="914088" rtl="0" eaLnBrk="1" latinLnBrk="0" hangingPunct="1">
-              <a:spcBef>
-                <a:spcPct val="20000"/>
-              </a:spcBef>
-              <a:buFont typeface="Arial" pitchFamily="34" charset="0"/>
-              <a:buNone/>
-              <a:defRPr sz="2000" kern="1200">
-                <a:solidFill>
-                  <a:schemeClr val="tx1">
-                    <a:tint val="75000"/>
-                  </a:schemeClr>
-                </a:solidFill>
-                <a:latin typeface="Segoe UI" pitchFamily="34" charset="0"/>
-                <a:ea typeface="Segoe UI" pitchFamily="34" charset="0"/>
-                <a:cs typeface="Segoe UI" pitchFamily="34" charset="0"/>
-              </a:defRPr>
-            </a:lvl4pPr>
-            <a:lvl5pPr marL="1828178" indent="0" algn="ctr" defTabSz="914088" rtl="0" eaLnBrk="1" latinLnBrk="0" hangingPunct="1">
-              <a:spcBef>
-                <a:spcPct val="20000"/>
-              </a:spcBef>
-              <a:buFont typeface="Arial" pitchFamily="34" charset="0"/>
-              <a:buNone/>
-              <a:defRPr sz="2000" kern="1200">
-                <a:solidFill>
-                  <a:schemeClr val="tx1">
-                    <a:tint val="75000"/>
-                  </a:schemeClr>
-                </a:solidFill>
-                <a:latin typeface="Segoe UI" pitchFamily="34" charset="0"/>
-                <a:ea typeface="Segoe UI" pitchFamily="34" charset="0"/>
-                <a:cs typeface="Segoe UI" pitchFamily="34" charset="0"/>
-              </a:defRPr>
-            </a:lvl5pPr>
-            <a:lvl6pPr marL="2285222" indent="0" algn="ctr" defTabSz="914088" rtl="0" eaLnBrk="1" latinLnBrk="0" hangingPunct="1">
-              <a:spcBef>
-                <a:spcPct val="20000"/>
-              </a:spcBef>
-              <a:buFont typeface="Arial" pitchFamily="34" charset="0"/>
-              <a:buNone/>
-              <a:defRPr sz="2000" kern="1200">
-                <a:solidFill>
-                  <a:schemeClr val="tx1">
-                    <a:tint val="75000"/>
-                  </a:schemeClr>
-                </a:solidFill>
-                <a:latin typeface="+mn-lt"/>
-                <a:ea typeface="+mn-ea"/>
-                <a:cs typeface="+mn-cs"/>
-              </a:defRPr>
-            </a:lvl6pPr>
-            <a:lvl7pPr marL="2742267" indent="0" algn="ctr" defTabSz="914088" rtl="0" eaLnBrk="1" latinLnBrk="0" hangingPunct="1">
-              <a:spcBef>
-                <a:spcPct val="20000"/>
-              </a:spcBef>
-              <a:buFont typeface="Arial" pitchFamily="34" charset="0"/>
-              <a:buNone/>
-              <a:defRPr sz="2000" kern="1200">
-                <a:solidFill>
-                  <a:schemeClr val="tx1">
-                    <a:tint val="75000"/>
-                  </a:schemeClr>
-                </a:solidFill>
-                <a:latin typeface="+mn-lt"/>
-                <a:ea typeface="+mn-ea"/>
-                <a:cs typeface="+mn-cs"/>
-              </a:defRPr>
-            </a:lvl7pPr>
-            <a:lvl8pPr marL="3199311" indent="0" algn="ctr" defTabSz="914088" rtl="0" eaLnBrk="1" latinLnBrk="0" hangingPunct="1">
-              <a:spcBef>
-                <a:spcPct val="20000"/>
-              </a:spcBef>
-              <a:buFont typeface="Arial" pitchFamily="34" charset="0"/>
-              <a:buNone/>
-              <a:defRPr sz="2000" kern="1200">
-                <a:solidFill>
-                  <a:schemeClr val="tx1">
-                    <a:tint val="75000"/>
-                  </a:schemeClr>
-                </a:solidFill>
-                <a:latin typeface="+mn-lt"/>
-                <a:ea typeface="+mn-ea"/>
-                <a:cs typeface="+mn-cs"/>
-              </a:defRPr>
-            </a:lvl8pPr>
-            <a:lvl9pPr marL="3656358" indent="0" algn="ctr" defTabSz="914088" rtl="0" eaLnBrk="1" latinLnBrk="0" hangingPunct="1">
-              <a:spcBef>
-                <a:spcPct val="20000"/>
-              </a:spcBef>
-              <a:buFont typeface="Arial" pitchFamily="34" charset="0"/>
-              <a:buNone/>
-              <a:defRPr sz="2000" kern="1200">
-                <a:solidFill>
-                  <a:schemeClr val="tx1">
-                    <a:tint val="75000"/>
-                  </a:schemeClr>
-                </a:solidFill>
-                <a:latin typeface="+mn-lt"/>
-                <a:ea typeface="+mn-ea"/>
-                <a:cs typeface="+mn-cs"/>
-              </a:defRPr>
-            </a:lvl9pPr>
-          </a:lstStyle>
-          <a:p>
-            <a:r>
-              <a:rPr lang="en-US" smtClean="0"/>
-              <a:t>Click to edit Master subtitle style</a:t>
-            </a:r>
-            <a:endParaRPr lang="en-US"/>
-          </a:p>
-        </p:txBody>
-      </p:sp>
-      <p:sp>
-        <p:nvSpPr>
-          <p:cNvPr id="13" name="Title 1"/>
-          <p:cNvSpPr txBox="1">
-            <a:spLocks/>
-          </p:cNvSpPr>
-          <p:nvPr userDrawn="1"/>
-        </p:nvSpPr>
-        <p:spPr>
-          <a:xfrm>
-            <a:off x="193271" y="3376350"/>
-            <a:ext cx="8409867" cy="1692617"/>
-          </a:xfrm>
-          <a:prstGeom prst="rect">
-            <a:avLst/>
-          </a:prstGeom>
-          <a:solidFill>
-            <a:srgbClr val="007233"/>
-          </a:solidFill>
-          <a:effectLst/>
-        </p:spPr>
-        <p:txBody>
-          <a:bodyPr vert="horz" lIns="137160" tIns="137160" rIns="91409" bIns="137160" rtlCol="0" anchor="b" anchorCtr="0">
-            <a:noAutofit/>
-          </a:bodyPr>
-          <a:lstStyle>
-            <a:lvl1pPr algn="l" defTabSz="914088" rtl="0" eaLnBrk="1" latinLnBrk="0" hangingPunct="1">
-              <a:spcBef>
-                <a:spcPct val="0"/>
-              </a:spcBef>
-              <a:buNone/>
-              <a:defRPr lang="en-US" sz="4000" kern="0" dirty="0">
-                <a:ln w="3175">
-                  <a:noFill/>
-                </a:ln>
-                <a:gradFill flip="none" rotWithShape="1">
-                  <a:gsLst>
-                    <a:gs pos="4583">
-                      <a:srgbClr val="FFFFFF"/>
-                    </a:gs>
-                    <a:gs pos="100000">
-                      <a:srgbClr val="FFFFFF"/>
-                    </a:gs>
-                  </a:gsLst>
-                  <a:lin ang="5400000" scaled="0"/>
-                  <a:tileRect/>
-                </a:gradFill>
-                <a:latin typeface="Segoe UI" pitchFamily="34" charset="0"/>
-                <a:ea typeface="Segoe UI" pitchFamily="34" charset="0"/>
-                <a:cs typeface="Segoe UI" pitchFamily="34" charset="0"/>
-              </a:defRPr>
-            </a:lvl1pPr>
-          </a:lstStyle>
-          <a:p>
-            <a:endParaRPr lang="en-US" sz="4000" dirty="0"/>
-          </a:p>
-        </p:txBody>
-      </p:sp>
-      <p:sp>
-        <p:nvSpPr>
-          <p:cNvPr id="14" name="top right small rectangle"/>
-          <p:cNvSpPr/>
-          <p:nvPr userDrawn="1"/>
-        </p:nvSpPr>
-        <p:spPr bwMode="auto">
-          <a:xfrm>
-            <a:off x="8682790" y="3374967"/>
-            <a:ext cx="3257419" cy="1694322"/>
-          </a:xfrm>
-          <a:prstGeom prst="rect">
-            <a:avLst/>
-          </a:prstGeom>
-          <a:solidFill>
-            <a:schemeClr val="tx2"/>
-          </a:solidFill>
-          <a:ln>
-            <a:noFill/>
-            <a:headEnd type="none" w="med" len="med"/>
-            <a:tailEnd type="none" w="med" len="med"/>
-          </a:ln>
-        </p:spPr>
-        <p:style>
-          <a:lnRef idx="2">
-            <a:schemeClr val="accent5">
-              <a:shade val="50000"/>
-            </a:schemeClr>
-          </a:lnRef>
-          <a:fillRef idx="1">
-            <a:schemeClr val="accent5"/>
-          </a:fillRef>
-          <a:effectRef idx="0">
-            <a:schemeClr val="accent5"/>
-          </a:effectRef>
-          <a:fontRef idx="minor">
-            <a:schemeClr val="lt1"/>
-          </a:fontRef>
-        </p:style>
-        <p:txBody>
-          <a:bodyPr vert="horz" wrap="square" lIns="91404" tIns="45703" rIns="91404" bIns="45703" numCol="1" rtlCol="0" anchor="ctr" anchorCtr="0" compatLnSpc="1">
-            <a:prstTxWarp prst="textNoShape">
-              <a:avLst/>
-            </a:prstTxWarp>
-          </a:bodyPr>
-          <a:lstStyle/>
-          <a:p>
-            <a:pPr algn="ctr" defTabSz="913788" fontAlgn="base">
-              <a:spcBef>
-                <a:spcPct val="0"/>
-              </a:spcBef>
-              <a:spcAft>
-                <a:spcPct val="0"/>
-              </a:spcAft>
-            </a:pPr>
-            <a:endParaRPr lang="en-US" sz="2200" dirty="0">
-              <a:gradFill>
-                <a:gsLst>
-                  <a:gs pos="0">
-                    <a:srgbClr val="FFFFFF"/>
-                  </a:gs>
-                  <a:gs pos="100000">
-                    <a:srgbClr val="FFFFFF"/>
-                  </a:gs>
-                </a:gsLst>
-                <a:lin ang="5400000" scaled="0"/>
-              </a:gradFill>
-            </a:endParaRPr>
-          </a:p>
-        </p:txBody>
-      </p:sp>
-      <p:pic>
-        <p:nvPicPr>
-          <p:cNvPr id="15" name="Picture 14"/>
-          <p:cNvPicPr>
-            <a:picLocks noChangeAspect="1"/>
-          </p:cNvPicPr>
-          <p:nvPr userDrawn="1"/>
-        </p:nvPicPr>
-        <p:blipFill rotWithShape="1">
-          <a:blip r:embed="rId2" cstate="print">
-            <a:extLst>
-              <a:ext uri="{28A0092B-C50C-407E-A947-70E740481C1C}">
-                <a14:useLocalDpi xmlns:a14="http://schemas.microsoft.com/office/drawing/2010/main" val="0"/>
-              </a:ext>
-            </a:extLst>
-          </a:blip>
-          <a:srcRect l="9720" t="16544" r="7275" b="16691"/>
-          <a:stretch/>
-        </p:blipFill>
-        <p:spPr>
-          <a:xfrm>
-            <a:off x="11181757" y="4821401"/>
-            <a:ext cx="740346" cy="218986"/>
-          </a:xfrm>
-          <a:prstGeom prst="rect">
-            <a:avLst/>
-          </a:prstGeom>
-        </p:spPr>
-      </p:pic>
-      <p:sp>
-        <p:nvSpPr>
-          <p:cNvPr id="16" name="Text Placeholder 10"/>
-          <p:cNvSpPr>
-            <a:spLocks noGrp="1"/>
-          </p:cNvSpPr>
-          <p:nvPr>
-            <p:ph type="body" sz="quarter" idx="10" hasCustomPrompt="1"/>
-          </p:nvPr>
-        </p:nvSpPr>
-        <p:spPr>
-          <a:xfrm>
-            <a:off x="292101" y="3466407"/>
-            <a:ext cx="8215796" cy="1485524"/>
-          </a:xfrm>
-          <a:prstGeom prst="rect">
-            <a:avLst/>
-          </a:prstGeom>
-        </p:spPr>
-        <p:txBody>
-          <a:bodyPr anchor="b" anchorCtr="0">
-            <a:normAutofit/>
-          </a:bodyPr>
-          <a:lstStyle>
-            <a:lvl1pPr marL="0" indent="0">
-              <a:buNone/>
-              <a:defRPr sz="3600" b="0" baseline="0">
-                <a:solidFill>
-                  <a:schemeClr val="bg1"/>
-                </a:solidFill>
-                <a:latin typeface="Segoe UI Light" panose="020B0502040204020203" pitchFamily="34" charset="0"/>
-                <a:cs typeface="Segoe UI Light" panose="020B0502040204020203" pitchFamily="34" charset="0"/>
-              </a:defRPr>
-            </a:lvl1pPr>
-          </a:lstStyle>
-          <a:p>
-            <a:pPr lvl="0"/>
-            <a:r>
-              <a:rPr lang="en-US" dirty="0" smtClean="0"/>
-              <a:t>Module or Section transition style</a:t>
-            </a:r>
-          </a:p>
-        </p:txBody>
-      </p:sp>
-      <p:sp>
-        <p:nvSpPr>
-          <p:cNvPr id="11" name="Subtitle 2"/>
-          <p:cNvSpPr>
-            <a:spLocks noGrp="1"/>
-          </p:cNvSpPr>
-          <p:nvPr>
-            <p:ph type="subTitle" idx="1"/>
-          </p:nvPr>
-        </p:nvSpPr>
-        <p:spPr>
-          <a:xfrm>
-            <a:off x="193271" y="5132437"/>
-            <a:ext cx="8409867" cy="1460779"/>
-          </a:xfrm>
-          <a:prstGeom prst="rect">
-            <a:avLst/>
-          </a:prstGeom>
-        </p:spPr>
-        <p:txBody>
-          <a:bodyPr lIns="137160" tIns="137160" rIns="137160" bIns="137160" anchor="b" anchorCtr="0">
-            <a:normAutofit/>
-          </a:bodyPr>
-          <a:lstStyle>
-            <a:lvl1pPr marL="0" indent="0" algn="l" defTabSz="914052" rtl="0" eaLnBrk="1" latinLnBrk="0" hangingPunct="1">
-              <a:lnSpc>
-                <a:spcPct val="100000"/>
-              </a:lnSpc>
-              <a:spcBef>
-                <a:spcPts val="0"/>
-              </a:spcBef>
-              <a:buSzPct val="90000"/>
-              <a:buFont typeface="Arial" pitchFamily="34" charset="0"/>
-              <a:buNone/>
-              <a:defRPr lang="en-US" sz="2400" b="0" kern="0" spc="0" baseline="0" dirty="0">
-                <a:solidFill>
-                  <a:schemeClr val="tx1"/>
-                </a:solidFill>
-                <a:latin typeface="Segoe UI Light" panose="020B0502040204020203" pitchFamily="34" charset="0"/>
-                <a:ea typeface="Segoe UI Light" panose="020B0502040204020203" pitchFamily="34" charset="0"/>
-                <a:cs typeface="Segoe UI Light" panose="020B0502040204020203" pitchFamily="34" charset="0"/>
-              </a:defRPr>
-            </a:lvl1pPr>
-            <a:lvl2pPr marL="457044" indent="0" algn="ctr">
-              <a:buNone/>
-              <a:defRPr>
-                <a:solidFill>
-                  <a:schemeClr val="tx1">
-                    <a:tint val="75000"/>
-                  </a:schemeClr>
-                </a:solidFill>
-              </a:defRPr>
-            </a:lvl2pPr>
-            <a:lvl3pPr marL="914088" indent="0" algn="ctr">
-              <a:buNone/>
-              <a:defRPr>
-                <a:solidFill>
-                  <a:schemeClr val="tx1">
-                    <a:tint val="75000"/>
-                  </a:schemeClr>
-                </a:solidFill>
-              </a:defRPr>
-            </a:lvl3pPr>
-            <a:lvl4pPr marL="1371133" indent="0" algn="ctr">
-              <a:buNone/>
-              <a:defRPr>
-                <a:solidFill>
-                  <a:schemeClr val="tx1">
-                    <a:tint val="75000"/>
-                  </a:schemeClr>
-                </a:solidFill>
-              </a:defRPr>
-            </a:lvl4pPr>
-            <a:lvl5pPr marL="1828178" indent="0" algn="ctr">
-              <a:buNone/>
-              <a:defRPr>
-                <a:solidFill>
-                  <a:schemeClr val="tx1">
-                    <a:tint val="75000"/>
-                  </a:schemeClr>
-                </a:solidFill>
-              </a:defRPr>
-            </a:lvl5pPr>
-            <a:lvl6pPr marL="2285222" indent="0" algn="ctr">
-              <a:buNone/>
-              <a:defRPr>
-                <a:solidFill>
-                  <a:schemeClr val="tx1">
-                    <a:tint val="75000"/>
-                  </a:schemeClr>
-                </a:solidFill>
-              </a:defRPr>
-            </a:lvl6pPr>
-            <a:lvl7pPr marL="2742267" indent="0" algn="ctr">
-              <a:buNone/>
-              <a:defRPr>
-                <a:solidFill>
-                  <a:schemeClr val="tx1">
-                    <a:tint val="75000"/>
-                  </a:schemeClr>
-                </a:solidFill>
-              </a:defRPr>
-            </a:lvl7pPr>
-            <a:lvl8pPr marL="3199311" indent="0" algn="ctr">
-              <a:buNone/>
-              <a:defRPr>
-                <a:solidFill>
-                  <a:schemeClr val="tx1">
-                    <a:tint val="75000"/>
-                  </a:schemeClr>
-                </a:solidFill>
-              </a:defRPr>
-            </a:lvl8pPr>
-            <a:lvl9pPr marL="3656358" indent="0" algn="ctr">
-              <a:buNone/>
-              <a:defRPr>
-                <a:solidFill>
-                  <a:schemeClr val="tx1">
-                    <a:tint val="75000"/>
-                  </a:schemeClr>
-                </a:solidFill>
-              </a:defRPr>
-            </a:lvl9pPr>
-          </a:lstStyle>
-          <a:p>
-            <a:r>
-              <a:rPr lang="en-US" dirty="0" smtClean="0"/>
-              <a:t>Click to edit Master subtitle style</a:t>
-            </a:r>
-            <a:endParaRPr lang="en-US" dirty="0"/>
-          </a:p>
-        </p:txBody>
-      </p:sp>
-      <p:sp>
-        <p:nvSpPr>
-          <p:cNvPr id="10" name="TextBox 9"/>
-          <p:cNvSpPr txBox="1"/>
-          <p:nvPr userDrawn="1"/>
-        </p:nvSpPr>
-        <p:spPr>
-          <a:xfrm>
-            <a:off x="193271" y="164177"/>
-            <a:ext cx="3691466" cy="246221"/>
-          </a:xfrm>
-          <a:prstGeom prst="rect">
-            <a:avLst/>
-          </a:prstGeom>
-          <a:noFill/>
-        </p:spPr>
-        <p:txBody>
-          <a:bodyPr wrap="square" lIns="0" tIns="0" rIns="0" bIns="0" rtlCol="0" anchor="ctr">
-            <a:spAutoFit/>
-          </a:bodyPr>
-          <a:lstStyle/>
-          <a:p>
-            <a:pPr algn="l"/>
-            <a:r>
-              <a:rPr lang="en-US" sz="1600" dirty="0" smtClean="0">
-                <a:solidFill>
-                  <a:schemeClr val="tx1">
-                    <a:lumMod val="75000"/>
-                    <a:lumOff val="25000"/>
-                    <a:alpha val="99000"/>
-                  </a:schemeClr>
-                </a:solidFill>
-                <a:latin typeface="Segoe UI" panose="020B0502040204020203" pitchFamily="34" charset="0"/>
-                <a:cs typeface="Segoe UI" panose="020B0502040204020203" pitchFamily="34" charset="0"/>
-              </a:rPr>
-              <a:t>Microsoft</a:t>
-            </a:r>
-            <a:r>
-              <a:rPr lang="en-US" sz="1600" baseline="0" dirty="0" smtClean="0">
-                <a:solidFill>
-                  <a:schemeClr val="tx1">
-                    <a:lumMod val="75000"/>
-                    <a:lumOff val="25000"/>
-                    <a:alpha val="99000"/>
-                  </a:schemeClr>
-                </a:solidFill>
-                <a:latin typeface="Segoe UI" panose="020B0502040204020203" pitchFamily="34" charset="0"/>
-                <a:cs typeface="Segoe UI" panose="020B0502040204020203" pitchFamily="34" charset="0"/>
-              </a:rPr>
-              <a:t> Virtual Academy</a:t>
-            </a:r>
-            <a:endParaRPr lang="en-US" sz="1600" dirty="0" smtClean="0">
-              <a:solidFill>
-                <a:schemeClr val="tx1">
-                  <a:lumMod val="75000"/>
-                  <a:lumOff val="25000"/>
-                  <a:alpha val="99000"/>
-                </a:schemeClr>
-              </a:solidFill>
-              <a:latin typeface="Segoe UI" panose="020B0502040204020203" pitchFamily="34" charset="0"/>
-              <a:cs typeface="Segoe UI" panose="020B0502040204020203" pitchFamily="34" charset="0"/>
-            </a:endParaRPr>
-          </a:p>
-        </p:txBody>
-      </p:sp>
-    </p:spTree>
-    <p:extLst>
-      <p:ext uri="{BB962C8B-B14F-4D97-AF65-F5344CB8AC3E}">
-        <p14:creationId xmlns:p14="http://schemas.microsoft.com/office/powerpoint/2010/main" val="3891348690"/>
-      </p:ext>
-    </p:extLst>
-  </p:cSld>
-  <p:clrMapOvr>
-    <a:masterClrMapping/>
-  </p:clrMapOvr>
-  <p:timing>
-    <p:tnLst>
-      <p:par>
-        <p:cTn id="1" dur="indefinite" restart="never" nodeType="tmRoot"/>
-      </p:par>
-    </p:tnLst>
-  </p:timing>
-  <p:extLst mod="1">
-    <p:ext uri="{DCECCB84-F9BA-43D5-87BE-67443E8EF086}">
-      <p15:sldGuideLst xmlns:p15="http://schemas.microsoft.com/office/powerpoint/2012/main">
-        <p15:guide id="1" orient="horz" pos="2160">
-          <p15:clr>
-            <a:srgbClr val="FBAE40"/>
-          </p15:clr>
-        </p15:guide>
-        <p15:guide id="2" pos="3840">
-          <p15:clr>
-            <a:srgbClr val="FBAE40"/>
-          </p15:clr>
-        </p15:guide>
-      </p15:sldGuideLst>
-    </p:ext>
-  </p:extLst>
-</p:sldLayout>
-</file>
-
-<file path=ppt/slideLayouts/slideLayout3.xml><?xml version="1.0" encoding="utf-8"?>
 <p:sldLayout xmlns:a="http://schemas.openxmlformats.org/drawingml/2006/main" xmlns:r="http://schemas.openxmlformats.org/officeDocument/2006/relationships" xmlns:p="http://schemas.openxmlformats.org/presentationml/2006/main" preserve="1" userDrawn="1">
   <p:cSld name="DEMO Layout">
     <p:spTree>
@@ -2192,7 +3725,7 @@
 </p:sldLayout>
 </file>
 
-<file path=ppt/slideLayouts/slideLayout4.xml><?xml version="1.0" encoding="utf-8"?>
+<file path=ppt/slideLayouts/slideLayout3.xml><?xml version="1.0" encoding="utf-8"?>
 <p:sldLayout xmlns:a="http://schemas.openxmlformats.org/drawingml/2006/main" xmlns:r="http://schemas.openxmlformats.org/officeDocument/2006/relationships" xmlns:p="http://schemas.openxmlformats.org/presentationml/2006/main" preserve="1" userDrawn="1">
   <p:cSld name="Title and Content">
     <p:spTree>
@@ -2351,7 +3884,7 @@
 </p:sldLayout>
 </file>
 
-<file path=ppt/slideLayouts/slideLayout5.xml><?xml version="1.0" encoding="utf-8"?>
+<file path=ppt/slideLayouts/slideLayout4.xml><?xml version="1.0" encoding="utf-8"?>
 <p:sldLayout xmlns:a="http://schemas.openxmlformats.org/drawingml/2006/main" xmlns:r="http://schemas.openxmlformats.org/officeDocument/2006/relationships" xmlns:p="http://schemas.openxmlformats.org/presentationml/2006/main" preserve="1" userDrawn="1">
   <p:cSld name="Two Content">
     <p:spTree>
@@ -2591,7 +4124,7 @@
 </p:sldLayout>
 </file>
 
-<file path=ppt/slideLayouts/slideLayout6.xml><?xml version="1.0" encoding="utf-8"?>
+<file path=ppt/slideLayouts/slideLayout5.xml><?xml version="1.0" encoding="utf-8"?>
 <p:sldLayout xmlns:a="http://schemas.openxmlformats.org/drawingml/2006/main" xmlns:r="http://schemas.openxmlformats.org/officeDocument/2006/relationships" xmlns:p="http://schemas.openxmlformats.org/presentationml/2006/main" preserve="1" userDrawn="1">
   <p:cSld name="Comparison">
     <p:spTree>
@@ -2983,7 +4516,7 @@
 </p:sldLayout>
 </file>
 
-<file path=ppt/slideLayouts/slideLayout7.xml><?xml version="1.0" encoding="utf-8"?>
+<file path=ppt/slideLayouts/slideLayout6.xml><?xml version="1.0" encoding="utf-8"?>
 <p:sldLayout xmlns:a="http://schemas.openxmlformats.org/drawingml/2006/main" xmlns:r="http://schemas.openxmlformats.org/officeDocument/2006/relationships" xmlns:p="http://schemas.openxmlformats.org/presentationml/2006/main" preserve="1" userDrawn="1">
   <p:cSld name="Title Only">
     <p:spTree>
@@ -3043,7 +4576,7 @@
 </p:sldLayout>
 </file>
 
-<file path=ppt/slideLayouts/slideLayout8.xml><?xml version="1.0" encoding="utf-8"?>
+<file path=ppt/slideLayouts/slideLayout7.xml><?xml version="1.0" encoding="utf-8"?>
 <p:sldLayout xmlns:a="http://schemas.openxmlformats.org/drawingml/2006/main" xmlns:r="http://schemas.openxmlformats.org/officeDocument/2006/relationships" xmlns:p="http://schemas.openxmlformats.org/presentationml/2006/main" type="blank" preserve="1">
   <p:cSld name="Blank">
     <p:spTree>
@@ -3080,7 +4613,7 @@
 </p:sldLayout>
 </file>
 
-<file path=ppt/slideLayouts/slideLayout9.xml><?xml version="1.0" encoding="utf-8"?>
+<file path=ppt/slideLayouts/slideLayout8.xml><?xml version="1.0" encoding="utf-8"?>
 <p:sldLayout xmlns:a="http://schemas.openxmlformats.org/drawingml/2006/main" xmlns:r="http://schemas.openxmlformats.org/officeDocument/2006/relationships" xmlns:p="http://schemas.openxmlformats.org/presentationml/2006/main" preserve="1" userDrawn="1">
   <p:cSld name="5_Blank Color 1 Layout">
     <p:spTree>
@@ -3356,14 +4889,13 @@
   <p:clrMap bg1="lt1" tx1="dk1" bg2="lt2" tx2="dk2" accent1="accent1" accent2="accent2" accent3="accent3" accent4="accent4" accent5="accent5" accent6="accent6" hlink="hlink" folHlink="folHlink"/>
   <p:sldLayoutIdLst>
     <p:sldLayoutId id="2147483661" r:id="rId1"/>
-    <p:sldLayoutId id="2147483671" r:id="rId2"/>
-    <p:sldLayoutId id="2147483667" r:id="rId3"/>
-    <p:sldLayoutId id="2147483663" r:id="rId4"/>
-    <p:sldLayoutId id="2147483664" r:id="rId5"/>
-    <p:sldLayoutId id="2147483665" r:id="rId6"/>
-    <p:sldLayoutId id="2147483666" r:id="rId7"/>
-    <p:sldLayoutId id="2147483668" r:id="rId8"/>
-    <p:sldLayoutId id="2147483669" r:id="rId9"/>
+    <p:sldLayoutId id="2147483667" r:id="rId2"/>
+    <p:sldLayoutId id="2147483663" r:id="rId3"/>
+    <p:sldLayoutId id="2147483664" r:id="rId4"/>
+    <p:sldLayoutId id="2147483665" r:id="rId5"/>
+    <p:sldLayoutId id="2147483666" r:id="rId6"/>
+    <p:sldLayoutId id="2147483668" r:id="rId7"/>
+    <p:sldLayoutId id="2147483669" r:id="rId8"/>
   </p:sldLayoutIdLst>
   <p:timing>
     <p:tnLst>
@@ -3653,85 +5185,235 @@
       </p:grpSpPr>
       <p:sp>
         <p:nvSpPr>
-          <p:cNvPr id="5" name="Text Placeholder 4"/>
+          <p:cNvPr id="4" name="Subtitle 3"/>
           <p:cNvSpPr>
             <a:spLocks noGrp="1"/>
           </p:cNvSpPr>
           <p:nvPr>
-            <p:ph type="body" sz="quarter" idx="10"/>
+            <p:ph type="subTitle" idx="1"/>
+          </p:nvPr>
+        </p:nvSpPr>
+        <p:spPr/>
+        <p:txBody>
+          <a:bodyPr/>
+          <a:lstStyle/>
+          <a:p>
+            <a:r>
+              <a:rPr lang="en-US" dirty="0" smtClean="0"/>
+              <a:t>James Chambers| Senior Software Developer</a:t>
+            </a:r>
+          </a:p>
+          <a:p>
+            <a:r>
+              <a:rPr lang="en-US" dirty="0" smtClean="0"/>
+              <a:t>Simon Timms| Senior Software Developer</a:t>
+            </a:r>
+            <a:endParaRPr lang="en-US" dirty="0"/>
+          </a:p>
+        </p:txBody>
+      </p:sp>
+      <p:sp>
+        <p:nvSpPr>
+          <p:cNvPr id="2" name="Title 1"/>
+          <p:cNvSpPr>
+            <a:spLocks noGrp="1"/>
+          </p:cNvSpPr>
+          <p:nvPr>
+            <p:ph type="ctrTitle"/>
           </p:nvPr>
         </p:nvSpPr>
         <p:spPr>
           <a:solidFill>
             <a:srgbClr val="007233"/>
+          </a:solidFill>
+        </p:spPr>
+        <p:txBody>
+          <a:bodyPr/>
+          <a:lstStyle/>
+          <a:p>
+            <a:r>
+              <a:rPr lang="en-US" sz="4000" dirty="0" smtClean="0"/>
+              <a:t>Application Architecture</a:t>
+            </a:r>
+            <a:endParaRPr lang="en-US" sz="4000" dirty="0"/>
+          </a:p>
+        </p:txBody>
+      </p:sp>
+    </p:spTree>
+    <p:extLst>
+      <p:ext uri="{BB962C8B-B14F-4D97-AF65-F5344CB8AC3E}">
+        <p14:creationId xmlns:p14="http://schemas.microsoft.com/office/powerpoint/2010/main" val="1665733023"/>
+      </p:ext>
+    </p:extLst>
+  </p:cSld>
+  <p:clrMapOvr>
+    <a:masterClrMapping/>
+  </p:clrMapOvr>
+  <p:timing>
+    <p:tnLst>
+      <p:par>
+        <p:cTn id="1" dur="indefinite" restart="never" nodeType="tmRoot"/>
+      </p:par>
+    </p:tnLst>
+  </p:timing>
+</p:sld>
+</file>
+
+<file path=ppt/slides/slide10.xml><?xml version="1.0" encoding="utf-8"?>
+<p:sld xmlns:a="http://schemas.openxmlformats.org/drawingml/2006/main" xmlns:r="http://schemas.openxmlformats.org/officeDocument/2006/relationships" xmlns:p="http://schemas.openxmlformats.org/presentationml/2006/main">
+  <p:cSld>
+    <p:spTree>
+      <p:nvGrpSpPr>
+        <p:cNvPr id="1" name=""/>
+        <p:cNvGrpSpPr/>
+        <p:nvPr/>
+      </p:nvGrpSpPr>
+      <p:grpSpPr>
+        <a:xfrm>
+          <a:off x="0" y="0"/>
+          <a:ext cx="0" cy="0"/>
+          <a:chOff x="0" y="0"/>
+          <a:chExt cx="0" cy="0"/>
+        </a:xfrm>
+      </p:grpSpPr>
+      <p:sp>
+        <p:nvSpPr>
+          <p:cNvPr id="2" name="Title 1"/>
+          <p:cNvSpPr>
+            <a:spLocks noGrp="1"/>
+          </p:cNvSpPr>
+          <p:nvPr>
+            <p:ph type="title"/>
+          </p:nvPr>
+        </p:nvSpPr>
+        <p:spPr/>
+        <p:txBody>
+          <a:bodyPr/>
+          <a:lstStyle/>
+          <a:p>
+            <a:pPr lvl="0"/>
+            <a:r>
+              <a:rPr lang="en-US" dirty="0" smtClean="0"/>
+              <a:t>Solving it</a:t>
+            </a:r>
+            <a:endParaRPr lang="en-US" dirty="0"/>
+          </a:p>
+        </p:txBody>
+      </p:sp>
+      <p:sp>
+        <p:nvSpPr>
+          <p:cNvPr id="5" name="TextBox 4"/>
+          <p:cNvSpPr txBox="1"/>
+          <p:nvPr/>
+        </p:nvSpPr>
+        <p:spPr>
+          <a:xfrm>
+            <a:off x="9906000" y="-1"/>
+            <a:ext cx="2286000" cy="2031325"/>
+          </a:xfrm>
+          <a:prstGeom prst="rect">
+            <a:avLst/>
+          </a:prstGeom>
+          <a:solidFill>
+            <a:srgbClr val="FFFF00"/>
           </a:solidFill>
           <a:ln>
             <a:noFill/>
           </a:ln>
         </p:spPr>
         <p:txBody>
+          <a:bodyPr wrap="square" rtlCol="0">
+            <a:spAutoFit/>
+          </a:bodyPr>
+          <a:lstStyle/>
+          <a:p>
+            <a:pPr algn="ctr"/>
+            <a:endParaRPr lang="en-US" dirty="0" smtClean="0"/>
+          </a:p>
+          <a:p>
+            <a:pPr algn="ctr"/>
+            <a:endParaRPr lang="en-US" dirty="0"/>
+          </a:p>
+          <a:p>
+            <a:pPr algn="ctr"/>
+            <a:r>
+              <a:rPr lang="en-US" dirty="0" smtClean="0"/>
+              <a:t>Please leave this area blank to allow for picture in picture recording</a:t>
+            </a:r>
+          </a:p>
+          <a:p>
+            <a:pPr algn="ctr"/>
+            <a:endParaRPr lang="en-US" dirty="0"/>
+          </a:p>
+        </p:txBody>
+      </p:sp>
+      <p:sp>
+        <p:nvSpPr>
+          <p:cNvPr id="8" name="Rectangle 7"/>
+          <p:cNvSpPr/>
+          <p:nvPr/>
+        </p:nvSpPr>
+        <p:spPr>
+          <a:xfrm>
+            <a:off x="9476192" y="6627168"/>
+            <a:ext cx="2715808" cy="230832"/>
+          </a:xfrm>
+          <a:prstGeom prst="rect">
+            <a:avLst/>
+          </a:prstGeom>
+        </p:spPr>
+        <p:txBody>
+          <a:bodyPr wrap="none">
+            <a:spAutoFit/>
+          </a:bodyPr>
+          <a:lstStyle/>
+          <a:p>
+            <a:r>
+              <a:rPr lang="en-US" sz="900" dirty="0"/>
+              <a:t>https://www.flickr.com/photos/saneboy/3617855124</a:t>
+            </a:r>
+          </a:p>
+        </p:txBody>
+      </p:sp>
+      <p:sp>
+        <p:nvSpPr>
+          <p:cNvPr id="3" name="Content Placeholder 2"/>
+          <p:cNvSpPr>
+            <a:spLocks noGrp="1"/>
+          </p:cNvSpPr>
+          <p:nvPr>
+            <p:ph sz="quarter" idx="10"/>
+          </p:nvPr>
+        </p:nvSpPr>
+        <p:spPr/>
+        <p:txBody>
           <a:bodyPr/>
           <a:lstStyle/>
           <a:p>
-            <a:pPr marL="914400" indent="-914400"/>
-            <a:r>
-              <a:rPr lang="en-US" smtClean="0"/>
-              <a:t>06 </a:t>
-            </a:r>
-            <a:r>
-              <a:rPr lang="en-US" dirty="0" smtClean="0"/>
-              <a:t>| </a:t>
-            </a:r>
-            <a:r>
-              <a:rPr lang="en-US" dirty="0"/>
-              <a:t>Hosting </a:t>
-            </a:r>
-            <a:r>
-              <a:rPr lang="en-US" dirty="0" err="1"/>
-              <a:t>ElasticSearch</a:t>
-            </a:r>
-            <a:r>
-              <a:rPr lang="en-US" dirty="0"/>
-              <a:t> on Docker for Your Application</a:t>
-            </a:r>
-            <a:endParaRPr lang="en-US" dirty="0"/>
-          </a:p>
-        </p:txBody>
-      </p:sp>
-      <p:sp>
-        <p:nvSpPr>
-          <p:cNvPr id="4" name="Subtitle 3"/>
-          <p:cNvSpPr>
-            <a:spLocks noGrp="1"/>
-          </p:cNvSpPr>
-          <p:nvPr>
-            <p:ph type="subTitle" idx="1"/>
-          </p:nvPr>
-        </p:nvSpPr>
-        <p:spPr/>
-        <p:txBody>
-          <a:bodyPr/>
-          <a:lstStyle/>
-          <a:p>
-            <a:r>
-              <a:rPr lang="en-US" dirty="0" smtClean="0"/>
-              <a:t>James Chambers | @</a:t>
-            </a:r>
-            <a:r>
-              <a:rPr lang="en-US" dirty="0" err="1" smtClean="0"/>
-              <a:t>CanadianJames</a:t>
-            </a:r>
-            <a:endParaRPr lang="en-US" dirty="0"/>
-          </a:p>
-          <a:p>
-            <a:r>
-              <a:rPr lang="en-US" dirty="0" smtClean="0"/>
-              <a:t>Simon Timms | @</a:t>
-            </a:r>
-            <a:r>
-              <a:rPr lang="en-US" dirty="0" err="1" smtClean="0"/>
-              <a:t>stimms</a:t>
-            </a:r>
+            <a:r>
+              <a:rPr lang="en-US" dirty="0" smtClean="0"/>
+              <a:t>Big data solution</a:t>
+            </a:r>
+          </a:p>
+          <a:p>
+            <a:r>
+              <a:rPr lang="en-US" dirty="0" smtClean="0"/>
+              <a:t>Search </a:t>
+            </a:r>
+          </a:p>
+          <a:p>
+            <a:r>
+              <a:rPr lang="en-US" dirty="0" smtClean="0"/>
+              <a:t>Analyze</a:t>
+            </a:r>
+          </a:p>
+          <a:p>
+            <a:r>
+              <a:rPr lang="en-US" dirty="0" smtClean="0"/>
+              <a:t>Correlate actions to results</a:t>
+            </a:r>
+          </a:p>
+          <a:p>
             <a:endParaRPr lang="en-US" dirty="0"/>
           </a:p>
         </p:txBody>
@@ -3739,7 +5421,1537 @@
     </p:spTree>
     <p:extLst>
       <p:ext uri="{BB962C8B-B14F-4D97-AF65-F5344CB8AC3E}">
-        <p14:creationId xmlns:p14="http://schemas.microsoft.com/office/powerpoint/2010/main" val="897692544"/>
+        <p14:creationId xmlns:p14="http://schemas.microsoft.com/office/powerpoint/2010/main" val="2294982690"/>
+      </p:ext>
+    </p:extLst>
+  </p:cSld>
+  <p:clrMapOvr>
+    <a:masterClrMapping/>
+  </p:clrMapOvr>
+  <p:timing>
+    <p:tnLst>
+      <p:par>
+        <p:cTn id="1" dur="indefinite" restart="never" nodeType="tmRoot"/>
+      </p:par>
+    </p:tnLst>
+  </p:timing>
+</p:sld>
+</file>
+
+<file path=ppt/slides/slide11.xml><?xml version="1.0" encoding="utf-8"?>
+<p:sld xmlns:a="http://schemas.openxmlformats.org/drawingml/2006/main" xmlns:r="http://schemas.openxmlformats.org/officeDocument/2006/relationships" xmlns:p="http://schemas.openxmlformats.org/presentationml/2006/main">
+  <p:cSld>
+    <p:spTree>
+      <p:nvGrpSpPr>
+        <p:cNvPr id="1" name=""/>
+        <p:cNvGrpSpPr/>
+        <p:nvPr/>
+      </p:nvGrpSpPr>
+      <p:grpSpPr>
+        <a:xfrm>
+          <a:off x="0" y="0"/>
+          <a:ext cx="0" cy="0"/>
+          <a:chOff x="0" y="0"/>
+          <a:chExt cx="0" cy="0"/>
+        </a:xfrm>
+      </p:grpSpPr>
+      <p:sp>
+        <p:nvSpPr>
+          <p:cNvPr id="2" name="Title 1"/>
+          <p:cNvSpPr>
+            <a:spLocks noGrp="1"/>
+          </p:cNvSpPr>
+          <p:nvPr>
+            <p:ph type="title"/>
+          </p:nvPr>
+        </p:nvSpPr>
+        <p:spPr/>
+        <p:txBody>
+          <a:bodyPr/>
+          <a:lstStyle/>
+          <a:p>
+            <a:pPr lvl="0"/>
+            <a:r>
+              <a:rPr lang="en-US" dirty="0" err="1" smtClean="0"/>
+              <a:t>Elasticsearch</a:t>
+            </a:r>
+            <a:r>
+              <a:rPr lang="en-US" dirty="0" smtClean="0"/>
+              <a:t> + Log stash + </a:t>
+            </a:r>
+            <a:r>
+              <a:rPr lang="en-US" dirty="0" err="1" smtClean="0"/>
+              <a:t>Kibana</a:t>
+            </a:r>
+            <a:endParaRPr lang="en-US" dirty="0"/>
+          </a:p>
+        </p:txBody>
+      </p:sp>
+      <p:sp>
+        <p:nvSpPr>
+          <p:cNvPr id="5" name="TextBox 4"/>
+          <p:cNvSpPr txBox="1"/>
+          <p:nvPr/>
+        </p:nvSpPr>
+        <p:spPr>
+          <a:xfrm>
+            <a:off x="9906000" y="-1"/>
+            <a:ext cx="2286000" cy="2031325"/>
+          </a:xfrm>
+          <a:prstGeom prst="rect">
+            <a:avLst/>
+          </a:prstGeom>
+          <a:solidFill>
+            <a:srgbClr val="FFFF00"/>
+          </a:solidFill>
+          <a:ln>
+            <a:noFill/>
+          </a:ln>
+        </p:spPr>
+        <p:txBody>
+          <a:bodyPr wrap="square" rtlCol="0">
+            <a:spAutoFit/>
+          </a:bodyPr>
+          <a:lstStyle/>
+          <a:p>
+            <a:pPr algn="ctr"/>
+            <a:endParaRPr lang="en-US" dirty="0" smtClean="0"/>
+          </a:p>
+          <a:p>
+            <a:pPr algn="ctr"/>
+            <a:endParaRPr lang="en-US" dirty="0"/>
+          </a:p>
+          <a:p>
+            <a:pPr algn="ctr"/>
+            <a:r>
+              <a:rPr lang="en-US" dirty="0" smtClean="0"/>
+              <a:t>Please leave this area blank to allow for picture in picture recording</a:t>
+            </a:r>
+          </a:p>
+          <a:p>
+            <a:pPr algn="ctr"/>
+            <a:endParaRPr lang="en-US" dirty="0"/>
+          </a:p>
+        </p:txBody>
+      </p:sp>
+      <p:sp>
+        <p:nvSpPr>
+          <p:cNvPr id="8" name="Rectangle 7"/>
+          <p:cNvSpPr/>
+          <p:nvPr/>
+        </p:nvSpPr>
+        <p:spPr>
+          <a:xfrm>
+            <a:off x="4696802" y="6613596"/>
+            <a:ext cx="7616188" cy="230832"/>
+          </a:xfrm>
+          <a:prstGeom prst="rect">
+            <a:avLst/>
+          </a:prstGeom>
+        </p:spPr>
+        <p:txBody>
+          <a:bodyPr wrap="none">
+            <a:spAutoFit/>
+          </a:bodyPr>
+          <a:lstStyle/>
+          <a:p>
+            <a:r>
+              <a:rPr lang="en-US" sz="900" dirty="0"/>
+              <a:t>"</a:t>
+            </a:r>
+            <a:r>
+              <a:rPr lang="en-US" sz="900" dirty="0" err="1"/>
+              <a:t>Wapiti.Nebraska</a:t>
+            </a:r>
+            <a:r>
+              <a:rPr lang="en-US" sz="900" dirty="0"/>
+              <a:t>". Licensed under CC BY 2.5 via Commons - https://commons.wikimedia.org/wiki/File:Wapiti.Nebraska.JPG#/media/File:Wapiti.Nebraska.JPG</a:t>
+            </a:r>
+          </a:p>
+        </p:txBody>
+      </p:sp>
+      <p:sp>
+        <p:nvSpPr>
+          <p:cNvPr id="3" name="Content Placeholder 2"/>
+          <p:cNvSpPr>
+            <a:spLocks noGrp="1"/>
+          </p:cNvSpPr>
+          <p:nvPr>
+            <p:ph sz="quarter" idx="10"/>
+          </p:nvPr>
+        </p:nvSpPr>
+        <p:spPr/>
+        <p:txBody>
+          <a:bodyPr/>
+          <a:lstStyle/>
+          <a:p>
+            <a:r>
+              <a:rPr lang="en-US" dirty="0" smtClean="0"/>
+              <a:t>ELK stack</a:t>
+            </a:r>
+          </a:p>
+          <a:p>
+            <a:endParaRPr lang="en-US" dirty="0"/>
+          </a:p>
+        </p:txBody>
+      </p:sp>
+      <p:pic>
+        <p:nvPicPr>
+          <p:cNvPr id="12290" name="Picture 2" descr="https://upload.wikimedia.org/wikipedia/commons/thumb/0/0c/Wapiti.Nebraska.JPG/1280px-Wapiti.Nebraska.JPG"/>
+          <p:cNvPicPr>
+            <a:picLocks noChangeAspect="1" noChangeArrowheads="1"/>
+          </p:cNvPicPr>
+          <p:nvPr/>
+        </p:nvPicPr>
+        <p:blipFill>
+          <a:blip r:embed="rId3">
+            <a:extLst>
+              <a:ext uri="{28A0092B-C50C-407E-A947-70E740481C1C}">
+                <a14:useLocalDpi xmlns:a14="http://schemas.microsoft.com/office/drawing/2010/main" val="0"/>
+              </a:ext>
+            </a:extLst>
+          </a:blip>
+          <a:srcRect/>
+          <a:stretch>
+            <a:fillRect/>
+          </a:stretch>
+        </p:blipFill>
+        <p:spPr bwMode="auto">
+          <a:xfrm>
+            <a:off x="2510839" y="1095998"/>
+            <a:ext cx="7261781" cy="5446336"/>
+          </a:xfrm>
+          <a:prstGeom prst="rect">
+            <a:avLst/>
+          </a:prstGeom>
+          <a:noFill/>
+          <a:extLst>
+            <a:ext uri="{909E8E84-426E-40DD-AFC4-6F175D3DCCD1}">
+              <a14:hiddenFill xmlns:a14="http://schemas.microsoft.com/office/drawing/2010/main">
+                <a:solidFill>
+                  <a:srgbClr val="FFFFFF"/>
+                </a:solidFill>
+              </a14:hiddenFill>
+            </a:ext>
+          </a:extLst>
+        </p:spPr>
+      </p:pic>
+    </p:spTree>
+    <p:extLst>
+      <p:ext uri="{BB962C8B-B14F-4D97-AF65-F5344CB8AC3E}">
+        <p14:creationId xmlns:p14="http://schemas.microsoft.com/office/powerpoint/2010/main" val="2583322374"/>
+      </p:ext>
+    </p:extLst>
+  </p:cSld>
+  <p:clrMapOvr>
+    <a:masterClrMapping/>
+  </p:clrMapOvr>
+  <p:timing>
+    <p:tnLst>
+      <p:par>
+        <p:cTn id="1" dur="indefinite" restart="never" nodeType="tmRoot"/>
+      </p:par>
+    </p:tnLst>
+  </p:timing>
+</p:sld>
+</file>
+
+<file path=ppt/slides/slide12.xml><?xml version="1.0" encoding="utf-8"?>
+<p:sld xmlns:a="http://schemas.openxmlformats.org/drawingml/2006/main" xmlns:r="http://schemas.openxmlformats.org/officeDocument/2006/relationships" xmlns:p="http://schemas.openxmlformats.org/presentationml/2006/main">
+  <p:cSld>
+    <p:spTree>
+      <p:nvGrpSpPr>
+        <p:cNvPr id="1" name=""/>
+        <p:cNvGrpSpPr/>
+        <p:nvPr/>
+      </p:nvGrpSpPr>
+      <p:grpSpPr>
+        <a:xfrm>
+          <a:off x="0" y="0"/>
+          <a:ext cx="0" cy="0"/>
+          <a:chOff x="0" y="0"/>
+          <a:chExt cx="0" cy="0"/>
+        </a:xfrm>
+      </p:grpSpPr>
+      <p:sp>
+        <p:nvSpPr>
+          <p:cNvPr id="2" name="Title 1"/>
+          <p:cNvSpPr>
+            <a:spLocks noGrp="1"/>
+          </p:cNvSpPr>
+          <p:nvPr>
+            <p:ph type="title"/>
+          </p:nvPr>
+        </p:nvSpPr>
+        <p:spPr/>
+        <p:txBody>
+          <a:bodyPr/>
+          <a:lstStyle/>
+          <a:p>
+            <a:r>
+              <a:rPr lang="en-US" dirty="0" err="1" smtClean="0"/>
+              <a:t>Logstash</a:t>
+            </a:r>
+            <a:endParaRPr lang="en-US" dirty="0"/>
+          </a:p>
+        </p:txBody>
+      </p:sp>
+      <p:pic>
+        <p:nvPicPr>
+          <p:cNvPr id="19460" name="Picture 4" descr="https://raw.githubusercontent.com/docker-library/docs/master/logstash/logo.png"/>
+          <p:cNvPicPr>
+            <a:picLocks noGrp="1" noChangeAspect="1" noChangeArrowheads="1"/>
+          </p:cNvPicPr>
+          <p:nvPr>
+            <p:ph sz="quarter" idx="10"/>
+          </p:nvPr>
+        </p:nvPicPr>
+        <p:blipFill>
+          <a:blip r:embed="rId3">
+            <a:extLst>
+              <a:ext uri="{28A0092B-C50C-407E-A947-70E740481C1C}">
+                <a14:useLocalDpi xmlns:a14="http://schemas.microsoft.com/office/drawing/2010/main" val="0"/>
+              </a:ext>
+            </a:extLst>
+          </a:blip>
+          <a:srcRect/>
+          <a:stretch>
+            <a:fillRect/>
+          </a:stretch>
+        </p:blipFill>
+        <p:spPr bwMode="auto">
+          <a:xfrm>
+            <a:off x="4694238" y="1718469"/>
+            <a:ext cx="2895600" cy="4629150"/>
+          </a:xfrm>
+          <a:prstGeom prst="rect">
+            <a:avLst/>
+          </a:prstGeom>
+          <a:noFill/>
+          <a:extLst>
+            <a:ext uri="{909E8E84-426E-40DD-AFC4-6F175D3DCCD1}">
+              <a14:hiddenFill xmlns:a14="http://schemas.microsoft.com/office/drawing/2010/main">
+                <a:solidFill>
+                  <a:srgbClr val="FFFFFF"/>
+                </a:solidFill>
+              </a14:hiddenFill>
+            </a:ext>
+          </a:extLst>
+        </p:spPr>
+      </p:pic>
+      <p:sp>
+        <p:nvSpPr>
+          <p:cNvPr id="6" name="TextBox 5"/>
+          <p:cNvSpPr txBox="1"/>
+          <p:nvPr/>
+        </p:nvSpPr>
+        <p:spPr>
+          <a:xfrm>
+            <a:off x="9906000" y="-1"/>
+            <a:ext cx="2286000" cy="2031325"/>
+          </a:xfrm>
+          <a:prstGeom prst="rect">
+            <a:avLst/>
+          </a:prstGeom>
+          <a:solidFill>
+            <a:srgbClr val="FFFF00"/>
+          </a:solidFill>
+          <a:ln>
+            <a:noFill/>
+          </a:ln>
+        </p:spPr>
+        <p:txBody>
+          <a:bodyPr wrap="square" rtlCol="0">
+            <a:spAutoFit/>
+          </a:bodyPr>
+          <a:lstStyle/>
+          <a:p>
+            <a:pPr algn="ctr"/>
+            <a:endParaRPr lang="en-US" dirty="0" smtClean="0"/>
+          </a:p>
+          <a:p>
+            <a:pPr algn="ctr"/>
+            <a:endParaRPr lang="en-US" dirty="0"/>
+          </a:p>
+          <a:p>
+            <a:pPr algn="ctr"/>
+            <a:r>
+              <a:rPr lang="en-US" dirty="0" smtClean="0"/>
+              <a:t>Please leave this area blank to allow for picture in picture recording</a:t>
+            </a:r>
+          </a:p>
+          <a:p>
+            <a:pPr algn="ctr"/>
+            <a:endParaRPr lang="en-US" dirty="0"/>
+          </a:p>
+        </p:txBody>
+      </p:sp>
+    </p:spTree>
+    <p:extLst>
+      <p:ext uri="{BB962C8B-B14F-4D97-AF65-F5344CB8AC3E}">
+        <p14:creationId xmlns:p14="http://schemas.microsoft.com/office/powerpoint/2010/main" val="3358378337"/>
+      </p:ext>
+    </p:extLst>
+  </p:cSld>
+  <p:clrMapOvr>
+    <a:masterClrMapping/>
+  </p:clrMapOvr>
+  <p:timing>
+    <p:tnLst>
+      <p:par>
+        <p:cTn id="1" dur="indefinite" restart="never" nodeType="tmRoot"/>
+      </p:par>
+    </p:tnLst>
+  </p:timing>
+</p:sld>
+</file>
+
+<file path=ppt/slides/slide13.xml><?xml version="1.0" encoding="utf-8"?>
+<p:sld xmlns:a="http://schemas.openxmlformats.org/drawingml/2006/main" xmlns:r="http://schemas.openxmlformats.org/officeDocument/2006/relationships" xmlns:p="http://schemas.openxmlformats.org/presentationml/2006/main">
+  <p:cSld>
+    <p:spTree>
+      <p:nvGrpSpPr>
+        <p:cNvPr id="1" name=""/>
+        <p:cNvGrpSpPr/>
+        <p:nvPr/>
+      </p:nvGrpSpPr>
+      <p:grpSpPr>
+        <a:xfrm>
+          <a:off x="0" y="0"/>
+          <a:ext cx="0" cy="0"/>
+          <a:chOff x="0" y="0"/>
+          <a:chExt cx="0" cy="0"/>
+        </a:xfrm>
+      </p:grpSpPr>
+      <p:sp>
+        <p:nvSpPr>
+          <p:cNvPr id="2" name="Title 1"/>
+          <p:cNvSpPr>
+            <a:spLocks noGrp="1"/>
+          </p:cNvSpPr>
+          <p:nvPr>
+            <p:ph type="title"/>
+          </p:nvPr>
+        </p:nvSpPr>
+        <p:spPr/>
+        <p:txBody>
+          <a:bodyPr/>
+          <a:lstStyle/>
+          <a:p>
+            <a:r>
+              <a:rPr lang="en-US" dirty="0" err="1" smtClean="0"/>
+              <a:t>Logstash</a:t>
+            </a:r>
+            <a:endParaRPr lang="en-US" dirty="0"/>
+          </a:p>
+        </p:txBody>
+      </p:sp>
+      <p:pic>
+        <p:nvPicPr>
+          <p:cNvPr id="5" name="Content Placeholder 4"/>
+          <p:cNvPicPr>
+            <a:picLocks noGrp="1" noChangeAspect="1"/>
+          </p:cNvPicPr>
+          <p:nvPr>
+            <p:ph sz="quarter" idx="10"/>
+          </p:nvPr>
+        </p:nvPicPr>
+        <p:blipFill>
+          <a:blip r:embed="rId3" cstate="print">
+            <a:extLst>
+              <a:ext uri="{28A0092B-C50C-407E-A947-70E740481C1C}">
+                <a14:useLocalDpi xmlns:a14="http://schemas.microsoft.com/office/drawing/2010/main" val="0"/>
+              </a:ext>
+            </a:extLst>
+          </a:blip>
+          <a:stretch>
+            <a:fillRect/>
+          </a:stretch>
+        </p:blipFill>
+        <p:spPr>
+          <a:xfrm>
+            <a:off x="2576239" y="1151805"/>
+            <a:ext cx="7130982" cy="5291138"/>
+          </a:xfrm>
+        </p:spPr>
+      </p:pic>
+      <p:sp>
+        <p:nvSpPr>
+          <p:cNvPr id="4" name="Rectangle 3"/>
+          <p:cNvSpPr/>
+          <p:nvPr/>
+        </p:nvSpPr>
+        <p:spPr>
+          <a:xfrm>
+            <a:off x="2318994" y="6678614"/>
+            <a:ext cx="10114959" cy="230832"/>
+          </a:xfrm>
+          <a:prstGeom prst="rect">
+            <a:avLst/>
+          </a:prstGeom>
+        </p:spPr>
+        <p:txBody>
+          <a:bodyPr wrap="square">
+            <a:spAutoFit/>
+          </a:bodyPr>
+          <a:lstStyle/>
+          <a:p>
+            <a:r>
+              <a:rPr lang="en-US" sz="900" dirty="0"/>
+              <a:t>"WWTP </a:t>
+            </a:r>
+            <a:r>
+              <a:rPr lang="en-US" sz="900" dirty="0" err="1"/>
+              <a:t>Antwerpen</a:t>
+            </a:r>
+            <a:r>
+              <a:rPr lang="en-US" sz="900" dirty="0"/>
+              <a:t>-Zuid" by Annabel - Own work. Licensed under CC BY-SA 3.0 via Commons - https://commons.wikimedia.org/wiki/File:WWTP_Antwerpen-Zuid.jpg#/media/File:WWTP_Antwerpen-Zuid.jpg</a:t>
+            </a:r>
+          </a:p>
+        </p:txBody>
+      </p:sp>
+      <p:sp>
+        <p:nvSpPr>
+          <p:cNvPr id="6" name="TextBox 5"/>
+          <p:cNvSpPr txBox="1"/>
+          <p:nvPr/>
+        </p:nvSpPr>
+        <p:spPr>
+          <a:xfrm>
+            <a:off x="9906000" y="-1"/>
+            <a:ext cx="2286000" cy="2031325"/>
+          </a:xfrm>
+          <a:prstGeom prst="rect">
+            <a:avLst/>
+          </a:prstGeom>
+          <a:solidFill>
+            <a:srgbClr val="FFFF00"/>
+          </a:solidFill>
+          <a:ln>
+            <a:noFill/>
+          </a:ln>
+        </p:spPr>
+        <p:txBody>
+          <a:bodyPr wrap="square" rtlCol="0">
+            <a:spAutoFit/>
+          </a:bodyPr>
+          <a:lstStyle/>
+          <a:p>
+            <a:pPr algn="ctr"/>
+            <a:endParaRPr lang="en-US" dirty="0" smtClean="0"/>
+          </a:p>
+          <a:p>
+            <a:pPr algn="ctr"/>
+            <a:endParaRPr lang="en-US" dirty="0"/>
+          </a:p>
+          <a:p>
+            <a:pPr algn="ctr"/>
+            <a:r>
+              <a:rPr lang="en-US" dirty="0" smtClean="0"/>
+              <a:t>Please leave this area blank to allow for picture in picture recording</a:t>
+            </a:r>
+          </a:p>
+          <a:p>
+            <a:pPr algn="ctr"/>
+            <a:endParaRPr lang="en-US" dirty="0"/>
+          </a:p>
+        </p:txBody>
+      </p:sp>
+    </p:spTree>
+    <p:extLst>
+      <p:ext uri="{BB962C8B-B14F-4D97-AF65-F5344CB8AC3E}">
+        <p14:creationId xmlns:p14="http://schemas.microsoft.com/office/powerpoint/2010/main" val="3509362586"/>
+      </p:ext>
+    </p:extLst>
+  </p:cSld>
+  <p:clrMapOvr>
+    <a:masterClrMapping/>
+  </p:clrMapOvr>
+  <p:timing>
+    <p:tnLst>
+      <p:par>
+        <p:cTn id="1" dur="indefinite" restart="never" nodeType="tmRoot"/>
+      </p:par>
+    </p:tnLst>
+  </p:timing>
+</p:sld>
+</file>
+
+<file path=ppt/slides/slide14.xml><?xml version="1.0" encoding="utf-8"?>
+<p:sld xmlns:a="http://schemas.openxmlformats.org/drawingml/2006/main" xmlns:r="http://schemas.openxmlformats.org/officeDocument/2006/relationships" xmlns:p="http://schemas.openxmlformats.org/presentationml/2006/main">
+  <p:cSld>
+    <p:spTree>
+      <p:nvGrpSpPr>
+        <p:cNvPr id="1" name=""/>
+        <p:cNvGrpSpPr/>
+        <p:nvPr/>
+      </p:nvGrpSpPr>
+      <p:grpSpPr>
+        <a:xfrm>
+          <a:off x="0" y="0"/>
+          <a:ext cx="0" cy="0"/>
+          <a:chOff x="0" y="0"/>
+          <a:chExt cx="0" cy="0"/>
+        </a:xfrm>
+      </p:grpSpPr>
+      <p:sp>
+        <p:nvSpPr>
+          <p:cNvPr id="2" name="Title 1"/>
+          <p:cNvSpPr>
+            <a:spLocks noGrp="1"/>
+          </p:cNvSpPr>
+          <p:nvPr>
+            <p:ph type="title"/>
+          </p:nvPr>
+        </p:nvSpPr>
+        <p:spPr/>
+        <p:txBody>
+          <a:bodyPr/>
+          <a:lstStyle/>
+          <a:p>
+            <a:r>
+              <a:rPr lang="en-US" dirty="0" smtClean="0"/>
+              <a:t>Sources</a:t>
+            </a:r>
+            <a:endParaRPr lang="en-US" dirty="0"/>
+          </a:p>
+        </p:txBody>
+      </p:sp>
+      <p:sp>
+        <p:nvSpPr>
+          <p:cNvPr id="3" name="Content Placeholder 2"/>
+          <p:cNvSpPr>
+            <a:spLocks noGrp="1"/>
+          </p:cNvSpPr>
+          <p:nvPr>
+            <p:ph sz="quarter" idx="10"/>
+          </p:nvPr>
+        </p:nvSpPr>
+        <p:spPr/>
+        <p:txBody>
+          <a:bodyPr/>
+          <a:lstStyle/>
+          <a:p>
+            <a:r>
+              <a:rPr lang="en-US" dirty="0" err="1" smtClean="0"/>
+              <a:t>RabbitMQ</a:t>
+            </a:r>
+            <a:endParaRPr lang="en-US" dirty="0"/>
+          </a:p>
+          <a:p>
+            <a:r>
+              <a:rPr lang="en-US" dirty="0" smtClean="0"/>
+              <a:t>HTTP</a:t>
+            </a:r>
+            <a:endParaRPr lang="en-US" dirty="0"/>
+          </a:p>
+          <a:p>
+            <a:r>
+              <a:rPr lang="en-US" dirty="0" err="1" smtClean="0"/>
+              <a:t>Websockets</a:t>
+            </a:r>
+            <a:r>
+              <a:rPr lang="en-US" dirty="0" smtClean="0"/>
+              <a:t> </a:t>
+            </a:r>
+            <a:endParaRPr lang="en-US" dirty="0"/>
+          </a:p>
+          <a:p>
+            <a:r>
+              <a:rPr lang="en-US" dirty="0"/>
+              <a:t>S</a:t>
+            </a:r>
+            <a:r>
+              <a:rPr lang="en-US" dirty="0" smtClean="0"/>
+              <a:t>3</a:t>
+            </a:r>
+            <a:endParaRPr lang="en-US" dirty="0"/>
+          </a:p>
+          <a:p>
+            <a:r>
+              <a:rPr lang="en-US" dirty="0" smtClean="0"/>
+              <a:t>GitHub</a:t>
+            </a:r>
+            <a:endParaRPr lang="en-US" dirty="0"/>
+          </a:p>
+          <a:p>
+            <a:r>
+              <a:rPr lang="en-US" dirty="0"/>
+              <a:t>F</a:t>
+            </a:r>
+            <a:r>
+              <a:rPr lang="en-US" dirty="0" smtClean="0"/>
+              <a:t>iles</a:t>
+            </a:r>
+            <a:endParaRPr lang="en-US" dirty="0"/>
+          </a:p>
+          <a:p>
+            <a:r>
+              <a:rPr lang="en-US" dirty="0"/>
+              <a:t>S</a:t>
+            </a:r>
+            <a:r>
+              <a:rPr lang="en-US" dirty="0" smtClean="0"/>
+              <a:t>yslog</a:t>
+            </a:r>
+            <a:endParaRPr lang="en-US" dirty="0"/>
+          </a:p>
+          <a:p>
+            <a:endParaRPr lang="en-US" dirty="0"/>
+          </a:p>
+        </p:txBody>
+      </p:sp>
+      <p:sp>
+        <p:nvSpPr>
+          <p:cNvPr id="7" name="TextBox 6"/>
+          <p:cNvSpPr txBox="1"/>
+          <p:nvPr/>
+        </p:nvSpPr>
+        <p:spPr>
+          <a:xfrm>
+            <a:off x="9906000" y="-1"/>
+            <a:ext cx="2286000" cy="2031325"/>
+          </a:xfrm>
+          <a:prstGeom prst="rect">
+            <a:avLst/>
+          </a:prstGeom>
+          <a:solidFill>
+            <a:srgbClr val="FFFF00"/>
+          </a:solidFill>
+          <a:ln>
+            <a:noFill/>
+          </a:ln>
+        </p:spPr>
+        <p:txBody>
+          <a:bodyPr wrap="square" rtlCol="0">
+            <a:spAutoFit/>
+          </a:bodyPr>
+          <a:lstStyle/>
+          <a:p>
+            <a:pPr algn="ctr"/>
+            <a:endParaRPr lang="en-US" dirty="0" smtClean="0"/>
+          </a:p>
+          <a:p>
+            <a:pPr algn="ctr"/>
+            <a:endParaRPr lang="en-US" dirty="0"/>
+          </a:p>
+          <a:p>
+            <a:pPr algn="ctr"/>
+            <a:r>
+              <a:rPr lang="en-US" dirty="0" smtClean="0"/>
+              <a:t>Please leave this area blank to allow for picture in picture recording</a:t>
+            </a:r>
+          </a:p>
+          <a:p>
+            <a:pPr algn="ctr"/>
+            <a:endParaRPr lang="en-US" dirty="0"/>
+          </a:p>
+        </p:txBody>
+      </p:sp>
+    </p:spTree>
+    <p:extLst>
+      <p:ext uri="{BB962C8B-B14F-4D97-AF65-F5344CB8AC3E}">
+        <p14:creationId xmlns:p14="http://schemas.microsoft.com/office/powerpoint/2010/main" val="2599733258"/>
+      </p:ext>
+    </p:extLst>
+  </p:cSld>
+  <p:clrMapOvr>
+    <a:masterClrMapping/>
+  </p:clrMapOvr>
+  <p:timing>
+    <p:tnLst>
+      <p:par>
+        <p:cTn id="1" dur="indefinite" restart="never" nodeType="tmRoot"/>
+      </p:par>
+    </p:tnLst>
+  </p:timing>
+</p:sld>
+</file>
+
+<file path=ppt/slides/slide15.xml><?xml version="1.0" encoding="utf-8"?>
+<p:sld xmlns:a="http://schemas.openxmlformats.org/drawingml/2006/main" xmlns:r="http://schemas.openxmlformats.org/officeDocument/2006/relationships" xmlns:p="http://schemas.openxmlformats.org/presentationml/2006/main">
+  <p:cSld>
+    <p:spTree>
+      <p:nvGrpSpPr>
+        <p:cNvPr id="1" name=""/>
+        <p:cNvGrpSpPr/>
+        <p:nvPr/>
+      </p:nvGrpSpPr>
+      <p:grpSpPr>
+        <a:xfrm>
+          <a:off x="0" y="0"/>
+          <a:ext cx="0" cy="0"/>
+          <a:chOff x="0" y="0"/>
+          <a:chExt cx="0" cy="0"/>
+        </a:xfrm>
+      </p:grpSpPr>
+      <p:sp>
+        <p:nvSpPr>
+          <p:cNvPr id="2" name="Title 1"/>
+          <p:cNvSpPr>
+            <a:spLocks noGrp="1"/>
+          </p:cNvSpPr>
+          <p:nvPr>
+            <p:ph type="title"/>
+          </p:nvPr>
+        </p:nvSpPr>
+        <p:spPr/>
+        <p:txBody>
+          <a:bodyPr/>
+          <a:lstStyle/>
+          <a:p>
+            <a:r>
+              <a:rPr lang="en-US" dirty="0" smtClean="0"/>
+              <a:t>Filters and </a:t>
+            </a:r>
+            <a:r>
+              <a:rPr lang="en-US" dirty="0" err="1" smtClean="0"/>
+              <a:t>mutators</a:t>
+            </a:r>
+            <a:endParaRPr lang="en-US" dirty="0"/>
+          </a:p>
+        </p:txBody>
+      </p:sp>
+      <p:sp>
+        <p:nvSpPr>
+          <p:cNvPr id="3" name="Content Placeholder 2"/>
+          <p:cNvSpPr>
+            <a:spLocks noGrp="1"/>
+          </p:cNvSpPr>
+          <p:nvPr>
+            <p:ph sz="quarter" idx="10"/>
+          </p:nvPr>
+        </p:nvSpPr>
+        <p:spPr/>
+        <p:txBody>
+          <a:bodyPr/>
+          <a:lstStyle/>
+          <a:p>
+            <a:r>
+              <a:rPr lang="en-US" dirty="0" smtClean="0"/>
+              <a:t>Convert IP addresses</a:t>
+            </a:r>
+          </a:p>
+          <a:p>
+            <a:r>
+              <a:rPr lang="en-US" dirty="0" smtClean="0"/>
+              <a:t>Filter out events</a:t>
+            </a:r>
+          </a:p>
+          <a:p>
+            <a:r>
+              <a:rPr lang="en-US" dirty="0" smtClean="0"/>
+              <a:t>Split events</a:t>
+            </a:r>
+          </a:p>
+          <a:p>
+            <a:r>
+              <a:rPr lang="en-US" dirty="0" smtClean="0"/>
+              <a:t>Anonymize </a:t>
+            </a:r>
+          </a:p>
+          <a:p>
+            <a:r>
+              <a:rPr lang="en-US" dirty="0" smtClean="0"/>
+              <a:t>Whatever else you can think of</a:t>
+            </a:r>
+            <a:endParaRPr lang="en-US" dirty="0"/>
+          </a:p>
+          <a:p>
+            <a:endParaRPr lang="en-US" dirty="0"/>
+          </a:p>
+        </p:txBody>
+      </p:sp>
+      <p:sp>
+        <p:nvSpPr>
+          <p:cNvPr id="4" name="TextBox 3"/>
+          <p:cNvSpPr txBox="1"/>
+          <p:nvPr/>
+        </p:nvSpPr>
+        <p:spPr>
+          <a:xfrm>
+            <a:off x="9906000" y="-1"/>
+            <a:ext cx="2286000" cy="2031325"/>
+          </a:xfrm>
+          <a:prstGeom prst="rect">
+            <a:avLst/>
+          </a:prstGeom>
+          <a:solidFill>
+            <a:srgbClr val="FFFF00"/>
+          </a:solidFill>
+          <a:ln>
+            <a:noFill/>
+          </a:ln>
+        </p:spPr>
+        <p:txBody>
+          <a:bodyPr wrap="square" rtlCol="0">
+            <a:spAutoFit/>
+          </a:bodyPr>
+          <a:lstStyle/>
+          <a:p>
+            <a:pPr algn="ctr"/>
+            <a:endParaRPr lang="en-US" dirty="0" smtClean="0"/>
+          </a:p>
+          <a:p>
+            <a:pPr algn="ctr"/>
+            <a:endParaRPr lang="en-US" dirty="0"/>
+          </a:p>
+          <a:p>
+            <a:pPr algn="ctr"/>
+            <a:r>
+              <a:rPr lang="en-US" dirty="0" smtClean="0"/>
+              <a:t>Please leave this area blank to allow for picture in picture recording</a:t>
+            </a:r>
+          </a:p>
+          <a:p>
+            <a:pPr algn="ctr"/>
+            <a:endParaRPr lang="en-US" dirty="0"/>
+          </a:p>
+        </p:txBody>
+      </p:sp>
+    </p:spTree>
+    <p:extLst>
+      <p:ext uri="{BB962C8B-B14F-4D97-AF65-F5344CB8AC3E}">
+        <p14:creationId xmlns:p14="http://schemas.microsoft.com/office/powerpoint/2010/main" val="1041613072"/>
+      </p:ext>
+    </p:extLst>
+  </p:cSld>
+  <p:clrMapOvr>
+    <a:masterClrMapping/>
+  </p:clrMapOvr>
+  <p:timing>
+    <p:tnLst>
+      <p:par>
+        <p:cTn id="1" dur="indefinite" restart="never" nodeType="tmRoot"/>
+      </p:par>
+    </p:tnLst>
+  </p:timing>
+</p:sld>
+</file>
+
+<file path=ppt/slides/slide16.xml><?xml version="1.0" encoding="utf-8"?>
+<p:sld xmlns:a="http://schemas.openxmlformats.org/drawingml/2006/main" xmlns:r="http://schemas.openxmlformats.org/officeDocument/2006/relationships" xmlns:p="http://schemas.openxmlformats.org/presentationml/2006/main">
+  <p:cSld>
+    <p:spTree>
+      <p:nvGrpSpPr>
+        <p:cNvPr id="1" name=""/>
+        <p:cNvGrpSpPr/>
+        <p:nvPr/>
+      </p:nvGrpSpPr>
+      <p:grpSpPr>
+        <a:xfrm>
+          <a:off x="0" y="0"/>
+          <a:ext cx="0" cy="0"/>
+          <a:chOff x="0" y="0"/>
+          <a:chExt cx="0" cy="0"/>
+        </a:xfrm>
+      </p:grpSpPr>
+      <p:sp>
+        <p:nvSpPr>
+          <p:cNvPr id="2" name="Title 1"/>
+          <p:cNvSpPr>
+            <a:spLocks noGrp="1"/>
+          </p:cNvSpPr>
+          <p:nvPr>
+            <p:ph type="title"/>
+          </p:nvPr>
+        </p:nvSpPr>
+        <p:spPr/>
+        <p:txBody>
+          <a:bodyPr/>
+          <a:lstStyle/>
+          <a:p>
+            <a:r>
+              <a:rPr lang="en-US" dirty="0" smtClean="0"/>
+              <a:t>Output</a:t>
+            </a:r>
+            <a:endParaRPr lang="en-US" dirty="0"/>
+          </a:p>
+        </p:txBody>
+      </p:sp>
+      <p:sp>
+        <p:nvSpPr>
+          <p:cNvPr id="3" name="Content Placeholder 2"/>
+          <p:cNvSpPr>
+            <a:spLocks noGrp="1"/>
+          </p:cNvSpPr>
+          <p:nvPr>
+            <p:ph sz="quarter" idx="10"/>
+          </p:nvPr>
+        </p:nvSpPr>
+        <p:spPr/>
+        <p:txBody>
+          <a:bodyPr/>
+          <a:lstStyle/>
+          <a:p>
+            <a:r>
+              <a:rPr lang="en-US" dirty="0" err="1" smtClean="0"/>
+              <a:t>EMail</a:t>
+            </a:r>
+            <a:endParaRPr lang="en-US" dirty="0"/>
+          </a:p>
+          <a:p>
+            <a:r>
+              <a:rPr lang="en-US" dirty="0" smtClean="0"/>
+              <a:t>Files</a:t>
+            </a:r>
+            <a:endParaRPr lang="en-US" dirty="0"/>
+          </a:p>
+          <a:p>
+            <a:r>
+              <a:rPr lang="en-US" dirty="0" err="1" smtClean="0"/>
+              <a:t>Hipchat</a:t>
+            </a:r>
+            <a:endParaRPr lang="en-US" dirty="0"/>
+          </a:p>
+          <a:p>
+            <a:r>
+              <a:rPr lang="en-US" dirty="0" smtClean="0"/>
+              <a:t>Slack </a:t>
+            </a:r>
+            <a:endParaRPr lang="en-US" dirty="0"/>
+          </a:p>
+          <a:p>
+            <a:r>
+              <a:rPr lang="en-US" dirty="0" smtClean="0"/>
+              <a:t>CVS</a:t>
+            </a:r>
+            <a:endParaRPr lang="en-US" dirty="0"/>
+          </a:p>
+          <a:p>
+            <a:r>
+              <a:rPr lang="en-US" dirty="0" err="1" smtClean="0"/>
+              <a:t>Elasticsearch</a:t>
+            </a:r>
+            <a:endParaRPr lang="en-US" dirty="0"/>
+          </a:p>
+        </p:txBody>
+      </p:sp>
+      <p:sp>
+        <p:nvSpPr>
+          <p:cNvPr id="4" name="TextBox 3"/>
+          <p:cNvSpPr txBox="1"/>
+          <p:nvPr/>
+        </p:nvSpPr>
+        <p:spPr>
+          <a:xfrm>
+            <a:off x="9906000" y="-1"/>
+            <a:ext cx="2286000" cy="2031325"/>
+          </a:xfrm>
+          <a:prstGeom prst="rect">
+            <a:avLst/>
+          </a:prstGeom>
+          <a:solidFill>
+            <a:srgbClr val="FFFF00"/>
+          </a:solidFill>
+          <a:ln>
+            <a:noFill/>
+          </a:ln>
+        </p:spPr>
+        <p:txBody>
+          <a:bodyPr wrap="square" rtlCol="0">
+            <a:spAutoFit/>
+          </a:bodyPr>
+          <a:lstStyle/>
+          <a:p>
+            <a:pPr algn="ctr"/>
+            <a:endParaRPr lang="en-US" dirty="0" smtClean="0"/>
+          </a:p>
+          <a:p>
+            <a:pPr algn="ctr"/>
+            <a:endParaRPr lang="en-US" dirty="0"/>
+          </a:p>
+          <a:p>
+            <a:pPr algn="ctr"/>
+            <a:r>
+              <a:rPr lang="en-US" dirty="0" smtClean="0"/>
+              <a:t>Please leave this area blank to allow for picture in picture recording</a:t>
+            </a:r>
+          </a:p>
+          <a:p>
+            <a:pPr algn="ctr"/>
+            <a:endParaRPr lang="en-US" dirty="0"/>
+          </a:p>
+        </p:txBody>
+      </p:sp>
+    </p:spTree>
+    <p:extLst>
+      <p:ext uri="{BB962C8B-B14F-4D97-AF65-F5344CB8AC3E}">
+        <p14:creationId xmlns:p14="http://schemas.microsoft.com/office/powerpoint/2010/main" val="2523918773"/>
+      </p:ext>
+    </p:extLst>
+  </p:cSld>
+  <p:clrMapOvr>
+    <a:masterClrMapping/>
+  </p:clrMapOvr>
+  <p:timing>
+    <p:tnLst>
+      <p:par>
+        <p:cTn id="1" dur="indefinite" restart="never" nodeType="tmRoot"/>
+      </p:par>
+    </p:tnLst>
+  </p:timing>
+</p:sld>
+</file>
+
+<file path=ppt/slides/slide17.xml><?xml version="1.0" encoding="utf-8"?>
+<p:sld xmlns:a="http://schemas.openxmlformats.org/drawingml/2006/main" xmlns:r="http://schemas.openxmlformats.org/officeDocument/2006/relationships" xmlns:p="http://schemas.openxmlformats.org/presentationml/2006/main">
+  <p:cSld>
+    <p:spTree>
+      <p:nvGrpSpPr>
+        <p:cNvPr id="1" name=""/>
+        <p:cNvGrpSpPr/>
+        <p:nvPr/>
+      </p:nvGrpSpPr>
+      <p:grpSpPr>
+        <a:xfrm>
+          <a:off x="0" y="0"/>
+          <a:ext cx="0" cy="0"/>
+          <a:chOff x="0" y="0"/>
+          <a:chExt cx="0" cy="0"/>
+        </a:xfrm>
+      </p:grpSpPr>
+      <p:sp>
+        <p:nvSpPr>
+          <p:cNvPr id="2" name="Title 1"/>
+          <p:cNvSpPr>
+            <a:spLocks noGrp="1"/>
+          </p:cNvSpPr>
+          <p:nvPr>
+            <p:ph type="title"/>
+          </p:nvPr>
+        </p:nvSpPr>
+        <p:spPr/>
+        <p:txBody>
+          <a:bodyPr/>
+          <a:lstStyle/>
+          <a:p>
+            <a:r>
+              <a:rPr lang="en-US" dirty="0" err="1" smtClean="0"/>
+              <a:t>Elasticsearch</a:t>
+            </a:r>
+            <a:endParaRPr lang="en-US" dirty="0"/>
+          </a:p>
+        </p:txBody>
+      </p:sp>
+      <p:sp>
+        <p:nvSpPr>
+          <p:cNvPr id="3" name="Content Placeholder 2"/>
+          <p:cNvSpPr>
+            <a:spLocks noGrp="1"/>
+          </p:cNvSpPr>
+          <p:nvPr>
+            <p:ph sz="quarter" idx="10"/>
+          </p:nvPr>
+        </p:nvSpPr>
+        <p:spPr/>
+        <p:txBody>
+          <a:bodyPr/>
+          <a:lstStyle/>
+          <a:p>
+            <a:endParaRPr lang="en-US" dirty="0"/>
+          </a:p>
+        </p:txBody>
+      </p:sp>
+      <p:sp>
+        <p:nvSpPr>
+          <p:cNvPr id="4" name="TextBox 3"/>
+          <p:cNvSpPr txBox="1"/>
+          <p:nvPr/>
+        </p:nvSpPr>
+        <p:spPr>
+          <a:xfrm>
+            <a:off x="9906000" y="-1"/>
+            <a:ext cx="2286000" cy="2031325"/>
+          </a:xfrm>
+          <a:prstGeom prst="rect">
+            <a:avLst/>
+          </a:prstGeom>
+          <a:solidFill>
+            <a:srgbClr val="FFFF00"/>
+          </a:solidFill>
+          <a:ln>
+            <a:noFill/>
+          </a:ln>
+        </p:spPr>
+        <p:txBody>
+          <a:bodyPr wrap="square" rtlCol="0">
+            <a:spAutoFit/>
+          </a:bodyPr>
+          <a:lstStyle/>
+          <a:p>
+            <a:pPr algn="ctr"/>
+            <a:endParaRPr lang="en-US" dirty="0" smtClean="0"/>
+          </a:p>
+          <a:p>
+            <a:pPr algn="ctr"/>
+            <a:endParaRPr lang="en-US" dirty="0"/>
+          </a:p>
+          <a:p>
+            <a:pPr algn="ctr"/>
+            <a:r>
+              <a:rPr lang="en-US" dirty="0" smtClean="0"/>
+              <a:t>Please leave this area blank to allow for picture in picture recording</a:t>
+            </a:r>
+          </a:p>
+          <a:p>
+            <a:pPr algn="ctr"/>
+            <a:endParaRPr lang="en-US" dirty="0"/>
+          </a:p>
+        </p:txBody>
+      </p:sp>
+    </p:spTree>
+    <p:extLst>
+      <p:ext uri="{BB962C8B-B14F-4D97-AF65-F5344CB8AC3E}">
+        <p14:creationId xmlns:p14="http://schemas.microsoft.com/office/powerpoint/2010/main" val="1532312386"/>
+      </p:ext>
+    </p:extLst>
+  </p:cSld>
+  <p:clrMapOvr>
+    <a:masterClrMapping/>
+  </p:clrMapOvr>
+  <p:timing>
+    <p:tnLst>
+      <p:par>
+        <p:cTn id="1" dur="indefinite" restart="never" nodeType="tmRoot"/>
+      </p:par>
+    </p:tnLst>
+  </p:timing>
+</p:sld>
+</file>
+
+<file path=ppt/slides/slide18.xml><?xml version="1.0" encoding="utf-8"?>
+<p:sld xmlns:a="http://schemas.openxmlformats.org/drawingml/2006/main" xmlns:r="http://schemas.openxmlformats.org/officeDocument/2006/relationships" xmlns:p="http://schemas.openxmlformats.org/presentationml/2006/main">
+  <p:cSld>
+    <p:spTree>
+      <p:nvGrpSpPr>
+        <p:cNvPr id="1" name=""/>
+        <p:cNvGrpSpPr/>
+        <p:nvPr/>
+      </p:nvGrpSpPr>
+      <p:grpSpPr>
+        <a:xfrm>
+          <a:off x="0" y="0"/>
+          <a:ext cx="0" cy="0"/>
+          <a:chOff x="0" y="0"/>
+          <a:chExt cx="0" cy="0"/>
+        </a:xfrm>
+      </p:grpSpPr>
+      <p:sp>
+        <p:nvSpPr>
+          <p:cNvPr id="2" name="Title 1"/>
+          <p:cNvSpPr>
+            <a:spLocks noGrp="1"/>
+          </p:cNvSpPr>
+          <p:nvPr>
+            <p:ph type="title"/>
+          </p:nvPr>
+        </p:nvSpPr>
+        <p:spPr/>
+        <p:txBody>
+          <a:bodyPr/>
+          <a:lstStyle/>
+          <a:p>
+            <a:r>
+              <a:rPr lang="en-US" dirty="0" smtClean="0"/>
+              <a:t>Elastic</a:t>
+            </a:r>
+            <a:endParaRPr lang="en-US" dirty="0"/>
+          </a:p>
+        </p:txBody>
+      </p:sp>
+      <p:sp>
+        <p:nvSpPr>
+          <p:cNvPr id="3" name="Content Placeholder 2"/>
+          <p:cNvSpPr>
+            <a:spLocks noGrp="1"/>
+          </p:cNvSpPr>
+          <p:nvPr>
+            <p:ph sz="quarter" idx="10"/>
+          </p:nvPr>
+        </p:nvSpPr>
+        <p:spPr/>
+        <p:txBody>
+          <a:bodyPr/>
+          <a:lstStyle/>
+          <a:p>
+            <a:r>
+              <a:rPr lang="en-US" dirty="0" smtClean="0"/>
+              <a:t>Lucene</a:t>
+            </a:r>
+          </a:p>
+          <a:p>
+            <a:r>
+              <a:rPr lang="en-US" dirty="0" smtClean="0"/>
+              <a:t>Schema free</a:t>
+            </a:r>
+            <a:endParaRPr lang="en-US" dirty="0"/>
+          </a:p>
+        </p:txBody>
+      </p:sp>
+      <p:pic>
+        <p:nvPicPr>
+          <p:cNvPr id="20482" name="Picture 2" descr="File:Rubber bands.jpg"/>
+          <p:cNvPicPr>
+            <a:picLocks noChangeAspect="1" noChangeArrowheads="1"/>
+          </p:cNvPicPr>
+          <p:nvPr/>
+        </p:nvPicPr>
+        <p:blipFill>
+          <a:blip r:embed="rId3">
+            <a:extLst>
+              <a:ext uri="{28A0092B-C50C-407E-A947-70E740481C1C}">
+                <a14:useLocalDpi xmlns:a14="http://schemas.microsoft.com/office/drawing/2010/main" val="0"/>
+              </a:ext>
+            </a:extLst>
+          </a:blip>
+          <a:srcRect/>
+          <a:stretch>
+            <a:fillRect/>
+          </a:stretch>
+        </p:blipFill>
+        <p:spPr bwMode="auto">
+          <a:xfrm>
+            <a:off x="3549224" y="656145"/>
+            <a:ext cx="6315075" cy="5705476"/>
+          </a:xfrm>
+          <a:prstGeom prst="rect">
+            <a:avLst/>
+          </a:prstGeom>
+          <a:noFill/>
+          <a:extLst>
+            <a:ext uri="{909E8E84-426E-40DD-AFC4-6F175D3DCCD1}">
+              <a14:hiddenFill xmlns:a14="http://schemas.microsoft.com/office/drawing/2010/main">
+                <a:solidFill>
+                  <a:srgbClr val="FFFFFF"/>
+                </a:solidFill>
+              </a14:hiddenFill>
+            </a:ext>
+          </a:extLst>
+        </p:spPr>
+      </p:pic>
+      <p:sp>
+        <p:nvSpPr>
+          <p:cNvPr id="5" name="TextBox 4"/>
+          <p:cNvSpPr txBox="1"/>
+          <p:nvPr/>
+        </p:nvSpPr>
+        <p:spPr>
+          <a:xfrm>
+            <a:off x="9906000" y="-1"/>
+            <a:ext cx="2286000" cy="2031325"/>
+          </a:xfrm>
+          <a:prstGeom prst="rect">
+            <a:avLst/>
+          </a:prstGeom>
+          <a:solidFill>
+            <a:srgbClr val="FFFF00"/>
+          </a:solidFill>
+          <a:ln>
+            <a:noFill/>
+          </a:ln>
+        </p:spPr>
+        <p:txBody>
+          <a:bodyPr wrap="square" rtlCol="0">
+            <a:spAutoFit/>
+          </a:bodyPr>
+          <a:lstStyle/>
+          <a:p>
+            <a:pPr algn="ctr"/>
+            <a:endParaRPr lang="en-US" dirty="0" smtClean="0"/>
+          </a:p>
+          <a:p>
+            <a:pPr algn="ctr"/>
+            <a:endParaRPr lang="en-US" dirty="0"/>
+          </a:p>
+          <a:p>
+            <a:pPr algn="ctr"/>
+            <a:r>
+              <a:rPr lang="en-US" dirty="0" smtClean="0"/>
+              <a:t>Please leave this area blank to allow for picture in picture recording</a:t>
+            </a:r>
+          </a:p>
+          <a:p>
+            <a:pPr algn="ctr"/>
+            <a:endParaRPr lang="en-US" dirty="0"/>
+          </a:p>
+        </p:txBody>
+      </p:sp>
+    </p:spTree>
+    <p:extLst>
+      <p:ext uri="{BB962C8B-B14F-4D97-AF65-F5344CB8AC3E}">
+        <p14:creationId xmlns:p14="http://schemas.microsoft.com/office/powerpoint/2010/main" val="841352403"/>
+      </p:ext>
+    </p:extLst>
+  </p:cSld>
+  <p:clrMapOvr>
+    <a:masterClrMapping/>
+  </p:clrMapOvr>
+  <p:timing>
+    <p:tnLst>
+      <p:par>
+        <p:cTn id="1" dur="indefinite" restart="never" nodeType="tmRoot"/>
+      </p:par>
+    </p:tnLst>
+  </p:timing>
+</p:sld>
+</file>
+
+<file path=ppt/slides/slide19.xml><?xml version="1.0" encoding="utf-8"?>
+<p:sld xmlns:a="http://schemas.openxmlformats.org/drawingml/2006/main" xmlns:r="http://schemas.openxmlformats.org/officeDocument/2006/relationships" xmlns:p="http://schemas.openxmlformats.org/presentationml/2006/main">
+  <p:cSld>
+    <p:spTree>
+      <p:nvGrpSpPr>
+        <p:cNvPr id="1" name=""/>
+        <p:cNvGrpSpPr/>
+        <p:nvPr/>
+      </p:nvGrpSpPr>
+      <p:grpSpPr>
+        <a:xfrm>
+          <a:off x="0" y="0"/>
+          <a:ext cx="0" cy="0"/>
+          <a:chOff x="0" y="0"/>
+          <a:chExt cx="0" cy="0"/>
+        </a:xfrm>
+      </p:grpSpPr>
+      <p:sp>
+        <p:nvSpPr>
+          <p:cNvPr id="2" name="Title 1"/>
+          <p:cNvSpPr>
+            <a:spLocks noGrp="1"/>
+          </p:cNvSpPr>
+          <p:nvPr>
+            <p:ph type="title"/>
+          </p:nvPr>
+        </p:nvSpPr>
+        <p:spPr/>
+        <p:txBody>
+          <a:bodyPr/>
+          <a:lstStyle/>
+          <a:p>
+            <a:r>
+              <a:rPr lang="en-US" dirty="0" err="1" smtClean="0"/>
+              <a:t>Kibana</a:t>
+            </a:r>
+            <a:endParaRPr lang="en-US" dirty="0"/>
+          </a:p>
+        </p:txBody>
+      </p:sp>
+      <p:sp>
+        <p:nvSpPr>
+          <p:cNvPr id="3" name="Content Placeholder 2"/>
+          <p:cNvSpPr>
+            <a:spLocks noGrp="1"/>
+          </p:cNvSpPr>
+          <p:nvPr>
+            <p:ph sz="quarter" idx="10"/>
+          </p:nvPr>
+        </p:nvSpPr>
+        <p:spPr/>
+        <p:txBody>
+          <a:bodyPr/>
+          <a:lstStyle/>
+          <a:p>
+            <a:r>
+              <a:rPr lang="en-US" dirty="0" smtClean="0"/>
+              <a:t>Dashboard for data</a:t>
+            </a:r>
+          </a:p>
+          <a:p>
+            <a:r>
+              <a:rPr lang="en-US" dirty="0" smtClean="0"/>
+              <a:t>Multiple different visualizations</a:t>
+            </a:r>
+          </a:p>
+          <a:p>
+            <a:pPr lvl="1"/>
+            <a:r>
+              <a:rPr lang="en-US" dirty="0" smtClean="0"/>
+              <a:t>Graphs</a:t>
+            </a:r>
+          </a:p>
+          <a:p>
+            <a:pPr lvl="1"/>
+            <a:r>
+              <a:rPr lang="en-US" dirty="0" smtClean="0"/>
+              <a:t>Maps</a:t>
+            </a:r>
+          </a:p>
+          <a:p>
+            <a:pPr lvl="1"/>
+            <a:r>
+              <a:rPr lang="en-US" dirty="0" smtClean="0"/>
+              <a:t>Heat maps</a:t>
+            </a:r>
+          </a:p>
+          <a:p>
+            <a:pPr lvl="1"/>
+            <a:r>
+              <a:rPr lang="en-US" dirty="0" smtClean="0"/>
+              <a:t>Lists</a:t>
+            </a:r>
+          </a:p>
+          <a:p>
+            <a:r>
+              <a:rPr lang="en-US" dirty="0" smtClean="0"/>
+              <a:t>Search and query capabilities</a:t>
+            </a:r>
+            <a:endParaRPr lang="en-US" dirty="0"/>
+          </a:p>
+        </p:txBody>
+      </p:sp>
+      <p:sp>
+        <p:nvSpPr>
+          <p:cNvPr id="4" name="TextBox 3"/>
+          <p:cNvSpPr txBox="1"/>
+          <p:nvPr/>
+        </p:nvSpPr>
+        <p:spPr>
+          <a:xfrm>
+            <a:off x="9906000" y="-1"/>
+            <a:ext cx="2286000" cy="2031325"/>
+          </a:xfrm>
+          <a:prstGeom prst="rect">
+            <a:avLst/>
+          </a:prstGeom>
+          <a:solidFill>
+            <a:srgbClr val="FFFF00"/>
+          </a:solidFill>
+          <a:ln>
+            <a:noFill/>
+          </a:ln>
+        </p:spPr>
+        <p:txBody>
+          <a:bodyPr wrap="square" rtlCol="0">
+            <a:spAutoFit/>
+          </a:bodyPr>
+          <a:lstStyle/>
+          <a:p>
+            <a:pPr algn="ctr"/>
+            <a:endParaRPr lang="en-US" dirty="0" smtClean="0"/>
+          </a:p>
+          <a:p>
+            <a:pPr algn="ctr"/>
+            <a:endParaRPr lang="en-US" dirty="0"/>
+          </a:p>
+          <a:p>
+            <a:pPr algn="ctr"/>
+            <a:r>
+              <a:rPr lang="en-US" dirty="0" smtClean="0"/>
+              <a:t>Please leave this area blank to allow for picture in picture recording</a:t>
+            </a:r>
+          </a:p>
+          <a:p>
+            <a:pPr algn="ctr"/>
+            <a:endParaRPr lang="en-US" dirty="0"/>
+          </a:p>
+        </p:txBody>
+      </p:sp>
+    </p:spTree>
+    <p:extLst>
+      <p:ext uri="{BB962C8B-B14F-4D97-AF65-F5344CB8AC3E}">
+        <p14:creationId xmlns:p14="http://schemas.microsoft.com/office/powerpoint/2010/main" val="15995768"/>
       </p:ext>
     </p:extLst>
   </p:cSld>
@@ -3775,12 +6987,12 @@
       </p:grpSpPr>
       <p:sp>
         <p:nvSpPr>
-          <p:cNvPr id="7" name="Content Placeholder 6"/>
+          <p:cNvPr id="2" name="Title 1"/>
           <p:cNvSpPr>
             <a:spLocks noGrp="1"/>
           </p:cNvSpPr>
           <p:nvPr>
-            <p:ph sz="quarter" idx="10"/>
+            <p:ph type="title"/>
           </p:nvPr>
         </p:nvSpPr>
         <p:spPr/>
@@ -3790,26 +7002,409 @@
           </a:bodyPr>
           <a:lstStyle/>
           <a:p>
-            <a:r>
-              <a:rPr lang="en-GB" dirty="0" smtClean="0"/>
-              <a:t>Topic One</a:t>
-            </a:r>
-          </a:p>
-          <a:p>
-            <a:r>
-              <a:rPr lang="en-GB" dirty="0" smtClean="0"/>
-              <a:t>Topic Two</a:t>
-            </a:r>
-          </a:p>
-          <a:p>
-            <a:r>
-              <a:rPr lang="en-GB" dirty="0" smtClean="0"/>
-              <a:t>Topic Three</a:t>
-            </a:r>
-            <a:endParaRPr lang="en-GB" dirty="0"/>
-          </a:p>
-        </p:txBody>
-      </p:sp>
+            <a:pPr lvl="0"/>
+            <a:r>
+              <a:rPr lang="en-US" dirty="0" smtClean="0"/>
+              <a:t>Course Topics</a:t>
+            </a:r>
+            <a:endParaRPr lang="en-US" dirty="0"/>
+          </a:p>
+        </p:txBody>
+      </p:sp>
+      <p:graphicFrame>
+        <p:nvGraphicFramePr>
+          <p:cNvPr id="4" name="Content Placeholder 3"/>
+          <p:cNvGraphicFramePr>
+            <a:graphicFrameLocks noGrp="1"/>
+          </p:cNvGraphicFramePr>
+          <p:nvPr>
+            <p:ph sz="quarter" idx="10"/>
+            <p:extLst>
+              <p:ext uri="{D42A27DB-BD31-4B8C-83A1-F6EECF244321}">
+                <p14:modId xmlns:p14="http://schemas.microsoft.com/office/powerpoint/2010/main" val="444760236"/>
+              </p:ext>
+            </p:extLst>
+          </p:nvPr>
+        </p:nvGraphicFramePr>
+        <p:xfrm>
+          <a:off x="379413" y="1417636"/>
+          <a:ext cx="11525250" cy="3838160"/>
+        </p:xfrm>
+        <a:graphic>
+          <a:graphicData uri="http://schemas.openxmlformats.org/drawingml/2006/table">
+            <a:tbl>
+              <a:tblPr firstRow="1" bandRow="1">
+                <a:tableStyleId>{5C22544A-7EE6-4342-B048-85BDC9FD1C3A}</a:tableStyleId>
+              </a:tblPr>
+              <a:tblGrid>
+                <a:gridCol w="5762625">
+                  <a:extLst>
+                    <a:ext uri="{9D8B030D-6E8A-4147-A177-3AD203B41FA5}">
+                      <a16:colId xmlns:a16="http://schemas.microsoft.com/office/drawing/2014/main" xmlns="" val="1632794655"/>
+                    </a:ext>
+                  </a:extLst>
+                </a:gridCol>
+                <a:gridCol w="5762625">
+                  <a:extLst>
+                    <a:ext uri="{9D8B030D-6E8A-4147-A177-3AD203B41FA5}">
+                      <a16:colId xmlns:a16="http://schemas.microsoft.com/office/drawing/2014/main" xmlns="" val="2011313899"/>
+                    </a:ext>
+                  </a:extLst>
+                </a:gridCol>
+              </a:tblGrid>
+              <a:tr h="767632">
+                <a:tc gridSpan="2">
+                  <a:txBody>
+                    <a:bodyPr/>
+                    <a:lstStyle/>
+                    <a:p>
+                      <a:r>
+                        <a:rPr lang="en-US" sz="3600" dirty="0" smtClean="0">
+                          <a:latin typeface="Segoe UI Light" panose="020B0502040204020203" pitchFamily="34" charset="0"/>
+                          <a:cs typeface="Segoe UI Light" panose="020B0502040204020203" pitchFamily="34" charset="0"/>
+                        </a:rPr>
+                        <a:t>Applications on</a:t>
+                      </a:r>
+                      <a:r>
+                        <a:rPr lang="en-US" sz="3600" baseline="0" dirty="0" smtClean="0">
+                          <a:latin typeface="Segoe UI Light" panose="020B0502040204020203" pitchFamily="34" charset="0"/>
+                          <a:cs typeface="Segoe UI Light" panose="020B0502040204020203" pitchFamily="34" charset="0"/>
+                        </a:rPr>
+                        <a:t> Azure: Putting the Pieces Together</a:t>
+                      </a:r>
+                      <a:endParaRPr lang="en-US" sz="3600" dirty="0">
+                        <a:latin typeface="Segoe UI Light" panose="020B0502040204020203" pitchFamily="34" charset="0"/>
+                        <a:cs typeface="Segoe UI Light" panose="020B0502040204020203" pitchFamily="34" charset="0"/>
+                      </a:endParaRPr>
+                    </a:p>
+                  </a:txBody>
+                  <a:tcPr anchor="ctr"/>
+                </a:tc>
+                <a:tc hMerge="1">
+                  <a:txBody>
+                    <a:bodyPr/>
+                    <a:lstStyle/>
+                    <a:p>
+                      <a:endParaRPr lang="en-US" dirty="0"/>
+                    </a:p>
+                  </a:txBody>
+                  <a:tcPr/>
+                </a:tc>
+                <a:extLst>
+                  <a:ext uri="{0D108BD9-81ED-4DB2-BD59-A6C34878D82A}">
+                    <a16:rowId xmlns:a16="http://schemas.microsoft.com/office/drawing/2014/main" xmlns="" val="1789177411"/>
+                  </a:ext>
+                </a:extLst>
+              </a:tr>
+              <a:tr h="767632">
+                <a:tc>
+                  <a:txBody>
+                    <a:bodyPr/>
+                    <a:lstStyle/>
+                    <a:p>
+                      <a:r>
+                        <a:rPr lang="en-US" sz="2400" dirty="0" smtClean="0">
+                          <a:latin typeface="Segoe UI Light" panose="020B0502040204020203" pitchFamily="34" charset="0"/>
+                          <a:cs typeface="Segoe UI Light" panose="020B0502040204020203" pitchFamily="34" charset="0"/>
+                        </a:rPr>
+                        <a:t>01 | Introduction</a:t>
+                      </a:r>
+                      <a:endParaRPr lang="en-US" sz="2400" dirty="0">
+                        <a:latin typeface="Segoe UI Light" panose="020B0502040204020203" pitchFamily="34" charset="0"/>
+                        <a:cs typeface="Segoe UI Light" panose="020B0502040204020203" pitchFamily="34" charset="0"/>
+                      </a:endParaRPr>
+                    </a:p>
+                  </a:txBody>
+                  <a:tcPr anchor="ctr"/>
+                </a:tc>
+                <a:tc>
+                  <a:txBody>
+                    <a:bodyPr/>
+                    <a:lstStyle/>
+                    <a:p>
+                      <a:pPr marL="0" marR="0" indent="0" algn="l" defTabSz="914088" rtl="0" eaLnBrk="1" fontAlgn="auto" latinLnBrk="0" hangingPunct="1">
+                        <a:lnSpc>
+                          <a:spcPct val="100000"/>
+                        </a:lnSpc>
+                        <a:spcBef>
+                          <a:spcPts val="0"/>
+                        </a:spcBef>
+                        <a:spcAft>
+                          <a:spcPts val="0"/>
+                        </a:spcAft>
+                        <a:buClrTx/>
+                        <a:buSzTx/>
+                        <a:buFontTx/>
+                        <a:buNone/>
+                        <a:tabLst/>
+                        <a:defRPr/>
+                      </a:pPr>
+                      <a:r>
+                        <a:rPr lang="en-US" sz="2400" dirty="0" smtClean="0">
+                          <a:latin typeface="Segoe UI Light" panose="020B0502040204020203" pitchFamily="34" charset="0"/>
+                          <a:cs typeface="Segoe UI Light" panose="020B0502040204020203" pitchFamily="34" charset="0"/>
+                        </a:rPr>
+                        <a:t>05</a:t>
+                      </a:r>
+                      <a:r>
+                        <a:rPr lang="en-US" sz="2400" baseline="0" dirty="0" smtClean="0">
+                          <a:latin typeface="Segoe UI Light" panose="020B0502040204020203" pitchFamily="34" charset="0"/>
+                          <a:cs typeface="Segoe UI Light" panose="020B0502040204020203" pitchFamily="34" charset="0"/>
+                        </a:rPr>
+                        <a:t> | Azure Storage</a:t>
+                      </a:r>
+                      <a:endParaRPr lang="en-US" sz="2400" dirty="0" smtClean="0">
+                        <a:latin typeface="Segoe UI Light" panose="020B0502040204020203" pitchFamily="34" charset="0"/>
+                        <a:cs typeface="Segoe UI Light" panose="020B0502040204020203" pitchFamily="34" charset="0"/>
+                      </a:endParaRPr>
+                    </a:p>
+                  </a:txBody>
+                  <a:tcPr anchor="ctr"/>
+                </a:tc>
+                <a:extLst>
+                  <a:ext uri="{0D108BD9-81ED-4DB2-BD59-A6C34878D82A}">
+                    <a16:rowId xmlns:a16="http://schemas.microsoft.com/office/drawing/2014/main" xmlns="" val="3842815335"/>
+                  </a:ext>
+                </a:extLst>
+              </a:tr>
+              <a:tr h="767632">
+                <a:tc>
+                  <a:txBody>
+                    <a:bodyPr/>
+                    <a:lstStyle/>
+                    <a:p>
+                      <a:r>
+                        <a:rPr lang="en-US" sz="2400" dirty="0" smtClean="0">
+                          <a:latin typeface="Segoe UI Light" panose="020B0502040204020203" pitchFamily="34" charset="0"/>
+                          <a:cs typeface="Segoe UI Light" panose="020B0502040204020203" pitchFamily="34" charset="0"/>
+                        </a:rPr>
+                        <a:t>02 | Application Architecture</a:t>
+                      </a:r>
+                      <a:endParaRPr lang="en-US" sz="2400" dirty="0">
+                        <a:latin typeface="Segoe UI Light" panose="020B0502040204020203" pitchFamily="34" charset="0"/>
+                        <a:cs typeface="Segoe UI Light" panose="020B0502040204020203" pitchFamily="34" charset="0"/>
+                      </a:endParaRPr>
+                    </a:p>
+                  </a:txBody>
+                  <a:tcPr anchor="ctr"/>
+                </a:tc>
+                <a:tc>
+                  <a:txBody>
+                    <a:bodyPr/>
+                    <a:lstStyle/>
+                    <a:p>
+                      <a:r>
+                        <a:rPr lang="en-US" sz="2400" dirty="0" smtClean="0">
+                          <a:latin typeface="Segoe UI Light" panose="020B0502040204020203" pitchFamily="34" charset="0"/>
+                          <a:cs typeface="Segoe UI Light" panose="020B0502040204020203" pitchFamily="34" charset="0"/>
+                        </a:rPr>
+                        <a:t>06 | </a:t>
+                      </a:r>
+                      <a:r>
+                        <a:rPr lang="en-US" sz="2400" dirty="0" err="1" smtClean="0">
+                          <a:latin typeface="Segoe UI Light" panose="020B0502040204020203" pitchFamily="34" charset="0"/>
+                          <a:cs typeface="Segoe UI Light" panose="020B0502040204020203" pitchFamily="34" charset="0"/>
+                        </a:rPr>
+                        <a:t>Docker</a:t>
+                      </a:r>
+                      <a:r>
+                        <a:rPr lang="en-US" sz="2400" dirty="0" smtClean="0">
+                          <a:latin typeface="Segoe UI Light" panose="020B0502040204020203" pitchFamily="34" charset="0"/>
+                          <a:cs typeface="Segoe UI Light" panose="020B0502040204020203" pitchFamily="34" charset="0"/>
+                        </a:rPr>
+                        <a:t> and Log Management</a:t>
+                      </a:r>
+                    </a:p>
+                  </a:txBody>
+                  <a:tcPr anchor="ctr"/>
+                </a:tc>
+                <a:extLst>
+                  <a:ext uri="{0D108BD9-81ED-4DB2-BD59-A6C34878D82A}">
+                    <a16:rowId xmlns:a16="http://schemas.microsoft.com/office/drawing/2014/main" xmlns="" val="321066646"/>
+                  </a:ext>
+                </a:extLst>
+              </a:tr>
+              <a:tr h="767632">
+                <a:tc>
+                  <a:txBody>
+                    <a:bodyPr/>
+                    <a:lstStyle/>
+                    <a:p>
+                      <a:pPr marL="0" marR="0" indent="0" algn="l" defTabSz="914088" rtl="0" eaLnBrk="1" fontAlgn="auto" latinLnBrk="0" hangingPunct="1">
+                        <a:lnSpc>
+                          <a:spcPct val="100000"/>
+                        </a:lnSpc>
+                        <a:spcBef>
+                          <a:spcPts val="0"/>
+                        </a:spcBef>
+                        <a:spcAft>
+                          <a:spcPts val="0"/>
+                        </a:spcAft>
+                        <a:buClrTx/>
+                        <a:buSzTx/>
+                        <a:buFontTx/>
+                        <a:buNone/>
+                        <a:tabLst/>
+                        <a:defRPr/>
+                      </a:pPr>
+                      <a:r>
+                        <a:rPr lang="en-US" sz="2400" dirty="0" smtClean="0">
+                          <a:latin typeface="Segoe UI Light" panose="020B0502040204020203" pitchFamily="34" charset="0"/>
+                          <a:cs typeface="Segoe UI Light" panose="020B0502040204020203" pitchFamily="34" charset="0"/>
+                        </a:rPr>
+                        <a:t>03</a:t>
+                      </a:r>
+                      <a:r>
+                        <a:rPr lang="en-US" sz="2400" baseline="0" dirty="0" smtClean="0">
+                          <a:latin typeface="Segoe UI Light" panose="020B0502040204020203" pitchFamily="34" charset="0"/>
+                          <a:cs typeface="Segoe UI Light" panose="020B0502040204020203" pitchFamily="34" charset="0"/>
+                        </a:rPr>
+                        <a:t> | DNS</a:t>
+                      </a:r>
+                      <a:endParaRPr lang="en-US" sz="2400" dirty="0" smtClean="0">
+                        <a:latin typeface="Segoe UI Light" panose="020B0502040204020203" pitchFamily="34" charset="0"/>
+                        <a:cs typeface="Segoe UI Light" panose="020B0502040204020203" pitchFamily="34" charset="0"/>
+                      </a:endParaRPr>
+                    </a:p>
+                  </a:txBody>
+                  <a:tcPr anchor="ctr"/>
+                </a:tc>
+                <a:tc>
+                  <a:txBody>
+                    <a:bodyPr/>
+                    <a:lstStyle/>
+                    <a:p>
+                      <a:r>
+                        <a:rPr lang="en-US" sz="2400" dirty="0" smtClean="0">
+                          <a:latin typeface="Segoe UI Light" panose="020B0502040204020203" pitchFamily="34" charset="0"/>
+                          <a:cs typeface="Segoe UI Light" panose="020B0502040204020203" pitchFamily="34" charset="0"/>
+                        </a:rPr>
+                        <a:t>07 | </a:t>
+                      </a:r>
+                      <a:r>
+                        <a:rPr lang="en-US" sz="2400" dirty="0" err="1" smtClean="0">
+                          <a:latin typeface="Segoe UI Light" panose="020B0502040204020203" pitchFamily="34" charset="0"/>
+                          <a:cs typeface="Segoe UI Light" panose="020B0502040204020203" pitchFamily="34" charset="0"/>
+                        </a:rPr>
+                        <a:t>AutoScale</a:t>
+                      </a:r>
+                      <a:r>
+                        <a:rPr lang="en-US" sz="2400" dirty="0" smtClean="0">
+                          <a:latin typeface="Segoe UI Light" panose="020B0502040204020203" pitchFamily="34" charset="0"/>
+                          <a:cs typeface="Segoe UI Light" panose="020B0502040204020203" pitchFamily="34" charset="0"/>
+                        </a:rPr>
+                        <a:t> </a:t>
+                      </a:r>
+                      <a:endParaRPr lang="en-US" sz="2400" dirty="0">
+                        <a:latin typeface="Segoe UI Light" panose="020B0502040204020203" pitchFamily="34" charset="0"/>
+                        <a:cs typeface="Segoe UI Light" panose="020B0502040204020203" pitchFamily="34" charset="0"/>
+                      </a:endParaRPr>
+                    </a:p>
+                  </a:txBody>
+                  <a:tcPr anchor="ctr"/>
+                </a:tc>
+                <a:extLst>
+                  <a:ext uri="{0D108BD9-81ED-4DB2-BD59-A6C34878D82A}">
+                    <a16:rowId xmlns:a16="http://schemas.microsoft.com/office/drawing/2014/main" xmlns="" val="3812060533"/>
+                  </a:ext>
+                </a:extLst>
+              </a:tr>
+              <a:tr h="767632">
+                <a:tc>
+                  <a:txBody>
+                    <a:bodyPr/>
+                    <a:lstStyle/>
+                    <a:p>
+                      <a:r>
+                        <a:rPr lang="en-US" sz="2400" dirty="0" smtClean="0">
+                          <a:latin typeface="Segoe UI Light" panose="020B0502040204020203" pitchFamily="34" charset="0"/>
+                          <a:cs typeface="Segoe UI Light" panose="020B0502040204020203" pitchFamily="34" charset="0"/>
+                        </a:rPr>
+                        <a:t>04 | Batch</a:t>
+                      </a:r>
+                      <a:endParaRPr lang="en-US" sz="2400" dirty="0">
+                        <a:latin typeface="Segoe UI Light" panose="020B0502040204020203" pitchFamily="34" charset="0"/>
+                        <a:cs typeface="Segoe UI Light" panose="020B0502040204020203" pitchFamily="34" charset="0"/>
+                      </a:endParaRPr>
+                    </a:p>
+                  </a:txBody>
+                  <a:tcPr anchor="ctr"/>
+                </a:tc>
+                <a:tc>
+                  <a:txBody>
+                    <a:bodyPr/>
+                    <a:lstStyle/>
+                    <a:p>
+                      <a:r>
+                        <a:rPr lang="en-US" sz="2400" dirty="0" smtClean="0">
+                          <a:latin typeface="Segoe UI Light" panose="020B0502040204020203" pitchFamily="34" charset="0"/>
+                          <a:cs typeface="Segoe UI Light" panose="020B0502040204020203" pitchFamily="34" charset="0"/>
+                        </a:rPr>
+                        <a:t>08 | Review and Summary</a:t>
+                      </a:r>
+                      <a:endParaRPr lang="en-US" sz="2400" dirty="0">
+                        <a:latin typeface="Segoe UI Light" panose="020B0502040204020203" pitchFamily="34" charset="0"/>
+                        <a:cs typeface="Segoe UI Light" panose="020B0502040204020203" pitchFamily="34" charset="0"/>
+                      </a:endParaRPr>
+                    </a:p>
+                  </a:txBody>
+                  <a:tcPr anchor="ctr"/>
+                </a:tc>
+                <a:extLst>
+                  <a:ext uri="{0D108BD9-81ED-4DB2-BD59-A6C34878D82A}">
+                    <a16:rowId xmlns:a16="http://schemas.microsoft.com/office/drawing/2014/main" xmlns="" val="733235577"/>
+                  </a:ext>
+                </a:extLst>
+              </a:tr>
+            </a:tbl>
+          </a:graphicData>
+        </a:graphic>
+      </p:graphicFrame>
+    </p:spTree>
+    <p:extLst>
+      <p:ext uri="{BB962C8B-B14F-4D97-AF65-F5344CB8AC3E}">
+        <p14:creationId xmlns:p14="http://schemas.microsoft.com/office/powerpoint/2010/main" val="4178564752"/>
+      </p:ext>
+    </p:extLst>
+  </p:cSld>
+  <p:clrMapOvr>
+    <a:masterClrMapping/>
+  </p:clrMapOvr>
+  <mc:AlternateContent xmlns:mc="http://schemas.openxmlformats.org/markup-compatibility/2006" xmlns:p14="http://schemas.microsoft.com/office/powerpoint/2010/main">
+    <mc:Choice Requires="p14">
+      <p:transition spd="slow" p14:dur="2000"/>
+    </mc:Choice>
+    <mc:Fallback xmlns="">
+      <p:transition spd="slow"/>
+    </mc:Fallback>
+  </mc:AlternateContent>
+  <p:timing>
+    <p:tnLst>
+      <p:par>
+        <p:cTn id="1" dur="indefinite" restart="never" nodeType="tmRoot"/>
+      </p:par>
+    </p:tnLst>
+  </p:timing>
+</p:sld>
+</file>
+
+<file path=ppt/slides/slide20.xml><?xml version="1.0" encoding="utf-8"?>
+<p:sld xmlns:a="http://schemas.openxmlformats.org/drawingml/2006/main" xmlns:r="http://schemas.openxmlformats.org/officeDocument/2006/relationships" xmlns:p="http://schemas.openxmlformats.org/presentationml/2006/main">
+  <p:cSld>
+    <p:spTree>
+      <p:nvGrpSpPr>
+        <p:cNvPr id="1" name=""/>
+        <p:cNvGrpSpPr/>
+        <p:nvPr/>
+      </p:nvGrpSpPr>
+      <p:grpSpPr>
+        <a:xfrm>
+          <a:off x="0" y="0"/>
+          <a:ext cx="0" cy="0"/>
+          <a:chOff x="0" y="0"/>
+          <a:chExt cx="0" cy="0"/>
+        </a:xfrm>
+      </p:grpSpPr>
       <p:sp>
         <p:nvSpPr>
           <p:cNvPr id="2" name="Title 1"/>
@@ -3825,46 +7420,70 @@
           <a:bodyPr/>
           <a:lstStyle/>
           <a:p>
-            <a:r>
-              <a:rPr lang="en-US" smtClean="0"/>
-              <a:t>Module Overview</a:t>
-            </a:r>
-            <a:endParaRPr lang="en-US" dirty="0"/>
-          </a:p>
-        </p:txBody>
-      </p:sp>
-      <p:sp>
-        <p:nvSpPr>
-          <p:cNvPr id="4" name="TextBox 3"/>
-          <p:cNvSpPr txBox="1"/>
+            <a:endParaRPr lang="en-US"/>
+          </a:p>
+        </p:txBody>
+      </p:sp>
+      <p:sp>
+        <p:nvSpPr>
+          <p:cNvPr id="3" name="Content Placeholder 2"/>
+          <p:cNvSpPr>
+            <a:spLocks noGrp="1"/>
+          </p:cNvSpPr>
+          <p:nvPr>
+            <p:ph sz="quarter" idx="10"/>
+          </p:nvPr>
+        </p:nvSpPr>
+        <p:spPr/>
+        <p:txBody>
+          <a:bodyPr/>
+          <a:lstStyle/>
+          <a:p>
+            <a:endParaRPr lang="en-US" dirty="0"/>
+          </a:p>
+        </p:txBody>
+      </p:sp>
+      <p:pic>
+        <p:nvPicPr>
+          <p:cNvPr id="21506" name="Picture 2" descr="Screen Shot 2015-10-27 at 1.07.12 PM.png"/>
+          <p:cNvPicPr>
+            <a:picLocks noChangeAspect="1" noChangeArrowheads="1"/>
+          </p:cNvPicPr>
           <p:nvPr/>
-        </p:nvSpPr>
-        <p:spPr>
+        </p:nvPicPr>
+        <p:blipFill>
+          <a:blip r:embed="rId2">
+            <a:extLst>
+              <a:ext uri="{28A0092B-C50C-407E-A947-70E740481C1C}">
+                <a14:useLocalDpi xmlns:a14="http://schemas.microsoft.com/office/drawing/2010/main" val="0"/>
+              </a:ext>
+            </a:extLst>
+          </a:blip>
+          <a:srcRect/>
+          <a:stretch>
+            <a:fillRect/>
+          </a:stretch>
+        </p:blipFill>
+        <p:spPr bwMode="auto">
           <a:xfrm>
-            <a:off x="4432363" y="1155171"/>
-            <a:ext cx="3671248" cy="646331"/>
+            <a:off x="127494" y="182215"/>
+            <a:ext cx="9490452" cy="6425212"/>
           </a:xfrm>
           <a:prstGeom prst="rect">
             <a:avLst/>
           </a:prstGeom>
-          <a:solidFill>
-            <a:srgbClr val="FFFF00"/>
-          </a:solidFill>
+          <a:noFill/>
+          <a:extLst>
+            <a:ext uri="{909E8E84-426E-40DD-AFC4-6F175D3DCCD1}">
+              <a14:hiddenFill xmlns:a14="http://schemas.microsoft.com/office/drawing/2010/main">
+                <a:solidFill>
+                  <a:srgbClr val="FFFFFF"/>
+                </a:solidFill>
+              </a14:hiddenFill>
+            </a:ext>
+          </a:extLst>
         </p:spPr>
-        <p:txBody>
-          <a:bodyPr wrap="square" rtlCol="0">
-            <a:spAutoFit/>
-          </a:bodyPr>
-          <a:lstStyle/>
-          <a:p>
-            <a:r>
-              <a:rPr lang="en-US" dirty="0" smtClean="0"/>
-              <a:t>Please make sure there’s a “Module Overview” slide for every module</a:t>
-            </a:r>
-            <a:endParaRPr lang="en-US" dirty="0"/>
-          </a:p>
-        </p:txBody>
-      </p:sp>
+      </p:pic>
       <p:sp>
         <p:nvSpPr>
           <p:cNvPr id="5" name="TextBox 4"/>
@@ -3912,10 +7531,892 @@
           </a:p>
         </p:txBody>
       </p:sp>
+      <p:sp>
+        <p:nvSpPr>
+          <p:cNvPr id="4" name="Rectangle 3"/>
+          <p:cNvSpPr/>
+          <p:nvPr/>
+        </p:nvSpPr>
+        <p:spPr>
+          <a:xfrm>
+            <a:off x="9906398" y="6607427"/>
+            <a:ext cx="2141933" cy="230832"/>
+          </a:xfrm>
+          <a:prstGeom prst="rect">
+            <a:avLst/>
+          </a:prstGeom>
+        </p:spPr>
+        <p:txBody>
+          <a:bodyPr wrap="none">
+            <a:spAutoFit/>
+          </a:bodyPr>
+          <a:lstStyle/>
+          <a:p>
+            <a:r>
+              <a:rPr lang="en-US" sz="900" dirty="0"/>
+              <a:t>https://www.elastic.co/blog/kibana-4-2-0</a:t>
+            </a:r>
+          </a:p>
+        </p:txBody>
+      </p:sp>
     </p:spTree>
     <p:extLst>
       <p:ext uri="{BB962C8B-B14F-4D97-AF65-F5344CB8AC3E}">
-        <p14:creationId xmlns:p14="http://schemas.microsoft.com/office/powerpoint/2010/main" val="318349970"/>
+        <p14:creationId xmlns:p14="http://schemas.microsoft.com/office/powerpoint/2010/main" val="2284529966"/>
+      </p:ext>
+    </p:extLst>
+  </p:cSld>
+  <p:clrMapOvr>
+    <a:masterClrMapping/>
+  </p:clrMapOvr>
+  <p:timing>
+    <p:tnLst>
+      <p:par>
+        <p:cTn id="1" dur="indefinite" restart="never" nodeType="tmRoot"/>
+      </p:par>
+    </p:tnLst>
+  </p:timing>
+</p:sld>
+</file>
+
+<file path=ppt/slides/slide21.xml><?xml version="1.0" encoding="utf-8"?>
+<p:sld xmlns:a="http://schemas.openxmlformats.org/drawingml/2006/main" xmlns:r="http://schemas.openxmlformats.org/officeDocument/2006/relationships" xmlns:p="http://schemas.openxmlformats.org/presentationml/2006/main">
+  <p:cSld>
+    <p:spTree>
+      <p:nvGrpSpPr>
+        <p:cNvPr id="1" name=""/>
+        <p:cNvGrpSpPr/>
+        <p:nvPr/>
+      </p:nvGrpSpPr>
+      <p:grpSpPr>
+        <a:xfrm>
+          <a:off x="0" y="0"/>
+          <a:ext cx="0" cy="0"/>
+          <a:chOff x="0" y="0"/>
+          <a:chExt cx="0" cy="0"/>
+        </a:xfrm>
+      </p:grpSpPr>
+      <p:sp>
+        <p:nvSpPr>
+          <p:cNvPr id="2" name="Title 1"/>
+          <p:cNvSpPr>
+            <a:spLocks noGrp="1"/>
+          </p:cNvSpPr>
+          <p:nvPr>
+            <p:ph type="title"/>
+          </p:nvPr>
+        </p:nvSpPr>
+        <p:spPr/>
+        <p:txBody>
+          <a:bodyPr/>
+          <a:lstStyle/>
+          <a:p>
+            <a:r>
+              <a:rPr lang="en-US" dirty="0" smtClean="0"/>
+              <a:t>More moving parts…</a:t>
+            </a:r>
+            <a:endParaRPr lang="en-US" dirty="0"/>
+          </a:p>
+        </p:txBody>
+      </p:sp>
+      <p:sp>
+        <p:nvSpPr>
+          <p:cNvPr id="3" name="Content Placeholder 2"/>
+          <p:cNvSpPr>
+            <a:spLocks noGrp="1"/>
+          </p:cNvSpPr>
+          <p:nvPr>
+            <p:ph sz="quarter" idx="10"/>
+          </p:nvPr>
+        </p:nvSpPr>
+        <p:spPr/>
+        <p:txBody>
+          <a:bodyPr/>
+          <a:lstStyle/>
+          <a:p>
+            <a:pPr marL="0" indent="0" algn="ctr">
+              <a:buNone/>
+            </a:pPr>
+            <a:r>
+              <a:rPr lang="en-US" sz="20000" dirty="0" smtClean="0">
+                <a:sym typeface="Wingdings" panose="05000000000000000000" pitchFamily="2" charset="2"/>
+              </a:rPr>
+              <a:t></a:t>
+            </a:r>
+            <a:endParaRPr lang="en-US" sz="20000" dirty="0"/>
+          </a:p>
+        </p:txBody>
+      </p:sp>
+    </p:spTree>
+    <p:extLst>
+      <p:ext uri="{BB962C8B-B14F-4D97-AF65-F5344CB8AC3E}">
+        <p14:creationId xmlns:p14="http://schemas.microsoft.com/office/powerpoint/2010/main" val="961814862"/>
+      </p:ext>
+    </p:extLst>
+  </p:cSld>
+  <p:clrMapOvr>
+    <a:masterClrMapping/>
+  </p:clrMapOvr>
+  <p:timing>
+    <p:tnLst>
+      <p:par>
+        <p:cTn id="1" dur="indefinite" restart="never" nodeType="tmRoot"/>
+      </p:par>
+    </p:tnLst>
+  </p:timing>
+</p:sld>
+</file>
+
+<file path=ppt/slides/slide22.xml><?xml version="1.0" encoding="utf-8"?>
+<p:sld xmlns:a="http://schemas.openxmlformats.org/drawingml/2006/main" xmlns:r="http://schemas.openxmlformats.org/officeDocument/2006/relationships" xmlns:p="http://schemas.openxmlformats.org/presentationml/2006/main">
+  <p:cSld>
+    <p:spTree>
+      <p:nvGrpSpPr>
+        <p:cNvPr id="1" name=""/>
+        <p:cNvGrpSpPr/>
+        <p:nvPr/>
+      </p:nvGrpSpPr>
+      <p:grpSpPr>
+        <a:xfrm>
+          <a:off x="0" y="0"/>
+          <a:ext cx="0" cy="0"/>
+          <a:chOff x="0" y="0"/>
+          <a:chExt cx="0" cy="0"/>
+        </a:xfrm>
+      </p:grpSpPr>
+      <p:sp>
+        <p:nvSpPr>
+          <p:cNvPr id="2" name="Title 1"/>
+          <p:cNvSpPr>
+            <a:spLocks noGrp="1"/>
+          </p:cNvSpPr>
+          <p:nvPr>
+            <p:ph type="title"/>
+          </p:nvPr>
+        </p:nvSpPr>
+        <p:spPr/>
+        <p:txBody>
+          <a:bodyPr/>
+          <a:lstStyle/>
+          <a:p>
+            <a:r>
+              <a:rPr lang="en-US" dirty="0" smtClean="0"/>
+              <a:t>Docker to the rescue</a:t>
+            </a:r>
+            <a:endParaRPr lang="en-US" dirty="0"/>
+          </a:p>
+        </p:txBody>
+      </p:sp>
+      <p:pic>
+        <p:nvPicPr>
+          <p:cNvPr id="28674" name="Picture 2" descr="https://developer.ibm.com/bluemix/wp-content/uploads/sites/20/2015/04/docker-100275159-orig.jpg"/>
+          <p:cNvPicPr>
+            <a:picLocks noGrp="1" noChangeAspect="1" noChangeArrowheads="1"/>
+          </p:cNvPicPr>
+          <p:nvPr>
+            <p:ph sz="quarter" idx="10"/>
+          </p:nvPr>
+        </p:nvPicPr>
+        <p:blipFill>
+          <a:blip r:embed="rId2">
+            <a:extLst>
+              <a:ext uri="{28A0092B-C50C-407E-A947-70E740481C1C}">
+                <a14:useLocalDpi xmlns:a14="http://schemas.microsoft.com/office/drawing/2010/main" val="0"/>
+              </a:ext>
+            </a:extLst>
+          </a:blip>
+          <a:srcRect/>
+          <a:stretch>
+            <a:fillRect/>
+          </a:stretch>
+        </p:blipFill>
+        <p:spPr bwMode="auto">
+          <a:xfrm>
+            <a:off x="3144112" y="1387475"/>
+            <a:ext cx="5995852" cy="5291138"/>
+          </a:xfrm>
+          <a:prstGeom prst="rect">
+            <a:avLst/>
+          </a:prstGeom>
+          <a:noFill/>
+          <a:extLst>
+            <a:ext uri="{909E8E84-426E-40DD-AFC4-6F175D3DCCD1}">
+              <a14:hiddenFill xmlns:a14="http://schemas.microsoft.com/office/drawing/2010/main">
+                <a:solidFill>
+                  <a:srgbClr val="FFFFFF"/>
+                </a:solidFill>
+              </a14:hiddenFill>
+            </a:ext>
+          </a:extLst>
+        </p:spPr>
+      </p:pic>
+    </p:spTree>
+    <p:extLst>
+      <p:ext uri="{BB962C8B-B14F-4D97-AF65-F5344CB8AC3E}">
+        <p14:creationId xmlns:p14="http://schemas.microsoft.com/office/powerpoint/2010/main" val="2244401993"/>
+      </p:ext>
+    </p:extLst>
+  </p:cSld>
+  <p:clrMapOvr>
+    <a:masterClrMapping/>
+  </p:clrMapOvr>
+  <p:timing>
+    <p:tnLst>
+      <p:par>
+        <p:cTn id="1" dur="indefinite" restart="never" nodeType="tmRoot"/>
+      </p:par>
+    </p:tnLst>
+  </p:timing>
+</p:sld>
+</file>
+
+<file path=ppt/slides/slide23.xml><?xml version="1.0" encoding="utf-8"?>
+<p:sld xmlns:a="http://schemas.openxmlformats.org/drawingml/2006/main" xmlns:r="http://schemas.openxmlformats.org/officeDocument/2006/relationships" xmlns:p="http://schemas.openxmlformats.org/presentationml/2006/main">
+  <p:cSld>
+    <p:spTree>
+      <p:nvGrpSpPr>
+        <p:cNvPr id="1" name=""/>
+        <p:cNvGrpSpPr/>
+        <p:nvPr/>
+      </p:nvGrpSpPr>
+      <p:grpSpPr>
+        <a:xfrm>
+          <a:off x="0" y="0"/>
+          <a:ext cx="0" cy="0"/>
+          <a:chOff x="0" y="0"/>
+          <a:chExt cx="0" cy="0"/>
+        </a:xfrm>
+      </p:grpSpPr>
+      <p:sp>
+        <p:nvSpPr>
+          <p:cNvPr id="2" name="Title 1"/>
+          <p:cNvSpPr>
+            <a:spLocks noGrp="1"/>
+          </p:cNvSpPr>
+          <p:nvPr>
+            <p:ph type="title"/>
+          </p:nvPr>
+        </p:nvSpPr>
+        <p:spPr/>
+        <p:txBody>
+          <a:bodyPr/>
+          <a:lstStyle/>
+          <a:p>
+            <a:r>
+              <a:rPr lang="en-US" dirty="0" smtClean="0"/>
+              <a:t>The what, what?</a:t>
+            </a:r>
+            <a:endParaRPr lang="en-US" dirty="0"/>
+          </a:p>
+        </p:txBody>
+      </p:sp>
+      <p:pic>
+        <p:nvPicPr>
+          <p:cNvPr id="30722" name="Picture 2" descr="http://imgur.com/ntGolVE.png"/>
+          <p:cNvPicPr>
+            <a:picLocks noGrp="1" noChangeAspect="1" noChangeArrowheads="1"/>
+          </p:cNvPicPr>
+          <p:nvPr>
+            <p:ph sz="quarter" idx="10"/>
+          </p:nvPr>
+        </p:nvPicPr>
+        <p:blipFill>
+          <a:blip r:embed="rId3">
+            <a:extLst>
+              <a:ext uri="{28A0092B-C50C-407E-A947-70E740481C1C}">
+                <a14:useLocalDpi xmlns:a14="http://schemas.microsoft.com/office/drawing/2010/main" val="0"/>
+              </a:ext>
+            </a:extLst>
+          </a:blip>
+          <a:srcRect/>
+          <a:stretch>
+            <a:fillRect/>
+          </a:stretch>
+        </p:blipFill>
+        <p:spPr bwMode="auto">
+          <a:xfrm>
+            <a:off x="1398588" y="1847056"/>
+            <a:ext cx="9486900" cy="4371975"/>
+          </a:xfrm>
+          <a:prstGeom prst="rect">
+            <a:avLst/>
+          </a:prstGeom>
+          <a:noFill/>
+          <a:extLst>
+            <a:ext uri="{909E8E84-426E-40DD-AFC4-6F175D3DCCD1}">
+              <a14:hiddenFill xmlns:a14="http://schemas.microsoft.com/office/drawing/2010/main">
+                <a:solidFill>
+                  <a:srgbClr val="FFFFFF"/>
+                </a:solidFill>
+              </a14:hiddenFill>
+            </a:ext>
+          </a:extLst>
+        </p:spPr>
+      </p:pic>
+    </p:spTree>
+    <p:extLst>
+      <p:ext uri="{BB962C8B-B14F-4D97-AF65-F5344CB8AC3E}">
+        <p14:creationId xmlns:p14="http://schemas.microsoft.com/office/powerpoint/2010/main" val="586920889"/>
+      </p:ext>
+    </p:extLst>
+  </p:cSld>
+  <p:clrMapOvr>
+    <a:masterClrMapping/>
+  </p:clrMapOvr>
+  <p:timing>
+    <p:tnLst>
+      <p:par>
+        <p:cTn id="1" dur="indefinite" restart="never" nodeType="tmRoot"/>
+      </p:par>
+    </p:tnLst>
+  </p:timing>
+</p:sld>
+</file>
+
+<file path=ppt/slides/slide24.xml><?xml version="1.0" encoding="utf-8"?>
+<p:sld xmlns:a="http://schemas.openxmlformats.org/drawingml/2006/main" xmlns:r="http://schemas.openxmlformats.org/officeDocument/2006/relationships" xmlns:p="http://schemas.openxmlformats.org/presentationml/2006/main">
+  <p:cSld>
+    <p:spTree>
+      <p:nvGrpSpPr>
+        <p:cNvPr id="1" name=""/>
+        <p:cNvGrpSpPr/>
+        <p:nvPr/>
+      </p:nvGrpSpPr>
+      <p:grpSpPr>
+        <a:xfrm>
+          <a:off x="0" y="0"/>
+          <a:ext cx="0" cy="0"/>
+          <a:chOff x="0" y="0"/>
+          <a:chExt cx="0" cy="0"/>
+        </a:xfrm>
+      </p:grpSpPr>
+      <p:sp>
+        <p:nvSpPr>
+          <p:cNvPr id="2" name="Title 1"/>
+          <p:cNvSpPr>
+            <a:spLocks noGrp="1"/>
+          </p:cNvSpPr>
+          <p:nvPr>
+            <p:ph type="title"/>
+          </p:nvPr>
+        </p:nvSpPr>
+        <p:spPr/>
+        <p:txBody>
+          <a:bodyPr/>
+          <a:lstStyle/>
+          <a:p>
+            <a:r>
+              <a:rPr lang="en-US" dirty="0" smtClean="0"/>
+              <a:t>Docker Machine </a:t>
+            </a:r>
+            <a:endParaRPr lang="en-US" dirty="0"/>
+          </a:p>
+        </p:txBody>
+      </p:sp>
+      <p:pic>
+        <p:nvPicPr>
+          <p:cNvPr id="31746" name="Picture 2" descr="https://github.com/docker/machine/raw/master/docs/img/logo.png"/>
+          <p:cNvPicPr>
+            <a:picLocks noGrp="1" noChangeAspect="1" noChangeArrowheads="1"/>
+          </p:cNvPicPr>
+          <p:nvPr>
+            <p:ph sz="quarter" idx="10"/>
+          </p:nvPr>
+        </p:nvPicPr>
+        <p:blipFill>
+          <a:blip r:embed="rId3">
+            <a:extLst>
+              <a:ext uri="{28A0092B-C50C-407E-A947-70E740481C1C}">
+                <a14:useLocalDpi xmlns:a14="http://schemas.microsoft.com/office/drawing/2010/main" val="0"/>
+              </a:ext>
+            </a:extLst>
+          </a:blip>
+          <a:srcRect/>
+          <a:stretch>
+            <a:fillRect/>
+          </a:stretch>
+        </p:blipFill>
+        <p:spPr bwMode="auto">
+          <a:xfrm>
+            <a:off x="4506013" y="1617133"/>
+            <a:ext cx="3426585" cy="4079853"/>
+          </a:xfrm>
+          <a:prstGeom prst="rect">
+            <a:avLst/>
+          </a:prstGeom>
+          <a:noFill/>
+          <a:extLst>
+            <a:ext uri="{909E8E84-426E-40DD-AFC4-6F175D3DCCD1}">
+              <a14:hiddenFill xmlns:a14="http://schemas.microsoft.com/office/drawing/2010/main">
+                <a:solidFill>
+                  <a:srgbClr val="FFFFFF"/>
+                </a:solidFill>
+              </a14:hiddenFill>
+            </a:ext>
+          </a:extLst>
+        </p:spPr>
+      </p:pic>
+      <p:sp>
+        <p:nvSpPr>
+          <p:cNvPr id="4" name="Rectangle 3"/>
+          <p:cNvSpPr/>
+          <p:nvPr/>
+        </p:nvSpPr>
+        <p:spPr>
+          <a:xfrm>
+            <a:off x="10296929" y="6627168"/>
+            <a:ext cx="1895071" cy="230832"/>
+          </a:xfrm>
+          <a:prstGeom prst="rect">
+            <a:avLst/>
+          </a:prstGeom>
+        </p:spPr>
+        <p:txBody>
+          <a:bodyPr wrap="none">
+            <a:spAutoFit/>
+          </a:bodyPr>
+          <a:lstStyle/>
+          <a:p>
+            <a:r>
+              <a:rPr lang="en-US" sz="900" dirty="0"/>
+              <a:t>https://github.com/docker/machine</a:t>
+            </a:r>
+          </a:p>
+        </p:txBody>
+      </p:sp>
+    </p:spTree>
+    <p:extLst>
+      <p:ext uri="{BB962C8B-B14F-4D97-AF65-F5344CB8AC3E}">
+        <p14:creationId xmlns:p14="http://schemas.microsoft.com/office/powerpoint/2010/main" val="1760904765"/>
+      </p:ext>
+    </p:extLst>
+  </p:cSld>
+  <p:clrMapOvr>
+    <a:masterClrMapping/>
+  </p:clrMapOvr>
+  <p:timing>
+    <p:tnLst>
+      <p:par>
+        <p:cTn id="1" dur="indefinite" restart="never" nodeType="tmRoot"/>
+      </p:par>
+    </p:tnLst>
+  </p:timing>
+</p:sld>
+</file>
+
+<file path=ppt/slides/slide25.xml><?xml version="1.0" encoding="utf-8"?>
+<p:sld xmlns:a="http://schemas.openxmlformats.org/drawingml/2006/main" xmlns:r="http://schemas.openxmlformats.org/officeDocument/2006/relationships" xmlns:p="http://schemas.openxmlformats.org/presentationml/2006/main">
+  <p:cSld>
+    <p:spTree>
+      <p:nvGrpSpPr>
+        <p:cNvPr id="1" name=""/>
+        <p:cNvGrpSpPr/>
+        <p:nvPr/>
+      </p:nvGrpSpPr>
+      <p:grpSpPr>
+        <a:xfrm>
+          <a:off x="0" y="0"/>
+          <a:ext cx="0" cy="0"/>
+          <a:chOff x="0" y="0"/>
+          <a:chExt cx="0" cy="0"/>
+        </a:xfrm>
+      </p:grpSpPr>
+      <p:sp>
+        <p:nvSpPr>
+          <p:cNvPr id="2" name="Title 1"/>
+          <p:cNvSpPr>
+            <a:spLocks noGrp="1"/>
+          </p:cNvSpPr>
+          <p:nvPr>
+            <p:ph type="title"/>
+          </p:nvPr>
+        </p:nvSpPr>
+        <p:spPr/>
+        <p:txBody>
+          <a:bodyPr/>
+          <a:lstStyle/>
+          <a:p>
+            <a:r>
+              <a:rPr lang="en-US" dirty="0" smtClean="0"/>
+              <a:t>Docker Swarm</a:t>
+            </a:r>
+            <a:endParaRPr lang="en-US" dirty="0"/>
+          </a:p>
+        </p:txBody>
+      </p:sp>
+      <p:sp>
+        <p:nvSpPr>
+          <p:cNvPr id="4" name="Rectangle 3"/>
+          <p:cNvSpPr/>
+          <p:nvPr/>
+        </p:nvSpPr>
+        <p:spPr>
+          <a:xfrm>
+            <a:off x="10296929" y="6627168"/>
+            <a:ext cx="1895071" cy="230832"/>
+          </a:xfrm>
+          <a:prstGeom prst="rect">
+            <a:avLst/>
+          </a:prstGeom>
+        </p:spPr>
+        <p:txBody>
+          <a:bodyPr wrap="none">
+            <a:spAutoFit/>
+          </a:bodyPr>
+          <a:lstStyle/>
+          <a:p>
+            <a:r>
+              <a:rPr lang="en-US" sz="900" dirty="0"/>
+              <a:t>https://github.com/docker/machine</a:t>
+            </a:r>
+          </a:p>
+        </p:txBody>
+      </p:sp>
+      <p:pic>
+        <p:nvPicPr>
+          <p:cNvPr id="32770" name="Picture 2" descr="Docker Swarm Logo"/>
+          <p:cNvPicPr>
+            <a:picLocks noChangeAspect="1" noChangeArrowheads="1"/>
+          </p:cNvPicPr>
+          <p:nvPr/>
+        </p:nvPicPr>
+        <p:blipFill>
+          <a:blip r:embed="rId3">
+            <a:extLst>
+              <a:ext uri="{28A0092B-C50C-407E-A947-70E740481C1C}">
+                <a14:useLocalDpi xmlns:a14="http://schemas.microsoft.com/office/drawing/2010/main" val="0"/>
+              </a:ext>
+            </a:extLst>
+          </a:blip>
+          <a:srcRect/>
+          <a:stretch>
+            <a:fillRect/>
+          </a:stretch>
+        </p:blipFill>
+        <p:spPr bwMode="auto">
+          <a:xfrm>
+            <a:off x="0" y="1190624"/>
+            <a:ext cx="12592050" cy="5667376"/>
+          </a:xfrm>
+          <a:prstGeom prst="rect">
+            <a:avLst/>
+          </a:prstGeom>
+          <a:noFill/>
+          <a:extLst>
+            <a:ext uri="{909E8E84-426E-40DD-AFC4-6F175D3DCCD1}">
+              <a14:hiddenFill xmlns:a14="http://schemas.microsoft.com/office/drawing/2010/main">
+                <a:solidFill>
+                  <a:srgbClr val="FFFFFF"/>
+                </a:solidFill>
+              </a14:hiddenFill>
+            </a:ext>
+          </a:extLst>
+        </p:spPr>
+      </p:pic>
+      <p:sp>
+        <p:nvSpPr>
+          <p:cNvPr id="3" name="Content Placeholder 2"/>
+          <p:cNvSpPr>
+            <a:spLocks noGrp="1"/>
+          </p:cNvSpPr>
+          <p:nvPr>
+            <p:ph sz="quarter" idx="10"/>
+          </p:nvPr>
+        </p:nvSpPr>
+        <p:spPr/>
+        <p:txBody>
+          <a:bodyPr/>
+          <a:lstStyle/>
+          <a:p>
+            <a:endParaRPr lang="en-US"/>
+          </a:p>
+        </p:txBody>
+      </p:sp>
+    </p:spTree>
+    <p:extLst>
+      <p:ext uri="{BB962C8B-B14F-4D97-AF65-F5344CB8AC3E}">
+        <p14:creationId xmlns:p14="http://schemas.microsoft.com/office/powerpoint/2010/main" val="3252762251"/>
+      </p:ext>
+    </p:extLst>
+  </p:cSld>
+  <p:clrMapOvr>
+    <a:masterClrMapping/>
+  </p:clrMapOvr>
+  <p:timing>
+    <p:tnLst>
+      <p:par>
+        <p:cTn id="1" dur="indefinite" restart="never" nodeType="tmRoot"/>
+      </p:par>
+    </p:tnLst>
+  </p:timing>
+</p:sld>
+</file>
+
+<file path=ppt/slides/slide26.xml><?xml version="1.0" encoding="utf-8"?>
+<p:sld xmlns:a="http://schemas.openxmlformats.org/drawingml/2006/main" xmlns:r="http://schemas.openxmlformats.org/officeDocument/2006/relationships" xmlns:p="http://schemas.openxmlformats.org/presentationml/2006/main">
+  <p:cSld>
+    <p:spTree>
+      <p:nvGrpSpPr>
+        <p:cNvPr id="1" name=""/>
+        <p:cNvGrpSpPr/>
+        <p:nvPr/>
+      </p:nvGrpSpPr>
+      <p:grpSpPr>
+        <a:xfrm>
+          <a:off x="0" y="0"/>
+          <a:ext cx="0" cy="0"/>
+          <a:chOff x="0" y="0"/>
+          <a:chExt cx="0" cy="0"/>
+        </a:xfrm>
+      </p:grpSpPr>
+      <p:sp>
+        <p:nvSpPr>
+          <p:cNvPr id="2" name="Title 1"/>
+          <p:cNvSpPr>
+            <a:spLocks noGrp="1"/>
+          </p:cNvSpPr>
+          <p:nvPr>
+            <p:ph type="title"/>
+          </p:nvPr>
+        </p:nvSpPr>
+        <p:spPr/>
+        <p:txBody>
+          <a:bodyPr/>
+          <a:lstStyle/>
+          <a:p>
+            <a:r>
+              <a:rPr lang="en-US" dirty="0" smtClean="0"/>
+              <a:t>Deploying to Azure using ARM</a:t>
+            </a:r>
+            <a:endParaRPr lang="en-US" dirty="0"/>
+          </a:p>
+        </p:txBody>
+      </p:sp>
+      <p:sp>
+        <p:nvSpPr>
+          <p:cNvPr id="3" name="Content Placeholder 2"/>
+          <p:cNvSpPr>
+            <a:spLocks noGrp="1"/>
+          </p:cNvSpPr>
+          <p:nvPr>
+            <p:ph sz="quarter" idx="10"/>
+          </p:nvPr>
+        </p:nvSpPr>
+        <p:spPr/>
+        <p:txBody>
+          <a:bodyPr/>
+          <a:lstStyle/>
+          <a:p>
+            <a:r>
+              <a:rPr lang="en-US" dirty="0" smtClean="0"/>
+              <a:t>Azure Resource Manager</a:t>
+            </a:r>
+            <a:endParaRPr lang="en-US" dirty="0"/>
+          </a:p>
+        </p:txBody>
+      </p:sp>
+    </p:spTree>
+    <p:extLst>
+      <p:ext uri="{BB962C8B-B14F-4D97-AF65-F5344CB8AC3E}">
+        <p14:creationId xmlns:p14="http://schemas.microsoft.com/office/powerpoint/2010/main" val="2530278774"/>
+      </p:ext>
+    </p:extLst>
+  </p:cSld>
+  <p:clrMapOvr>
+    <a:masterClrMapping/>
+  </p:clrMapOvr>
+  <p:timing>
+    <p:tnLst>
+      <p:par>
+        <p:cTn id="1" dur="indefinite" restart="never" nodeType="tmRoot"/>
+      </p:par>
+    </p:tnLst>
+  </p:timing>
+</p:sld>
+</file>
+
+<file path=ppt/slides/slide27.xml><?xml version="1.0" encoding="utf-8"?>
+<p:sld xmlns:a="http://schemas.openxmlformats.org/drawingml/2006/main" xmlns:r="http://schemas.openxmlformats.org/officeDocument/2006/relationships" xmlns:p="http://schemas.openxmlformats.org/presentationml/2006/main">
+  <p:cSld>
+    <p:spTree>
+      <p:nvGrpSpPr>
+        <p:cNvPr id="1" name=""/>
+        <p:cNvGrpSpPr/>
+        <p:nvPr/>
+      </p:nvGrpSpPr>
+      <p:grpSpPr>
+        <a:xfrm>
+          <a:off x="0" y="0"/>
+          <a:ext cx="0" cy="0"/>
+          <a:chOff x="0" y="0"/>
+          <a:chExt cx="0" cy="0"/>
+        </a:xfrm>
+      </p:grpSpPr>
+      <p:sp>
+        <p:nvSpPr>
+          <p:cNvPr id="2" name="Title 1"/>
+          <p:cNvSpPr>
+            <a:spLocks noGrp="1"/>
+          </p:cNvSpPr>
+          <p:nvPr>
+            <p:ph type="title"/>
+          </p:nvPr>
+        </p:nvSpPr>
+        <p:spPr/>
+        <p:txBody>
+          <a:bodyPr/>
+          <a:lstStyle/>
+          <a:p>
+            <a:r>
+              <a:rPr lang="en-US" dirty="0" smtClean="0"/>
+              <a:t>Great Reads</a:t>
+            </a:r>
+            <a:endParaRPr lang="en-US" dirty="0"/>
+          </a:p>
+        </p:txBody>
+      </p:sp>
+      <p:sp>
+        <p:nvSpPr>
+          <p:cNvPr id="3" name="Content Placeholder 2"/>
+          <p:cNvSpPr>
+            <a:spLocks noGrp="1"/>
+          </p:cNvSpPr>
+          <p:nvPr>
+            <p:ph sz="quarter" idx="10"/>
+          </p:nvPr>
+        </p:nvSpPr>
+        <p:spPr>
+          <a:xfrm>
+            <a:off x="379413" y="2213540"/>
+            <a:ext cx="11525250" cy="4465074"/>
+          </a:xfrm>
+        </p:spPr>
+        <p:txBody>
+          <a:bodyPr/>
+          <a:lstStyle/>
+          <a:p>
+            <a:r>
+              <a:rPr lang="en-US" dirty="0">
+                <a:hlinkClick r:id="rId3"/>
+              </a:rPr>
+              <a:t>https://</a:t>
+            </a:r>
+            <a:r>
+              <a:rPr lang="en-US" dirty="0" smtClean="0">
+                <a:hlinkClick r:id="rId3"/>
+              </a:rPr>
+              <a:t>aphyr.com/posts/317-call-me-maybe-elasticsearch</a:t>
+            </a:r>
+            <a:endParaRPr lang="en-US" dirty="0" smtClean="0"/>
+          </a:p>
+          <a:p>
+            <a:r>
+              <a:rPr lang="en-US" dirty="0">
+                <a:hlinkClick r:id="rId4"/>
+              </a:rPr>
+              <a:t>https://</a:t>
+            </a:r>
+            <a:r>
+              <a:rPr lang="en-US" dirty="0" smtClean="0">
+                <a:hlinkClick r:id="rId4"/>
+              </a:rPr>
+              <a:t>www.youtube.com/watch?v=91cIyipiKAk&amp;index=3&amp;list=PL5GivWTz0TB0Gm-8yYpiA3e0MG-bi_lPy</a:t>
+            </a:r>
+            <a:r>
+              <a:rPr lang="en-US" dirty="0" smtClean="0"/>
+              <a:t> </a:t>
+            </a:r>
+          </a:p>
+        </p:txBody>
+      </p:sp>
+      <p:sp>
+        <p:nvSpPr>
+          <p:cNvPr id="4" name="TextBox 3"/>
+          <p:cNvSpPr txBox="1"/>
+          <p:nvPr/>
+        </p:nvSpPr>
+        <p:spPr>
+          <a:xfrm>
+            <a:off x="9906000" y="-1"/>
+            <a:ext cx="2286000" cy="2031325"/>
+          </a:xfrm>
+          <a:prstGeom prst="rect">
+            <a:avLst/>
+          </a:prstGeom>
+          <a:solidFill>
+            <a:srgbClr val="FFFF00"/>
+          </a:solidFill>
+          <a:ln>
+            <a:noFill/>
+          </a:ln>
+        </p:spPr>
+        <p:txBody>
+          <a:bodyPr wrap="square" rtlCol="0">
+            <a:spAutoFit/>
+          </a:bodyPr>
+          <a:lstStyle/>
+          <a:p>
+            <a:pPr algn="ctr"/>
+            <a:endParaRPr lang="en-US" dirty="0" smtClean="0"/>
+          </a:p>
+          <a:p>
+            <a:pPr algn="ctr"/>
+            <a:endParaRPr lang="en-US" dirty="0"/>
+          </a:p>
+          <a:p>
+            <a:pPr algn="ctr"/>
+            <a:r>
+              <a:rPr lang="en-US" dirty="0" smtClean="0"/>
+              <a:t>Please leave this area blank to allow for picture in picture recording</a:t>
+            </a:r>
+          </a:p>
+          <a:p>
+            <a:pPr algn="ctr"/>
+            <a:endParaRPr lang="en-US" dirty="0"/>
+          </a:p>
+        </p:txBody>
+      </p:sp>
+    </p:spTree>
+    <p:extLst>
+      <p:ext uri="{BB962C8B-B14F-4D97-AF65-F5344CB8AC3E}">
+        <p14:creationId xmlns:p14="http://schemas.microsoft.com/office/powerpoint/2010/main" val="2913567182"/>
+      </p:ext>
+    </p:extLst>
+  </p:cSld>
+  <p:clrMapOvr>
+    <a:masterClrMapping/>
+  </p:clrMapOvr>
+  <p:timing>
+    <p:tnLst>
+      <p:par>
+        <p:cTn id="1" dur="indefinite" restart="never" nodeType="tmRoot"/>
+      </p:par>
+    </p:tnLst>
+  </p:timing>
+</p:sld>
+</file>
+
+<file path=ppt/slides/slide28.xml><?xml version="1.0" encoding="utf-8"?>
+<p:sld xmlns:a="http://schemas.openxmlformats.org/drawingml/2006/main" xmlns:r="http://schemas.openxmlformats.org/officeDocument/2006/relationships" xmlns:p="http://schemas.openxmlformats.org/presentationml/2006/main">
+  <p:cSld>
+    <p:spTree>
+      <p:nvGrpSpPr>
+        <p:cNvPr id="1" name=""/>
+        <p:cNvGrpSpPr/>
+        <p:nvPr/>
+      </p:nvGrpSpPr>
+      <p:grpSpPr>
+        <a:xfrm>
+          <a:off x="0" y="0"/>
+          <a:ext cx="0" cy="0"/>
+          <a:chOff x="0" y="0"/>
+          <a:chExt cx="0" cy="0"/>
+        </a:xfrm>
+      </p:grpSpPr>
+    </p:spTree>
+    <p:extLst>
+      <p:ext uri="{BB962C8B-B14F-4D97-AF65-F5344CB8AC3E}">
+        <p14:creationId xmlns:p14="http://schemas.microsoft.com/office/powerpoint/2010/main" val="898363405"/>
       </p:ext>
     </p:extLst>
   </p:cSld>
@@ -3961,39 +8462,441 @@
         </p:nvSpPr>
         <p:spPr/>
         <p:txBody>
+          <a:bodyPr>
+            <a:normAutofit/>
+          </a:bodyPr>
+          <a:lstStyle/>
+          <a:p>
+            <a:pPr lvl="0"/>
+            <a:r>
+              <a:rPr lang="en-US" dirty="0" smtClean="0"/>
+              <a:t>Course Topics</a:t>
+            </a:r>
+            <a:endParaRPr lang="en-US" dirty="0"/>
+          </a:p>
+        </p:txBody>
+      </p:sp>
+      <p:graphicFrame>
+        <p:nvGraphicFramePr>
+          <p:cNvPr id="4" name="Content Placeholder 3"/>
+          <p:cNvGraphicFramePr>
+            <a:graphicFrameLocks noGrp="1"/>
+          </p:cNvGraphicFramePr>
+          <p:nvPr>
+            <p:ph sz="quarter" idx="10"/>
+            <p:extLst>
+              <p:ext uri="{D42A27DB-BD31-4B8C-83A1-F6EECF244321}">
+                <p14:modId xmlns:p14="http://schemas.microsoft.com/office/powerpoint/2010/main" val="1339085657"/>
+              </p:ext>
+            </p:extLst>
+          </p:nvPr>
+        </p:nvGraphicFramePr>
+        <p:xfrm>
+          <a:off x="379413" y="1417636"/>
+          <a:ext cx="11525250" cy="3838160"/>
+        </p:xfrm>
+        <a:graphic>
+          <a:graphicData uri="http://schemas.openxmlformats.org/drawingml/2006/table">
+            <a:tbl>
+              <a:tblPr firstRow="1" bandRow="1">
+                <a:tableStyleId>{5C22544A-7EE6-4342-B048-85BDC9FD1C3A}</a:tableStyleId>
+              </a:tblPr>
+              <a:tblGrid>
+                <a:gridCol w="5762625">
+                  <a:extLst>
+                    <a:ext uri="{9D8B030D-6E8A-4147-A177-3AD203B41FA5}">
+                      <a16:colId xmlns:a16="http://schemas.microsoft.com/office/drawing/2014/main" xmlns="" val="1632794655"/>
+                    </a:ext>
+                  </a:extLst>
+                </a:gridCol>
+                <a:gridCol w="5762625">
+                  <a:extLst>
+                    <a:ext uri="{9D8B030D-6E8A-4147-A177-3AD203B41FA5}">
+                      <a16:colId xmlns:a16="http://schemas.microsoft.com/office/drawing/2014/main" xmlns="" val="2011313899"/>
+                    </a:ext>
+                  </a:extLst>
+                </a:gridCol>
+              </a:tblGrid>
+              <a:tr h="767632">
+                <a:tc gridSpan="2">
+                  <a:txBody>
+                    <a:bodyPr/>
+                    <a:lstStyle/>
+                    <a:p>
+                      <a:r>
+                        <a:rPr lang="en-US" sz="3600" dirty="0" smtClean="0">
+                          <a:latin typeface="Segoe UI Light" panose="020B0502040204020203" pitchFamily="34" charset="0"/>
+                          <a:cs typeface="Segoe UI Light" panose="020B0502040204020203" pitchFamily="34" charset="0"/>
+                        </a:rPr>
+                        <a:t>Applications on</a:t>
+                      </a:r>
+                      <a:r>
+                        <a:rPr lang="en-US" sz="3600" baseline="0" dirty="0" smtClean="0">
+                          <a:latin typeface="Segoe UI Light" panose="020B0502040204020203" pitchFamily="34" charset="0"/>
+                          <a:cs typeface="Segoe UI Light" panose="020B0502040204020203" pitchFamily="34" charset="0"/>
+                        </a:rPr>
+                        <a:t> Azure: Putting the Pieces Together</a:t>
+                      </a:r>
+                      <a:endParaRPr lang="en-US" sz="3600" dirty="0">
+                        <a:latin typeface="Segoe UI Light" panose="020B0502040204020203" pitchFamily="34" charset="0"/>
+                        <a:cs typeface="Segoe UI Light" panose="020B0502040204020203" pitchFamily="34" charset="0"/>
+                      </a:endParaRPr>
+                    </a:p>
+                  </a:txBody>
+                  <a:tcPr anchor="ctr"/>
+                </a:tc>
+                <a:tc hMerge="1">
+                  <a:txBody>
+                    <a:bodyPr/>
+                    <a:lstStyle/>
+                    <a:p>
+                      <a:endParaRPr lang="en-US" dirty="0"/>
+                    </a:p>
+                  </a:txBody>
+                  <a:tcPr/>
+                </a:tc>
+                <a:extLst>
+                  <a:ext uri="{0D108BD9-81ED-4DB2-BD59-A6C34878D82A}">
+                    <a16:rowId xmlns:a16="http://schemas.microsoft.com/office/drawing/2014/main" xmlns="" val="1789177411"/>
+                  </a:ext>
+                </a:extLst>
+              </a:tr>
+              <a:tr h="767632">
+                <a:tc>
+                  <a:txBody>
+                    <a:bodyPr/>
+                    <a:lstStyle/>
+                    <a:p>
+                      <a:r>
+                        <a:rPr lang="en-US" sz="2400" dirty="0" smtClean="0">
+                          <a:latin typeface="Segoe UI Light" panose="020B0502040204020203" pitchFamily="34" charset="0"/>
+                          <a:cs typeface="Segoe UI Light" panose="020B0502040204020203" pitchFamily="34" charset="0"/>
+                        </a:rPr>
+                        <a:t>01 | Introduction</a:t>
+                      </a:r>
+                      <a:endParaRPr lang="en-US" sz="2400" dirty="0">
+                        <a:latin typeface="Segoe UI Light" panose="020B0502040204020203" pitchFamily="34" charset="0"/>
+                        <a:cs typeface="Segoe UI Light" panose="020B0502040204020203" pitchFamily="34" charset="0"/>
+                      </a:endParaRPr>
+                    </a:p>
+                  </a:txBody>
+                  <a:tcPr anchor="ctr"/>
+                </a:tc>
+                <a:tc>
+                  <a:txBody>
+                    <a:bodyPr/>
+                    <a:lstStyle/>
+                    <a:p>
+                      <a:pPr marL="0" marR="0" indent="0" algn="l" defTabSz="914088" rtl="0" eaLnBrk="1" fontAlgn="auto" latinLnBrk="0" hangingPunct="1">
+                        <a:lnSpc>
+                          <a:spcPct val="100000"/>
+                        </a:lnSpc>
+                        <a:spcBef>
+                          <a:spcPts val="0"/>
+                        </a:spcBef>
+                        <a:spcAft>
+                          <a:spcPts val="0"/>
+                        </a:spcAft>
+                        <a:buClrTx/>
+                        <a:buSzTx/>
+                        <a:buFontTx/>
+                        <a:buNone/>
+                        <a:tabLst/>
+                        <a:defRPr/>
+                      </a:pPr>
+                      <a:r>
+                        <a:rPr lang="en-US" sz="2400" dirty="0" smtClean="0">
+                          <a:latin typeface="Segoe UI Light" panose="020B0502040204020203" pitchFamily="34" charset="0"/>
+                          <a:cs typeface="Segoe UI Light" panose="020B0502040204020203" pitchFamily="34" charset="0"/>
+                        </a:rPr>
+                        <a:t>05</a:t>
+                      </a:r>
+                      <a:r>
+                        <a:rPr lang="en-US" sz="2400" baseline="0" dirty="0" smtClean="0">
+                          <a:latin typeface="Segoe UI Light" panose="020B0502040204020203" pitchFamily="34" charset="0"/>
+                          <a:cs typeface="Segoe UI Light" panose="020B0502040204020203" pitchFamily="34" charset="0"/>
+                        </a:rPr>
+                        <a:t> | Azure Storage</a:t>
+                      </a:r>
+                      <a:endParaRPr lang="en-US" sz="2400" dirty="0" smtClean="0">
+                        <a:latin typeface="Segoe UI Light" panose="020B0502040204020203" pitchFamily="34" charset="0"/>
+                        <a:cs typeface="Segoe UI Light" panose="020B0502040204020203" pitchFamily="34" charset="0"/>
+                      </a:endParaRPr>
+                    </a:p>
+                  </a:txBody>
+                  <a:tcPr anchor="ctr"/>
+                </a:tc>
+                <a:extLst>
+                  <a:ext uri="{0D108BD9-81ED-4DB2-BD59-A6C34878D82A}">
+                    <a16:rowId xmlns:a16="http://schemas.microsoft.com/office/drawing/2014/main" xmlns="" val="3842815335"/>
+                  </a:ext>
+                </a:extLst>
+              </a:tr>
+              <a:tr h="767632">
+                <a:tc>
+                  <a:txBody>
+                    <a:bodyPr/>
+                    <a:lstStyle/>
+                    <a:p>
+                      <a:r>
+                        <a:rPr lang="en-US" sz="2400" b="0" dirty="0" smtClean="0">
+                          <a:latin typeface="Segoe UI Light" panose="020B0502040204020203" pitchFamily="34" charset="0"/>
+                          <a:cs typeface="Segoe UI Light" panose="020B0502040204020203" pitchFamily="34" charset="0"/>
+                        </a:rPr>
+                        <a:t>02 | Application Architecture</a:t>
+                      </a:r>
+                      <a:endParaRPr lang="en-US" sz="2400" b="0" dirty="0">
+                        <a:latin typeface="Segoe UI Light" panose="020B0502040204020203" pitchFamily="34" charset="0"/>
+                        <a:cs typeface="Segoe UI Light" panose="020B0502040204020203" pitchFamily="34" charset="0"/>
+                      </a:endParaRPr>
+                    </a:p>
+                  </a:txBody>
+                  <a:tcPr anchor="ctr"/>
+                </a:tc>
+                <a:tc>
+                  <a:txBody>
+                    <a:bodyPr/>
+                    <a:lstStyle/>
+                    <a:p>
+                      <a:r>
+                        <a:rPr lang="en-US" sz="2400" b="1" dirty="0" smtClean="0">
+                          <a:latin typeface="Segoe UI Light" panose="020B0502040204020203" pitchFamily="34" charset="0"/>
+                          <a:cs typeface="Segoe UI Light" panose="020B0502040204020203" pitchFamily="34" charset="0"/>
+                        </a:rPr>
+                        <a:t>06 | </a:t>
+                      </a:r>
+                      <a:r>
+                        <a:rPr lang="en-US" sz="2400" b="1" dirty="0" err="1" smtClean="0">
+                          <a:latin typeface="Segoe UI Light" panose="020B0502040204020203" pitchFamily="34" charset="0"/>
+                          <a:cs typeface="Segoe UI Light" panose="020B0502040204020203" pitchFamily="34" charset="0"/>
+                        </a:rPr>
+                        <a:t>Docker</a:t>
+                      </a:r>
+                      <a:r>
+                        <a:rPr lang="en-US" sz="2400" b="1" dirty="0" smtClean="0">
+                          <a:latin typeface="Segoe UI Light" panose="020B0502040204020203" pitchFamily="34" charset="0"/>
+                          <a:cs typeface="Segoe UI Light" panose="020B0502040204020203" pitchFamily="34" charset="0"/>
+                        </a:rPr>
+                        <a:t> and Log Management</a:t>
+                      </a:r>
+                    </a:p>
+                  </a:txBody>
+                  <a:tcPr anchor="ctr"/>
+                </a:tc>
+                <a:extLst>
+                  <a:ext uri="{0D108BD9-81ED-4DB2-BD59-A6C34878D82A}">
+                    <a16:rowId xmlns:a16="http://schemas.microsoft.com/office/drawing/2014/main" xmlns="" val="321066646"/>
+                  </a:ext>
+                </a:extLst>
+              </a:tr>
+              <a:tr h="767632">
+                <a:tc>
+                  <a:txBody>
+                    <a:bodyPr/>
+                    <a:lstStyle/>
+                    <a:p>
+                      <a:pPr marL="0" marR="0" indent="0" algn="l" defTabSz="914088" rtl="0" eaLnBrk="1" fontAlgn="auto" latinLnBrk="0" hangingPunct="1">
+                        <a:lnSpc>
+                          <a:spcPct val="100000"/>
+                        </a:lnSpc>
+                        <a:spcBef>
+                          <a:spcPts val="0"/>
+                        </a:spcBef>
+                        <a:spcAft>
+                          <a:spcPts val="0"/>
+                        </a:spcAft>
+                        <a:buClrTx/>
+                        <a:buSzTx/>
+                        <a:buFontTx/>
+                        <a:buNone/>
+                        <a:tabLst/>
+                        <a:defRPr/>
+                      </a:pPr>
+                      <a:r>
+                        <a:rPr lang="en-US" sz="2400" dirty="0" smtClean="0">
+                          <a:latin typeface="Segoe UI Light" panose="020B0502040204020203" pitchFamily="34" charset="0"/>
+                          <a:cs typeface="Segoe UI Light" panose="020B0502040204020203" pitchFamily="34" charset="0"/>
+                        </a:rPr>
+                        <a:t>03</a:t>
+                      </a:r>
+                      <a:r>
+                        <a:rPr lang="en-US" sz="2400" baseline="0" dirty="0" smtClean="0">
+                          <a:latin typeface="Segoe UI Light" panose="020B0502040204020203" pitchFamily="34" charset="0"/>
+                          <a:cs typeface="Segoe UI Light" panose="020B0502040204020203" pitchFamily="34" charset="0"/>
+                        </a:rPr>
+                        <a:t> | DNS</a:t>
+                      </a:r>
+                      <a:endParaRPr lang="en-US" sz="2400" dirty="0" smtClean="0">
+                        <a:latin typeface="Segoe UI Light" panose="020B0502040204020203" pitchFamily="34" charset="0"/>
+                        <a:cs typeface="Segoe UI Light" panose="020B0502040204020203" pitchFamily="34" charset="0"/>
+                      </a:endParaRPr>
+                    </a:p>
+                  </a:txBody>
+                  <a:tcPr anchor="ctr"/>
+                </a:tc>
+                <a:tc>
+                  <a:txBody>
+                    <a:bodyPr/>
+                    <a:lstStyle/>
+                    <a:p>
+                      <a:r>
+                        <a:rPr lang="en-US" sz="2400" dirty="0" smtClean="0">
+                          <a:latin typeface="Segoe UI Light" panose="020B0502040204020203" pitchFamily="34" charset="0"/>
+                          <a:cs typeface="Segoe UI Light" panose="020B0502040204020203" pitchFamily="34" charset="0"/>
+                        </a:rPr>
+                        <a:t>07 | </a:t>
+                      </a:r>
+                      <a:r>
+                        <a:rPr lang="en-US" sz="2400" dirty="0" err="1" smtClean="0">
+                          <a:latin typeface="Segoe UI Light" panose="020B0502040204020203" pitchFamily="34" charset="0"/>
+                          <a:cs typeface="Segoe UI Light" panose="020B0502040204020203" pitchFamily="34" charset="0"/>
+                        </a:rPr>
+                        <a:t>AutoScale</a:t>
+                      </a:r>
+                      <a:r>
+                        <a:rPr lang="en-US" sz="2400" dirty="0" smtClean="0">
+                          <a:latin typeface="Segoe UI Light" panose="020B0502040204020203" pitchFamily="34" charset="0"/>
+                          <a:cs typeface="Segoe UI Light" panose="020B0502040204020203" pitchFamily="34" charset="0"/>
+                        </a:rPr>
+                        <a:t> </a:t>
+                      </a:r>
+                      <a:endParaRPr lang="en-US" sz="2400" dirty="0">
+                        <a:latin typeface="Segoe UI Light" panose="020B0502040204020203" pitchFamily="34" charset="0"/>
+                        <a:cs typeface="Segoe UI Light" panose="020B0502040204020203" pitchFamily="34" charset="0"/>
+                      </a:endParaRPr>
+                    </a:p>
+                  </a:txBody>
+                  <a:tcPr anchor="ctr"/>
+                </a:tc>
+                <a:extLst>
+                  <a:ext uri="{0D108BD9-81ED-4DB2-BD59-A6C34878D82A}">
+                    <a16:rowId xmlns:a16="http://schemas.microsoft.com/office/drawing/2014/main" xmlns="" val="3812060533"/>
+                  </a:ext>
+                </a:extLst>
+              </a:tr>
+              <a:tr h="767632">
+                <a:tc>
+                  <a:txBody>
+                    <a:bodyPr/>
+                    <a:lstStyle/>
+                    <a:p>
+                      <a:r>
+                        <a:rPr lang="en-US" sz="2400" b="0" dirty="0" smtClean="0">
+                          <a:latin typeface="Segoe UI Light" panose="020B0502040204020203" pitchFamily="34" charset="0"/>
+                          <a:cs typeface="Segoe UI Light" panose="020B0502040204020203" pitchFamily="34" charset="0"/>
+                        </a:rPr>
+                        <a:t>04 | Batch</a:t>
+                      </a:r>
+                      <a:endParaRPr lang="en-US" sz="2400" b="0" dirty="0">
+                        <a:latin typeface="Segoe UI Light" panose="020B0502040204020203" pitchFamily="34" charset="0"/>
+                        <a:cs typeface="Segoe UI Light" panose="020B0502040204020203" pitchFamily="34" charset="0"/>
+                      </a:endParaRPr>
+                    </a:p>
+                  </a:txBody>
+                  <a:tcPr anchor="ctr"/>
+                </a:tc>
+                <a:tc>
+                  <a:txBody>
+                    <a:bodyPr/>
+                    <a:lstStyle/>
+                    <a:p>
+                      <a:r>
+                        <a:rPr lang="en-US" sz="2400" dirty="0" smtClean="0">
+                          <a:latin typeface="Segoe UI Light" panose="020B0502040204020203" pitchFamily="34" charset="0"/>
+                          <a:cs typeface="Segoe UI Light" panose="020B0502040204020203" pitchFamily="34" charset="0"/>
+                        </a:rPr>
+                        <a:t>08 | Review and Summary</a:t>
+                      </a:r>
+                      <a:endParaRPr lang="en-US" sz="2400" dirty="0">
+                        <a:latin typeface="Segoe UI Light" panose="020B0502040204020203" pitchFamily="34" charset="0"/>
+                        <a:cs typeface="Segoe UI Light" panose="020B0502040204020203" pitchFamily="34" charset="0"/>
+                      </a:endParaRPr>
+                    </a:p>
+                  </a:txBody>
+                  <a:tcPr anchor="ctr"/>
+                </a:tc>
+                <a:extLst>
+                  <a:ext uri="{0D108BD9-81ED-4DB2-BD59-A6C34878D82A}">
+                    <a16:rowId xmlns:a16="http://schemas.microsoft.com/office/drawing/2014/main" xmlns="" val="733235577"/>
+                  </a:ext>
+                </a:extLst>
+              </a:tr>
+            </a:tbl>
+          </a:graphicData>
+        </a:graphic>
+      </p:graphicFrame>
+    </p:spTree>
+    <p:extLst>
+      <p:ext uri="{BB962C8B-B14F-4D97-AF65-F5344CB8AC3E}">
+        <p14:creationId xmlns:p14="http://schemas.microsoft.com/office/powerpoint/2010/main" val="101470949"/>
+      </p:ext>
+    </p:extLst>
+  </p:cSld>
+  <p:clrMapOvr>
+    <a:masterClrMapping/>
+  </p:clrMapOvr>
+  <mc:AlternateContent xmlns:mc="http://schemas.openxmlformats.org/markup-compatibility/2006" xmlns:p14="http://schemas.microsoft.com/office/powerpoint/2010/main">
+    <mc:Choice Requires="p14">
+      <p:transition spd="slow" p14:dur="2000"/>
+    </mc:Choice>
+    <mc:Fallback xmlns="">
+      <p:transition spd="slow"/>
+    </mc:Fallback>
+  </mc:AlternateContent>
+  <p:timing>
+    <p:tnLst>
+      <p:par>
+        <p:cTn id="1" dur="indefinite" restart="never" nodeType="tmRoot"/>
+      </p:par>
+    </p:tnLst>
+  </p:timing>
+</p:sld>
+</file>
+
+<file path=ppt/slides/slide4.xml><?xml version="1.0" encoding="utf-8"?>
+<p:sld xmlns:a="http://schemas.openxmlformats.org/drawingml/2006/main" xmlns:r="http://schemas.openxmlformats.org/officeDocument/2006/relationships" xmlns:p="http://schemas.openxmlformats.org/presentationml/2006/main">
+  <p:cSld>
+    <p:spTree>
+      <p:nvGrpSpPr>
+        <p:cNvPr id="1" name=""/>
+        <p:cNvGrpSpPr/>
+        <p:nvPr/>
+      </p:nvGrpSpPr>
+      <p:grpSpPr>
+        <a:xfrm>
+          <a:off x="0" y="0"/>
+          <a:ext cx="0" cy="0"/>
+          <a:chOff x="0" y="0"/>
+          <a:chExt cx="0" cy="0"/>
+        </a:xfrm>
+      </p:grpSpPr>
+      <p:sp>
+        <p:nvSpPr>
+          <p:cNvPr id="2" name="Title 1"/>
+          <p:cNvSpPr>
+            <a:spLocks noGrp="1"/>
+          </p:cNvSpPr>
+          <p:nvPr>
+            <p:ph type="title"/>
+          </p:nvPr>
+        </p:nvSpPr>
+        <p:spPr/>
+        <p:txBody>
           <a:bodyPr/>
           <a:lstStyle/>
           <a:p>
-            <a:r>
-              <a:rPr lang="en-US" dirty="0" smtClean="0"/>
-              <a:t>Lesson slide</a:t>
-            </a:r>
-            <a:endParaRPr lang="en-US" dirty="0"/>
-          </a:p>
-        </p:txBody>
-      </p:sp>
-      <p:sp>
-        <p:nvSpPr>
-          <p:cNvPr id="3" name="Content Placeholder 2"/>
-          <p:cNvSpPr>
-            <a:spLocks noGrp="1"/>
-          </p:cNvSpPr>
-          <p:nvPr>
-            <p:ph sz="quarter" idx="10"/>
-          </p:nvPr>
-        </p:nvSpPr>
-        <p:spPr/>
-        <p:txBody>
-          <a:bodyPr/>
-          <a:lstStyle/>
-          <a:p>
-            <a:endParaRPr lang="en-US" dirty="0"/>
-          </a:p>
-        </p:txBody>
-      </p:sp>
-      <p:sp>
-        <p:nvSpPr>
-          <p:cNvPr id="4" name="TextBox 3"/>
+            <a:pPr lvl="0"/>
+            <a:r>
+              <a:rPr lang="en-US" dirty="0" smtClean="0"/>
+              <a:t>Logging</a:t>
+            </a:r>
+            <a:endParaRPr lang="en-US" dirty="0"/>
+          </a:p>
+        </p:txBody>
+      </p:sp>
+      <p:sp>
+        <p:nvSpPr>
+          <p:cNvPr id="5" name="TextBox 4"/>
           <p:cNvSpPr txBox="1"/>
           <p:nvPr/>
         </p:nvSpPr>
@@ -4038,10 +8941,985 @@
           </a:p>
         </p:txBody>
       </p:sp>
+      <p:pic>
+        <p:nvPicPr>
+          <p:cNvPr id="3074" name="Picture 2" descr="https://upload.wikimedia.org/wikipedia/commons/5/5c/Borneo_logging_1926.jpg"/>
+          <p:cNvPicPr>
+            <a:picLocks noGrp="1" noChangeAspect="1" noChangeArrowheads="1"/>
+          </p:cNvPicPr>
+          <p:nvPr>
+            <p:ph sz="quarter" idx="10"/>
+          </p:nvPr>
+        </p:nvPicPr>
+        <p:blipFill>
+          <a:blip r:embed="rId3">
+            <a:extLst>
+              <a:ext uri="{28A0092B-C50C-407E-A947-70E740481C1C}">
+                <a14:useLocalDpi xmlns:a14="http://schemas.microsoft.com/office/drawing/2010/main" val="0"/>
+              </a:ext>
+            </a:extLst>
+          </a:blip>
+          <a:srcRect/>
+          <a:stretch>
+            <a:fillRect/>
+          </a:stretch>
+        </p:blipFill>
+        <p:spPr bwMode="auto">
+          <a:xfrm>
+            <a:off x="1734532" y="771117"/>
+            <a:ext cx="7984503" cy="6002243"/>
+          </a:xfrm>
+          <a:prstGeom prst="rect">
+            <a:avLst/>
+          </a:prstGeom>
+          <a:noFill/>
+          <a:extLst>
+            <a:ext uri="{909E8E84-426E-40DD-AFC4-6F175D3DCCD1}">
+              <a14:hiddenFill xmlns:a14="http://schemas.microsoft.com/office/drawing/2010/main">
+                <a:solidFill>
+                  <a:srgbClr val="FFFFFF"/>
+                </a:solidFill>
+              </a14:hiddenFill>
+            </a:ext>
+          </a:extLst>
+        </p:spPr>
+      </p:pic>
     </p:spTree>
     <p:extLst>
       <p:ext uri="{BB962C8B-B14F-4D97-AF65-F5344CB8AC3E}">
-        <p14:creationId xmlns:p14="http://schemas.microsoft.com/office/powerpoint/2010/main" val="255798916"/>
+        <p14:creationId xmlns:p14="http://schemas.microsoft.com/office/powerpoint/2010/main" val="1967407312"/>
+      </p:ext>
+    </p:extLst>
+  </p:cSld>
+  <p:clrMapOvr>
+    <a:masterClrMapping/>
+  </p:clrMapOvr>
+  <p:timing>
+    <p:tnLst>
+      <p:par>
+        <p:cTn id="1" dur="indefinite" restart="never" nodeType="tmRoot"/>
+      </p:par>
+    </p:tnLst>
+  </p:timing>
+</p:sld>
+</file>
+
+<file path=ppt/slides/slide5.xml><?xml version="1.0" encoding="utf-8"?>
+<p:sld xmlns:a="http://schemas.openxmlformats.org/drawingml/2006/main" xmlns:r="http://schemas.openxmlformats.org/officeDocument/2006/relationships" xmlns:p="http://schemas.openxmlformats.org/presentationml/2006/main">
+  <p:cSld>
+    <p:spTree>
+      <p:nvGrpSpPr>
+        <p:cNvPr id="1" name=""/>
+        <p:cNvGrpSpPr/>
+        <p:nvPr/>
+      </p:nvGrpSpPr>
+      <p:grpSpPr>
+        <a:xfrm>
+          <a:off x="0" y="0"/>
+          <a:ext cx="0" cy="0"/>
+          <a:chOff x="0" y="0"/>
+          <a:chExt cx="0" cy="0"/>
+        </a:xfrm>
+      </p:grpSpPr>
+      <p:sp>
+        <p:nvSpPr>
+          <p:cNvPr id="2" name="Title 1"/>
+          <p:cNvSpPr>
+            <a:spLocks noGrp="1"/>
+          </p:cNvSpPr>
+          <p:nvPr>
+            <p:ph type="title"/>
+          </p:nvPr>
+        </p:nvSpPr>
+        <p:spPr/>
+        <p:txBody>
+          <a:bodyPr/>
+          <a:lstStyle/>
+          <a:p>
+            <a:pPr lvl="0"/>
+            <a:r>
+              <a:rPr lang="en-US" dirty="0" smtClean="0"/>
+              <a:t>Logging</a:t>
+            </a:r>
+            <a:endParaRPr lang="en-US" dirty="0"/>
+          </a:p>
+        </p:txBody>
+      </p:sp>
+      <p:sp>
+        <p:nvSpPr>
+          <p:cNvPr id="5" name="TextBox 4"/>
+          <p:cNvSpPr txBox="1"/>
+          <p:nvPr/>
+        </p:nvSpPr>
+        <p:spPr>
+          <a:xfrm>
+            <a:off x="9906000" y="-1"/>
+            <a:ext cx="2286000" cy="2031325"/>
+          </a:xfrm>
+          <a:prstGeom prst="rect">
+            <a:avLst/>
+          </a:prstGeom>
+          <a:solidFill>
+            <a:srgbClr val="FFFF00"/>
+          </a:solidFill>
+          <a:ln>
+            <a:noFill/>
+          </a:ln>
+        </p:spPr>
+        <p:txBody>
+          <a:bodyPr wrap="square" rtlCol="0">
+            <a:spAutoFit/>
+          </a:bodyPr>
+          <a:lstStyle/>
+          <a:p>
+            <a:pPr algn="ctr"/>
+            <a:endParaRPr lang="en-US" dirty="0" smtClean="0"/>
+          </a:p>
+          <a:p>
+            <a:pPr algn="ctr"/>
+            <a:endParaRPr lang="en-US" dirty="0"/>
+          </a:p>
+          <a:p>
+            <a:pPr algn="ctr"/>
+            <a:r>
+              <a:rPr lang="en-US" dirty="0" smtClean="0"/>
+              <a:t>Please leave this area blank to allow for picture in picture recording</a:t>
+            </a:r>
+          </a:p>
+          <a:p>
+            <a:pPr algn="ctr"/>
+            <a:endParaRPr lang="en-US" dirty="0"/>
+          </a:p>
+        </p:txBody>
+      </p:sp>
+      <p:pic>
+        <p:nvPicPr>
+          <p:cNvPr id="4" name="Content Placeholder 3"/>
+          <p:cNvPicPr>
+            <a:picLocks noGrp="1" noChangeAspect="1"/>
+          </p:cNvPicPr>
+          <p:nvPr>
+            <p:ph sz="quarter" idx="10"/>
+          </p:nvPr>
+        </p:nvPicPr>
+        <p:blipFill>
+          <a:blip r:embed="rId3">
+            <a:extLst>
+              <a:ext uri="{28A0092B-C50C-407E-A947-70E740481C1C}">
+                <a14:useLocalDpi xmlns:a14="http://schemas.microsoft.com/office/drawing/2010/main" val="0"/>
+              </a:ext>
+            </a:extLst>
+          </a:blip>
+          <a:stretch>
+            <a:fillRect/>
+          </a:stretch>
+        </p:blipFill>
+        <p:spPr>
+          <a:xfrm>
+            <a:off x="3413040" y="1015661"/>
+            <a:ext cx="3007027" cy="5291138"/>
+          </a:xfrm>
+        </p:spPr>
+      </p:pic>
+    </p:spTree>
+    <p:extLst>
+      <p:ext uri="{BB962C8B-B14F-4D97-AF65-F5344CB8AC3E}">
+        <p14:creationId xmlns:p14="http://schemas.microsoft.com/office/powerpoint/2010/main" val="675875655"/>
+      </p:ext>
+    </p:extLst>
+  </p:cSld>
+  <p:clrMapOvr>
+    <a:masterClrMapping/>
+  </p:clrMapOvr>
+  <p:timing>
+    <p:tnLst>
+      <p:par>
+        <p:cTn id="1" dur="indefinite" restart="never" nodeType="tmRoot"/>
+      </p:par>
+    </p:tnLst>
+  </p:timing>
+</p:sld>
+</file>
+
+<file path=ppt/slides/slide6.xml><?xml version="1.0" encoding="utf-8"?>
+<p:sld xmlns:a="http://schemas.openxmlformats.org/drawingml/2006/main" xmlns:r="http://schemas.openxmlformats.org/officeDocument/2006/relationships" xmlns:p="http://schemas.openxmlformats.org/presentationml/2006/main">
+  <p:cSld>
+    <p:spTree>
+      <p:nvGrpSpPr>
+        <p:cNvPr id="1" name=""/>
+        <p:cNvGrpSpPr/>
+        <p:nvPr/>
+      </p:nvGrpSpPr>
+      <p:grpSpPr>
+        <a:xfrm>
+          <a:off x="0" y="0"/>
+          <a:ext cx="0" cy="0"/>
+          <a:chOff x="0" y="0"/>
+          <a:chExt cx="0" cy="0"/>
+        </a:xfrm>
+      </p:grpSpPr>
+      <p:sp>
+        <p:nvSpPr>
+          <p:cNvPr id="2" name="Title 1"/>
+          <p:cNvSpPr>
+            <a:spLocks noGrp="1"/>
+          </p:cNvSpPr>
+          <p:nvPr>
+            <p:ph type="title"/>
+          </p:nvPr>
+        </p:nvSpPr>
+        <p:spPr/>
+        <p:txBody>
+          <a:bodyPr/>
+          <a:lstStyle/>
+          <a:p>
+            <a:pPr lvl="0"/>
+            <a:r>
+              <a:rPr lang="en-US" dirty="0" smtClean="0"/>
+              <a:t>Logging</a:t>
+            </a:r>
+            <a:endParaRPr lang="en-US" dirty="0"/>
+          </a:p>
+        </p:txBody>
+      </p:sp>
+      <p:sp>
+        <p:nvSpPr>
+          <p:cNvPr id="5" name="TextBox 4"/>
+          <p:cNvSpPr txBox="1"/>
+          <p:nvPr/>
+        </p:nvSpPr>
+        <p:spPr>
+          <a:xfrm>
+            <a:off x="9906000" y="-1"/>
+            <a:ext cx="2286000" cy="2031325"/>
+          </a:xfrm>
+          <a:prstGeom prst="rect">
+            <a:avLst/>
+          </a:prstGeom>
+          <a:solidFill>
+            <a:srgbClr val="FFFF00"/>
+          </a:solidFill>
+          <a:ln>
+            <a:noFill/>
+          </a:ln>
+        </p:spPr>
+        <p:txBody>
+          <a:bodyPr wrap="square" rtlCol="0">
+            <a:spAutoFit/>
+          </a:bodyPr>
+          <a:lstStyle/>
+          <a:p>
+            <a:pPr algn="ctr"/>
+            <a:endParaRPr lang="en-US" dirty="0" smtClean="0"/>
+          </a:p>
+          <a:p>
+            <a:pPr algn="ctr"/>
+            <a:endParaRPr lang="en-US" dirty="0"/>
+          </a:p>
+          <a:p>
+            <a:pPr algn="ctr"/>
+            <a:r>
+              <a:rPr lang="en-US" dirty="0" smtClean="0"/>
+              <a:t>Please leave this area blank to allow for picture in picture recording</a:t>
+            </a:r>
+          </a:p>
+          <a:p>
+            <a:pPr algn="ctr"/>
+            <a:endParaRPr lang="en-US" dirty="0"/>
+          </a:p>
+        </p:txBody>
+      </p:sp>
+      <p:pic>
+        <p:nvPicPr>
+          <p:cNvPr id="4" name="Content Placeholder 3"/>
+          <p:cNvPicPr>
+            <a:picLocks noGrp="1" noChangeAspect="1"/>
+          </p:cNvPicPr>
+          <p:nvPr>
+            <p:ph sz="quarter" idx="10"/>
+          </p:nvPr>
+        </p:nvPicPr>
+        <p:blipFill>
+          <a:blip r:embed="rId3">
+            <a:extLst>
+              <a:ext uri="{28A0092B-C50C-407E-A947-70E740481C1C}">
+                <a14:useLocalDpi xmlns:a14="http://schemas.microsoft.com/office/drawing/2010/main" val="0"/>
+              </a:ext>
+            </a:extLst>
+          </a:blip>
+          <a:stretch>
+            <a:fillRect/>
+          </a:stretch>
+        </p:blipFill>
+        <p:spPr>
+          <a:xfrm>
+            <a:off x="3413040" y="1015661"/>
+            <a:ext cx="3007027" cy="5291138"/>
+          </a:xfrm>
+        </p:spPr>
+      </p:pic>
+      <p:sp>
+        <p:nvSpPr>
+          <p:cNvPr id="3" name="Lightning Bolt 2"/>
+          <p:cNvSpPr/>
+          <p:nvPr/>
+        </p:nvSpPr>
+        <p:spPr>
+          <a:xfrm>
+            <a:off x="5476973" y="1245702"/>
+            <a:ext cx="914400" cy="914400"/>
+          </a:xfrm>
+          <a:prstGeom prst="lightningBolt">
+            <a:avLst/>
+          </a:prstGeom>
+          <a:solidFill>
+            <a:srgbClr val="FFFF00"/>
+          </a:solidFill>
+        </p:spPr>
+        <p:style>
+          <a:lnRef idx="2">
+            <a:schemeClr val="accent1">
+              <a:shade val="50000"/>
+            </a:schemeClr>
+          </a:lnRef>
+          <a:fillRef idx="1">
+            <a:schemeClr val="accent1"/>
+          </a:fillRef>
+          <a:effectRef idx="0">
+            <a:schemeClr val="accent1"/>
+          </a:effectRef>
+          <a:fontRef idx="minor">
+            <a:schemeClr val="lt1"/>
+          </a:fontRef>
+        </p:style>
+        <p:txBody>
+          <a:bodyPr rtlCol="0" anchor="ctr"/>
+          <a:lstStyle/>
+          <a:p>
+            <a:pPr algn="ctr"/>
+            <a:endParaRPr lang="en-US"/>
+          </a:p>
+        </p:txBody>
+      </p:sp>
+      <p:sp>
+        <p:nvSpPr>
+          <p:cNvPr id="6" name="Lightning Bolt 5"/>
+          <p:cNvSpPr/>
+          <p:nvPr/>
+        </p:nvSpPr>
+        <p:spPr>
+          <a:xfrm>
+            <a:off x="5476973" y="3113780"/>
+            <a:ext cx="914400" cy="914400"/>
+          </a:xfrm>
+          <a:prstGeom prst="lightningBolt">
+            <a:avLst/>
+          </a:prstGeom>
+          <a:solidFill>
+            <a:srgbClr val="FFFF00"/>
+          </a:solidFill>
+        </p:spPr>
+        <p:style>
+          <a:lnRef idx="2">
+            <a:schemeClr val="accent1">
+              <a:shade val="50000"/>
+            </a:schemeClr>
+          </a:lnRef>
+          <a:fillRef idx="1">
+            <a:schemeClr val="accent1"/>
+          </a:fillRef>
+          <a:effectRef idx="0">
+            <a:schemeClr val="accent1"/>
+          </a:effectRef>
+          <a:fontRef idx="minor">
+            <a:schemeClr val="lt1"/>
+          </a:fontRef>
+        </p:style>
+        <p:txBody>
+          <a:bodyPr rtlCol="0" anchor="ctr"/>
+          <a:lstStyle/>
+          <a:p>
+            <a:pPr algn="ctr"/>
+            <a:endParaRPr lang="en-US" b="1" dirty="0"/>
+          </a:p>
+        </p:txBody>
+      </p:sp>
+      <p:sp>
+        <p:nvSpPr>
+          <p:cNvPr id="7" name="Lightning Bolt 6"/>
+          <p:cNvSpPr/>
+          <p:nvPr/>
+        </p:nvSpPr>
+        <p:spPr>
+          <a:xfrm>
+            <a:off x="5384276" y="4866788"/>
+            <a:ext cx="914400" cy="914400"/>
+          </a:xfrm>
+          <a:prstGeom prst="lightningBolt">
+            <a:avLst/>
+          </a:prstGeom>
+          <a:solidFill>
+            <a:srgbClr val="FFFF00"/>
+          </a:solidFill>
+        </p:spPr>
+        <p:style>
+          <a:lnRef idx="2">
+            <a:schemeClr val="accent1">
+              <a:shade val="50000"/>
+            </a:schemeClr>
+          </a:lnRef>
+          <a:fillRef idx="1">
+            <a:schemeClr val="accent1"/>
+          </a:fillRef>
+          <a:effectRef idx="0">
+            <a:schemeClr val="accent1"/>
+          </a:effectRef>
+          <a:fontRef idx="minor">
+            <a:schemeClr val="lt1"/>
+          </a:fontRef>
+        </p:style>
+        <p:txBody>
+          <a:bodyPr rtlCol="0" anchor="ctr"/>
+          <a:lstStyle/>
+          <a:p>
+            <a:pPr algn="ctr"/>
+            <a:endParaRPr lang="en-US"/>
+          </a:p>
+        </p:txBody>
+      </p:sp>
+      <p:sp>
+        <p:nvSpPr>
+          <p:cNvPr id="8" name="TextBox 7"/>
+          <p:cNvSpPr txBox="1"/>
+          <p:nvPr/>
+        </p:nvSpPr>
+        <p:spPr>
+          <a:xfrm>
+            <a:off x="6598763" y="1657183"/>
+            <a:ext cx="820132" cy="369332"/>
+          </a:xfrm>
+          <a:prstGeom prst="rect">
+            <a:avLst/>
+          </a:prstGeom>
+          <a:noFill/>
+        </p:spPr>
+        <p:txBody>
+          <a:bodyPr wrap="square" rtlCol="0">
+            <a:spAutoFit/>
+          </a:bodyPr>
+          <a:lstStyle/>
+          <a:p>
+            <a:r>
+              <a:rPr lang="en-US" dirty="0" smtClean="0"/>
+              <a:t>JSON</a:t>
+            </a:r>
+            <a:endParaRPr lang="en-US" dirty="0"/>
+          </a:p>
+        </p:txBody>
+      </p:sp>
+      <p:sp>
+        <p:nvSpPr>
+          <p:cNvPr id="9" name="TextBox 8"/>
+          <p:cNvSpPr txBox="1"/>
+          <p:nvPr/>
+        </p:nvSpPr>
+        <p:spPr>
+          <a:xfrm>
+            <a:off x="6598763" y="5325352"/>
+            <a:ext cx="820132" cy="369332"/>
+          </a:xfrm>
+          <a:prstGeom prst="rect">
+            <a:avLst/>
+          </a:prstGeom>
+          <a:noFill/>
+        </p:spPr>
+        <p:txBody>
+          <a:bodyPr wrap="square" rtlCol="0">
+            <a:spAutoFit/>
+          </a:bodyPr>
+          <a:lstStyle/>
+          <a:p>
+            <a:r>
+              <a:rPr lang="en-US" dirty="0" smtClean="0"/>
+              <a:t>IIS</a:t>
+            </a:r>
+            <a:endParaRPr lang="en-US" dirty="0"/>
+          </a:p>
+        </p:txBody>
+      </p:sp>
+      <p:sp>
+        <p:nvSpPr>
+          <p:cNvPr id="10" name="TextBox 9"/>
+          <p:cNvSpPr txBox="1"/>
+          <p:nvPr/>
+        </p:nvSpPr>
+        <p:spPr>
+          <a:xfrm>
+            <a:off x="6598762" y="3476564"/>
+            <a:ext cx="933253" cy="369332"/>
+          </a:xfrm>
+          <a:prstGeom prst="rect">
+            <a:avLst/>
+          </a:prstGeom>
+          <a:noFill/>
+        </p:spPr>
+        <p:txBody>
+          <a:bodyPr wrap="square" rtlCol="0">
+            <a:spAutoFit/>
+          </a:bodyPr>
+          <a:lstStyle/>
+          <a:p>
+            <a:r>
+              <a:rPr lang="en-US" dirty="0" smtClean="0"/>
+              <a:t>Flat file</a:t>
+            </a:r>
+            <a:endParaRPr lang="en-US" dirty="0"/>
+          </a:p>
+        </p:txBody>
+      </p:sp>
+    </p:spTree>
+    <p:extLst>
+      <p:ext uri="{BB962C8B-B14F-4D97-AF65-F5344CB8AC3E}">
+        <p14:creationId xmlns:p14="http://schemas.microsoft.com/office/powerpoint/2010/main" val="2388221992"/>
+      </p:ext>
+    </p:extLst>
+  </p:cSld>
+  <p:clrMapOvr>
+    <a:masterClrMapping/>
+  </p:clrMapOvr>
+  <p:timing>
+    <p:tnLst>
+      <p:par>
+        <p:cTn id="1" dur="indefinite" restart="never" nodeType="tmRoot"/>
+      </p:par>
+    </p:tnLst>
+  </p:timing>
+</p:sld>
+</file>
+
+<file path=ppt/slides/slide7.xml><?xml version="1.0" encoding="utf-8"?>
+<p:sld xmlns:a="http://schemas.openxmlformats.org/drawingml/2006/main" xmlns:r="http://schemas.openxmlformats.org/officeDocument/2006/relationships" xmlns:p="http://schemas.openxmlformats.org/presentationml/2006/main">
+  <p:cSld>
+    <p:spTree>
+      <p:nvGrpSpPr>
+        <p:cNvPr id="1" name=""/>
+        <p:cNvGrpSpPr/>
+        <p:nvPr/>
+      </p:nvGrpSpPr>
+      <p:grpSpPr>
+        <a:xfrm>
+          <a:off x="0" y="0"/>
+          <a:ext cx="0" cy="0"/>
+          <a:chOff x="0" y="0"/>
+          <a:chExt cx="0" cy="0"/>
+        </a:xfrm>
+      </p:grpSpPr>
+      <p:sp>
+        <p:nvSpPr>
+          <p:cNvPr id="2" name="Title 1"/>
+          <p:cNvSpPr>
+            <a:spLocks noGrp="1"/>
+          </p:cNvSpPr>
+          <p:nvPr>
+            <p:ph type="title"/>
+          </p:nvPr>
+        </p:nvSpPr>
+        <p:spPr/>
+        <p:txBody>
+          <a:bodyPr/>
+          <a:lstStyle/>
+          <a:p>
+            <a:pPr lvl="0"/>
+            <a:r>
+              <a:rPr lang="en-US" dirty="0" smtClean="0"/>
+              <a:t>Logging</a:t>
+            </a:r>
+            <a:endParaRPr lang="en-US" dirty="0"/>
+          </a:p>
+        </p:txBody>
+      </p:sp>
+      <p:sp>
+        <p:nvSpPr>
+          <p:cNvPr id="5" name="TextBox 4"/>
+          <p:cNvSpPr txBox="1"/>
+          <p:nvPr/>
+        </p:nvSpPr>
+        <p:spPr>
+          <a:xfrm>
+            <a:off x="9906000" y="-1"/>
+            <a:ext cx="2286000" cy="2031325"/>
+          </a:xfrm>
+          <a:prstGeom prst="rect">
+            <a:avLst/>
+          </a:prstGeom>
+          <a:solidFill>
+            <a:srgbClr val="FFFF00"/>
+          </a:solidFill>
+          <a:ln>
+            <a:noFill/>
+          </a:ln>
+        </p:spPr>
+        <p:txBody>
+          <a:bodyPr wrap="square" rtlCol="0">
+            <a:spAutoFit/>
+          </a:bodyPr>
+          <a:lstStyle/>
+          <a:p>
+            <a:pPr algn="ctr"/>
+            <a:endParaRPr lang="en-US" dirty="0" smtClean="0"/>
+          </a:p>
+          <a:p>
+            <a:pPr algn="ctr"/>
+            <a:endParaRPr lang="en-US" dirty="0"/>
+          </a:p>
+          <a:p>
+            <a:pPr algn="ctr"/>
+            <a:r>
+              <a:rPr lang="en-US" dirty="0" smtClean="0"/>
+              <a:t>Please leave this area blank to allow for picture in picture recording</a:t>
+            </a:r>
+          </a:p>
+          <a:p>
+            <a:pPr algn="ctr"/>
+            <a:endParaRPr lang="en-US" dirty="0"/>
+          </a:p>
+        </p:txBody>
+      </p:sp>
+      <p:pic>
+        <p:nvPicPr>
+          <p:cNvPr id="4" name="Content Placeholder 3"/>
+          <p:cNvPicPr>
+            <a:picLocks noGrp="1" noChangeAspect="1"/>
+          </p:cNvPicPr>
+          <p:nvPr>
+            <p:ph sz="quarter" idx="10"/>
+          </p:nvPr>
+        </p:nvPicPr>
+        <p:blipFill>
+          <a:blip r:embed="rId3">
+            <a:extLst>
+              <a:ext uri="{28A0092B-C50C-407E-A947-70E740481C1C}">
+                <a14:useLocalDpi xmlns:a14="http://schemas.microsoft.com/office/drawing/2010/main" val="0"/>
+              </a:ext>
+            </a:extLst>
+          </a:blip>
+          <a:stretch>
+            <a:fillRect/>
+          </a:stretch>
+        </p:blipFill>
+        <p:spPr>
+          <a:xfrm>
+            <a:off x="3410712" y="1014984"/>
+            <a:ext cx="5209729" cy="5294376"/>
+          </a:xfrm>
+        </p:spPr>
+      </p:pic>
+    </p:spTree>
+    <p:extLst>
+      <p:ext uri="{BB962C8B-B14F-4D97-AF65-F5344CB8AC3E}">
+        <p14:creationId xmlns:p14="http://schemas.microsoft.com/office/powerpoint/2010/main" val="2333749997"/>
+      </p:ext>
+    </p:extLst>
+  </p:cSld>
+  <p:clrMapOvr>
+    <a:masterClrMapping/>
+  </p:clrMapOvr>
+  <p:timing>
+    <p:tnLst>
+      <p:par>
+        <p:cTn id="1" dur="indefinite" restart="never" nodeType="tmRoot"/>
+      </p:par>
+    </p:tnLst>
+  </p:timing>
+</p:sld>
+</file>
+
+<file path=ppt/slides/slide8.xml><?xml version="1.0" encoding="utf-8"?>
+<p:sld xmlns:a="http://schemas.openxmlformats.org/drawingml/2006/main" xmlns:r="http://schemas.openxmlformats.org/officeDocument/2006/relationships" xmlns:p="http://schemas.openxmlformats.org/presentationml/2006/main">
+  <p:cSld>
+    <p:spTree>
+      <p:nvGrpSpPr>
+        <p:cNvPr id="1" name=""/>
+        <p:cNvGrpSpPr/>
+        <p:nvPr/>
+      </p:nvGrpSpPr>
+      <p:grpSpPr>
+        <a:xfrm>
+          <a:off x="0" y="0"/>
+          <a:ext cx="0" cy="0"/>
+          <a:chOff x="0" y="0"/>
+          <a:chExt cx="0" cy="0"/>
+        </a:xfrm>
+      </p:grpSpPr>
+      <p:sp>
+        <p:nvSpPr>
+          <p:cNvPr id="2" name="Title 1"/>
+          <p:cNvSpPr>
+            <a:spLocks noGrp="1"/>
+          </p:cNvSpPr>
+          <p:nvPr>
+            <p:ph type="title"/>
+          </p:nvPr>
+        </p:nvSpPr>
+        <p:spPr/>
+        <p:txBody>
+          <a:bodyPr/>
+          <a:lstStyle/>
+          <a:p>
+            <a:pPr lvl="0"/>
+            <a:r>
+              <a:rPr lang="en-US" dirty="0" smtClean="0"/>
+              <a:t>Logging</a:t>
+            </a:r>
+            <a:endParaRPr lang="en-US" dirty="0"/>
+          </a:p>
+        </p:txBody>
+      </p:sp>
+      <p:sp>
+        <p:nvSpPr>
+          <p:cNvPr id="5" name="TextBox 4"/>
+          <p:cNvSpPr txBox="1"/>
+          <p:nvPr/>
+        </p:nvSpPr>
+        <p:spPr>
+          <a:xfrm>
+            <a:off x="9906000" y="-1"/>
+            <a:ext cx="2286000" cy="2031325"/>
+          </a:xfrm>
+          <a:prstGeom prst="rect">
+            <a:avLst/>
+          </a:prstGeom>
+          <a:solidFill>
+            <a:srgbClr val="FFFF00"/>
+          </a:solidFill>
+          <a:ln>
+            <a:noFill/>
+          </a:ln>
+        </p:spPr>
+        <p:txBody>
+          <a:bodyPr wrap="square" rtlCol="0">
+            <a:spAutoFit/>
+          </a:bodyPr>
+          <a:lstStyle/>
+          <a:p>
+            <a:pPr algn="ctr"/>
+            <a:endParaRPr lang="en-US" dirty="0" smtClean="0"/>
+          </a:p>
+          <a:p>
+            <a:pPr algn="ctr"/>
+            <a:endParaRPr lang="en-US" dirty="0"/>
+          </a:p>
+          <a:p>
+            <a:pPr algn="ctr"/>
+            <a:r>
+              <a:rPr lang="en-US" dirty="0" smtClean="0"/>
+              <a:t>Please leave this area blank to allow for picture in picture recording</a:t>
+            </a:r>
+          </a:p>
+          <a:p>
+            <a:pPr algn="ctr"/>
+            <a:endParaRPr lang="en-US" dirty="0"/>
+          </a:p>
+        </p:txBody>
+      </p:sp>
+      <p:pic>
+        <p:nvPicPr>
+          <p:cNvPr id="4" name="Content Placeholder 3"/>
+          <p:cNvPicPr>
+            <a:picLocks noGrp="1" noChangeAspect="1"/>
+          </p:cNvPicPr>
+          <p:nvPr>
+            <p:ph sz="quarter" idx="10"/>
+          </p:nvPr>
+        </p:nvPicPr>
+        <p:blipFill>
+          <a:blip r:embed="rId3">
+            <a:extLst>
+              <a:ext uri="{28A0092B-C50C-407E-A947-70E740481C1C}">
+                <a14:useLocalDpi xmlns:a14="http://schemas.microsoft.com/office/drawing/2010/main" val="0"/>
+              </a:ext>
+            </a:extLst>
+          </a:blip>
+          <a:stretch>
+            <a:fillRect/>
+          </a:stretch>
+        </p:blipFill>
+        <p:spPr>
+          <a:xfrm>
+            <a:off x="3410712" y="1014984"/>
+            <a:ext cx="6464064" cy="5294376"/>
+          </a:xfrm>
+        </p:spPr>
+      </p:pic>
+    </p:spTree>
+    <p:extLst>
+      <p:ext uri="{BB962C8B-B14F-4D97-AF65-F5344CB8AC3E}">
+        <p14:creationId xmlns:p14="http://schemas.microsoft.com/office/powerpoint/2010/main" val="4059480197"/>
+      </p:ext>
+    </p:extLst>
+  </p:cSld>
+  <p:clrMapOvr>
+    <a:masterClrMapping/>
+  </p:clrMapOvr>
+  <p:timing>
+    <p:tnLst>
+      <p:par>
+        <p:cTn id="1" dur="indefinite" restart="never" nodeType="tmRoot"/>
+      </p:par>
+    </p:tnLst>
+  </p:timing>
+</p:sld>
+</file>
+
+<file path=ppt/slides/slide9.xml><?xml version="1.0" encoding="utf-8"?>
+<p:sld xmlns:a="http://schemas.openxmlformats.org/drawingml/2006/main" xmlns:r="http://schemas.openxmlformats.org/officeDocument/2006/relationships" xmlns:p="http://schemas.openxmlformats.org/presentationml/2006/main">
+  <p:cSld>
+    <p:spTree>
+      <p:nvGrpSpPr>
+        <p:cNvPr id="1" name=""/>
+        <p:cNvGrpSpPr/>
+        <p:nvPr/>
+      </p:nvGrpSpPr>
+      <p:grpSpPr>
+        <a:xfrm>
+          <a:off x="0" y="0"/>
+          <a:ext cx="0" cy="0"/>
+          <a:chOff x="0" y="0"/>
+          <a:chExt cx="0" cy="0"/>
+        </a:xfrm>
+      </p:grpSpPr>
+      <p:sp>
+        <p:nvSpPr>
+          <p:cNvPr id="2" name="Title 1"/>
+          <p:cNvSpPr>
+            <a:spLocks noGrp="1"/>
+          </p:cNvSpPr>
+          <p:nvPr>
+            <p:ph type="title"/>
+          </p:nvPr>
+        </p:nvSpPr>
+        <p:spPr/>
+        <p:txBody>
+          <a:bodyPr/>
+          <a:lstStyle/>
+          <a:p>
+            <a:pPr lvl="0"/>
+            <a:r>
+              <a:rPr lang="en-US" dirty="0" smtClean="0"/>
+              <a:t>Logging</a:t>
+            </a:r>
+            <a:endParaRPr lang="en-US" dirty="0"/>
+          </a:p>
+        </p:txBody>
+      </p:sp>
+      <p:sp>
+        <p:nvSpPr>
+          <p:cNvPr id="5" name="TextBox 4"/>
+          <p:cNvSpPr txBox="1"/>
+          <p:nvPr/>
+        </p:nvSpPr>
+        <p:spPr>
+          <a:xfrm>
+            <a:off x="9906000" y="-1"/>
+            <a:ext cx="2286000" cy="2031325"/>
+          </a:xfrm>
+          <a:prstGeom prst="rect">
+            <a:avLst/>
+          </a:prstGeom>
+          <a:solidFill>
+            <a:srgbClr val="FFFF00"/>
+          </a:solidFill>
+          <a:ln>
+            <a:noFill/>
+          </a:ln>
+        </p:spPr>
+        <p:txBody>
+          <a:bodyPr wrap="square" rtlCol="0">
+            <a:spAutoFit/>
+          </a:bodyPr>
+          <a:lstStyle/>
+          <a:p>
+            <a:pPr algn="ctr"/>
+            <a:endParaRPr lang="en-US" dirty="0" smtClean="0"/>
+          </a:p>
+          <a:p>
+            <a:pPr algn="ctr"/>
+            <a:endParaRPr lang="en-US" dirty="0"/>
+          </a:p>
+          <a:p>
+            <a:pPr algn="ctr"/>
+            <a:r>
+              <a:rPr lang="en-US" dirty="0" smtClean="0"/>
+              <a:t>Please leave this area blank to allow for picture in picture recording</a:t>
+            </a:r>
+          </a:p>
+          <a:p>
+            <a:pPr algn="ctr"/>
+            <a:endParaRPr lang="en-US" dirty="0"/>
+          </a:p>
+        </p:txBody>
+      </p:sp>
+      <p:pic>
+        <p:nvPicPr>
+          <p:cNvPr id="6" name="Content Placeholder 5"/>
+          <p:cNvPicPr>
+            <a:picLocks noGrp="1" noChangeAspect="1"/>
+          </p:cNvPicPr>
+          <p:nvPr>
+            <p:ph sz="quarter" idx="10"/>
+          </p:nvPr>
+        </p:nvPicPr>
+        <p:blipFill>
+          <a:blip r:embed="rId3">
+            <a:extLst>
+              <a:ext uri="{28A0092B-C50C-407E-A947-70E740481C1C}">
+                <a14:useLocalDpi xmlns:a14="http://schemas.microsoft.com/office/drawing/2010/main" val="0"/>
+              </a:ext>
+            </a:extLst>
+          </a:blip>
+          <a:stretch>
+            <a:fillRect/>
+          </a:stretch>
+        </p:blipFill>
+        <p:spPr>
+          <a:xfrm>
+            <a:off x="1949869" y="1015661"/>
+            <a:ext cx="7956131" cy="5291138"/>
+          </a:xfrm>
+        </p:spPr>
+      </p:pic>
+      <p:sp>
+        <p:nvSpPr>
+          <p:cNvPr id="8" name="Rectangle 7"/>
+          <p:cNvSpPr/>
+          <p:nvPr/>
+        </p:nvSpPr>
+        <p:spPr>
+          <a:xfrm>
+            <a:off x="9476192" y="6627168"/>
+            <a:ext cx="2715808" cy="230832"/>
+          </a:xfrm>
+          <a:prstGeom prst="rect">
+            <a:avLst/>
+          </a:prstGeom>
+        </p:spPr>
+        <p:txBody>
+          <a:bodyPr wrap="none">
+            <a:spAutoFit/>
+          </a:bodyPr>
+          <a:lstStyle/>
+          <a:p>
+            <a:r>
+              <a:rPr lang="en-US" sz="900" dirty="0"/>
+              <a:t>https://www.flickr.com/photos/saneboy/3617855124</a:t>
+            </a:r>
+          </a:p>
+        </p:txBody>
+      </p:sp>
+    </p:spTree>
+    <p:extLst>
+      <p:ext uri="{BB962C8B-B14F-4D97-AF65-F5344CB8AC3E}">
+        <p14:creationId xmlns:p14="http://schemas.microsoft.com/office/powerpoint/2010/main" val="488398330"/>
       </p:ext>
     </p:extLst>
   </p:cSld>
@@ -4386,7 +10264,7 @@
     </a:clrScheme>
     <a:fontScheme name="Office">
       <a:majorFont>
-        <a:latin typeface="Calibri Light" panose="020F0302020204030204"/>
+        <a:latin typeface="Calibri Light"/>
         <a:ea typeface=""/>
         <a:cs typeface=""/>
         <a:font script="Jpan" typeface="ＭＳ Ｐゴシック"/>
@@ -4421,7 +10299,7 @@
         <a:font script="Geor" typeface="Sylfaen"/>
       </a:majorFont>
       <a:minorFont>
-        <a:latin typeface="Calibri" panose="020F0502020204030204"/>
+        <a:latin typeface="Calibri"/>
         <a:ea typeface=""/>
         <a:cs typeface=""/>
         <a:font script="Jpan" typeface="ＭＳ Ｐゴシック"/>
@@ -4647,7 +10525,7 @@
     </a:clrScheme>
     <a:fontScheme name="Office">
       <a:majorFont>
-        <a:latin typeface="Calibri Light" panose="020F0302020204030204"/>
+        <a:latin typeface="Calibri Light"/>
         <a:ea typeface=""/>
         <a:cs typeface=""/>
         <a:font script="Jpan" typeface="ＭＳ Ｐゴシック"/>
@@ -4682,7 +10560,7 @@
         <a:font script="Geor" typeface="Sylfaen"/>
       </a:majorFont>
       <a:minorFont>
-        <a:latin typeface="Calibri" panose="020F0502020204030204"/>
+        <a:latin typeface="Calibri"/>
         <a:ea typeface=""/>
         <a:cs typeface=""/>
         <a:font script="Jpan" typeface="ＭＳ Ｐゴシック"/>
@@ -4866,6 +10744,49 @@
 </file>
 
 <file path=customXml/item1.xml><?xml version="1.0" encoding="utf-8"?>
+<p:properties xmlns:p="http://schemas.microsoft.com/office/2006/metadata/properties" xmlns:xsi="http://www.w3.org/2001/XMLSchema-instance" xmlns:pc="http://schemas.microsoft.com/office/infopath/2007/PartnerControls">
+  <documentManagement>
+    <TaxCatchAll xmlns="230e9df3-be65-4c73-a93b-d1236ebd677e"/>
+    <PublishingExpirationDate xmlns="http://schemas.microsoft.com/sharepoint/v3" xsi:nil="true"/>
+    <PublishingStartDate xmlns="http://schemas.microsoft.com/sharepoint/v3" xsi:nil="true"/>
+    <TaxKeywordTaxHTField xmlns="230e9df3-be65-4c73-a93b-d1236ebd677e">
+      <Terms xmlns="http://schemas.microsoft.com/office/infopath/2007/PartnerControls"/>
+    </TaxKeywordTaxHTField>
+    <SharedWithUsers xmlns="27aa9422-7f1f-4c84-9cdf-302b1a67e513">
+      <UserInfo>
+        <DisplayName>Shriram Natarajan (SHRI)</DisplayName>
+        <AccountId>3899</AccountId>
+        <AccountType/>
+      </UserInfo>
+      <UserInfo>
+        <DisplayName>Andrew Nickels</DisplayName>
+        <AccountId>24014</AccountId>
+        <AccountType/>
+      </UserInfo>
+      <UserInfo>
+        <DisplayName>Steven Goddard (WSSC)</DisplayName>
+        <AccountId>29711</AccountId>
+        <AccountType/>
+      </UserInfo>
+      <UserInfo>
+        <DisplayName>Jim Clark (LEARNING)</DisplayName>
+        <AccountId>86</AccountId>
+        <AccountType/>
+      </UserInfo>
+      <UserInfo>
+        <DisplayName>Vijay Kumar</DisplayName>
+        <AccountId>53758</AccountId>
+        <AccountType/>
+      </UserInfo>
+    </SharedWithUsers>
+    <SharingHintHash xmlns="27aa9422-7f1f-4c84-9cdf-302b1a67e513">1366665793</SharingHintHash>
+    <_ip_UnifiedCompliancePolicyUIAction xmlns="http://schemas.microsoft.com/sharepoint/v3" xsi:nil="true"/>
+    <_ip_UnifiedCompliancePolicyProperties xmlns="http://schemas.microsoft.com/sharepoint/v3" xsi:nil="true"/>
+  </documentManagement>
+</p:properties>
+</file>
+
+<file path=customXml/item2.xml><?xml version="1.0" encoding="utf-8"?>
 <?mso-contentType ?>
 <FormTemplates xmlns="http://schemas.microsoft.com/sharepoint/v3/contenttype/forms">
   <Display>DocumentLibraryForm</Display>
@@ -4874,7 +10795,7 @@
 </FormTemplates>
 </file>
 
-<file path=customXml/item2.xml><?xml version="1.0" encoding="utf-8"?>
+<file path=customXml/item3.xml><?xml version="1.0" encoding="utf-8"?>
 <ct:contentTypeSchema xmlns:ct="http://schemas.microsoft.com/office/2006/metadata/contentType" xmlns:ma="http://schemas.microsoft.com/office/2006/metadata/properties/metaAttributes" ct:_="" ma:_="" ma:contentTypeName="Document" ma:contentTypeID="0x010100496889825850D44592AC5D2F43187AE4" ma:contentTypeVersion="9" ma:contentTypeDescription="Create a new document." ma:contentTypeScope="" ma:versionID="fa7e7aa81c9af57d0e724452ff5695cd">
   <xsd:schema xmlns:xsd="http://www.w3.org/2001/XMLSchema" xmlns:xs="http://www.w3.org/2001/XMLSchema" xmlns:p="http://schemas.microsoft.com/office/2006/metadata/properties" xmlns:ns1="http://schemas.microsoft.com/sharepoint/v3" xmlns:ns2="230e9df3-be65-4c73-a93b-d1236ebd677e" xmlns:ns3="27aa9422-7f1f-4c84-9cdf-302b1a67e513" targetNamespace="http://schemas.microsoft.com/office/2006/metadata/properties" ma:root="true" ma:fieldsID="ef7d28e69d816f0a5e355ee49f463c96" ns1:_="" ns2:_="" ns3:_="">
     <xsd:import namespace="http://schemas.microsoft.com/sharepoint/v3"/>
@@ -5082,50 +11003,25 @@
 </ct:contentTypeSchema>
 </file>
 
-<file path=customXml/item3.xml><?xml version="1.0" encoding="utf-8"?>
-<p:properties xmlns:p="http://schemas.microsoft.com/office/2006/metadata/properties" xmlns:xsi="http://www.w3.org/2001/XMLSchema-instance" xmlns:pc="http://schemas.microsoft.com/office/infopath/2007/PartnerControls">
-  <documentManagement>
-    <TaxCatchAll xmlns="230e9df3-be65-4c73-a93b-d1236ebd677e"/>
-    <PublishingExpirationDate xmlns="http://schemas.microsoft.com/sharepoint/v3" xsi:nil="true"/>
-    <PublishingStartDate xmlns="http://schemas.microsoft.com/sharepoint/v3" xsi:nil="true"/>
-    <TaxKeywordTaxHTField xmlns="230e9df3-be65-4c73-a93b-d1236ebd677e">
-      <Terms xmlns="http://schemas.microsoft.com/office/infopath/2007/PartnerControls"/>
-    </TaxKeywordTaxHTField>
-    <SharedWithUsers xmlns="27aa9422-7f1f-4c84-9cdf-302b1a67e513">
-      <UserInfo>
-        <DisplayName>Shriram Natarajan (SHRI)</DisplayName>
-        <AccountId>3899</AccountId>
-        <AccountType/>
-      </UserInfo>
-      <UserInfo>
-        <DisplayName>Andrew Nickels</DisplayName>
-        <AccountId>24014</AccountId>
-        <AccountType/>
-      </UserInfo>
-      <UserInfo>
-        <DisplayName>Steven Goddard (WSSC)</DisplayName>
-        <AccountId>29711</AccountId>
-        <AccountType/>
-      </UserInfo>
-      <UserInfo>
-        <DisplayName>Jim Clark (LEARNING)</DisplayName>
-        <AccountId>86</AccountId>
-        <AccountType/>
-      </UserInfo>
-      <UserInfo>
-        <DisplayName>Vijay Kumar</DisplayName>
-        <AccountId>53758</AccountId>
-        <AccountType/>
-      </UserInfo>
-    </SharedWithUsers>
-    <SharingHintHash xmlns="27aa9422-7f1f-4c84-9cdf-302b1a67e513">1366665793</SharingHintHash>
-    <_ip_UnifiedCompliancePolicyUIAction xmlns="http://schemas.microsoft.com/sharepoint/v3" xsi:nil="true"/>
-    <_ip_UnifiedCompliancePolicyProperties xmlns="http://schemas.microsoft.com/sharepoint/v3" xsi:nil="true"/>
-  </documentManagement>
-</p:properties>
+<file path=customXml/itemProps1.xml><?xml version="1.0" encoding="utf-8"?>
+<ds:datastoreItem xmlns:ds="http://schemas.openxmlformats.org/officeDocument/2006/customXml" ds:itemID="{7025FDD9-4C58-4084-9F89-0E6ADD6FFF55}">
+  <ds:schemaRefs>
+    <ds:schemaRef ds:uri="http://schemas.microsoft.com/office/infopath/2007/PartnerControls"/>
+    <ds:schemaRef ds:uri="27aa9422-7f1f-4c84-9cdf-302b1a67e513"/>
+    <ds:schemaRef ds:uri="http://purl.org/dc/terms/"/>
+    <ds:schemaRef ds:uri="http://schemas.microsoft.com/office/2006/documentManagement/types"/>
+    <ds:schemaRef ds:uri="http://schemas.microsoft.com/sharepoint/v3"/>
+    <ds:schemaRef ds:uri="230e9df3-be65-4c73-a93b-d1236ebd677e"/>
+    <ds:schemaRef ds:uri="http://purl.org/dc/elements/1.1/"/>
+    <ds:schemaRef ds:uri="http://schemas.microsoft.com/office/2006/metadata/properties"/>
+    <ds:schemaRef ds:uri="http://schemas.openxmlformats.org/package/2006/metadata/core-properties"/>
+    <ds:schemaRef ds:uri="http://www.w3.org/XML/1998/namespace"/>
+    <ds:schemaRef ds:uri="http://purl.org/dc/dcmitype/"/>
+  </ds:schemaRefs>
+</ds:datastoreItem>
 </file>
 
-<file path=customXml/itemProps1.xml><?xml version="1.0" encoding="utf-8"?>
+<file path=customXml/itemProps2.xml><?xml version="1.0" encoding="utf-8"?>
 <ds:datastoreItem xmlns:ds="http://schemas.openxmlformats.org/officeDocument/2006/customXml" ds:itemID="{B0CA13EC-1D3C-4D6F-8D1C-E8A452CFC79A}">
   <ds:schemaRefs>
     <ds:schemaRef ds:uri="http://schemas.microsoft.com/sharepoint/v3/contenttype/forms"/>
@@ -5133,7 +11029,7 @@
 </ds:datastoreItem>
 </file>
 
-<file path=customXml/itemProps2.xml><?xml version="1.0" encoding="utf-8"?>
+<file path=customXml/itemProps3.xml><?xml version="1.0" encoding="utf-8"?>
 <ds:datastoreItem xmlns:ds="http://schemas.openxmlformats.org/officeDocument/2006/customXml" ds:itemID="{B8E57EAE-DEC5-48ED-98EA-03E186D6E9F9}">
   <ds:schemaRefs>
     <ds:schemaRef ds:uri="http://schemas.microsoft.com/office/2006/metadata/contentType"/>
@@ -5151,22 +11047,4 @@
     <ds:schemaRef ds:uri="http://schemas.microsoft.com/internal/obd"/>
   </ds:schemaRefs>
 </ds:datastoreItem>
-</file>
-
-<file path=customXml/itemProps3.xml><?xml version="1.0" encoding="utf-8"?>
-<ds:datastoreItem xmlns:ds="http://schemas.openxmlformats.org/officeDocument/2006/customXml" ds:itemID="{7025FDD9-4C58-4084-9F89-0E6ADD6FFF55}">
-  <ds:schemaRefs>
-    <ds:schemaRef ds:uri="http://www.w3.org/XML/1998/namespace"/>
-    <ds:schemaRef ds:uri="http://purl.org/dc/dcmitype/"/>
-    <ds:schemaRef ds:uri="http://schemas.microsoft.com/office/2006/documentManagement/types"/>
-    <ds:schemaRef ds:uri="http://schemas.microsoft.com/office/2006/metadata/properties"/>
-    <ds:schemaRef ds:uri="http://schemas.microsoft.com/office/infopath/2007/PartnerControls"/>
-    <ds:schemaRef ds:uri="http://purl.org/dc/terms/"/>
-    <ds:schemaRef ds:uri="http://schemas.microsoft.com/sharepoint/v3"/>
-    <ds:schemaRef ds:uri="http://purl.org/dc/elements/1.1/"/>
-    <ds:schemaRef ds:uri="27aa9422-7f1f-4c84-9cdf-302b1a67e513"/>
-    <ds:schemaRef ds:uri="http://schemas.openxmlformats.org/package/2006/metadata/core-properties"/>
-    <ds:schemaRef ds:uri="230e9df3-be65-4c73-a93b-d1236ebd677e"/>
-  </ds:schemaRefs>
-</ds:datastoreItem>
 </file>
--- a/Presentation Materials/MVA-ApplicationsOnAzure-06.pptx
+++ b/Presentation Materials/MVA-ApplicationsOnAzure-06.pptx
@@ -5,10 +5,10 @@
     <p:sldMasterId id="2147483660" r:id="rId4"/>
   </p:sldMasterIdLst>
   <p:notesMasterIdLst>
-    <p:notesMasterId r:id="rId33"/>
+    <p:notesMasterId r:id="rId32"/>
   </p:notesMasterIdLst>
   <p:handoutMasterIdLst>
-    <p:handoutMasterId r:id="rId34"/>
+    <p:handoutMasterId r:id="rId33"/>
   </p:handoutMasterIdLst>
   <p:sldIdLst>
     <p:sldId id="271" r:id="rId5"/>
@@ -30,15 +30,14 @@
     <p:sldId id="297" r:id="rId21"/>
     <p:sldId id="298" r:id="rId22"/>
     <p:sldId id="300" r:id="rId23"/>
-    <p:sldId id="301" r:id="rId24"/>
-    <p:sldId id="302" r:id="rId25"/>
-    <p:sldId id="303" r:id="rId26"/>
-    <p:sldId id="304" r:id="rId27"/>
-    <p:sldId id="305" r:id="rId28"/>
-    <p:sldId id="306" r:id="rId29"/>
-    <p:sldId id="307" r:id="rId30"/>
-    <p:sldId id="299" r:id="rId31"/>
-    <p:sldId id="269" r:id="rId32"/>
+    <p:sldId id="302" r:id="rId24"/>
+    <p:sldId id="303" r:id="rId25"/>
+    <p:sldId id="304" r:id="rId26"/>
+    <p:sldId id="305" r:id="rId27"/>
+    <p:sldId id="306" r:id="rId28"/>
+    <p:sldId id="307" r:id="rId29"/>
+    <p:sldId id="299" r:id="rId30"/>
+    <p:sldId id="269" r:id="rId31"/>
   </p:sldIdLst>
   <p:sldSz cx="12192000" cy="6858000"/>
   <p:notesSz cx="6858000" cy="9144000"/>
@@ -241,7 +240,7 @@
           <a:p>
             <a:fld id="{312E7B4A-039C-48A2-9B2C-AF16AA3873D8}" type="datetimeFigureOut">
               <a:rPr lang="en-US" smtClean="0"/>
-              <a:t>11/4/2015</a:t>
+              <a:t>11/7/2015</a:t>
             </a:fld>
             <a:endParaRPr lang="en-US"/>
           </a:p>
@@ -406,7 +405,7 @@
           <a:p>
             <a:fld id="{DA005A0C-54D9-45AA-87D4-C551D08DFCE1}" type="datetimeFigureOut">
               <a:rPr lang="en-US" smtClean="0"/>
-              <a:t>11/4/2015</a:t>
+              <a:t>11/7/2015</a:t>
             </a:fld>
             <a:endParaRPr lang="en-US"/>
           </a:p>
@@ -1754,73 +1753,15 @@
           <a:p>
             <a:r>
               <a:rPr lang="en-US" dirty="0" smtClean="0"/>
-              <a:t>Docker is all about isolation. Ramble on for a bit about </a:t>
+              <a:t>Go to </a:t>
             </a:r>
             <a:r>
               <a:rPr lang="en-US" dirty="0" err="1" smtClean="0"/>
-              <a:t>docker</a:t>
-            </a:r>
-            <a:r>
-              <a:rPr lang="en-US" dirty="0" smtClean="0"/>
-              <a:t>. The library it is built</a:t>
-            </a:r>
-            <a:r>
-              <a:rPr lang="en-US" baseline="0" dirty="0" smtClean="0"/>
-              <a:t> on is </a:t>
-            </a:r>
-            <a:r>
-              <a:rPr lang="en-US" b="1" baseline="0" dirty="0" err="1" smtClean="0"/>
-              <a:t>libcontainer</a:t>
-            </a:r>
-            <a:r>
-              <a:rPr lang="en-US" baseline="0" dirty="0" smtClean="0"/>
-              <a:t>, </a:t>
-            </a:r>
-            <a:r>
-              <a:rPr lang="en-US" baseline="0" dirty="0" err="1" smtClean="0"/>
-              <a:t>libvirt</a:t>
-            </a:r>
-            <a:r>
-              <a:rPr lang="en-US" baseline="0" dirty="0" smtClean="0"/>
-              <a:t>, LXC, system-</a:t>
-            </a:r>
-            <a:r>
-              <a:rPr lang="en-US" baseline="0" dirty="0" err="1" smtClean="0"/>
-              <a:t>nspan</a:t>
-            </a:r>
-            <a:endParaRPr lang="en-US" baseline="0" dirty="0" smtClean="0"/>
-          </a:p>
-          <a:p>
-            <a:endParaRPr lang="en-US" baseline="0" dirty="0" smtClean="0"/>
-          </a:p>
-          <a:p>
-            <a:r>
-              <a:rPr lang="en-US" baseline="0" dirty="0" smtClean="0"/>
-              <a:t>“</a:t>
-            </a:r>
-            <a:r>
-              <a:rPr lang="en-US" sz="1200" b="0" i="0" kern="1200" dirty="0" smtClean="0">
-                <a:solidFill>
-                  <a:schemeClr val="tx1"/>
-                </a:solidFill>
-                <a:effectLst/>
-                <a:latin typeface="+mn-lt"/>
-                <a:ea typeface="+mn-ea"/>
-                <a:cs typeface="+mn-cs"/>
-              </a:rPr>
-              <a:t>By using containers, resources can be isolated, services restricted, and processes provisioned to have an almost completely private view of the operating system with their own process ID space, file system structure, and network interfaces. Multiple containers share the same kernel, but each container can be constrained to only use a defined amount of resources such as CPU, memory and I/O.” -</a:t>
-            </a:r>
-            <a:r>
-              <a:rPr lang="en-US" sz="1200" b="0" i="0" kern="1200" dirty="0" err="1" smtClean="0">
-                <a:solidFill>
-                  <a:schemeClr val="tx1"/>
-                </a:solidFill>
-                <a:effectLst/>
-                <a:latin typeface="+mn-lt"/>
-                <a:ea typeface="+mn-ea"/>
-                <a:cs typeface="+mn-cs"/>
-              </a:rPr>
-              <a:t>wikipedia</a:t>
+              <a:t>kibana</a:t>
+            </a:r>
+            <a:r>
+              <a:rPr lang="en-US" dirty="0" smtClean="0"/>
+              <a:t> websites for screenshots http://demo.elastic.co/packetbeat/</a:t>
             </a:r>
             <a:endParaRPr lang="en-US" dirty="0"/>
           </a:p>
@@ -1843,7 +1784,7 @@
           <a:p>
             <a:fld id="{4CFD207A-07DF-40AD-A916-9872E089CE7A}" type="slidenum">
               <a:rPr lang="en-US" smtClean="0"/>
-              <a:t>23</a:t>
+              <a:t>19</a:t>
             </a:fld>
             <a:endParaRPr lang="en-US"/>
           </a:p>
@@ -1852,7 +1793,7 @@
     </p:spTree>
     <p:extLst>
       <p:ext uri="{BB962C8B-B14F-4D97-AF65-F5344CB8AC3E}">
-        <p14:creationId xmlns:p14="http://schemas.microsoft.com/office/powerpoint/2010/main" val="2508391104"/>
+        <p14:creationId xmlns:p14="http://schemas.microsoft.com/office/powerpoint/2010/main" val="1104705984"/>
       </p:ext>
     </p:extLst>
   </p:cSld>
@@ -1993,7 +1934,7 @@
           <a:p>
             <a:r>
               <a:rPr lang="en-US" dirty="0" smtClean="0"/>
-              <a:t>Handles stacking </a:t>
+              <a:t>Docker is all about isolation. Ramble on for a bit about </a:t>
             </a:r>
             <a:r>
               <a:rPr lang="en-US" dirty="0" err="1" smtClean="0"/>
@@ -2001,27 +1942,65 @@
             </a:r>
             <a:r>
               <a:rPr lang="en-US" dirty="0" smtClean="0"/>
-              <a:t> on</a:t>
+              <a:t>. The library it is built</a:t>
             </a:r>
             <a:r>
               <a:rPr lang="en-US" baseline="0" dirty="0" smtClean="0"/>
-              <a:t> top of a </a:t>
+              <a:t> on is </a:t>
+            </a:r>
+            <a:r>
+              <a:rPr lang="en-US" b="1" baseline="0" dirty="0" err="1" smtClean="0"/>
+              <a:t>libcontainer</a:t>
+            </a:r>
+            <a:r>
+              <a:rPr lang="en-US" baseline="0" dirty="0" smtClean="0"/>
+              <a:t>, </a:t>
             </a:r>
             <a:r>
               <a:rPr lang="en-US" baseline="0" dirty="0" err="1" smtClean="0"/>
-              <a:t>vm</a:t>
+              <a:t>libvirt</a:t>
             </a:r>
             <a:r>
               <a:rPr lang="en-US" baseline="0" dirty="0" smtClean="0"/>
-              <a:t>. Facilitates talking to the </a:t>
+              <a:t>, LXC, system-</a:t>
             </a:r>
             <a:r>
               <a:rPr lang="en-US" baseline="0" dirty="0" err="1" smtClean="0"/>
-              <a:t>docker</a:t>
-            </a:r>
+              <a:t>nspan</a:t>
+            </a:r>
+            <a:endParaRPr lang="en-US" baseline="0" dirty="0" smtClean="0"/>
+          </a:p>
+          <a:p>
+            <a:endParaRPr lang="en-US" baseline="0" dirty="0" smtClean="0"/>
+          </a:p>
+          <a:p>
             <a:r>
               <a:rPr lang="en-US" baseline="0" dirty="0" smtClean="0"/>
-              <a:t> images easily</a:t>
+              <a:t>“</a:t>
+            </a:r>
+            <a:r>
+              <a:rPr lang="en-US" sz="1200" b="0" i="0" kern="1200" dirty="0" smtClean="0">
+                <a:solidFill>
+                  <a:schemeClr val="tx1"/>
+                </a:solidFill>
+                <a:effectLst/>
+                <a:latin typeface="+mn-lt"/>
+                <a:ea typeface="+mn-ea"/>
+                <a:cs typeface="+mn-cs"/>
+              </a:rPr>
+              <a:t>By using containers, resources can be isolated, services restricted, and processes provisioned to have an almost completely private view of the operating system with their own process ID space, file system structure, and network interfaces. Multiple containers share the same kernel, but each container can be constrained to only use a defined amount of resources such as CPU, memory and I/O.” -</a:t>
+            </a:r>
+            <a:r>
+              <a:rPr lang="en-US" sz="1200" b="0" i="0" kern="1200" dirty="0" err="1" smtClean="0">
+                <a:solidFill>
+                  <a:schemeClr val="tx1"/>
+                </a:solidFill>
+                <a:effectLst/>
+                <a:latin typeface="+mn-lt"/>
+                <a:ea typeface="+mn-ea"/>
+                <a:cs typeface="+mn-cs"/>
+              </a:rPr>
+              <a:t>wikipedia</a:t>
             </a:r>
             <a:endParaRPr lang="en-US" dirty="0"/>
           </a:p>
@@ -2044,7 +2023,7 @@
           <a:p>
             <a:fld id="{4CFD207A-07DF-40AD-A916-9872E089CE7A}" type="slidenum">
               <a:rPr lang="en-US" smtClean="0"/>
-              <a:t>24</a:t>
+              <a:t>22</a:t>
             </a:fld>
             <a:endParaRPr lang="en-US"/>
           </a:p>
@@ -2053,7 +2032,7 @@
     </p:spTree>
     <p:extLst>
       <p:ext uri="{BB962C8B-B14F-4D97-AF65-F5344CB8AC3E}">
-        <p14:creationId xmlns:p14="http://schemas.microsoft.com/office/powerpoint/2010/main" val="298101098"/>
+        <p14:creationId xmlns:p14="http://schemas.microsoft.com/office/powerpoint/2010/main" val="2508391104"/>
       </p:ext>
     </p:extLst>
   </p:cSld>
@@ -2109,11 +2088,27 @@
           <a:p>
             <a:r>
               <a:rPr lang="en-US" dirty="0" smtClean="0"/>
-              <a:t>A bunch of whales. Provides</a:t>
+              <a:t>Handles stacking </a:t>
+            </a:r>
+            <a:r>
+              <a:rPr lang="en-US" dirty="0" err="1" smtClean="0"/>
+              <a:t>docker</a:t>
+            </a:r>
+            <a:r>
+              <a:rPr lang="en-US" dirty="0" smtClean="0"/>
+              <a:t> on</a:t>
             </a:r>
             <a:r>
               <a:rPr lang="en-US" baseline="0" dirty="0" smtClean="0"/>
-              <a:t> an abstraction over multiple machines so you can throw up a bunch of </a:t>
+              <a:t> top of a </a:t>
+            </a:r>
+            <a:r>
+              <a:rPr lang="en-US" baseline="0" dirty="0" err="1" smtClean="0"/>
+              <a:t>vm</a:t>
+            </a:r>
+            <a:r>
+              <a:rPr lang="en-US" baseline="0" dirty="0" smtClean="0"/>
+              <a:t>. Facilitates talking to the </a:t>
             </a:r>
             <a:r>
               <a:rPr lang="en-US" baseline="0" dirty="0" err="1" smtClean="0"/>
@@ -2121,7 +2116,7 @@
             </a:r>
             <a:r>
               <a:rPr lang="en-US" baseline="0" dirty="0" smtClean="0"/>
-              <a:t> images without having to worry about which machine is running it or load balancing or any of that. Docker on azure will be compatible with swarm</a:t>
+              <a:t> images easily</a:t>
             </a:r>
             <a:endParaRPr lang="en-US" dirty="0"/>
           </a:p>
@@ -2144,7 +2139,7 @@
           <a:p>
             <a:fld id="{4CFD207A-07DF-40AD-A916-9872E089CE7A}" type="slidenum">
               <a:rPr lang="en-US" smtClean="0"/>
-              <a:t>25</a:t>
+              <a:t>23</a:t>
             </a:fld>
             <a:endParaRPr lang="en-US"/>
           </a:p>
@@ -2153,7 +2148,7 @@
     </p:spTree>
     <p:extLst>
       <p:ext uri="{BB962C8B-B14F-4D97-AF65-F5344CB8AC3E}">
-        <p14:creationId xmlns:p14="http://schemas.microsoft.com/office/powerpoint/2010/main" val="558400090"/>
+        <p14:creationId xmlns:p14="http://schemas.microsoft.com/office/powerpoint/2010/main" val="298101098"/>
       </p:ext>
     </p:extLst>
   </p:cSld>
@@ -2209,13 +2204,21 @@
           <a:p>
             <a:r>
               <a:rPr lang="en-US" dirty="0" smtClean="0"/>
-              <a:t>JSON based desired state configuration for </a:t>
-            </a:r>
-            <a:r>
-              <a:rPr lang="en-US" smtClean="0"/>
-              <a:t>resource groups</a:t>
-            </a:r>
-            <a:endParaRPr lang="en-US"/>
+              <a:t>A bunch of whales. Provides</a:t>
+            </a:r>
+            <a:r>
+              <a:rPr lang="en-US" baseline="0" dirty="0" smtClean="0"/>
+              <a:t> an abstraction over multiple machines so you can throw up a bunch of </a:t>
+            </a:r>
+            <a:r>
+              <a:rPr lang="en-US" baseline="0" dirty="0" err="1" smtClean="0"/>
+              <a:t>docker</a:t>
+            </a:r>
+            <a:r>
+              <a:rPr lang="en-US" baseline="0" dirty="0" smtClean="0"/>
+              <a:t> images without having to worry about which machine is running it or load balancing or any of that. Docker on azure will be compatible with swarm</a:t>
+            </a:r>
+            <a:endParaRPr lang="en-US" dirty="0"/>
           </a:p>
         </p:txBody>
       </p:sp>
@@ -2236,7 +2239,7 @@
           <a:p>
             <a:fld id="{4CFD207A-07DF-40AD-A916-9872E089CE7A}" type="slidenum">
               <a:rPr lang="en-US" smtClean="0"/>
-              <a:t>26</a:t>
+              <a:t>24</a:t>
             </a:fld>
             <a:endParaRPr lang="en-US"/>
           </a:p>
@@ -2245,7 +2248,7 @@
     </p:spTree>
     <p:extLst>
       <p:ext uri="{BB962C8B-B14F-4D97-AF65-F5344CB8AC3E}">
-        <p14:creationId xmlns:p14="http://schemas.microsoft.com/office/powerpoint/2010/main" val="2726624729"/>
+        <p14:creationId xmlns:p14="http://schemas.microsoft.com/office/powerpoint/2010/main" val="558400090"/>
       </p:ext>
     </p:extLst>
   </p:cSld>
@@ -2301,6 +2304,98 @@
           <a:p>
             <a:r>
               <a:rPr lang="en-US" dirty="0" smtClean="0"/>
+              <a:t>JSON based desired state configuration for </a:t>
+            </a:r>
+            <a:r>
+              <a:rPr lang="en-US" smtClean="0"/>
+              <a:t>resource groups</a:t>
+            </a:r>
+            <a:endParaRPr lang="en-US"/>
+          </a:p>
+        </p:txBody>
+      </p:sp>
+      <p:sp>
+        <p:nvSpPr>
+          <p:cNvPr id="4" name="Slide Number Placeholder 3"/>
+          <p:cNvSpPr>
+            <a:spLocks noGrp="1"/>
+          </p:cNvSpPr>
+          <p:nvPr>
+            <p:ph type="sldNum" sz="quarter" idx="10"/>
+          </p:nvPr>
+        </p:nvSpPr>
+        <p:spPr/>
+        <p:txBody>
+          <a:bodyPr/>
+          <a:lstStyle/>
+          <a:p>
+            <a:fld id="{4CFD207A-07DF-40AD-A916-9872E089CE7A}" type="slidenum">
+              <a:rPr lang="en-US" smtClean="0"/>
+              <a:t>25</a:t>
+            </a:fld>
+            <a:endParaRPr lang="en-US"/>
+          </a:p>
+        </p:txBody>
+      </p:sp>
+    </p:spTree>
+    <p:extLst>
+      <p:ext uri="{BB962C8B-B14F-4D97-AF65-F5344CB8AC3E}">
+        <p14:creationId xmlns:p14="http://schemas.microsoft.com/office/powerpoint/2010/main" val="2726624729"/>
+      </p:ext>
+    </p:extLst>
+  </p:cSld>
+  <p:clrMapOvr>
+    <a:masterClrMapping/>
+  </p:clrMapOvr>
+</p:notes>
+</file>
+
+<file path=ppt/notesSlides/notesSlide24.xml><?xml version="1.0" encoding="utf-8"?>
+<p:notes xmlns:a="http://schemas.openxmlformats.org/drawingml/2006/main" xmlns:r="http://schemas.openxmlformats.org/officeDocument/2006/relationships" xmlns:p="http://schemas.openxmlformats.org/presentationml/2006/main">
+  <p:cSld>
+    <p:spTree>
+      <p:nvGrpSpPr>
+        <p:cNvPr id="1" name=""/>
+        <p:cNvGrpSpPr/>
+        <p:nvPr/>
+      </p:nvGrpSpPr>
+      <p:grpSpPr>
+        <a:xfrm>
+          <a:off x="0" y="0"/>
+          <a:ext cx="0" cy="0"/>
+          <a:chOff x="0" y="0"/>
+          <a:chExt cx="0" cy="0"/>
+        </a:xfrm>
+      </p:grpSpPr>
+      <p:sp>
+        <p:nvSpPr>
+          <p:cNvPr id="2" name="Slide Image Placeholder 1"/>
+          <p:cNvSpPr>
+            <a:spLocks noGrp="1" noRot="1" noChangeAspect="1"/>
+          </p:cNvSpPr>
+          <p:nvPr>
+            <p:ph type="sldImg"/>
+          </p:nvPr>
+        </p:nvSpPr>
+        <p:spPr/>
+      </p:sp>
+      <p:sp>
+        <p:nvSpPr>
+          <p:cNvPr id="3" name="Notes Placeholder 2"/>
+          <p:cNvSpPr>
+            <a:spLocks noGrp="1"/>
+          </p:cNvSpPr>
+          <p:nvPr>
+            <p:ph type="body" idx="1"/>
+          </p:nvPr>
+        </p:nvSpPr>
+        <p:spPr/>
+        <p:txBody>
+          <a:bodyPr/>
+          <a:lstStyle/>
+          <a:p>
+            <a:r>
+              <a:rPr lang="en-US" dirty="0" smtClean="0"/>
               <a:t>Seems like companies don’t like to name</a:t>
             </a:r>
             <a:r>
@@ -2357,7 +2452,7 @@
           <a:p>
             <a:fld id="{4CFD207A-07DF-40AD-A916-9872E089CE7A}" type="slidenum">
               <a:rPr lang="en-US" smtClean="0"/>
-              <a:t>27</a:t>
+              <a:t>26</a:t>
             </a:fld>
             <a:endParaRPr lang="en-US"/>
           </a:p>
@@ -2642,7 +2737,6 @@
               <a:rPr lang="en-CA" b="0" dirty="0" smtClean="0"/>
               <a:t>Everything we have produces log files. But they are all over the place. </a:t>
             </a:r>
-            <a:endParaRPr lang="en-CA" b="0" dirty="0" smtClean="0"/>
           </a:p>
         </p:txBody>
       </p:sp>
@@ -2738,7 +2832,6 @@
               <a:rPr lang="en-CA" b="0" dirty="0" smtClean="0"/>
               <a:t>What’s worse is that everything we produce is in a different format</a:t>
             </a:r>
-            <a:endParaRPr lang="en-CA" b="0" dirty="0" smtClean="0"/>
           </a:p>
         </p:txBody>
       </p:sp>
@@ -2834,7 +2927,6 @@
               <a:rPr lang="en-CA" b="0" dirty="0" smtClean="0"/>
               <a:t>We need to find some way to get them all to the same place and the same format</a:t>
             </a:r>
-            <a:endParaRPr lang="en-CA" b="0" dirty="0" smtClean="0"/>
           </a:p>
         </p:txBody>
       </p:sp>
@@ -5696,49 +5788,6 @@
           </a:p>
         </p:txBody>
       </p:sp>
-      <p:pic>
-        <p:nvPicPr>
-          <p:cNvPr id="19460" name="Picture 4" descr="https://raw.githubusercontent.com/docker-library/docs/master/logstash/logo.png"/>
-          <p:cNvPicPr>
-            <a:picLocks noGrp="1" noChangeAspect="1" noChangeArrowheads="1"/>
-          </p:cNvPicPr>
-          <p:nvPr>
-            <p:ph sz="quarter" idx="10"/>
-          </p:nvPr>
-        </p:nvPicPr>
-        <p:blipFill>
-          <a:blip r:embed="rId3">
-            <a:extLst>
-              <a:ext uri="{28A0092B-C50C-407E-A947-70E740481C1C}">
-                <a14:useLocalDpi xmlns:a14="http://schemas.microsoft.com/office/drawing/2010/main" val="0"/>
-              </a:ext>
-            </a:extLst>
-          </a:blip>
-          <a:srcRect/>
-          <a:stretch>
-            <a:fillRect/>
-          </a:stretch>
-        </p:blipFill>
-        <p:spPr bwMode="auto">
-          <a:xfrm>
-            <a:off x="4694238" y="1718469"/>
-            <a:ext cx="2895600" cy="4629150"/>
-          </a:xfrm>
-          <a:prstGeom prst="rect">
-            <a:avLst/>
-          </a:prstGeom>
-          <a:noFill/>
-          <a:extLst>
-            <a:ext uri="{909E8E84-426E-40DD-AFC4-6F175D3DCCD1}">
-              <a14:hiddenFill xmlns:a14="http://schemas.microsoft.com/office/drawing/2010/main">
-                <a:solidFill>
-                  <a:srgbClr val="FFFFFF"/>
-                </a:solidFill>
-              </a14:hiddenFill>
-            </a:ext>
-          </a:extLst>
-        </p:spPr>
-      </p:pic>
       <p:sp>
         <p:nvSpPr>
           <p:cNvPr id="6" name="TextBox 5"/>
@@ -5783,6 +5832,25 @@
           <a:p>
             <a:pPr algn="ctr"/>
             <a:endParaRPr lang="en-US" dirty="0"/>
+          </a:p>
+        </p:txBody>
+      </p:sp>
+      <p:sp>
+        <p:nvSpPr>
+          <p:cNvPr id="3" name="Content Placeholder 2"/>
+          <p:cNvSpPr>
+            <a:spLocks noGrp="1"/>
+          </p:cNvSpPr>
+          <p:nvPr>
+            <p:ph sz="quarter" idx="10"/>
+          </p:nvPr>
+        </p:nvSpPr>
+        <p:spPr/>
+        <p:txBody>
+          <a:bodyPr/>
+          <a:lstStyle/>
+          <a:p>
+            <a:endParaRPr lang="en-US"/>
           </a:p>
         </p:txBody>
       </p:sp>
@@ -7040,14 +7108,14 @@
                 <a:gridCol w="5762625">
                   <a:extLst>
                     <a:ext uri="{9D8B030D-6E8A-4147-A177-3AD203B41FA5}">
-                      <a16:colId xmlns:a16="http://schemas.microsoft.com/office/drawing/2014/main" xmlns="" val="1632794655"/>
+                      <a16:colId xmlns="" xmlns:a16="http://schemas.microsoft.com/office/drawing/2014/main" val="1632794655"/>
                     </a:ext>
                   </a:extLst>
                 </a:gridCol>
                 <a:gridCol w="5762625">
                   <a:extLst>
                     <a:ext uri="{9D8B030D-6E8A-4147-A177-3AD203B41FA5}">
-                      <a16:colId xmlns:a16="http://schemas.microsoft.com/office/drawing/2014/main" xmlns="" val="2011313899"/>
+                      <a16:colId xmlns="" xmlns:a16="http://schemas.microsoft.com/office/drawing/2014/main" val="2011313899"/>
                     </a:ext>
                   </a:extLst>
                 </a:gridCol>
@@ -7092,7 +7160,7 @@
                 </a:tc>
                 <a:extLst>
                   <a:ext uri="{0D108BD9-81ED-4DB2-BD59-A6C34878D82A}">
-                    <a16:rowId xmlns:a16="http://schemas.microsoft.com/office/drawing/2014/main" xmlns="" val="1789177411"/>
+                    <a16:rowId xmlns="" xmlns:a16="http://schemas.microsoft.com/office/drawing/2014/main" val="1789177411"/>
                   </a:ext>
                 </a:extLst>
               </a:tr>
@@ -7163,7 +7231,7 @@
                 </a:tc>
                 <a:extLst>
                   <a:ext uri="{0D108BD9-81ED-4DB2-BD59-A6C34878D82A}">
-                    <a16:rowId xmlns:a16="http://schemas.microsoft.com/office/drawing/2014/main" xmlns="" val="3842815335"/>
+                    <a16:rowId xmlns="" xmlns:a16="http://schemas.microsoft.com/office/drawing/2014/main" val="3842815335"/>
                   </a:ext>
                 </a:extLst>
               </a:tr>
@@ -7220,7 +7288,7 @@
                 </a:tc>
                 <a:extLst>
                   <a:ext uri="{0D108BD9-81ED-4DB2-BD59-A6C34878D82A}">
-                    <a16:rowId xmlns:a16="http://schemas.microsoft.com/office/drawing/2014/main" xmlns="" val="321066646"/>
+                    <a16:rowId xmlns="" xmlns:a16="http://schemas.microsoft.com/office/drawing/2014/main" val="321066646"/>
                   </a:ext>
                 </a:extLst>
               </a:tr>
@@ -7305,7 +7373,7 @@
                 </a:tc>
                 <a:extLst>
                   <a:ext uri="{0D108BD9-81ED-4DB2-BD59-A6C34878D82A}">
-                    <a16:rowId xmlns:a16="http://schemas.microsoft.com/office/drawing/2014/main" xmlns="" val="3812060533"/>
+                    <a16:rowId xmlns="" xmlns:a16="http://schemas.microsoft.com/office/drawing/2014/main" val="3812060533"/>
                   </a:ext>
                 </a:extLst>
               </a:tr>
@@ -7352,7 +7420,7 @@
                 </a:tc>
                 <a:extLst>
                   <a:ext uri="{0D108BD9-81ED-4DB2-BD59-A6C34878D82A}">
-                    <a16:rowId xmlns:a16="http://schemas.microsoft.com/office/drawing/2014/main" xmlns="" val="733235577"/>
+                    <a16:rowId xmlns="" xmlns:a16="http://schemas.microsoft.com/office/drawing/2014/main" val="733235577"/>
                   </a:ext>
                 </a:extLst>
               </a:tr>
@@ -7420,7 +7488,11 @@
           <a:bodyPr/>
           <a:lstStyle/>
           <a:p>
-            <a:endParaRPr lang="en-US"/>
+            <a:r>
+              <a:rPr lang="en-US" dirty="0" smtClean="0"/>
+              <a:t>More moving parts…</a:t>
+            </a:r>
+            <a:endParaRPr lang="en-US" dirty="0"/>
           </a:p>
         </p:txBody>
       </p:sp>
@@ -7439,130 +7511,23 @@
           <a:bodyPr/>
           <a:lstStyle/>
           <a:p>
-            <a:endParaRPr lang="en-US" dirty="0"/>
-          </a:p>
-        </p:txBody>
-      </p:sp>
-      <p:pic>
-        <p:nvPicPr>
-          <p:cNvPr id="21506" name="Picture 2" descr="Screen Shot 2015-10-27 at 1.07.12 PM.png"/>
-          <p:cNvPicPr>
-            <a:picLocks noChangeAspect="1" noChangeArrowheads="1"/>
-          </p:cNvPicPr>
-          <p:nvPr/>
-        </p:nvPicPr>
-        <p:blipFill>
-          <a:blip r:embed="rId2">
-            <a:extLst>
-              <a:ext uri="{28A0092B-C50C-407E-A947-70E740481C1C}">
-                <a14:useLocalDpi xmlns:a14="http://schemas.microsoft.com/office/drawing/2010/main" val="0"/>
-              </a:ext>
-            </a:extLst>
-          </a:blip>
-          <a:srcRect/>
-          <a:stretch>
-            <a:fillRect/>
-          </a:stretch>
-        </p:blipFill>
-        <p:spPr bwMode="auto">
-          <a:xfrm>
-            <a:off x="127494" y="182215"/>
-            <a:ext cx="9490452" cy="6425212"/>
-          </a:xfrm>
-          <a:prstGeom prst="rect">
-            <a:avLst/>
-          </a:prstGeom>
-          <a:noFill/>
-          <a:extLst>
-            <a:ext uri="{909E8E84-426E-40DD-AFC4-6F175D3DCCD1}">
-              <a14:hiddenFill xmlns:a14="http://schemas.microsoft.com/office/drawing/2010/main">
-                <a:solidFill>
-                  <a:srgbClr val="FFFFFF"/>
-                </a:solidFill>
-              </a14:hiddenFill>
-            </a:ext>
-          </a:extLst>
-        </p:spPr>
-      </p:pic>
-      <p:sp>
-        <p:nvSpPr>
-          <p:cNvPr id="5" name="TextBox 4"/>
-          <p:cNvSpPr txBox="1"/>
-          <p:nvPr/>
-        </p:nvSpPr>
-        <p:spPr>
-          <a:xfrm>
-            <a:off x="9906000" y="-1"/>
-            <a:ext cx="2286000" cy="2031325"/>
-          </a:xfrm>
-          <a:prstGeom prst="rect">
-            <a:avLst/>
-          </a:prstGeom>
-          <a:solidFill>
-            <a:srgbClr val="FFFF00"/>
-          </a:solidFill>
-          <a:ln>
-            <a:noFill/>
-          </a:ln>
-        </p:spPr>
-        <p:txBody>
-          <a:bodyPr wrap="square" rtlCol="0">
-            <a:spAutoFit/>
-          </a:bodyPr>
-          <a:lstStyle/>
-          <a:p>
-            <a:pPr algn="ctr"/>
-            <a:endParaRPr lang="en-US" dirty="0" smtClean="0"/>
-          </a:p>
-          <a:p>
-            <a:pPr algn="ctr"/>
-            <a:endParaRPr lang="en-US" dirty="0"/>
-          </a:p>
-          <a:p>
-            <a:pPr algn="ctr"/>
-            <a:r>
-              <a:rPr lang="en-US" dirty="0" smtClean="0"/>
-              <a:t>Please leave this area blank to allow for picture in picture recording</a:t>
-            </a:r>
-          </a:p>
-          <a:p>
-            <a:pPr algn="ctr"/>
-            <a:endParaRPr lang="en-US" dirty="0"/>
-          </a:p>
-        </p:txBody>
-      </p:sp>
-      <p:sp>
-        <p:nvSpPr>
-          <p:cNvPr id="4" name="Rectangle 3"/>
-          <p:cNvSpPr/>
-          <p:nvPr/>
-        </p:nvSpPr>
-        <p:spPr>
-          <a:xfrm>
-            <a:off x="9906398" y="6607427"/>
-            <a:ext cx="2141933" cy="230832"/>
-          </a:xfrm>
-          <a:prstGeom prst="rect">
-            <a:avLst/>
-          </a:prstGeom>
-        </p:spPr>
-        <p:txBody>
-          <a:bodyPr wrap="none">
-            <a:spAutoFit/>
-          </a:bodyPr>
-          <a:lstStyle/>
-          <a:p>
-            <a:r>
-              <a:rPr lang="en-US" sz="900" dirty="0"/>
-              <a:t>https://www.elastic.co/blog/kibana-4-2-0</a:t>
-            </a:r>
+            <a:pPr marL="0" indent="0" algn="ctr">
+              <a:buNone/>
+            </a:pPr>
+            <a:r>
+              <a:rPr lang="en-US" sz="20000" dirty="0" smtClean="0">
+                <a:sym typeface="Wingdings" panose="05000000000000000000" pitchFamily="2" charset="2"/>
+              </a:rPr>
+              <a:t></a:t>
+            </a:r>
+            <a:endParaRPr lang="en-US" sz="20000" dirty="0"/>
           </a:p>
         </p:txBody>
       </p:sp>
     </p:spTree>
     <p:extLst>
       <p:ext uri="{BB962C8B-B14F-4D97-AF65-F5344CB8AC3E}">
-        <p14:creationId xmlns:p14="http://schemas.microsoft.com/office/powerpoint/2010/main" val="2284529966"/>
+        <p14:creationId xmlns:p14="http://schemas.microsoft.com/office/powerpoint/2010/main" val="961814862"/>
       </p:ext>
     </p:extLst>
   </p:cSld>
@@ -7613,7 +7578,7 @@
           <a:p>
             <a:r>
               <a:rPr lang="en-US" dirty="0" smtClean="0"/>
-              <a:t>More moving parts…</a:t>
+              <a:t>Docker to the rescue</a:t>
             </a:r>
             <a:endParaRPr lang="en-US" dirty="0"/>
           </a:p>
@@ -7634,120 +7599,32 @@
           <a:bodyPr/>
           <a:lstStyle/>
           <a:p>
-            <a:pPr marL="0" indent="0" algn="ctr">
-              <a:buNone/>
-            </a:pPr>
-            <a:r>
-              <a:rPr lang="en-US" sz="20000" dirty="0" smtClean="0">
-                <a:sym typeface="Wingdings" panose="05000000000000000000" pitchFamily="2" charset="2"/>
-              </a:rPr>
-              <a:t></a:t>
-            </a:r>
-            <a:endParaRPr lang="en-US" sz="20000" dirty="0"/>
-          </a:p>
-        </p:txBody>
-      </p:sp>
-    </p:spTree>
-    <p:extLst>
-      <p:ext uri="{BB962C8B-B14F-4D97-AF65-F5344CB8AC3E}">
-        <p14:creationId xmlns:p14="http://schemas.microsoft.com/office/powerpoint/2010/main" val="961814862"/>
-      </p:ext>
-    </p:extLst>
-  </p:cSld>
-  <p:clrMapOvr>
-    <a:masterClrMapping/>
-  </p:clrMapOvr>
-  <p:timing>
-    <p:tnLst>
-      <p:par>
-        <p:cTn id="1" dur="indefinite" restart="never" nodeType="tmRoot"/>
-      </p:par>
-    </p:tnLst>
-  </p:timing>
-</p:sld>
-</file>
-
-<file path=ppt/slides/slide22.xml><?xml version="1.0" encoding="utf-8"?>
-<p:sld xmlns:a="http://schemas.openxmlformats.org/drawingml/2006/main" xmlns:r="http://schemas.openxmlformats.org/officeDocument/2006/relationships" xmlns:p="http://schemas.openxmlformats.org/presentationml/2006/main">
-  <p:cSld>
-    <p:spTree>
-      <p:nvGrpSpPr>
-        <p:cNvPr id="1" name=""/>
-        <p:cNvGrpSpPr/>
-        <p:nvPr/>
-      </p:nvGrpSpPr>
-      <p:grpSpPr>
-        <a:xfrm>
-          <a:off x="0" y="0"/>
-          <a:ext cx="0" cy="0"/>
-          <a:chOff x="0" y="0"/>
-          <a:chExt cx="0" cy="0"/>
-        </a:xfrm>
-      </p:grpSpPr>
-      <p:sp>
-        <p:nvSpPr>
-          <p:cNvPr id="2" name="Title 1"/>
-          <p:cNvSpPr>
-            <a:spLocks noGrp="1"/>
-          </p:cNvSpPr>
-          <p:nvPr>
-            <p:ph type="title"/>
-          </p:nvPr>
-        </p:nvSpPr>
-        <p:spPr/>
-        <p:txBody>
-          <a:bodyPr/>
-          <a:lstStyle/>
-          <a:p>
-            <a:r>
-              <a:rPr lang="en-US" dirty="0" smtClean="0"/>
-              <a:t>Docker to the rescue</a:t>
-            </a:r>
-            <a:endParaRPr lang="en-US" dirty="0"/>
+            <a:endParaRPr lang="en-US"/>
           </a:p>
         </p:txBody>
       </p:sp>
       <p:pic>
         <p:nvPicPr>
-          <p:cNvPr id="28674" name="Picture 2" descr="https://developer.ibm.com/bluemix/wp-content/uploads/sites/20/2015/04/docker-100275159-orig.jpg"/>
+          <p:cNvPr id="4" name="Picture 3"/>
           <p:cNvPicPr>
-            <a:picLocks noGrp="1" noChangeAspect="1" noChangeArrowheads="1"/>
+            <a:picLocks noChangeAspect="1"/>
           </p:cNvPicPr>
-          <p:nvPr>
-            <p:ph sz="quarter" idx="10"/>
-          </p:nvPr>
+          <p:nvPr/>
         </p:nvPicPr>
         <p:blipFill>
-          <a:blip r:embed="rId2">
-            <a:extLst>
-              <a:ext uri="{28A0092B-C50C-407E-A947-70E740481C1C}">
-                <a14:useLocalDpi xmlns:a14="http://schemas.microsoft.com/office/drawing/2010/main" val="0"/>
-              </a:ext>
-            </a:extLst>
-          </a:blip>
-          <a:srcRect/>
+          <a:blip r:embed="rId2"/>
           <a:stretch>
             <a:fillRect/>
           </a:stretch>
         </p:blipFill>
-        <p:spPr bwMode="auto">
+        <p:spPr>
           <a:xfrm>
-            <a:off x="3144112" y="1387475"/>
-            <a:ext cx="5995852" cy="5291138"/>
+            <a:off x="2992727" y="1555845"/>
+            <a:ext cx="6247477" cy="5122769"/>
           </a:xfrm>
           <a:prstGeom prst="rect">
             <a:avLst/>
           </a:prstGeom>
-          <a:noFill/>
-          <a:extLst>
-            <a:ext uri="{909E8E84-426E-40DD-AFC4-6F175D3DCCD1}">
-              <a14:hiddenFill xmlns:a14="http://schemas.microsoft.com/office/drawing/2010/main">
-                <a:solidFill>
-                  <a:srgbClr val="FFFFFF"/>
-                </a:solidFill>
-              </a14:hiddenFill>
-            </a:ext>
-          </a:extLst>
         </p:spPr>
       </p:pic>
     </p:spTree>
@@ -7770,7 +7647,7 @@
 </p:sld>
 </file>
 
-<file path=ppt/slides/slide23.xml><?xml version="1.0" encoding="utf-8"?>
+<file path=ppt/slides/slide22.xml><?xml version="1.0" encoding="utf-8"?>
 <p:sld xmlns:a="http://schemas.openxmlformats.org/drawingml/2006/main" xmlns:r="http://schemas.openxmlformats.org/officeDocument/2006/relationships" xmlns:p="http://schemas.openxmlformats.org/presentationml/2006/main">
   <p:cSld>
     <p:spTree>
@@ -7873,6 +7750,113 @@
 </p:sld>
 </file>
 
+<file path=ppt/slides/slide23.xml><?xml version="1.0" encoding="utf-8"?>
+<p:sld xmlns:a="http://schemas.openxmlformats.org/drawingml/2006/main" xmlns:r="http://schemas.openxmlformats.org/officeDocument/2006/relationships" xmlns:p="http://schemas.openxmlformats.org/presentationml/2006/main">
+  <p:cSld>
+    <p:spTree>
+      <p:nvGrpSpPr>
+        <p:cNvPr id="1" name=""/>
+        <p:cNvGrpSpPr/>
+        <p:nvPr/>
+      </p:nvGrpSpPr>
+      <p:grpSpPr>
+        <a:xfrm>
+          <a:off x="0" y="0"/>
+          <a:ext cx="0" cy="0"/>
+          <a:chOff x="0" y="0"/>
+          <a:chExt cx="0" cy="0"/>
+        </a:xfrm>
+      </p:grpSpPr>
+      <p:sp>
+        <p:nvSpPr>
+          <p:cNvPr id="2" name="Title 1"/>
+          <p:cNvSpPr>
+            <a:spLocks noGrp="1"/>
+          </p:cNvSpPr>
+          <p:nvPr>
+            <p:ph type="title"/>
+          </p:nvPr>
+        </p:nvSpPr>
+        <p:spPr/>
+        <p:txBody>
+          <a:bodyPr/>
+          <a:lstStyle/>
+          <a:p>
+            <a:r>
+              <a:rPr lang="en-US" dirty="0" smtClean="0"/>
+              <a:t>Docker Machine </a:t>
+            </a:r>
+            <a:endParaRPr lang="en-US" dirty="0"/>
+          </a:p>
+        </p:txBody>
+      </p:sp>
+      <p:sp>
+        <p:nvSpPr>
+          <p:cNvPr id="4" name="Rectangle 3"/>
+          <p:cNvSpPr/>
+          <p:nvPr/>
+        </p:nvSpPr>
+        <p:spPr>
+          <a:xfrm>
+            <a:off x="10296929" y="6627168"/>
+            <a:ext cx="1895071" cy="230832"/>
+          </a:xfrm>
+          <a:prstGeom prst="rect">
+            <a:avLst/>
+          </a:prstGeom>
+        </p:spPr>
+        <p:txBody>
+          <a:bodyPr wrap="none">
+            <a:spAutoFit/>
+          </a:bodyPr>
+          <a:lstStyle/>
+          <a:p>
+            <a:r>
+              <a:rPr lang="en-US" sz="900" dirty="0"/>
+              <a:t>https://github.com/docker/machine</a:t>
+            </a:r>
+          </a:p>
+        </p:txBody>
+      </p:sp>
+      <p:sp>
+        <p:nvSpPr>
+          <p:cNvPr id="3" name="Content Placeholder 2"/>
+          <p:cNvSpPr>
+            <a:spLocks noGrp="1"/>
+          </p:cNvSpPr>
+          <p:nvPr>
+            <p:ph sz="quarter" idx="10"/>
+          </p:nvPr>
+        </p:nvSpPr>
+        <p:spPr/>
+        <p:txBody>
+          <a:bodyPr/>
+          <a:lstStyle/>
+          <a:p>
+            <a:endParaRPr lang="en-US"/>
+          </a:p>
+        </p:txBody>
+      </p:sp>
+    </p:spTree>
+    <p:extLst>
+      <p:ext uri="{BB962C8B-B14F-4D97-AF65-F5344CB8AC3E}">
+        <p14:creationId xmlns:p14="http://schemas.microsoft.com/office/powerpoint/2010/main" val="1760904765"/>
+      </p:ext>
+    </p:extLst>
+  </p:cSld>
+  <p:clrMapOvr>
+    <a:masterClrMapping/>
+  </p:clrMapOvr>
+  <p:timing>
+    <p:tnLst>
+      <p:par>
+        <p:cTn id="1" dur="indefinite" restart="never" nodeType="tmRoot"/>
+      </p:par>
+    </p:tnLst>
+  </p:timing>
+</p:sld>
+</file>
+
 <file path=ppt/slides/slide24.xml><?xml version="1.0" encoding="utf-8"?>
 <p:sld xmlns:a="http://schemas.openxmlformats.org/drawingml/2006/main" xmlns:r="http://schemas.openxmlformats.org/officeDocument/2006/relationships" xmlns:p="http://schemas.openxmlformats.org/presentationml/2006/main">
   <p:cSld>
@@ -7907,55 +7891,12 @@
           <a:p>
             <a:r>
               <a:rPr lang="en-US" dirty="0" smtClean="0"/>
-              <a:t>Docker Machine </a:t>
-            </a:r>
-            <a:endParaRPr lang="en-US" dirty="0"/>
-          </a:p>
-        </p:txBody>
-      </p:sp>
-      <p:pic>
-        <p:nvPicPr>
-          <p:cNvPr id="31746" name="Picture 2" descr="https://github.com/docker/machine/raw/master/docs/img/logo.png"/>
-          <p:cNvPicPr>
-            <a:picLocks noGrp="1" noChangeAspect="1" noChangeArrowheads="1"/>
-          </p:cNvPicPr>
-          <p:nvPr>
-            <p:ph sz="quarter" idx="10"/>
-          </p:nvPr>
-        </p:nvPicPr>
-        <p:blipFill>
-          <a:blip r:embed="rId3">
-            <a:extLst>
-              <a:ext uri="{28A0092B-C50C-407E-A947-70E740481C1C}">
-                <a14:useLocalDpi xmlns:a14="http://schemas.microsoft.com/office/drawing/2010/main" val="0"/>
-              </a:ext>
-            </a:extLst>
-          </a:blip>
-          <a:srcRect/>
-          <a:stretch>
-            <a:fillRect/>
-          </a:stretch>
-        </p:blipFill>
-        <p:spPr bwMode="auto">
-          <a:xfrm>
-            <a:off x="4506013" y="1617133"/>
-            <a:ext cx="3426585" cy="4079853"/>
-          </a:xfrm>
-          <a:prstGeom prst="rect">
-            <a:avLst/>
-          </a:prstGeom>
-          <a:noFill/>
-          <a:extLst>
-            <a:ext uri="{909E8E84-426E-40DD-AFC4-6F175D3DCCD1}">
-              <a14:hiddenFill xmlns:a14="http://schemas.microsoft.com/office/drawing/2010/main">
-                <a:solidFill>
-                  <a:srgbClr val="FFFFFF"/>
-                </a:solidFill>
-              </a14:hiddenFill>
-            </a:ext>
-          </a:extLst>
-        </p:spPr>
-      </p:pic>
+              <a:t>Docker Swarm</a:t>
+            </a:r>
+            <a:endParaRPr lang="en-US" dirty="0"/>
+          </a:p>
+        </p:txBody>
+      </p:sp>
       <p:sp>
         <p:nvSpPr>
           <p:cNvPr id="4" name="Rectangle 3"/>
@@ -7984,10 +7925,29 @@
           </a:p>
         </p:txBody>
       </p:sp>
+      <p:sp>
+        <p:nvSpPr>
+          <p:cNvPr id="3" name="Content Placeholder 2"/>
+          <p:cNvSpPr>
+            <a:spLocks noGrp="1"/>
+          </p:cNvSpPr>
+          <p:nvPr>
+            <p:ph sz="quarter" idx="10"/>
+          </p:nvPr>
+        </p:nvSpPr>
+        <p:spPr/>
+        <p:txBody>
+          <a:bodyPr/>
+          <a:lstStyle/>
+          <a:p>
+            <a:endParaRPr lang="en-US" dirty="0"/>
+          </a:p>
+        </p:txBody>
+      </p:sp>
     </p:spTree>
     <p:extLst>
       <p:ext uri="{BB962C8B-B14F-4D97-AF65-F5344CB8AC3E}">
-        <p14:creationId xmlns:p14="http://schemas.microsoft.com/office/powerpoint/2010/main" val="1760904765"/>
+        <p14:creationId xmlns:p14="http://schemas.microsoft.com/office/powerpoint/2010/main" val="3252762251"/>
       </p:ext>
     </p:extLst>
   </p:cSld>
@@ -8038,81 +7998,12 @@
           <a:p>
             <a:r>
               <a:rPr lang="en-US" dirty="0" smtClean="0"/>
-              <a:t>Docker Swarm</a:t>
-            </a:r>
-            <a:endParaRPr lang="en-US" dirty="0"/>
-          </a:p>
-        </p:txBody>
-      </p:sp>
-      <p:sp>
-        <p:nvSpPr>
-          <p:cNvPr id="4" name="Rectangle 3"/>
-          <p:cNvSpPr/>
-          <p:nvPr/>
-        </p:nvSpPr>
-        <p:spPr>
-          <a:xfrm>
-            <a:off x="10296929" y="6627168"/>
-            <a:ext cx="1895071" cy="230832"/>
-          </a:xfrm>
-          <a:prstGeom prst="rect">
-            <a:avLst/>
-          </a:prstGeom>
-        </p:spPr>
-        <p:txBody>
-          <a:bodyPr wrap="none">
-            <a:spAutoFit/>
-          </a:bodyPr>
-          <a:lstStyle/>
-          <a:p>
-            <a:r>
-              <a:rPr lang="en-US" sz="900" dirty="0"/>
-              <a:t>https://github.com/docker/machine</a:t>
-            </a:r>
-          </a:p>
-        </p:txBody>
-      </p:sp>
-      <p:pic>
-        <p:nvPicPr>
-          <p:cNvPr id="32770" name="Picture 2" descr="Docker Swarm Logo"/>
-          <p:cNvPicPr>
-            <a:picLocks noChangeAspect="1" noChangeArrowheads="1"/>
-          </p:cNvPicPr>
-          <p:nvPr/>
-        </p:nvPicPr>
-        <p:blipFill>
-          <a:blip r:embed="rId3">
-            <a:extLst>
-              <a:ext uri="{28A0092B-C50C-407E-A947-70E740481C1C}">
-                <a14:useLocalDpi xmlns:a14="http://schemas.microsoft.com/office/drawing/2010/main" val="0"/>
-              </a:ext>
-            </a:extLst>
-          </a:blip>
-          <a:srcRect/>
-          <a:stretch>
-            <a:fillRect/>
-          </a:stretch>
-        </p:blipFill>
-        <p:spPr bwMode="auto">
-          <a:xfrm>
-            <a:off x="0" y="1190624"/>
-            <a:ext cx="12592050" cy="5667376"/>
-          </a:xfrm>
-          <a:prstGeom prst="rect">
-            <a:avLst/>
-          </a:prstGeom>
-          <a:noFill/>
-          <a:extLst>
-            <a:ext uri="{909E8E84-426E-40DD-AFC4-6F175D3DCCD1}">
-              <a14:hiddenFill xmlns:a14="http://schemas.microsoft.com/office/drawing/2010/main">
-                <a:solidFill>
-                  <a:srgbClr val="FFFFFF"/>
-                </a:solidFill>
-              </a14:hiddenFill>
-            </a:ext>
-          </a:extLst>
-        </p:spPr>
-      </p:pic>
+              <a:t>Deploying to Azure using ARM</a:t>
+            </a:r>
+            <a:endParaRPr lang="en-US" dirty="0"/>
+          </a:p>
+        </p:txBody>
+      </p:sp>
       <p:sp>
         <p:nvSpPr>
           <p:cNvPr id="3" name="Content Placeholder 2"/>
@@ -8128,14 +8019,18 @@
           <a:bodyPr/>
           <a:lstStyle/>
           <a:p>
-            <a:endParaRPr lang="en-US"/>
+            <a:r>
+              <a:rPr lang="en-US" dirty="0" smtClean="0"/>
+              <a:t>Azure Resource Manager</a:t>
+            </a:r>
+            <a:endParaRPr lang="en-US" dirty="0"/>
           </a:p>
         </p:txBody>
       </p:sp>
     </p:spTree>
     <p:extLst>
       <p:ext uri="{BB962C8B-B14F-4D97-AF65-F5344CB8AC3E}">
-        <p14:creationId xmlns:p14="http://schemas.microsoft.com/office/powerpoint/2010/main" val="3252762251"/>
+        <p14:creationId xmlns:p14="http://schemas.microsoft.com/office/powerpoint/2010/main" val="2530278774"/>
       </p:ext>
     </p:extLst>
   </p:cSld>
@@ -8186,89 +8081,6 @@
           <a:p>
             <a:r>
               <a:rPr lang="en-US" dirty="0" smtClean="0"/>
-              <a:t>Deploying to Azure using ARM</a:t>
-            </a:r>
-            <a:endParaRPr lang="en-US" dirty="0"/>
-          </a:p>
-        </p:txBody>
-      </p:sp>
-      <p:sp>
-        <p:nvSpPr>
-          <p:cNvPr id="3" name="Content Placeholder 2"/>
-          <p:cNvSpPr>
-            <a:spLocks noGrp="1"/>
-          </p:cNvSpPr>
-          <p:nvPr>
-            <p:ph sz="quarter" idx="10"/>
-          </p:nvPr>
-        </p:nvSpPr>
-        <p:spPr/>
-        <p:txBody>
-          <a:bodyPr/>
-          <a:lstStyle/>
-          <a:p>
-            <a:r>
-              <a:rPr lang="en-US" dirty="0" smtClean="0"/>
-              <a:t>Azure Resource Manager</a:t>
-            </a:r>
-            <a:endParaRPr lang="en-US" dirty="0"/>
-          </a:p>
-        </p:txBody>
-      </p:sp>
-    </p:spTree>
-    <p:extLst>
-      <p:ext uri="{BB962C8B-B14F-4D97-AF65-F5344CB8AC3E}">
-        <p14:creationId xmlns:p14="http://schemas.microsoft.com/office/powerpoint/2010/main" val="2530278774"/>
-      </p:ext>
-    </p:extLst>
-  </p:cSld>
-  <p:clrMapOvr>
-    <a:masterClrMapping/>
-  </p:clrMapOvr>
-  <p:timing>
-    <p:tnLst>
-      <p:par>
-        <p:cTn id="1" dur="indefinite" restart="never" nodeType="tmRoot"/>
-      </p:par>
-    </p:tnLst>
-  </p:timing>
-</p:sld>
-</file>
-
-<file path=ppt/slides/slide27.xml><?xml version="1.0" encoding="utf-8"?>
-<p:sld xmlns:a="http://schemas.openxmlformats.org/drawingml/2006/main" xmlns:r="http://schemas.openxmlformats.org/officeDocument/2006/relationships" xmlns:p="http://schemas.openxmlformats.org/presentationml/2006/main">
-  <p:cSld>
-    <p:spTree>
-      <p:nvGrpSpPr>
-        <p:cNvPr id="1" name=""/>
-        <p:cNvGrpSpPr/>
-        <p:nvPr/>
-      </p:nvGrpSpPr>
-      <p:grpSpPr>
-        <a:xfrm>
-          <a:off x="0" y="0"/>
-          <a:ext cx="0" cy="0"/>
-          <a:chOff x="0" y="0"/>
-          <a:chExt cx="0" cy="0"/>
-        </a:xfrm>
-      </p:grpSpPr>
-      <p:sp>
-        <p:nvSpPr>
-          <p:cNvPr id="2" name="Title 1"/>
-          <p:cNvSpPr>
-            <a:spLocks noGrp="1"/>
-          </p:cNvSpPr>
-          <p:nvPr>
-            <p:ph type="title"/>
-          </p:nvPr>
-        </p:nvSpPr>
-        <p:spPr/>
-        <p:txBody>
-          <a:bodyPr/>
-          <a:lstStyle/>
-          <a:p>
-            <a:r>
-              <a:rPr lang="en-US" dirty="0" smtClean="0"/>
               <a:t>Great Reads</a:t>
             </a:r>
             <a:endParaRPr lang="en-US" dirty="0"/>
@@ -8396,7 +8208,7 @@
 </p:sld>
 </file>
 
-<file path=ppt/slides/slide28.xml><?xml version="1.0" encoding="utf-8"?>
+<file path=ppt/slides/slide27.xml><?xml version="1.0" encoding="utf-8"?>
 <p:sld xmlns:a="http://schemas.openxmlformats.org/drawingml/2006/main" xmlns:r="http://schemas.openxmlformats.org/officeDocument/2006/relationships" xmlns:p="http://schemas.openxmlformats.org/presentationml/2006/main">
   <p:cSld>
     <p:spTree>
@@ -8505,14 +8317,14 @@
                 <a:gridCol w="5762625">
                   <a:extLst>
                     <a:ext uri="{9D8B030D-6E8A-4147-A177-3AD203B41FA5}">
-                      <a16:colId xmlns:a16="http://schemas.microsoft.com/office/drawing/2014/main" xmlns="" val="1632794655"/>
+                      <a16:colId xmlns="" xmlns:a16="http://schemas.microsoft.com/office/drawing/2014/main" val="1632794655"/>
                     </a:ext>
                   </a:extLst>
                 </a:gridCol>
                 <a:gridCol w="5762625">
                   <a:extLst>
                     <a:ext uri="{9D8B030D-6E8A-4147-A177-3AD203B41FA5}">
-                      <a16:colId xmlns:a16="http://schemas.microsoft.com/office/drawing/2014/main" xmlns="" val="2011313899"/>
+                      <a16:colId xmlns="" xmlns:a16="http://schemas.microsoft.com/office/drawing/2014/main" val="2011313899"/>
                     </a:ext>
                   </a:extLst>
                 </a:gridCol>
@@ -8557,7 +8369,7 @@
                 </a:tc>
                 <a:extLst>
                   <a:ext uri="{0D108BD9-81ED-4DB2-BD59-A6C34878D82A}">
-                    <a16:rowId xmlns:a16="http://schemas.microsoft.com/office/drawing/2014/main" xmlns="" val="1789177411"/>
+                    <a16:rowId xmlns="" xmlns:a16="http://schemas.microsoft.com/office/drawing/2014/main" val="1789177411"/>
                   </a:ext>
                 </a:extLst>
               </a:tr>
@@ -8628,7 +8440,7 @@
                 </a:tc>
                 <a:extLst>
                   <a:ext uri="{0D108BD9-81ED-4DB2-BD59-A6C34878D82A}">
-                    <a16:rowId xmlns:a16="http://schemas.microsoft.com/office/drawing/2014/main" xmlns="" val="3842815335"/>
+                    <a16:rowId xmlns="" xmlns:a16="http://schemas.microsoft.com/office/drawing/2014/main" val="3842815335"/>
                   </a:ext>
                 </a:extLst>
               </a:tr>
@@ -8685,7 +8497,7 @@
                 </a:tc>
                 <a:extLst>
                   <a:ext uri="{0D108BD9-81ED-4DB2-BD59-A6C34878D82A}">
-                    <a16:rowId xmlns:a16="http://schemas.microsoft.com/office/drawing/2014/main" xmlns="" val="321066646"/>
+                    <a16:rowId xmlns="" xmlns:a16="http://schemas.microsoft.com/office/drawing/2014/main" val="321066646"/>
                   </a:ext>
                 </a:extLst>
               </a:tr>
@@ -8770,7 +8582,7 @@
                 </a:tc>
                 <a:extLst>
                   <a:ext uri="{0D108BD9-81ED-4DB2-BD59-A6C34878D82A}">
-                    <a16:rowId xmlns:a16="http://schemas.microsoft.com/office/drawing/2014/main" xmlns="" val="3812060533"/>
+                    <a16:rowId xmlns="" xmlns:a16="http://schemas.microsoft.com/office/drawing/2014/main" val="3812060533"/>
                   </a:ext>
                 </a:extLst>
               </a:tr>
@@ -8817,7 +8629,7 @@
                 </a:tc>
                 <a:extLst>
                   <a:ext uri="{0D108BD9-81ED-4DB2-BD59-A6C34878D82A}">
-                    <a16:rowId xmlns:a16="http://schemas.microsoft.com/office/drawing/2014/main" xmlns="" val="733235577"/>
+                    <a16:rowId xmlns="" xmlns:a16="http://schemas.microsoft.com/office/drawing/2014/main" val="733235577"/>
                   </a:ext>
                 </a:extLst>
               </a:tr>
@@ -10744,58 +10556,6 @@
 </file>
 
 <file path=customXml/item1.xml><?xml version="1.0" encoding="utf-8"?>
-<p:properties xmlns:p="http://schemas.microsoft.com/office/2006/metadata/properties" xmlns:xsi="http://www.w3.org/2001/XMLSchema-instance" xmlns:pc="http://schemas.microsoft.com/office/infopath/2007/PartnerControls">
-  <documentManagement>
-    <TaxCatchAll xmlns="230e9df3-be65-4c73-a93b-d1236ebd677e"/>
-    <PublishingExpirationDate xmlns="http://schemas.microsoft.com/sharepoint/v3" xsi:nil="true"/>
-    <PublishingStartDate xmlns="http://schemas.microsoft.com/sharepoint/v3" xsi:nil="true"/>
-    <TaxKeywordTaxHTField xmlns="230e9df3-be65-4c73-a93b-d1236ebd677e">
-      <Terms xmlns="http://schemas.microsoft.com/office/infopath/2007/PartnerControls"/>
-    </TaxKeywordTaxHTField>
-    <SharedWithUsers xmlns="27aa9422-7f1f-4c84-9cdf-302b1a67e513">
-      <UserInfo>
-        <DisplayName>Shriram Natarajan (SHRI)</DisplayName>
-        <AccountId>3899</AccountId>
-        <AccountType/>
-      </UserInfo>
-      <UserInfo>
-        <DisplayName>Andrew Nickels</DisplayName>
-        <AccountId>24014</AccountId>
-        <AccountType/>
-      </UserInfo>
-      <UserInfo>
-        <DisplayName>Steven Goddard (WSSC)</DisplayName>
-        <AccountId>29711</AccountId>
-        <AccountType/>
-      </UserInfo>
-      <UserInfo>
-        <DisplayName>Jim Clark (LEARNING)</DisplayName>
-        <AccountId>86</AccountId>
-        <AccountType/>
-      </UserInfo>
-      <UserInfo>
-        <DisplayName>Vijay Kumar</DisplayName>
-        <AccountId>53758</AccountId>
-        <AccountType/>
-      </UserInfo>
-    </SharedWithUsers>
-    <SharingHintHash xmlns="27aa9422-7f1f-4c84-9cdf-302b1a67e513">1366665793</SharingHintHash>
-    <_ip_UnifiedCompliancePolicyUIAction xmlns="http://schemas.microsoft.com/sharepoint/v3" xsi:nil="true"/>
-    <_ip_UnifiedCompliancePolicyProperties xmlns="http://schemas.microsoft.com/sharepoint/v3" xsi:nil="true"/>
-  </documentManagement>
-</p:properties>
-</file>
-
-<file path=customXml/item2.xml><?xml version="1.0" encoding="utf-8"?>
-<?mso-contentType ?>
-<FormTemplates xmlns="http://schemas.microsoft.com/sharepoint/v3/contenttype/forms">
-  <Display>DocumentLibraryForm</Display>
-  <Edit>DocumentLibraryForm</Edit>
-  <New>DocumentLibraryForm</New>
-</FormTemplates>
-</file>
-
-<file path=customXml/item3.xml><?xml version="1.0" encoding="utf-8"?>
 <ct:contentTypeSchema xmlns:ct="http://schemas.microsoft.com/office/2006/metadata/contentType" xmlns:ma="http://schemas.microsoft.com/office/2006/metadata/properties/metaAttributes" ct:_="" ma:_="" ma:contentTypeName="Document" ma:contentTypeID="0x010100496889825850D44592AC5D2F43187AE4" ma:contentTypeVersion="9" ma:contentTypeDescription="Create a new document." ma:contentTypeScope="" ma:versionID="fa7e7aa81c9af57d0e724452ff5695cd">
   <xsd:schema xmlns:xsd="http://www.w3.org/2001/XMLSchema" xmlns:xs="http://www.w3.org/2001/XMLSchema" xmlns:p="http://schemas.microsoft.com/office/2006/metadata/properties" xmlns:ns1="http://schemas.microsoft.com/sharepoint/v3" xmlns:ns2="230e9df3-be65-4c73-a93b-d1236ebd677e" xmlns:ns3="27aa9422-7f1f-4c84-9cdf-302b1a67e513" targetNamespace="http://schemas.microsoft.com/office/2006/metadata/properties" ma:root="true" ma:fieldsID="ef7d28e69d816f0a5e355ee49f463c96" ns1:_="" ns2:_="" ns3:_="">
     <xsd:import namespace="http://schemas.microsoft.com/sharepoint/v3"/>
@@ -11003,33 +10763,59 @@
 </ct:contentTypeSchema>
 </file>
 
-<file path=customXml/itemProps1.xml><?xml version="1.0" encoding="utf-8"?>
-<ds:datastoreItem xmlns:ds="http://schemas.openxmlformats.org/officeDocument/2006/customXml" ds:itemID="{7025FDD9-4C58-4084-9F89-0E6ADD6FFF55}">
-  <ds:schemaRefs>
-    <ds:schemaRef ds:uri="http://schemas.microsoft.com/office/infopath/2007/PartnerControls"/>
-    <ds:schemaRef ds:uri="27aa9422-7f1f-4c84-9cdf-302b1a67e513"/>
-    <ds:schemaRef ds:uri="http://purl.org/dc/terms/"/>
-    <ds:schemaRef ds:uri="http://schemas.microsoft.com/office/2006/documentManagement/types"/>
-    <ds:schemaRef ds:uri="http://schemas.microsoft.com/sharepoint/v3"/>
-    <ds:schemaRef ds:uri="230e9df3-be65-4c73-a93b-d1236ebd677e"/>
-    <ds:schemaRef ds:uri="http://purl.org/dc/elements/1.1/"/>
-    <ds:schemaRef ds:uri="http://schemas.microsoft.com/office/2006/metadata/properties"/>
-    <ds:schemaRef ds:uri="http://schemas.openxmlformats.org/package/2006/metadata/core-properties"/>
-    <ds:schemaRef ds:uri="http://www.w3.org/XML/1998/namespace"/>
-    <ds:schemaRef ds:uri="http://purl.org/dc/dcmitype/"/>
-  </ds:schemaRefs>
-</ds:datastoreItem>
+<file path=customXml/item2.xml><?xml version="1.0" encoding="utf-8"?>
+<?mso-contentType ?>
+<FormTemplates xmlns="http://schemas.microsoft.com/sharepoint/v3/contenttype/forms">
+  <Display>DocumentLibraryForm</Display>
+  <Edit>DocumentLibraryForm</Edit>
+  <New>DocumentLibraryForm</New>
+</FormTemplates>
 </file>
 
-<file path=customXml/itemProps2.xml><?xml version="1.0" encoding="utf-8"?>
-<ds:datastoreItem xmlns:ds="http://schemas.openxmlformats.org/officeDocument/2006/customXml" ds:itemID="{B0CA13EC-1D3C-4D6F-8D1C-E8A452CFC79A}">
-  <ds:schemaRefs>
-    <ds:schemaRef ds:uri="http://schemas.microsoft.com/sharepoint/v3/contenttype/forms"/>
-  </ds:schemaRefs>
-</ds:datastoreItem>
+<file path=customXml/item3.xml><?xml version="1.0" encoding="utf-8"?>
+<p:properties xmlns:p="http://schemas.microsoft.com/office/2006/metadata/properties" xmlns:xsi="http://www.w3.org/2001/XMLSchema-instance" xmlns:pc="http://schemas.microsoft.com/office/infopath/2007/PartnerControls">
+  <documentManagement>
+    <TaxCatchAll xmlns="230e9df3-be65-4c73-a93b-d1236ebd677e"/>
+    <PublishingExpirationDate xmlns="http://schemas.microsoft.com/sharepoint/v3" xsi:nil="true"/>
+    <PublishingStartDate xmlns="http://schemas.microsoft.com/sharepoint/v3" xsi:nil="true"/>
+    <TaxKeywordTaxHTField xmlns="230e9df3-be65-4c73-a93b-d1236ebd677e">
+      <Terms xmlns="http://schemas.microsoft.com/office/infopath/2007/PartnerControls"/>
+    </TaxKeywordTaxHTField>
+    <SharedWithUsers xmlns="27aa9422-7f1f-4c84-9cdf-302b1a67e513">
+      <UserInfo>
+        <DisplayName>Shriram Natarajan (SHRI)</DisplayName>
+        <AccountId>3899</AccountId>
+        <AccountType/>
+      </UserInfo>
+      <UserInfo>
+        <DisplayName>Andrew Nickels</DisplayName>
+        <AccountId>24014</AccountId>
+        <AccountType/>
+      </UserInfo>
+      <UserInfo>
+        <DisplayName>Steven Goddard (WSSC)</DisplayName>
+        <AccountId>29711</AccountId>
+        <AccountType/>
+      </UserInfo>
+      <UserInfo>
+        <DisplayName>Jim Clark (LEARNING)</DisplayName>
+        <AccountId>86</AccountId>
+        <AccountType/>
+      </UserInfo>
+      <UserInfo>
+        <DisplayName>Vijay Kumar</DisplayName>
+        <AccountId>53758</AccountId>
+        <AccountType/>
+      </UserInfo>
+    </SharedWithUsers>
+    <SharingHintHash xmlns="27aa9422-7f1f-4c84-9cdf-302b1a67e513">1366665793</SharingHintHash>
+    <_ip_UnifiedCompliancePolicyUIAction xmlns="http://schemas.microsoft.com/sharepoint/v3" xsi:nil="true"/>
+    <_ip_UnifiedCompliancePolicyProperties xmlns="http://schemas.microsoft.com/sharepoint/v3" xsi:nil="true"/>
+  </documentManagement>
+</p:properties>
 </file>
 
-<file path=customXml/itemProps3.xml><?xml version="1.0" encoding="utf-8"?>
+<file path=customXml/itemProps1.xml><?xml version="1.0" encoding="utf-8"?>
 <ds:datastoreItem xmlns:ds="http://schemas.openxmlformats.org/officeDocument/2006/customXml" ds:itemID="{B8E57EAE-DEC5-48ED-98EA-03E186D6E9F9}">
   <ds:schemaRefs>
     <ds:schemaRef ds:uri="http://schemas.microsoft.com/office/2006/metadata/contentType"/>
@@ -11047,4 +10833,30 @@
     <ds:schemaRef ds:uri="http://schemas.microsoft.com/internal/obd"/>
   </ds:schemaRefs>
 </ds:datastoreItem>
+</file>
+
+<file path=customXml/itemProps2.xml><?xml version="1.0" encoding="utf-8"?>
+<ds:datastoreItem xmlns:ds="http://schemas.openxmlformats.org/officeDocument/2006/customXml" ds:itemID="{B0CA13EC-1D3C-4D6F-8D1C-E8A452CFC79A}">
+  <ds:schemaRefs>
+    <ds:schemaRef ds:uri="http://schemas.microsoft.com/sharepoint/v3/contenttype/forms"/>
+  </ds:schemaRefs>
+</ds:datastoreItem>
+</file>
+
+<file path=customXml/itemProps3.xml><?xml version="1.0" encoding="utf-8"?>
+<ds:datastoreItem xmlns:ds="http://schemas.openxmlformats.org/officeDocument/2006/customXml" ds:itemID="{7025FDD9-4C58-4084-9F89-0E6ADD6FFF55}">
+  <ds:schemaRefs>
+    <ds:schemaRef ds:uri="http://schemas.microsoft.com/office/infopath/2007/PartnerControls"/>
+    <ds:schemaRef ds:uri="27aa9422-7f1f-4c84-9cdf-302b1a67e513"/>
+    <ds:schemaRef ds:uri="http://purl.org/dc/terms/"/>
+    <ds:schemaRef ds:uri="http://schemas.microsoft.com/office/2006/documentManagement/types"/>
+    <ds:schemaRef ds:uri="http://schemas.microsoft.com/sharepoint/v3"/>
+    <ds:schemaRef ds:uri="230e9df3-be65-4c73-a93b-d1236ebd677e"/>
+    <ds:schemaRef ds:uri="http://purl.org/dc/elements/1.1/"/>
+    <ds:schemaRef ds:uri="http://schemas.microsoft.com/office/2006/metadata/properties"/>
+    <ds:schemaRef ds:uri="http://schemas.openxmlformats.org/package/2006/metadata/core-properties"/>
+    <ds:schemaRef ds:uri="http://www.w3.org/XML/1998/namespace"/>
+    <ds:schemaRef ds:uri="http://purl.org/dc/dcmitype/"/>
+  </ds:schemaRefs>
+</ds:datastoreItem>
 </file>
--- a/Presentation Materials/MVA-ApplicationsOnAzure-06.pptx
+++ b/Presentation Materials/MVA-ApplicationsOnAzure-06.pptx
@@ -138,7 +138,7 @@
   </p:defaultTextStyle>
   <p:extLst>
     <p:ext uri="{EFAFB233-063F-42B5-8137-9DF3F51BA10A}">
-      <p15:sldGuideLst xmlns:p15="http://schemas.microsoft.com/office/powerpoint/2012/main">
+      <p15:sldGuideLst xmlns:p15="http://schemas.microsoft.com/office/powerpoint/2012/main" xmlns="">
         <p15:guide id="1" orient="horz" pos="2160">
           <p15:clr>
             <a:srgbClr val="A4A3A4"/>
@@ -152,7 +152,7 @@
       </p15:sldGuideLst>
     </p:ext>
     <p:ext uri="{2D200454-40CA-4A62-9FC3-DE9A4176ACB9}">
-      <p15:notesGuideLst xmlns:p15="http://schemas.microsoft.com/office/powerpoint/2012/main"/>
+      <p15:notesGuideLst xmlns:p15="http://schemas.microsoft.com/office/powerpoint/2012/main" xmlns=""/>
     </p:ext>
   </p:extLst>
 </p:presentation>
@@ -240,7 +240,7 @@
           <a:p>
             <a:fld id="{312E7B4A-039C-48A2-9B2C-AF16AA3873D8}" type="datetimeFigureOut">
               <a:rPr lang="en-US" smtClean="0"/>
-              <a:t>11/7/2015</a:t>
+              <a:t>2015-11-08</a:t>
             </a:fld>
             <a:endParaRPr lang="en-US"/>
           </a:p>
@@ -405,7 +405,7 @@
           <a:p>
             <a:fld id="{DA005A0C-54D9-45AA-87D4-C551D08DFCE1}" type="datetimeFigureOut">
               <a:rPr lang="en-US" smtClean="0"/>
-              <a:t>11/7/2015</a:t>
+              <a:t>2015-11-08</a:t>
             </a:fld>
             <a:endParaRPr lang="en-US"/>
           </a:p>
@@ -3571,13 +3571,13 @@
   <p:timing>
     <p:tnLst>
       <p:par>
-        <p:cTn id="1" dur="indefinite" restart="never" nodeType="tmRoot"/>
+        <p:cTn xmlns:p14="http://schemas.microsoft.com/office/powerpoint/2010/main" id="1" dur="indefinite" restart="never" nodeType="tmRoot"/>
       </p:par>
     </p:tnLst>
   </p:timing>
   <p:extLst mod="1">
     <p:ext uri="{DCECCB84-F9BA-43D5-87BE-67443E8EF086}">
-      <p15:sldGuideLst xmlns:p15="http://schemas.microsoft.com/office/powerpoint/2012/main">
+      <p15:sldGuideLst xmlns:p15="http://schemas.microsoft.com/office/powerpoint/2012/main" xmlns="">
         <p15:guide id="1" orient="horz" pos="3792">
           <p15:clr>
             <a:srgbClr val="FBAE40"/>
@@ -3810,7 +3810,7 @@
   <p:timing>
     <p:tnLst>
       <p:par>
-        <p:cTn id="1" dur="indefinite" restart="never" nodeType="tmRoot"/>
+        <p:cTn xmlns:p14="http://schemas.microsoft.com/office/powerpoint/2010/main" id="1" dur="indefinite" restart="never" nodeType="tmRoot"/>
       </p:par>
     </p:tnLst>
   </p:timing>
@@ -3969,7 +3969,7 @@
   <p:timing>
     <p:tnLst>
       <p:par>
-        <p:cTn id="1" dur="indefinite" restart="never" nodeType="tmRoot"/>
+        <p:cTn xmlns:p14="http://schemas.microsoft.com/office/powerpoint/2010/main" id="1" dur="indefinite" restart="never" nodeType="tmRoot"/>
       </p:par>
     </p:tnLst>
   </p:timing>
@@ -4209,7 +4209,7 @@
   <p:timing>
     <p:tnLst>
       <p:par>
-        <p:cTn id="1" dur="indefinite" restart="never" nodeType="tmRoot"/>
+        <p:cTn xmlns:p14="http://schemas.microsoft.com/office/powerpoint/2010/main" id="1" dur="indefinite" restart="never" nodeType="tmRoot"/>
       </p:par>
     </p:tnLst>
   </p:timing>
@@ -4601,7 +4601,7 @@
   <p:timing>
     <p:tnLst>
       <p:par>
-        <p:cTn id="1" dur="indefinite" restart="never" nodeType="tmRoot"/>
+        <p:cTn xmlns:p14="http://schemas.microsoft.com/office/powerpoint/2010/main" id="1" dur="indefinite" restart="never" nodeType="tmRoot"/>
       </p:par>
     </p:tnLst>
   </p:timing>
@@ -4661,7 +4661,7 @@
   <p:timing>
     <p:tnLst>
       <p:par>
-        <p:cTn id="1" dur="indefinite" restart="never" nodeType="tmRoot"/>
+        <p:cTn xmlns:p14="http://schemas.microsoft.com/office/powerpoint/2010/main" id="1" dur="indefinite" restart="never" nodeType="tmRoot"/>
       </p:par>
     </p:tnLst>
   </p:timing>
@@ -4698,7 +4698,7 @@
   <p:timing>
     <p:tnLst>
       <p:par>
-        <p:cTn id="1" dur="indefinite" restart="never" nodeType="tmRoot"/>
+        <p:cTn xmlns:p14="http://schemas.microsoft.com/office/powerpoint/2010/main" id="1" dur="indefinite" restart="never" nodeType="tmRoot"/>
       </p:par>
     </p:tnLst>
   </p:timing>
@@ -4909,7 +4909,7 @@
   <p:timing>
     <p:tnLst>
       <p:par>
-        <p:cTn id="1" dur="indefinite" restart="never" nodeType="tmRoot"/>
+        <p:cTn xmlns:p14="http://schemas.microsoft.com/office/powerpoint/2010/main" id="1" dur="indefinite" restart="never" nodeType="tmRoot"/>
       </p:par>
     </p:tnLst>
   </p:timing>
@@ -4992,7 +4992,7 @@
   <p:timing>
     <p:tnLst>
       <p:par>
-        <p:cTn id="1" dur="indefinite" restart="never" nodeType="tmRoot"/>
+        <p:cTn xmlns:p14="http://schemas.microsoft.com/office/powerpoint/2010/main" id="1" dur="indefinite" restart="never" nodeType="tmRoot"/>
       </p:par>
     </p:tnLst>
   </p:timing>
@@ -5324,8 +5324,28 @@
           <a:lstStyle/>
           <a:p>
             <a:r>
-              <a:rPr lang="en-US" sz="4000" dirty="0" smtClean="0"/>
-              <a:t>Application Architecture</a:t>
+              <a:rPr lang="en-US" sz="4000" dirty="0" err="1"/>
+              <a:t>ElasticSearch</a:t>
+            </a:r>
+            <a:r>
+              <a:rPr lang="en-US" sz="4000" dirty="0"/>
+              <a:t>, </a:t>
+            </a:r>
+            <a:r>
+              <a:rPr lang="en-US" sz="4000" dirty="0" err="1"/>
+              <a:t>Docker</a:t>
+            </a:r>
+            <a:r>
+              <a:rPr lang="en-US" sz="4000"/>
+              <a:t> </a:t>
+            </a:r>
+            <a:r>
+              <a:rPr lang="en-US" sz="4000"/>
+              <a:t>and </a:t>
+            </a:r>
+            <a:r>
+              <a:rPr lang="en-US" sz="4000" smtClean="0"/>
+              <a:t>YOU</a:t>
             </a:r>
             <a:endParaRPr lang="en-US" sz="4000" dirty="0"/>
           </a:p>
@@ -5344,7 +5364,7 @@
   <p:timing>
     <p:tnLst>
       <p:par>
-        <p:cTn id="1" dur="indefinite" restart="never" nodeType="tmRoot"/>
+        <p:cTn xmlns:p14="http://schemas.microsoft.com/office/powerpoint/2010/main" id="1" dur="indefinite" restart="never" nodeType="tmRoot"/>
       </p:par>
     </p:tnLst>
   </p:timing>
@@ -5523,7 +5543,7 @@
   <p:timing>
     <p:tnLst>
       <p:par>
-        <p:cTn id="1" dur="indefinite" restart="never" nodeType="tmRoot"/>
+        <p:cTn xmlns:p14="http://schemas.microsoft.com/office/powerpoint/2010/main" id="1" dur="indefinite" restart="never" nodeType="tmRoot"/>
       </p:par>
     </p:tnLst>
   </p:timing>
@@ -5718,7 +5738,7 @@
           </a:prstGeom>
           <a:noFill/>
           <a:extLst>
-            <a:ext uri="{909E8E84-426E-40DD-AFC4-6F175D3DCCD1}">
+            <a:ext uri="{909E8E84-426E-40dd-AFC4-6F175D3DCCD1}">
               <a14:hiddenFill xmlns:a14="http://schemas.microsoft.com/office/drawing/2010/main">
                 <a:solidFill>
                   <a:srgbClr val="FFFFFF"/>
@@ -5741,7 +5761,7 @@
   <p:timing>
     <p:tnLst>
       <p:par>
-        <p:cTn id="1" dur="indefinite" restart="never" nodeType="tmRoot"/>
+        <p:cTn xmlns:p14="http://schemas.microsoft.com/office/powerpoint/2010/main" id="1" dur="indefinite" restart="never" nodeType="tmRoot"/>
       </p:par>
     </p:tnLst>
   </p:timing>
@@ -5867,7 +5887,7 @@
   <p:timing>
     <p:tnLst>
       <p:par>
-        <p:cTn id="1" dur="indefinite" restart="never" nodeType="tmRoot"/>
+        <p:cTn xmlns:p14="http://schemas.microsoft.com/office/powerpoint/2010/main" id="1" dur="indefinite" restart="never" nodeType="tmRoot"/>
       </p:par>
     </p:tnLst>
   </p:timing>
@@ -6039,7 +6059,7 @@
   <p:timing>
     <p:tnLst>
       <p:par>
-        <p:cTn id="1" dur="indefinite" restart="never" nodeType="tmRoot"/>
+        <p:cTn xmlns:p14="http://schemas.microsoft.com/office/powerpoint/2010/main" id="1" dur="indefinite" restart="never" nodeType="tmRoot"/>
       </p:par>
     </p:tnLst>
   </p:timing>
@@ -6230,7 +6250,7 @@
   <p:timing>
     <p:tnLst>
       <p:par>
-        <p:cTn id="1" dur="indefinite" restart="never" nodeType="tmRoot"/>
+        <p:cTn xmlns:p14="http://schemas.microsoft.com/office/powerpoint/2010/main" id="1" dur="indefinite" restart="never" nodeType="tmRoot"/>
       </p:par>
     </p:tnLst>
   </p:timing>
@@ -6391,7 +6411,7 @@
   <p:timing>
     <p:tnLst>
       <p:par>
-        <p:cTn id="1" dur="indefinite" restart="never" nodeType="tmRoot"/>
+        <p:cTn xmlns:p14="http://schemas.microsoft.com/office/powerpoint/2010/main" id="1" dur="indefinite" restart="never" nodeType="tmRoot"/>
       </p:par>
     </p:tnLst>
   </p:timing>
@@ -6556,7 +6576,7 @@
   <p:timing>
     <p:tnLst>
       <p:par>
-        <p:cTn id="1" dur="indefinite" restart="never" nodeType="tmRoot"/>
+        <p:cTn xmlns:p14="http://schemas.microsoft.com/office/powerpoint/2010/main" id="1" dur="indefinite" restart="never" nodeType="tmRoot"/>
       </p:par>
     </p:tnLst>
   </p:timing>
@@ -6682,7 +6702,7 @@
   <p:timing>
     <p:tnLst>
       <p:par>
-        <p:cTn id="1" dur="indefinite" restart="never" nodeType="tmRoot"/>
+        <p:cTn xmlns:p14="http://schemas.microsoft.com/office/powerpoint/2010/main" id="1" dur="indefinite" restart="never" nodeType="tmRoot"/>
       </p:par>
     </p:tnLst>
   </p:timing>
@@ -6789,7 +6809,7 @@
           </a:prstGeom>
           <a:noFill/>
           <a:extLst>
-            <a:ext uri="{909E8E84-426E-40DD-AFC4-6F175D3DCCD1}">
+            <a:ext uri="{909E8E84-426E-40dd-AFC4-6F175D3DCCD1}">
               <a14:hiddenFill xmlns:a14="http://schemas.microsoft.com/office/drawing/2010/main">
                 <a:solidFill>
                   <a:srgbClr val="FFFFFF"/>
@@ -6859,7 +6879,7 @@
   <p:timing>
     <p:tnLst>
       <p:par>
-        <p:cTn id="1" dur="indefinite" restart="never" nodeType="tmRoot"/>
+        <p:cTn xmlns:p14="http://schemas.microsoft.com/office/powerpoint/2010/main" id="1" dur="indefinite" restart="never" nodeType="tmRoot"/>
       </p:par>
     </p:tnLst>
   </p:timing>
@@ -7029,7 +7049,7 @@
   <p:timing>
     <p:tnLst>
       <p:par>
-        <p:cTn id="1" dur="indefinite" restart="never" nodeType="tmRoot"/>
+        <p:cTn xmlns:p14="http://schemas.microsoft.com/office/powerpoint/2010/main" id="1" dur="indefinite" restart="never" nodeType="tmRoot"/>
       </p:par>
     </p:tnLst>
   </p:timing>
@@ -7108,14 +7128,14 @@
                 <a:gridCol w="5762625">
                   <a:extLst>
                     <a:ext uri="{9D8B030D-6E8A-4147-A177-3AD203B41FA5}">
-                      <a16:colId xmlns="" xmlns:a16="http://schemas.microsoft.com/office/drawing/2014/main" val="1632794655"/>
+                      <a16:colId xmlns:a16="http://schemas.microsoft.com/office/drawing/2014/main" xmlns="" val="1632794655"/>
                     </a:ext>
                   </a:extLst>
                 </a:gridCol>
                 <a:gridCol w="5762625">
                   <a:extLst>
                     <a:ext uri="{9D8B030D-6E8A-4147-A177-3AD203B41FA5}">
-                      <a16:colId xmlns="" xmlns:a16="http://schemas.microsoft.com/office/drawing/2014/main" val="2011313899"/>
+                      <a16:colId xmlns:a16="http://schemas.microsoft.com/office/drawing/2014/main" xmlns="" val="2011313899"/>
                     </a:ext>
                   </a:extLst>
                 </a:gridCol>
@@ -7160,7 +7180,7 @@
                 </a:tc>
                 <a:extLst>
                   <a:ext uri="{0D108BD9-81ED-4DB2-BD59-A6C34878D82A}">
-                    <a16:rowId xmlns="" xmlns:a16="http://schemas.microsoft.com/office/drawing/2014/main" val="1789177411"/>
+                    <a16:rowId xmlns:a16="http://schemas.microsoft.com/office/drawing/2014/main" xmlns="" val="1789177411"/>
                   </a:ext>
                 </a:extLst>
               </a:tr>
@@ -7231,7 +7251,7 @@
                 </a:tc>
                 <a:extLst>
                   <a:ext uri="{0D108BD9-81ED-4DB2-BD59-A6C34878D82A}">
-                    <a16:rowId xmlns="" xmlns:a16="http://schemas.microsoft.com/office/drawing/2014/main" val="3842815335"/>
+                    <a16:rowId xmlns:a16="http://schemas.microsoft.com/office/drawing/2014/main" xmlns="" val="3842815335"/>
                   </a:ext>
                 </a:extLst>
               </a:tr>
@@ -7288,7 +7308,7 @@
                 </a:tc>
                 <a:extLst>
                   <a:ext uri="{0D108BD9-81ED-4DB2-BD59-A6C34878D82A}">
-                    <a16:rowId xmlns="" xmlns:a16="http://schemas.microsoft.com/office/drawing/2014/main" val="321066646"/>
+                    <a16:rowId xmlns:a16="http://schemas.microsoft.com/office/drawing/2014/main" xmlns="" val="321066646"/>
                   </a:ext>
                 </a:extLst>
               </a:tr>
@@ -7373,7 +7393,7 @@
                 </a:tc>
                 <a:extLst>
                   <a:ext uri="{0D108BD9-81ED-4DB2-BD59-A6C34878D82A}">
-                    <a16:rowId xmlns="" xmlns:a16="http://schemas.microsoft.com/office/drawing/2014/main" val="3812060533"/>
+                    <a16:rowId xmlns:a16="http://schemas.microsoft.com/office/drawing/2014/main" xmlns="" val="3812060533"/>
                   </a:ext>
                 </a:extLst>
               </a:tr>
@@ -7420,7 +7440,328 @@
                 </a:tc>
                 <a:extLst>
                   <a:ext uri="{0D108BD9-81ED-4DB2-BD59-A6C34878D82A}">
-                    <a16:rowId xmlns="" xmlns:a16="http://schemas.microsoft.com/office/drawing/2014/main" val="733235577"/>
+                    <a16:rowId xmlns:a16="http://schemas.microsoft.com/office/drawing/2014/main" xmlns="" val="733235577"/>
+                  </a:ext>
+                </a:extLst>
+              </a:tr>
+            </a:tbl>
+          </a:graphicData>
+        </a:graphic>
+      </p:graphicFrame>
+      <p:graphicFrame>
+        <p:nvGraphicFramePr>
+          <p:cNvPr id="5" name="Content Placeholder 3"/>
+          <p:cNvGraphicFramePr>
+            <a:graphicFrameLocks/>
+          </p:cNvGraphicFramePr>
+          <p:nvPr>
+            <p:extLst>
+              <p:ext uri="{D42A27DB-BD31-4B8C-83A1-F6EECF244321}">
+                <p14:modId xmlns:p14="http://schemas.microsoft.com/office/powerpoint/2010/main" val="4198713798"/>
+              </p:ext>
+            </p:extLst>
+          </p:nvPr>
+        </p:nvGraphicFramePr>
+        <p:xfrm>
+          <a:off x="379413" y="1417636"/>
+          <a:ext cx="11525250" cy="4259248"/>
+        </p:xfrm>
+        <a:graphic>
+          <a:graphicData uri="http://schemas.openxmlformats.org/drawingml/2006/table">
+            <a:tbl>
+              <a:tblPr firstRow="1" bandRow="1">
+                <a:tableStyleId>{5C22544A-7EE6-4342-B048-85BDC9FD1C3A}</a:tableStyleId>
+              </a:tblPr>
+              <a:tblGrid>
+                <a:gridCol w="5762625">
+                  <a:extLst>
+                    <a:ext uri="{9D8B030D-6E8A-4147-A177-3AD203B41FA5}">
+                      <a16:colId xmlns:a16="http://schemas.microsoft.com/office/drawing/2014/main" xmlns="" val="1632794655"/>
+                    </a:ext>
+                  </a:extLst>
+                </a:gridCol>
+                <a:gridCol w="5762625">
+                  <a:extLst>
+                    <a:ext uri="{9D8B030D-6E8A-4147-A177-3AD203B41FA5}">
+                      <a16:colId xmlns:a16="http://schemas.microsoft.com/office/drawing/2014/main" xmlns="" val="2011313899"/>
+                    </a:ext>
+                  </a:extLst>
+                </a:gridCol>
+              </a:tblGrid>
+              <a:tr h="767632">
+                <a:tc gridSpan="2">
+                  <a:txBody>
+                    <a:bodyPr/>
+                    <a:lstStyle/>
+                    <a:p>
+                      <a:r>
+                        <a:rPr lang="en-US" sz="3600" dirty="0" smtClean="0">
+                          <a:latin typeface="Segoe UI Light" panose="020B0502040204020203" pitchFamily="34" charset="0"/>
+                          <a:cs typeface="Segoe UI Light" panose="020B0502040204020203" pitchFamily="34" charset="0"/>
+                        </a:rPr>
+                        <a:t>Applications on Azure: Putting All the Pieces Together</a:t>
+                      </a:r>
+                      <a:endParaRPr lang="en-US" sz="3600" dirty="0">
+                        <a:latin typeface="Segoe UI Light" panose="020B0502040204020203" pitchFamily="34" charset="0"/>
+                        <a:cs typeface="Segoe UI Light" panose="020B0502040204020203" pitchFamily="34" charset="0"/>
+                      </a:endParaRPr>
+                    </a:p>
+                  </a:txBody>
+                  <a:tcPr anchor="ctr"/>
+                </a:tc>
+                <a:tc hMerge="1">
+                  <a:txBody>
+                    <a:bodyPr/>
+                    <a:lstStyle/>
+                    <a:p>
+                      <a:endParaRPr lang="en-US" dirty="0"/>
+                    </a:p>
+                  </a:txBody>
+                  <a:tcPr/>
+                </a:tc>
+                <a:extLst>
+                  <a:ext uri="{0D108BD9-81ED-4DB2-BD59-A6C34878D82A}">
+                    <a16:rowId xmlns:a16="http://schemas.microsoft.com/office/drawing/2014/main" xmlns="" val="1789177411"/>
+                  </a:ext>
+                </a:extLst>
+              </a:tr>
+              <a:tr h="767632">
+                <a:tc>
+                  <a:txBody>
+                    <a:bodyPr/>
+                    <a:lstStyle/>
+                    <a:p>
+                      <a:r>
+                        <a:rPr lang="en-US" sz="2400" dirty="0" smtClean="0">
+                          <a:latin typeface="Segoe UI Light" panose="020B0502040204020203" pitchFamily="34" charset="0"/>
+                          <a:cs typeface="Segoe UI Light" panose="020B0502040204020203" pitchFamily="34" charset="0"/>
+                        </a:rPr>
+                        <a:t>01 | Intro</a:t>
+                      </a:r>
+                      <a:endParaRPr lang="en-US" sz="2400" dirty="0">
+                        <a:latin typeface="Segoe UI Light" panose="020B0502040204020203" pitchFamily="34" charset="0"/>
+                        <a:cs typeface="Segoe UI Light" panose="020B0502040204020203" pitchFamily="34" charset="0"/>
+                      </a:endParaRPr>
+                    </a:p>
+                  </a:txBody>
+                  <a:tcPr anchor="ctr"/>
+                </a:tc>
+                <a:tc>
+                  <a:txBody>
+                    <a:bodyPr/>
+                    <a:lstStyle/>
+                    <a:p>
+                      <a:r>
+                        <a:rPr lang="en-US" sz="2400" dirty="0" smtClean="0">
+                          <a:latin typeface="Segoe UI Light" panose="020B0502040204020203" pitchFamily="34" charset="0"/>
+                          <a:cs typeface="Segoe UI Light" panose="020B0502040204020203" pitchFamily="34" charset="0"/>
+                        </a:rPr>
+                        <a:t>05 | Storing Data and Objects in Azure</a:t>
+                      </a:r>
+                      <a:endParaRPr lang="en-US" sz="2400" dirty="0">
+                        <a:latin typeface="Segoe UI Light" panose="020B0502040204020203" pitchFamily="34" charset="0"/>
+                        <a:cs typeface="Segoe UI Light" panose="020B0502040204020203" pitchFamily="34" charset="0"/>
+                      </a:endParaRPr>
+                    </a:p>
+                  </a:txBody>
+                  <a:tcPr anchor="ctr"/>
+                </a:tc>
+                <a:extLst>
+                  <a:ext uri="{0D108BD9-81ED-4DB2-BD59-A6C34878D82A}">
+                    <a16:rowId xmlns:a16="http://schemas.microsoft.com/office/drawing/2014/main" xmlns="" val="3842815335"/>
+                  </a:ext>
+                </a:extLst>
+              </a:tr>
+              <a:tr h="767632">
+                <a:tc>
+                  <a:txBody>
+                    <a:bodyPr/>
+                    <a:lstStyle/>
+                    <a:p>
+                      <a:r>
+                        <a:rPr lang="en-US" sz="2400" dirty="0" smtClean="0">
+                          <a:latin typeface="Segoe UI Light" panose="020B0502040204020203" pitchFamily="34" charset="0"/>
+                          <a:cs typeface="Segoe UI Light" panose="020B0502040204020203" pitchFamily="34" charset="0"/>
+                        </a:rPr>
+                        <a:t>02 | Exploring Application Architecture</a:t>
+                      </a:r>
+                      <a:endParaRPr lang="en-US" sz="2400" dirty="0">
+                        <a:latin typeface="Segoe UI Light" panose="020B0502040204020203" pitchFamily="34" charset="0"/>
+                        <a:cs typeface="Segoe UI Light" panose="020B0502040204020203" pitchFamily="34" charset="0"/>
+                      </a:endParaRPr>
+                    </a:p>
+                  </a:txBody>
+                  <a:tcPr anchor="ctr"/>
+                </a:tc>
+                <a:tc>
+                  <a:txBody>
+                    <a:bodyPr/>
+                    <a:lstStyle/>
+                    <a:p>
+                      <a:r>
+                        <a:rPr lang="en-US" sz="2400" dirty="0" smtClean="0">
+                          <a:latin typeface="Segoe UI Light" panose="020B0502040204020203" pitchFamily="34" charset="0"/>
+                          <a:cs typeface="Segoe UI Light" panose="020B0502040204020203" pitchFamily="34" charset="0"/>
+                        </a:rPr>
+                        <a:t>06 | </a:t>
+                      </a:r>
+                      <a:r>
+                        <a:rPr lang="en-US" sz="2400" dirty="0" err="1" smtClean="0">
+                          <a:latin typeface="Segoe UI Light" panose="020B0502040204020203" pitchFamily="34" charset="0"/>
+                          <a:cs typeface="Segoe UI Light" panose="020B0502040204020203" pitchFamily="34" charset="0"/>
+                        </a:rPr>
+                        <a:t>ElasticSearch</a:t>
+                      </a:r>
+                      <a:r>
+                        <a:rPr lang="en-US" sz="2400" dirty="0" smtClean="0">
+                          <a:latin typeface="Segoe UI Light" panose="020B0502040204020203" pitchFamily="34" charset="0"/>
+                          <a:cs typeface="Segoe UI Light" panose="020B0502040204020203" pitchFamily="34" charset="0"/>
+                        </a:rPr>
+                        <a:t>,</a:t>
+                      </a:r>
+                      <a:r>
+                        <a:rPr lang="en-US" sz="2400" baseline="0" dirty="0" smtClean="0">
+                          <a:latin typeface="Segoe UI Light" panose="020B0502040204020203" pitchFamily="34" charset="0"/>
+                          <a:cs typeface="Segoe UI Light" panose="020B0502040204020203" pitchFamily="34" charset="0"/>
+                        </a:rPr>
+                        <a:t> </a:t>
+                      </a:r>
+                      <a:r>
+                        <a:rPr lang="en-US" sz="2400" dirty="0" smtClean="0">
+                          <a:latin typeface="Segoe UI Light" panose="020B0502040204020203" pitchFamily="34" charset="0"/>
+                          <a:cs typeface="Segoe UI Light" panose="020B0502040204020203" pitchFamily="34" charset="0"/>
+                        </a:rPr>
+                        <a:t>Docker and YOU</a:t>
+                      </a:r>
+                      <a:endParaRPr lang="en-US" sz="2400" dirty="0">
+                        <a:latin typeface="Segoe UI Light" panose="020B0502040204020203" pitchFamily="34" charset="0"/>
+                        <a:cs typeface="Segoe UI Light" panose="020B0502040204020203" pitchFamily="34" charset="0"/>
+                      </a:endParaRPr>
+                    </a:p>
+                  </a:txBody>
+                  <a:tcPr anchor="ctr"/>
+                </a:tc>
+                <a:extLst>
+                  <a:ext uri="{0D108BD9-81ED-4DB2-BD59-A6C34878D82A}">
+                    <a16:rowId xmlns:a16="http://schemas.microsoft.com/office/drawing/2014/main" xmlns="" val="321066646"/>
+                  </a:ext>
+                </a:extLst>
+              </a:tr>
+              <a:tr h="767632">
+                <a:tc>
+                  <a:txBody>
+                    <a:bodyPr/>
+                    <a:lstStyle/>
+                    <a:p>
+                      <a:pPr marL="0" marR="0" indent="0" algn="l" defTabSz="914088" rtl="0" eaLnBrk="1" fontAlgn="auto" latinLnBrk="0" hangingPunct="1">
+                        <a:lnSpc>
+                          <a:spcPct val="100000"/>
+                        </a:lnSpc>
+                        <a:spcBef>
+                          <a:spcPts val="0"/>
+                        </a:spcBef>
+                        <a:spcAft>
+                          <a:spcPts val="0"/>
+                        </a:spcAft>
+                        <a:buClrTx/>
+                        <a:buSzTx/>
+                        <a:buFontTx/>
+                        <a:buNone/>
+                        <a:tabLst/>
+                        <a:defRPr/>
+                      </a:pPr>
+                      <a:r>
+                        <a:rPr lang="en-US" sz="2400" dirty="0" smtClean="0">
+                          <a:latin typeface="Segoe UI Light" panose="020B0502040204020203" pitchFamily="34" charset="0"/>
+                          <a:cs typeface="Segoe UI Light" panose="020B0502040204020203" pitchFamily="34" charset="0"/>
+                        </a:rPr>
+                        <a:t>03</a:t>
+                      </a:r>
+                      <a:r>
+                        <a:rPr lang="en-US" sz="2400" baseline="0" dirty="0" smtClean="0">
+                          <a:latin typeface="Segoe UI Light" panose="020B0502040204020203" pitchFamily="34" charset="0"/>
+                          <a:cs typeface="Segoe UI Light" panose="020B0502040204020203" pitchFamily="34" charset="0"/>
+                        </a:rPr>
+                        <a:t> | Working with Azure DNS Services</a:t>
+                      </a:r>
+                      <a:endParaRPr lang="en-US" sz="2400" dirty="0" smtClean="0">
+                        <a:latin typeface="Segoe UI Light" panose="020B0502040204020203" pitchFamily="34" charset="0"/>
+                        <a:cs typeface="Segoe UI Light" panose="020B0502040204020203" pitchFamily="34" charset="0"/>
+                      </a:endParaRPr>
+                    </a:p>
+                  </a:txBody>
+                  <a:tcPr anchor="ctr"/>
+                </a:tc>
+                <a:tc>
+                  <a:txBody>
+                    <a:bodyPr/>
+                    <a:lstStyle/>
+                    <a:p>
+                      <a:r>
+                        <a:rPr lang="en-US" sz="2400" dirty="0" smtClean="0">
+                          <a:latin typeface="Segoe UI Light" panose="020B0502040204020203" pitchFamily="34" charset="0"/>
+                          <a:cs typeface="Segoe UI Light" panose="020B0502040204020203" pitchFamily="34" charset="0"/>
+                        </a:rPr>
+                        <a:t>07 | Scaling Your Application Under Load</a:t>
+                      </a:r>
+                      <a:endParaRPr lang="en-US" sz="2400" dirty="0">
+                        <a:latin typeface="Segoe UI Light" panose="020B0502040204020203" pitchFamily="34" charset="0"/>
+                        <a:cs typeface="Segoe UI Light" panose="020B0502040204020203" pitchFamily="34" charset="0"/>
+                      </a:endParaRPr>
+                    </a:p>
+                  </a:txBody>
+                  <a:tcPr anchor="ctr"/>
+                </a:tc>
+                <a:extLst>
+                  <a:ext uri="{0D108BD9-81ED-4DB2-BD59-A6C34878D82A}">
+                    <a16:rowId xmlns:a16="http://schemas.microsoft.com/office/drawing/2014/main" xmlns="" val="3812060533"/>
+                  </a:ext>
+                </a:extLst>
+              </a:tr>
+              <a:tr h="767632">
+                <a:tc>
+                  <a:txBody>
+                    <a:bodyPr/>
+                    <a:lstStyle/>
+                    <a:p>
+                      <a:r>
+                        <a:rPr lang="en-US" sz="2400" dirty="0" smtClean="0">
+                          <a:latin typeface="Segoe UI Light" panose="020B0502040204020203" pitchFamily="34" charset="0"/>
+                          <a:cs typeface="Segoe UI Light" panose="020B0502040204020203" pitchFamily="34" charset="0"/>
+                        </a:rPr>
+                        <a:t>04 | Executing Large Tasks in the Cloud</a:t>
+                      </a:r>
+                      <a:endParaRPr lang="en-US" sz="2400" dirty="0">
+                        <a:latin typeface="Segoe UI Light" panose="020B0502040204020203" pitchFamily="34" charset="0"/>
+                        <a:cs typeface="Segoe UI Light" panose="020B0502040204020203" pitchFamily="34" charset="0"/>
+                      </a:endParaRPr>
+                    </a:p>
+                  </a:txBody>
+                  <a:tcPr anchor="ctr"/>
+                </a:tc>
+                <a:tc>
+                  <a:txBody>
+                    <a:bodyPr/>
+                    <a:lstStyle/>
+                    <a:p>
+                      <a:r>
+                        <a:rPr lang="en-US" sz="2400" dirty="0" smtClean="0">
+                          <a:latin typeface="Segoe UI Light" panose="020B0502040204020203" pitchFamily="34" charset="0"/>
+                          <a:cs typeface="Segoe UI Light" panose="020B0502040204020203" pitchFamily="34" charset="0"/>
+                        </a:rPr>
+                        <a:t>08 | Rewind</a:t>
+                      </a:r>
+                      <a:endParaRPr lang="en-US" sz="2400" dirty="0">
+                        <a:latin typeface="Segoe UI Light" panose="020B0502040204020203" pitchFamily="34" charset="0"/>
+                        <a:cs typeface="Segoe UI Light" panose="020B0502040204020203" pitchFamily="34" charset="0"/>
+                      </a:endParaRPr>
+                    </a:p>
+                  </a:txBody>
+                  <a:tcPr anchor="ctr"/>
+                </a:tc>
+                <a:extLst>
+                  <a:ext uri="{0D108BD9-81ED-4DB2-BD59-A6C34878D82A}">
+                    <a16:rowId xmlns:a16="http://schemas.microsoft.com/office/drawing/2014/main" xmlns="" val="733235577"/>
                   </a:ext>
                 </a:extLst>
               </a:tr>
@@ -7449,7 +7790,7 @@
   <p:timing>
     <p:tnLst>
       <p:par>
-        <p:cTn id="1" dur="indefinite" restart="never" nodeType="tmRoot"/>
+        <p:cTn xmlns:p14="http://schemas.microsoft.com/office/powerpoint/2010/main" id="1" dur="indefinite" restart="never" nodeType="tmRoot"/>
       </p:par>
     </p:tnLst>
   </p:timing>
@@ -7537,7 +7878,7 @@
   <p:timing>
     <p:tnLst>
       <p:par>
-        <p:cTn id="1" dur="indefinite" restart="never" nodeType="tmRoot"/>
+        <p:cTn xmlns:p14="http://schemas.microsoft.com/office/powerpoint/2010/main" id="1" dur="indefinite" restart="never" nodeType="tmRoot"/>
       </p:par>
     </p:tnLst>
   </p:timing>
@@ -7640,7 +7981,7 @@
   <p:timing>
     <p:tnLst>
       <p:par>
-        <p:cTn id="1" dur="indefinite" restart="never" nodeType="tmRoot"/>
+        <p:cTn xmlns:p14="http://schemas.microsoft.com/office/powerpoint/2010/main" id="1" dur="indefinite" restart="never" nodeType="tmRoot"/>
       </p:par>
     </p:tnLst>
   </p:timing>
@@ -7720,7 +8061,7 @@
           </a:prstGeom>
           <a:noFill/>
           <a:extLst>
-            <a:ext uri="{909E8E84-426E-40DD-AFC4-6F175D3DCCD1}">
+            <a:ext uri="{909E8E84-426E-40dd-AFC4-6F175D3DCCD1}">
               <a14:hiddenFill xmlns:a14="http://schemas.microsoft.com/office/drawing/2010/main">
                 <a:solidFill>
                   <a:srgbClr val="FFFFFF"/>
@@ -7743,7 +8084,7 @@
   <p:timing>
     <p:tnLst>
       <p:par>
-        <p:cTn id="1" dur="indefinite" restart="never" nodeType="tmRoot"/>
+        <p:cTn xmlns:p14="http://schemas.microsoft.com/office/powerpoint/2010/main" id="1" dur="indefinite" restart="never" nodeType="tmRoot"/>
       </p:par>
     </p:tnLst>
   </p:timing>
@@ -7850,7 +8191,7 @@
   <p:timing>
     <p:tnLst>
       <p:par>
-        <p:cTn id="1" dur="indefinite" restart="never" nodeType="tmRoot"/>
+        <p:cTn xmlns:p14="http://schemas.microsoft.com/office/powerpoint/2010/main" id="1" dur="indefinite" restart="never" nodeType="tmRoot"/>
       </p:par>
     </p:tnLst>
   </p:timing>
@@ -7957,7 +8298,7 @@
   <p:timing>
     <p:tnLst>
       <p:par>
-        <p:cTn id="1" dur="indefinite" restart="never" nodeType="tmRoot"/>
+        <p:cTn xmlns:p14="http://schemas.microsoft.com/office/powerpoint/2010/main" id="1" dur="indefinite" restart="never" nodeType="tmRoot"/>
       </p:par>
     </p:tnLst>
   </p:timing>
@@ -8040,7 +8381,7 @@
   <p:timing>
     <p:tnLst>
       <p:par>
-        <p:cTn id="1" dur="indefinite" restart="never" nodeType="tmRoot"/>
+        <p:cTn xmlns:p14="http://schemas.microsoft.com/office/powerpoint/2010/main" id="1" dur="indefinite" restart="never" nodeType="tmRoot"/>
       </p:par>
     </p:tnLst>
   </p:timing>
@@ -8201,7 +8542,7 @@
   <p:timing>
     <p:tnLst>
       <p:par>
-        <p:cTn id="1" dur="indefinite" restart="never" nodeType="tmRoot"/>
+        <p:cTn xmlns:p14="http://schemas.microsoft.com/office/powerpoint/2010/main" id="1" dur="indefinite" restart="never" nodeType="tmRoot"/>
       </p:par>
     </p:tnLst>
   </p:timing>
@@ -8238,7 +8579,7 @@
   <p:timing>
     <p:tnLst>
       <p:par>
-        <p:cTn id="1" dur="indefinite" restart="never" nodeType="tmRoot"/>
+        <p:cTn xmlns:p14="http://schemas.microsoft.com/office/powerpoint/2010/main" id="1" dur="indefinite" restart="never" nodeType="tmRoot"/>
       </p:par>
     </p:tnLst>
   </p:timing>
@@ -8317,14 +8658,14 @@
                 <a:gridCol w="5762625">
                   <a:extLst>
                     <a:ext uri="{9D8B030D-6E8A-4147-A177-3AD203B41FA5}">
-                      <a16:colId xmlns="" xmlns:a16="http://schemas.microsoft.com/office/drawing/2014/main" val="1632794655"/>
+                      <a16:colId xmlns:a16="http://schemas.microsoft.com/office/drawing/2014/main" xmlns="" val="1632794655"/>
                     </a:ext>
                   </a:extLst>
                 </a:gridCol>
                 <a:gridCol w="5762625">
                   <a:extLst>
                     <a:ext uri="{9D8B030D-6E8A-4147-A177-3AD203B41FA5}">
-                      <a16:colId xmlns="" xmlns:a16="http://schemas.microsoft.com/office/drawing/2014/main" val="2011313899"/>
+                      <a16:colId xmlns:a16="http://schemas.microsoft.com/office/drawing/2014/main" xmlns="" val="2011313899"/>
                     </a:ext>
                   </a:extLst>
                 </a:gridCol>
@@ -8369,7 +8710,7 @@
                 </a:tc>
                 <a:extLst>
                   <a:ext uri="{0D108BD9-81ED-4DB2-BD59-A6C34878D82A}">
-                    <a16:rowId xmlns="" xmlns:a16="http://schemas.microsoft.com/office/drawing/2014/main" val="1789177411"/>
+                    <a16:rowId xmlns:a16="http://schemas.microsoft.com/office/drawing/2014/main" xmlns="" val="1789177411"/>
                   </a:ext>
                 </a:extLst>
               </a:tr>
@@ -8440,7 +8781,7 @@
                 </a:tc>
                 <a:extLst>
                   <a:ext uri="{0D108BD9-81ED-4DB2-BD59-A6C34878D82A}">
-                    <a16:rowId xmlns="" xmlns:a16="http://schemas.microsoft.com/office/drawing/2014/main" val="3842815335"/>
+                    <a16:rowId xmlns:a16="http://schemas.microsoft.com/office/drawing/2014/main" xmlns="" val="3842815335"/>
                   </a:ext>
                 </a:extLst>
               </a:tr>
@@ -8497,7 +8838,7 @@
                 </a:tc>
                 <a:extLst>
                   <a:ext uri="{0D108BD9-81ED-4DB2-BD59-A6C34878D82A}">
-                    <a16:rowId xmlns="" xmlns:a16="http://schemas.microsoft.com/office/drawing/2014/main" val="321066646"/>
+                    <a16:rowId xmlns:a16="http://schemas.microsoft.com/office/drawing/2014/main" xmlns="" val="321066646"/>
                   </a:ext>
                 </a:extLst>
               </a:tr>
@@ -8582,7 +8923,7 @@
                 </a:tc>
                 <a:extLst>
                   <a:ext uri="{0D108BD9-81ED-4DB2-BD59-A6C34878D82A}">
-                    <a16:rowId xmlns="" xmlns:a16="http://schemas.microsoft.com/office/drawing/2014/main" val="3812060533"/>
+                    <a16:rowId xmlns:a16="http://schemas.microsoft.com/office/drawing/2014/main" xmlns="" val="3812060533"/>
                   </a:ext>
                 </a:extLst>
               </a:tr>
@@ -8629,7 +8970,328 @@
                 </a:tc>
                 <a:extLst>
                   <a:ext uri="{0D108BD9-81ED-4DB2-BD59-A6C34878D82A}">
-                    <a16:rowId xmlns="" xmlns:a16="http://schemas.microsoft.com/office/drawing/2014/main" val="733235577"/>
+                    <a16:rowId xmlns:a16="http://schemas.microsoft.com/office/drawing/2014/main" xmlns="" val="733235577"/>
+                  </a:ext>
+                </a:extLst>
+              </a:tr>
+            </a:tbl>
+          </a:graphicData>
+        </a:graphic>
+      </p:graphicFrame>
+      <p:graphicFrame>
+        <p:nvGraphicFramePr>
+          <p:cNvPr id="5" name="Content Placeholder 3"/>
+          <p:cNvGraphicFramePr>
+            <a:graphicFrameLocks/>
+          </p:cNvGraphicFramePr>
+          <p:nvPr>
+            <p:extLst>
+              <p:ext uri="{D42A27DB-BD31-4B8C-83A1-F6EECF244321}">
+                <p14:modId xmlns:p14="http://schemas.microsoft.com/office/powerpoint/2010/main" val="3404941301"/>
+              </p:ext>
+            </p:extLst>
+          </p:nvPr>
+        </p:nvGraphicFramePr>
+        <p:xfrm>
+          <a:off x="379413" y="1417636"/>
+          <a:ext cx="11525250" cy="4259248"/>
+        </p:xfrm>
+        <a:graphic>
+          <a:graphicData uri="http://schemas.openxmlformats.org/drawingml/2006/table">
+            <a:tbl>
+              <a:tblPr firstRow="1" bandRow="1">
+                <a:tableStyleId>{5C22544A-7EE6-4342-B048-85BDC9FD1C3A}</a:tableStyleId>
+              </a:tblPr>
+              <a:tblGrid>
+                <a:gridCol w="5762625">
+                  <a:extLst>
+                    <a:ext uri="{9D8B030D-6E8A-4147-A177-3AD203B41FA5}">
+                      <a16:colId xmlns:a16="http://schemas.microsoft.com/office/drawing/2014/main" xmlns="" val="1632794655"/>
+                    </a:ext>
+                  </a:extLst>
+                </a:gridCol>
+                <a:gridCol w="5762625">
+                  <a:extLst>
+                    <a:ext uri="{9D8B030D-6E8A-4147-A177-3AD203B41FA5}">
+                      <a16:colId xmlns:a16="http://schemas.microsoft.com/office/drawing/2014/main" xmlns="" val="2011313899"/>
+                    </a:ext>
+                  </a:extLst>
+                </a:gridCol>
+              </a:tblGrid>
+              <a:tr h="767632">
+                <a:tc gridSpan="2">
+                  <a:txBody>
+                    <a:bodyPr/>
+                    <a:lstStyle/>
+                    <a:p>
+                      <a:r>
+                        <a:rPr lang="en-US" sz="3600" dirty="0" smtClean="0">
+                          <a:latin typeface="Segoe UI Light" panose="020B0502040204020203" pitchFamily="34" charset="0"/>
+                          <a:cs typeface="Segoe UI Light" panose="020B0502040204020203" pitchFamily="34" charset="0"/>
+                        </a:rPr>
+                        <a:t>Applications on Azure: Putting All the Pieces Together</a:t>
+                      </a:r>
+                      <a:endParaRPr lang="en-US" sz="3600" dirty="0">
+                        <a:latin typeface="Segoe UI Light" panose="020B0502040204020203" pitchFamily="34" charset="0"/>
+                        <a:cs typeface="Segoe UI Light" panose="020B0502040204020203" pitchFamily="34" charset="0"/>
+                      </a:endParaRPr>
+                    </a:p>
+                  </a:txBody>
+                  <a:tcPr anchor="ctr"/>
+                </a:tc>
+                <a:tc hMerge="1">
+                  <a:txBody>
+                    <a:bodyPr/>
+                    <a:lstStyle/>
+                    <a:p>
+                      <a:endParaRPr lang="en-US" dirty="0"/>
+                    </a:p>
+                  </a:txBody>
+                  <a:tcPr/>
+                </a:tc>
+                <a:extLst>
+                  <a:ext uri="{0D108BD9-81ED-4DB2-BD59-A6C34878D82A}">
+                    <a16:rowId xmlns:a16="http://schemas.microsoft.com/office/drawing/2014/main" xmlns="" val="1789177411"/>
+                  </a:ext>
+                </a:extLst>
+              </a:tr>
+              <a:tr h="767632">
+                <a:tc>
+                  <a:txBody>
+                    <a:bodyPr/>
+                    <a:lstStyle/>
+                    <a:p>
+                      <a:r>
+                        <a:rPr lang="en-US" sz="2400" dirty="0" smtClean="0">
+                          <a:latin typeface="Segoe UI Light" panose="020B0502040204020203" pitchFamily="34" charset="0"/>
+                          <a:cs typeface="Segoe UI Light" panose="020B0502040204020203" pitchFamily="34" charset="0"/>
+                        </a:rPr>
+                        <a:t>01 | Intro</a:t>
+                      </a:r>
+                      <a:endParaRPr lang="en-US" sz="2400" dirty="0">
+                        <a:latin typeface="Segoe UI Light" panose="020B0502040204020203" pitchFamily="34" charset="0"/>
+                        <a:cs typeface="Segoe UI Light" panose="020B0502040204020203" pitchFamily="34" charset="0"/>
+                      </a:endParaRPr>
+                    </a:p>
+                  </a:txBody>
+                  <a:tcPr anchor="ctr"/>
+                </a:tc>
+                <a:tc>
+                  <a:txBody>
+                    <a:bodyPr/>
+                    <a:lstStyle/>
+                    <a:p>
+                      <a:r>
+                        <a:rPr lang="en-US" sz="2400" dirty="0" smtClean="0">
+                          <a:latin typeface="Segoe UI Light" panose="020B0502040204020203" pitchFamily="34" charset="0"/>
+                          <a:cs typeface="Segoe UI Light" panose="020B0502040204020203" pitchFamily="34" charset="0"/>
+                        </a:rPr>
+                        <a:t>05 | Storing Data and Objects in Azure</a:t>
+                      </a:r>
+                      <a:endParaRPr lang="en-US" sz="2400" dirty="0">
+                        <a:latin typeface="Segoe UI Light" panose="020B0502040204020203" pitchFamily="34" charset="0"/>
+                        <a:cs typeface="Segoe UI Light" panose="020B0502040204020203" pitchFamily="34" charset="0"/>
+                      </a:endParaRPr>
+                    </a:p>
+                  </a:txBody>
+                  <a:tcPr anchor="ctr"/>
+                </a:tc>
+                <a:extLst>
+                  <a:ext uri="{0D108BD9-81ED-4DB2-BD59-A6C34878D82A}">
+                    <a16:rowId xmlns:a16="http://schemas.microsoft.com/office/drawing/2014/main" xmlns="" val="3842815335"/>
+                  </a:ext>
+                </a:extLst>
+              </a:tr>
+              <a:tr h="767632">
+                <a:tc>
+                  <a:txBody>
+                    <a:bodyPr/>
+                    <a:lstStyle/>
+                    <a:p>
+                      <a:r>
+                        <a:rPr lang="en-US" sz="2400" dirty="0" smtClean="0">
+                          <a:latin typeface="Segoe UI Light" panose="020B0502040204020203" pitchFamily="34" charset="0"/>
+                          <a:cs typeface="Segoe UI Light" panose="020B0502040204020203" pitchFamily="34" charset="0"/>
+                        </a:rPr>
+                        <a:t>02 | Exploring Application Architecture</a:t>
+                      </a:r>
+                      <a:endParaRPr lang="en-US" sz="2400" dirty="0">
+                        <a:latin typeface="Segoe UI Light" panose="020B0502040204020203" pitchFamily="34" charset="0"/>
+                        <a:cs typeface="Segoe UI Light" panose="020B0502040204020203" pitchFamily="34" charset="0"/>
+                      </a:endParaRPr>
+                    </a:p>
+                  </a:txBody>
+                  <a:tcPr anchor="ctr"/>
+                </a:tc>
+                <a:tc>
+                  <a:txBody>
+                    <a:bodyPr/>
+                    <a:lstStyle/>
+                    <a:p>
+                      <a:r>
+                        <a:rPr lang="en-US" sz="2400" b="1" dirty="0" smtClean="0">
+                          <a:latin typeface="Segoe UI Light" panose="020B0502040204020203" pitchFamily="34" charset="0"/>
+                          <a:cs typeface="Segoe UI Light" panose="020B0502040204020203" pitchFamily="34" charset="0"/>
+                        </a:rPr>
+                        <a:t>06 | </a:t>
+                      </a:r>
+                      <a:r>
+                        <a:rPr lang="en-US" sz="2400" b="1" dirty="0" err="1" smtClean="0">
+                          <a:latin typeface="Segoe UI Light" panose="020B0502040204020203" pitchFamily="34" charset="0"/>
+                          <a:cs typeface="Segoe UI Light" panose="020B0502040204020203" pitchFamily="34" charset="0"/>
+                        </a:rPr>
+                        <a:t>ElasticSearch</a:t>
+                      </a:r>
+                      <a:r>
+                        <a:rPr lang="en-US" sz="2400" b="1" dirty="0" smtClean="0">
+                          <a:latin typeface="Segoe UI Light" panose="020B0502040204020203" pitchFamily="34" charset="0"/>
+                          <a:cs typeface="Segoe UI Light" panose="020B0502040204020203" pitchFamily="34" charset="0"/>
+                        </a:rPr>
+                        <a:t>,</a:t>
+                      </a:r>
+                      <a:r>
+                        <a:rPr lang="en-US" sz="2400" b="1" baseline="0" dirty="0" smtClean="0">
+                          <a:latin typeface="Segoe UI Light" panose="020B0502040204020203" pitchFamily="34" charset="0"/>
+                          <a:cs typeface="Segoe UI Light" panose="020B0502040204020203" pitchFamily="34" charset="0"/>
+                        </a:rPr>
+                        <a:t> </a:t>
+                      </a:r>
+                      <a:r>
+                        <a:rPr lang="en-US" sz="2400" b="1" dirty="0" smtClean="0">
+                          <a:latin typeface="Segoe UI Light" panose="020B0502040204020203" pitchFamily="34" charset="0"/>
+                          <a:cs typeface="Segoe UI Light" panose="020B0502040204020203" pitchFamily="34" charset="0"/>
+                        </a:rPr>
+                        <a:t>Docker and YOU</a:t>
+                      </a:r>
+                      <a:endParaRPr lang="en-US" sz="2400" b="1" dirty="0">
+                        <a:latin typeface="Segoe UI Light" panose="020B0502040204020203" pitchFamily="34" charset="0"/>
+                        <a:cs typeface="Segoe UI Light" panose="020B0502040204020203" pitchFamily="34" charset="0"/>
+                      </a:endParaRPr>
+                    </a:p>
+                  </a:txBody>
+                  <a:tcPr anchor="ctr"/>
+                </a:tc>
+                <a:extLst>
+                  <a:ext uri="{0D108BD9-81ED-4DB2-BD59-A6C34878D82A}">
+                    <a16:rowId xmlns:a16="http://schemas.microsoft.com/office/drawing/2014/main" xmlns="" val="321066646"/>
+                  </a:ext>
+                </a:extLst>
+              </a:tr>
+              <a:tr h="767632">
+                <a:tc>
+                  <a:txBody>
+                    <a:bodyPr/>
+                    <a:lstStyle/>
+                    <a:p>
+                      <a:pPr marL="0" marR="0" indent="0" algn="l" defTabSz="914088" rtl="0" eaLnBrk="1" fontAlgn="auto" latinLnBrk="0" hangingPunct="1">
+                        <a:lnSpc>
+                          <a:spcPct val="100000"/>
+                        </a:lnSpc>
+                        <a:spcBef>
+                          <a:spcPts val="0"/>
+                        </a:spcBef>
+                        <a:spcAft>
+                          <a:spcPts val="0"/>
+                        </a:spcAft>
+                        <a:buClrTx/>
+                        <a:buSzTx/>
+                        <a:buFontTx/>
+                        <a:buNone/>
+                        <a:tabLst/>
+                        <a:defRPr/>
+                      </a:pPr>
+                      <a:r>
+                        <a:rPr lang="en-US" sz="2400" dirty="0" smtClean="0">
+                          <a:latin typeface="Segoe UI Light" panose="020B0502040204020203" pitchFamily="34" charset="0"/>
+                          <a:cs typeface="Segoe UI Light" panose="020B0502040204020203" pitchFamily="34" charset="0"/>
+                        </a:rPr>
+                        <a:t>03</a:t>
+                      </a:r>
+                      <a:r>
+                        <a:rPr lang="en-US" sz="2400" baseline="0" dirty="0" smtClean="0">
+                          <a:latin typeface="Segoe UI Light" panose="020B0502040204020203" pitchFamily="34" charset="0"/>
+                          <a:cs typeface="Segoe UI Light" panose="020B0502040204020203" pitchFamily="34" charset="0"/>
+                        </a:rPr>
+                        <a:t> | Working with Azure DNS Services</a:t>
+                      </a:r>
+                      <a:endParaRPr lang="en-US" sz="2400" dirty="0" smtClean="0">
+                        <a:latin typeface="Segoe UI Light" panose="020B0502040204020203" pitchFamily="34" charset="0"/>
+                        <a:cs typeface="Segoe UI Light" panose="020B0502040204020203" pitchFamily="34" charset="0"/>
+                      </a:endParaRPr>
+                    </a:p>
+                  </a:txBody>
+                  <a:tcPr anchor="ctr"/>
+                </a:tc>
+                <a:tc>
+                  <a:txBody>
+                    <a:bodyPr/>
+                    <a:lstStyle/>
+                    <a:p>
+                      <a:r>
+                        <a:rPr lang="en-US" sz="2400" dirty="0" smtClean="0">
+                          <a:latin typeface="Segoe UI Light" panose="020B0502040204020203" pitchFamily="34" charset="0"/>
+                          <a:cs typeface="Segoe UI Light" panose="020B0502040204020203" pitchFamily="34" charset="0"/>
+                        </a:rPr>
+                        <a:t>07 | Scaling Your Application Under Load</a:t>
+                      </a:r>
+                      <a:endParaRPr lang="en-US" sz="2400" dirty="0">
+                        <a:latin typeface="Segoe UI Light" panose="020B0502040204020203" pitchFamily="34" charset="0"/>
+                        <a:cs typeface="Segoe UI Light" panose="020B0502040204020203" pitchFamily="34" charset="0"/>
+                      </a:endParaRPr>
+                    </a:p>
+                  </a:txBody>
+                  <a:tcPr anchor="ctr"/>
+                </a:tc>
+                <a:extLst>
+                  <a:ext uri="{0D108BD9-81ED-4DB2-BD59-A6C34878D82A}">
+                    <a16:rowId xmlns:a16="http://schemas.microsoft.com/office/drawing/2014/main" xmlns="" val="3812060533"/>
+                  </a:ext>
+                </a:extLst>
+              </a:tr>
+              <a:tr h="767632">
+                <a:tc>
+                  <a:txBody>
+                    <a:bodyPr/>
+                    <a:lstStyle/>
+                    <a:p>
+                      <a:r>
+                        <a:rPr lang="en-US" sz="2400" dirty="0" smtClean="0">
+                          <a:latin typeface="Segoe UI Light" panose="020B0502040204020203" pitchFamily="34" charset="0"/>
+                          <a:cs typeface="Segoe UI Light" panose="020B0502040204020203" pitchFamily="34" charset="0"/>
+                        </a:rPr>
+                        <a:t>04 | Executing Large Tasks in the Cloud</a:t>
+                      </a:r>
+                      <a:endParaRPr lang="en-US" sz="2400" dirty="0">
+                        <a:latin typeface="Segoe UI Light" panose="020B0502040204020203" pitchFamily="34" charset="0"/>
+                        <a:cs typeface="Segoe UI Light" panose="020B0502040204020203" pitchFamily="34" charset="0"/>
+                      </a:endParaRPr>
+                    </a:p>
+                  </a:txBody>
+                  <a:tcPr anchor="ctr"/>
+                </a:tc>
+                <a:tc>
+                  <a:txBody>
+                    <a:bodyPr/>
+                    <a:lstStyle/>
+                    <a:p>
+                      <a:r>
+                        <a:rPr lang="en-US" sz="2400" dirty="0" smtClean="0">
+                          <a:latin typeface="Segoe UI Light" panose="020B0502040204020203" pitchFamily="34" charset="0"/>
+                          <a:cs typeface="Segoe UI Light" panose="020B0502040204020203" pitchFamily="34" charset="0"/>
+                        </a:rPr>
+                        <a:t>08 | Rewind</a:t>
+                      </a:r>
+                      <a:endParaRPr lang="en-US" sz="2400" dirty="0">
+                        <a:latin typeface="Segoe UI Light" panose="020B0502040204020203" pitchFamily="34" charset="0"/>
+                        <a:cs typeface="Segoe UI Light" panose="020B0502040204020203" pitchFamily="34" charset="0"/>
+                      </a:endParaRPr>
+                    </a:p>
+                  </a:txBody>
+                  <a:tcPr anchor="ctr"/>
+                </a:tc>
+                <a:extLst>
+                  <a:ext uri="{0D108BD9-81ED-4DB2-BD59-A6C34878D82A}">
+                    <a16:rowId xmlns:a16="http://schemas.microsoft.com/office/drawing/2014/main" xmlns="" val="733235577"/>
                   </a:ext>
                 </a:extLst>
               </a:tr>
@@ -8658,7 +9320,7 @@
   <p:timing>
     <p:tnLst>
       <p:par>
-        <p:cTn id="1" dur="indefinite" restart="never" nodeType="tmRoot"/>
+        <p:cTn xmlns:p14="http://schemas.microsoft.com/office/powerpoint/2010/main" id="1" dur="indefinite" restart="never" nodeType="tmRoot"/>
       </p:par>
     </p:tnLst>
   </p:timing>
@@ -8786,7 +9448,7 @@
           </a:prstGeom>
           <a:noFill/>
           <a:extLst>
-            <a:ext uri="{909E8E84-426E-40DD-AFC4-6F175D3DCCD1}">
+            <a:ext uri="{909E8E84-426E-40dd-AFC4-6F175D3DCCD1}">
               <a14:hiddenFill xmlns:a14="http://schemas.microsoft.com/office/drawing/2010/main">
                 <a:solidFill>
                   <a:srgbClr val="FFFFFF"/>
@@ -8809,7 +9471,7 @@
   <p:timing>
     <p:tnLst>
       <p:par>
-        <p:cTn id="1" dur="indefinite" restart="never" nodeType="tmRoot"/>
+        <p:cTn xmlns:p14="http://schemas.microsoft.com/office/powerpoint/2010/main" id="1" dur="indefinite" restart="never" nodeType="tmRoot"/>
       </p:par>
     </p:tnLst>
   </p:timing>
@@ -8946,7 +9608,7 @@
   <p:timing>
     <p:tnLst>
       <p:par>
-        <p:cTn id="1" dur="indefinite" restart="never" nodeType="tmRoot"/>
+        <p:cTn xmlns:p14="http://schemas.microsoft.com/office/powerpoint/2010/main" id="1" dur="indefinite" restart="never" nodeType="tmRoot"/>
       </p:par>
     </p:tnLst>
   </p:timing>
@@ -9302,7 +9964,7 @@
   <p:timing>
     <p:tnLst>
       <p:par>
-        <p:cTn id="1" dur="indefinite" restart="never" nodeType="tmRoot"/>
+        <p:cTn xmlns:p14="http://schemas.microsoft.com/office/powerpoint/2010/main" id="1" dur="indefinite" restart="never" nodeType="tmRoot"/>
       </p:par>
     </p:tnLst>
   </p:timing>
@@ -9439,7 +10101,7 @@
   <p:timing>
     <p:tnLst>
       <p:par>
-        <p:cTn id="1" dur="indefinite" restart="never" nodeType="tmRoot"/>
+        <p:cTn xmlns:p14="http://schemas.microsoft.com/office/powerpoint/2010/main" id="1" dur="indefinite" restart="never" nodeType="tmRoot"/>
       </p:par>
     </p:tnLst>
   </p:timing>
@@ -9576,7 +10238,7 @@
   <p:timing>
     <p:tnLst>
       <p:par>
-        <p:cTn id="1" dur="indefinite" restart="never" nodeType="tmRoot"/>
+        <p:cTn xmlns:p14="http://schemas.microsoft.com/office/powerpoint/2010/main" id="1" dur="indefinite" restart="never" nodeType="tmRoot"/>
       </p:par>
     </p:tnLst>
   </p:timing>
@@ -9741,7 +10403,7 @@
   <p:timing>
     <p:tnLst>
       <p:par>
-        <p:cTn id="1" dur="indefinite" restart="never" nodeType="tmRoot"/>
+        <p:cTn xmlns:p14="http://schemas.microsoft.com/office/powerpoint/2010/main" id="1" dur="indefinite" restart="never" nodeType="tmRoot"/>
       </p:par>
     </p:tnLst>
   </p:timing>
@@ -10288,7 +10950,7 @@
   <a:extraClrSchemeLst/>
   <a:extLst>
     <a:ext uri="{05A4C25C-085E-4340-85A3-A5531E510DB2}">
-      <thm15:themeFamily xmlns:thm15="http://schemas.microsoft.com/office/thememl/2012/main" name="Office Theme" id="{62F939B6-93AF-4DB8-9C6B-D6C7DFDC589F}" vid="{4A3C46E8-61CC-4603-A589-7422A47A8E4A}"/>
+      <thm15:themeFamily xmlns:thm15="http://schemas.microsoft.com/office/thememl/2012/main" xmlns="" name="Office Theme" id="{62F939B6-93AF-4DB8-9C6B-D6C7DFDC589F}" vid="{4A3C46E8-61CC-4603-A589-7422A47A8E4A}"/>
     </a:ext>
   </a:extLst>
 </a:theme>
@@ -10549,7 +11211,7 @@
   <a:extraClrSchemeLst/>
   <a:extLst>
     <a:ext uri="{05A4C25C-085E-4340-85A3-A5531E510DB2}">
-      <thm15:themeFamily xmlns:thm15="http://schemas.microsoft.com/office/thememl/2012/main" name="Office Theme" id="{62F939B6-93AF-4DB8-9C6B-D6C7DFDC589F}" vid="{4A3C46E8-61CC-4603-A589-7422A47A8E4A}"/>
+      <thm15:themeFamily xmlns:thm15="http://schemas.microsoft.com/office/thememl/2012/main" xmlns="" name="Office Theme" id="{62F939B6-93AF-4DB8-9C6B-D6C7DFDC589F}" vid="{4A3C46E8-61CC-4603-A589-7422A47A8E4A}"/>
     </a:ext>
   </a:extLst>
 </a:theme>

--- a/Presentation Materials/MVA-ApplicationsOnAzure-06.pptx
+++ b/Presentation Materials/MVA-ApplicationsOnAzure-06.pptx
@@ -5,39 +5,44 @@
     <p:sldMasterId id="2147483660" r:id="rId4"/>
   </p:sldMasterIdLst>
   <p:notesMasterIdLst>
-    <p:notesMasterId r:id="rId32"/>
+    <p:notesMasterId r:id="rId37"/>
   </p:notesMasterIdLst>
   <p:handoutMasterIdLst>
-    <p:handoutMasterId r:id="rId33"/>
+    <p:handoutMasterId r:id="rId38"/>
   </p:handoutMasterIdLst>
   <p:sldIdLst>
     <p:sldId id="271" r:id="rId5"/>
     <p:sldId id="274" r:id="rId6"/>
     <p:sldId id="284" r:id="rId7"/>
-    <p:sldId id="275" r:id="rId8"/>
-    <p:sldId id="285" r:id="rId9"/>
-    <p:sldId id="288" r:id="rId10"/>
-    <p:sldId id="286" r:id="rId11"/>
-    <p:sldId id="287" r:id="rId12"/>
-    <p:sldId id="289" r:id="rId13"/>
-    <p:sldId id="290" r:id="rId14"/>
-    <p:sldId id="291" r:id="rId15"/>
-    <p:sldId id="292" r:id="rId16"/>
-    <p:sldId id="293" r:id="rId17"/>
-    <p:sldId id="294" r:id="rId18"/>
-    <p:sldId id="295" r:id="rId19"/>
-    <p:sldId id="296" r:id="rId20"/>
-    <p:sldId id="297" r:id="rId21"/>
-    <p:sldId id="298" r:id="rId22"/>
-    <p:sldId id="300" r:id="rId23"/>
-    <p:sldId id="302" r:id="rId24"/>
-    <p:sldId id="303" r:id="rId25"/>
-    <p:sldId id="304" r:id="rId26"/>
-    <p:sldId id="305" r:id="rId27"/>
-    <p:sldId id="306" r:id="rId28"/>
-    <p:sldId id="307" r:id="rId29"/>
-    <p:sldId id="299" r:id="rId30"/>
-    <p:sldId id="269" r:id="rId31"/>
+    <p:sldId id="308" r:id="rId8"/>
+    <p:sldId id="275" r:id="rId9"/>
+    <p:sldId id="285" r:id="rId10"/>
+    <p:sldId id="288" r:id="rId11"/>
+    <p:sldId id="286" r:id="rId12"/>
+    <p:sldId id="287" r:id="rId13"/>
+    <p:sldId id="289" r:id="rId14"/>
+    <p:sldId id="309" r:id="rId15"/>
+    <p:sldId id="290" r:id="rId16"/>
+    <p:sldId id="291" r:id="rId17"/>
+    <p:sldId id="310" r:id="rId18"/>
+    <p:sldId id="293" r:id="rId19"/>
+    <p:sldId id="294" r:id="rId20"/>
+    <p:sldId id="295" r:id="rId21"/>
+    <p:sldId id="296" r:id="rId22"/>
+    <p:sldId id="311" r:id="rId23"/>
+    <p:sldId id="298" r:id="rId24"/>
+    <p:sldId id="312" r:id="rId25"/>
+    <p:sldId id="300" r:id="rId26"/>
+    <p:sldId id="302" r:id="rId27"/>
+    <p:sldId id="313" r:id="rId28"/>
+    <p:sldId id="303" r:id="rId29"/>
+    <p:sldId id="304" r:id="rId30"/>
+    <p:sldId id="305" r:id="rId31"/>
+    <p:sldId id="306" r:id="rId32"/>
+    <p:sldId id="307" r:id="rId33"/>
+    <p:sldId id="314" r:id="rId34"/>
+    <p:sldId id="299" r:id="rId35"/>
+    <p:sldId id="269" r:id="rId36"/>
   </p:sldIdLst>
   <p:sldSz cx="12192000" cy="6858000"/>
   <p:notesSz cx="6858000" cy="9144000"/>
@@ -816,20 +821,19 @@
           <a:p>
             <a:r>
               <a:rPr lang="en-CA" b="0" dirty="0" smtClean="0"/>
-              <a:t>So</a:t>
+              <a:t>Log data</a:t>
             </a:r>
             <a:r>
               <a:rPr lang="en-CA" b="0" baseline="0" dirty="0" smtClean="0"/>
-              <a:t> we need big data and because it is so big we can’t just read the files by hand. Unless you really like reading or you have an infinite number of monkeys who are taking a break from writing Twelfth Night. We would also like to be able to analyze the data for oddities or trends. Tools like app insights provide some of this data but they tend to only instrument points that we know to instrument and not everything. So to glean new insights we need to look at data historically. Finally we would like to correlate actions through the system via some sort of correlation id. </a:t>
-            </a:r>
-          </a:p>
-          <a:p>
-            <a:endParaRPr lang="en-CA" b="0" baseline="0" dirty="0" smtClean="0"/>
-          </a:p>
-          <a:p>
+              <a:t> can be huge, I mean seriously huge. Consider that if we log every change to data in the mediator then we’re logging at the very least the same amount of data that we’ve got in the system, likely several fold more data. So if your production </a:t>
+            </a:r>
+            <a:r>
+              <a:rPr lang="en-CA" b="0" baseline="0" dirty="0" err="1" smtClean="0"/>
+              <a:t>db</a:t>
+            </a:r>
             <a:r>
               <a:rPr lang="en-CA" b="0" baseline="0" dirty="0" smtClean="0"/>
-              <a:t>Perhaps us Azure ML to analyze log files. </a:t>
+              <a:t> is 1TB your logs could be 10TB. Logs can be a big data problem even for system that aren’t “big data”</a:t>
             </a:r>
             <a:endParaRPr lang="en-CA" b="0" dirty="0" smtClean="0"/>
           </a:p>
@@ -862,7 +866,7 @@
     </p:spTree>
     <p:extLst>
       <p:ext uri="{BB962C8B-B14F-4D97-AF65-F5344CB8AC3E}">
-        <p14:creationId xmlns:p14="http://schemas.microsoft.com/office/powerpoint/2010/main" val="3198789835"/>
+        <p14:creationId xmlns:p14="http://schemas.microsoft.com/office/powerpoint/2010/main" val="1876507788"/>
       </p:ext>
     </p:extLst>
   </p:cSld>
@@ -908,64 +912,6 @@
       </p:sp>
       <p:sp>
         <p:nvSpPr>
-          <p:cNvPr id="3" name="Notes Placeholder 2"/>
-          <p:cNvSpPr>
-            <a:spLocks noGrp="1"/>
-          </p:cNvSpPr>
-          <p:nvPr>
-            <p:ph type="body" idx="1"/>
-          </p:nvPr>
-        </p:nvSpPr>
-        <p:spPr/>
-        <p:txBody>
-          <a:bodyPr>
-            <a:normAutofit/>
-          </a:bodyPr>
-          <a:lstStyle/>
-          <a:p>
-            <a:r>
-              <a:rPr lang="en-CA" b="0" dirty="0" smtClean="0"/>
-              <a:t>Being from Canada we are pretty familiar</a:t>
-            </a:r>
-            <a:r>
-              <a:rPr lang="en-CA" b="0" baseline="0" dirty="0" smtClean="0"/>
-              <a:t> with this stack. We have whole herds of these things. So do the </a:t>
-            </a:r>
-            <a:r>
-              <a:rPr lang="en-CA" b="0" baseline="0" dirty="0" err="1" smtClean="0"/>
-              <a:t>americans</a:t>
-            </a:r>
-            <a:r>
-              <a:rPr lang="en-CA" b="0" baseline="0" dirty="0" smtClean="0"/>
-              <a:t>. Don’t confuse them with reindeer and the reindeer stack, that’s a whole different stack. Geeze there are a lot of stacks out there these days MEAN, ELK, LAMP, </a:t>
-            </a:r>
-          </a:p>
-          <a:p>
-            <a:endParaRPr lang="en-CA" b="0" baseline="0" dirty="0" smtClean="0"/>
-          </a:p>
-          <a:p>
-            <a:r>
-              <a:rPr lang="en-CA" b="0" baseline="0" dirty="0" smtClean="0"/>
-              <a:t>Used by lots of people </a:t>
-            </a:r>
-            <a:r>
-              <a:rPr lang="en-US" sz="1200" b="0" i="0" kern="1200" dirty="0" smtClean="0">
-                <a:solidFill>
-                  <a:schemeClr val="tx1"/>
-                </a:solidFill>
-                <a:effectLst/>
-                <a:latin typeface="+mn-lt"/>
-                <a:ea typeface="+mn-ea"/>
-                <a:cs typeface="+mn-cs"/>
-              </a:rPr>
-              <a:t>Cisco, Comcast, eBay, Facebook, Goldman Sachs, Groupon, the Guardian, ING, Mayo Clinic, Netflix, Verizon</a:t>
-            </a:r>
-            <a:endParaRPr lang="en-CA" b="0" dirty="0" smtClean="0"/>
-          </a:p>
-        </p:txBody>
-      </p:sp>
-      <p:sp>
-        <p:nvSpPr>
           <p:cNvPr id="4" name="Slide Number Placeholder 3"/>
           <p:cNvSpPr>
             <a:spLocks noGrp="1"/>
@@ -988,10 +934,29 @@
           </a:p>
         </p:txBody>
       </p:sp>
+      <p:sp>
+        <p:nvSpPr>
+          <p:cNvPr id="3" name="Notes Placeholder 2"/>
+          <p:cNvSpPr>
+            <a:spLocks noGrp="1"/>
+          </p:cNvSpPr>
+          <p:nvPr>
+            <p:ph type="body" idx="1"/>
+          </p:nvPr>
+        </p:nvSpPr>
+        <p:spPr/>
+        <p:txBody>
+          <a:bodyPr/>
+          <a:lstStyle/>
+          <a:p>
+            <a:endParaRPr lang="en-US" dirty="0"/>
+          </a:p>
+        </p:txBody>
+      </p:sp>
     </p:spTree>
     <p:extLst>
       <p:ext uri="{BB962C8B-B14F-4D97-AF65-F5344CB8AC3E}">
-        <p14:creationId xmlns:p14="http://schemas.microsoft.com/office/powerpoint/2010/main" val="1302941360"/>
+        <p14:creationId xmlns:p14="http://schemas.microsoft.com/office/powerpoint/2010/main" val="1686092717"/>
       </p:ext>
     </p:extLst>
   </p:cSld>
@@ -1028,16 +993,59 @@
             <p:ph type="sldImg"/>
           </p:nvPr>
         </p:nvSpPr>
+        <p:spPr>
+          <a:xfrm>
+            <a:off x="381000" y="685800"/>
+            <a:ext cx="6096000" cy="3429000"/>
+          </a:xfrm>
+        </p:spPr>
+      </p:sp>
+      <p:sp>
+        <p:nvSpPr>
+          <p:cNvPr id="3" name="Notes Placeholder 2"/>
+          <p:cNvSpPr>
+            <a:spLocks noGrp="1"/>
+          </p:cNvSpPr>
+          <p:nvPr>
+            <p:ph type="body" idx="1"/>
+          </p:nvPr>
+        </p:nvSpPr>
         <p:spPr/>
-      </p:sp>
-      <p:sp>
-        <p:nvSpPr>
-          <p:cNvPr id="3" name="Notes Placeholder 2"/>
-          <p:cNvSpPr>
-            <a:spLocks noGrp="1"/>
-          </p:cNvSpPr>
-          <p:nvPr>
-            <p:ph type="body" idx="1"/>
+        <p:txBody>
+          <a:bodyPr>
+            <a:normAutofit/>
+          </a:bodyPr>
+          <a:lstStyle/>
+          <a:p>
+            <a:r>
+              <a:rPr lang="en-CA" b="0" dirty="0" smtClean="0"/>
+              <a:t>So</a:t>
+            </a:r>
+            <a:r>
+              <a:rPr lang="en-CA" b="0" baseline="0" dirty="0" smtClean="0"/>
+              <a:t> we need big data and because it is so big we can’t just read the files by hand. Unless you really like reading or you have an infinite number of monkeys who are taking a break from writing Twelfth Night. We would also like to be able to analyze the data for oddities or trends. Tools like app insights provide some of this data but they tend to only instrument points that we know to instrument and not everything. So to glean new insights we need to look at data historically. Finally we would like to correlate actions through the system via some sort of correlation id. </a:t>
+            </a:r>
+          </a:p>
+          <a:p>
+            <a:endParaRPr lang="en-CA" b="0" baseline="0" dirty="0" smtClean="0"/>
+          </a:p>
+          <a:p>
+            <a:r>
+              <a:rPr lang="en-CA" b="0" baseline="0" dirty="0" smtClean="0"/>
+              <a:t>Perhaps us Azure ML to analyze log files. </a:t>
+            </a:r>
+            <a:endParaRPr lang="en-CA" b="0" dirty="0" smtClean="0"/>
+          </a:p>
+        </p:txBody>
+      </p:sp>
+      <p:sp>
+        <p:nvSpPr>
+          <p:cNvPr id="4" name="Slide Number Placeholder 3"/>
+          <p:cNvSpPr>
+            <a:spLocks noGrp="1"/>
+          </p:cNvSpPr>
+          <p:nvPr>
+            <p:ph type="sldNum" sz="quarter" idx="10"/>
           </p:nvPr>
         </p:nvSpPr>
         <p:spPr/>
@@ -1045,53 +1053,19 @@
           <a:bodyPr/>
           <a:lstStyle/>
           <a:p>
-            <a:r>
-              <a:rPr lang="en-US" dirty="0" smtClean="0"/>
-              <a:t>Let's start with log stash</a:t>
-            </a:r>
-          </a:p>
-          <a:p>
-            <a:r>
-              <a:rPr lang="en-US" dirty="0" smtClean="0"/>
-              <a:t> - log stash is like a sewage plant</a:t>
-            </a:r>
-          </a:p>
-          <a:p>
-            <a:r>
-              <a:rPr lang="en-US" dirty="0" smtClean="0"/>
-              <a:t> -</a:t>
-            </a:r>
-            <a:endParaRPr lang="en-US" dirty="0"/>
-          </a:p>
-        </p:txBody>
-      </p:sp>
-      <p:sp>
-        <p:nvSpPr>
-          <p:cNvPr id="4" name="Slide Number Placeholder 3"/>
-          <p:cNvSpPr>
-            <a:spLocks noGrp="1"/>
-          </p:cNvSpPr>
-          <p:nvPr>
-            <p:ph type="sldNum" sz="quarter" idx="10"/>
-          </p:nvPr>
-        </p:nvSpPr>
-        <p:spPr/>
-        <p:txBody>
-          <a:bodyPr/>
-          <a:lstStyle/>
-          <a:p>
-            <a:fld id="{4CFD207A-07DF-40AD-A916-9872E089CE7A}" type="slidenum">
+            <a:fld id="{13F0F35F-DD44-4607-AEC1-49D7A4BC4066}" type="slidenum">
               <a:rPr lang="en-US" smtClean="0"/>
+              <a:pPr/>
               <a:t>12</a:t>
             </a:fld>
-            <a:endParaRPr lang="en-US"/>
+            <a:endParaRPr lang="en-US" dirty="0"/>
           </a:p>
         </p:txBody>
       </p:sp>
     </p:spTree>
     <p:extLst>
       <p:ext uri="{BB962C8B-B14F-4D97-AF65-F5344CB8AC3E}">
-        <p14:creationId xmlns:p14="http://schemas.microsoft.com/office/powerpoint/2010/main" val="841634238"/>
+        <p14:creationId xmlns:p14="http://schemas.microsoft.com/office/powerpoint/2010/main" val="3198789835"/>
       </p:ext>
     </p:extLst>
   </p:cSld>
@@ -1128,16 +1102,79 @@
             <p:ph type="sldImg"/>
           </p:nvPr>
         </p:nvSpPr>
+        <p:spPr>
+          <a:xfrm>
+            <a:off x="381000" y="685800"/>
+            <a:ext cx="6096000" cy="3429000"/>
+          </a:xfrm>
+        </p:spPr>
+      </p:sp>
+      <p:sp>
+        <p:nvSpPr>
+          <p:cNvPr id="3" name="Notes Placeholder 2"/>
+          <p:cNvSpPr>
+            <a:spLocks noGrp="1"/>
+          </p:cNvSpPr>
+          <p:nvPr>
+            <p:ph type="body" idx="1"/>
+          </p:nvPr>
+        </p:nvSpPr>
         <p:spPr/>
-      </p:sp>
-      <p:sp>
-        <p:nvSpPr>
-          <p:cNvPr id="3" name="Notes Placeholder 2"/>
-          <p:cNvSpPr>
-            <a:spLocks noGrp="1"/>
-          </p:cNvSpPr>
-          <p:nvPr>
-            <p:ph type="body" idx="1"/>
+        <p:txBody>
+          <a:bodyPr>
+            <a:normAutofit/>
+          </a:bodyPr>
+          <a:lstStyle/>
+          <a:p>
+            <a:r>
+              <a:rPr lang="en-CA" b="0" dirty="0" smtClean="0"/>
+              <a:t>Being from Canada we are pretty familiar</a:t>
+            </a:r>
+            <a:r>
+              <a:rPr lang="en-CA" b="0" baseline="0" dirty="0" smtClean="0"/>
+              <a:t> with this stack. We have whole herds of these things. So do the </a:t>
+            </a:r>
+            <a:r>
+              <a:rPr lang="en-CA" b="0" baseline="0" dirty="0" err="1" smtClean="0"/>
+              <a:t>americans</a:t>
+            </a:r>
+            <a:r>
+              <a:rPr lang="en-CA" b="0" baseline="0" dirty="0" smtClean="0"/>
+              <a:t>. Don’t confuse them with reindeer and the reindeer stack, that’s a whole different stack. Geeze there are a lot of stacks out there these days MEAN, ELK, LAMP, </a:t>
+            </a:r>
+          </a:p>
+          <a:p>
+            <a:endParaRPr lang="en-CA" b="0" baseline="0" dirty="0" smtClean="0"/>
+          </a:p>
+          <a:p>
+            <a:r>
+              <a:rPr lang="en-CA" b="0" baseline="0" dirty="0" smtClean="0"/>
+              <a:t>Used by lots of people </a:t>
+            </a:r>
+            <a:r>
+              <a:rPr lang="en-US" sz="1200" b="0" i="0" kern="1200" dirty="0" smtClean="0">
+                <a:solidFill>
+                  <a:schemeClr val="tx1"/>
+                </a:solidFill>
+                <a:effectLst/>
+                <a:latin typeface="+mn-lt"/>
+                <a:ea typeface="+mn-ea"/>
+                <a:cs typeface="+mn-cs"/>
+              </a:rPr>
+              <a:t>Cisco, Comcast, eBay, Facebook, Goldman Sachs, Groupon, the Guardian, ING, Mayo Clinic, Netflix, Verizon</a:t>
+            </a:r>
+            <a:endParaRPr lang="en-CA" b="0" dirty="0" smtClean="0"/>
+          </a:p>
+        </p:txBody>
+      </p:sp>
+      <p:sp>
+        <p:nvSpPr>
+          <p:cNvPr id="4" name="Slide Number Placeholder 3"/>
+          <p:cNvSpPr>
+            <a:spLocks noGrp="1"/>
+          </p:cNvSpPr>
+          <p:nvPr>
+            <p:ph type="sldNum" sz="quarter" idx="10"/>
           </p:nvPr>
         </p:nvSpPr>
         <p:spPr/>
@@ -1145,60 +1182,19 @@
           <a:bodyPr/>
           <a:lstStyle/>
           <a:p>
-            <a:r>
-              <a:rPr lang="en-US" dirty="0" smtClean="0"/>
-              <a:t>no </a:t>
-            </a:r>
-            <a:r>
-              <a:rPr lang="en-US" dirty="0" err="1" smtClean="0"/>
-              <a:t>no</a:t>
-            </a:r>
-            <a:r>
-              <a:rPr lang="en-US" dirty="0" smtClean="0"/>
-              <a:t>, stay with me. </a:t>
-            </a:r>
-          </a:p>
-          <a:p>
-            <a:r>
-              <a:rPr lang="en-US" dirty="0" smtClean="0"/>
-              <a:t>contains a lot of pipes</a:t>
-            </a:r>
-          </a:p>
-          <a:p>
-            <a:r>
-              <a:rPr lang="en-US" dirty="0" smtClean="0"/>
-              <a:t>message waste comes in and is cleaned and sorted and sometimes we add things to the messages</a:t>
-            </a:r>
-          </a:p>
-        </p:txBody>
-      </p:sp>
-      <p:sp>
-        <p:nvSpPr>
-          <p:cNvPr id="4" name="Slide Number Placeholder 3"/>
-          <p:cNvSpPr>
-            <a:spLocks noGrp="1"/>
-          </p:cNvSpPr>
-          <p:nvPr>
-            <p:ph type="sldNum" sz="quarter" idx="10"/>
-          </p:nvPr>
-        </p:nvSpPr>
-        <p:spPr/>
-        <p:txBody>
-          <a:bodyPr/>
-          <a:lstStyle/>
-          <a:p>
-            <a:fld id="{4CFD207A-07DF-40AD-A916-9872E089CE7A}" type="slidenum">
+            <a:fld id="{13F0F35F-DD44-4607-AEC1-49D7A4BC4066}" type="slidenum">
               <a:rPr lang="en-US" smtClean="0"/>
+              <a:pPr/>
               <a:t>13</a:t>
             </a:fld>
-            <a:endParaRPr lang="en-US"/>
+            <a:endParaRPr lang="en-US" dirty="0"/>
           </a:p>
         </p:txBody>
       </p:sp>
     </p:spTree>
     <p:extLst>
       <p:ext uri="{BB962C8B-B14F-4D97-AF65-F5344CB8AC3E}">
-        <p14:creationId xmlns:p14="http://schemas.microsoft.com/office/powerpoint/2010/main" val="651189190"/>
+        <p14:creationId xmlns:p14="http://schemas.microsoft.com/office/powerpoint/2010/main" val="1302941360"/>
       </p:ext>
     </p:extLst>
   </p:cSld>
@@ -1235,81 +1231,60 @@
             <p:ph type="sldImg"/>
           </p:nvPr>
         </p:nvSpPr>
+        <p:spPr>
+          <a:xfrm>
+            <a:off x="381000" y="685800"/>
+            <a:ext cx="6096000" cy="3429000"/>
+          </a:xfrm>
+        </p:spPr>
+      </p:sp>
+      <p:sp>
+        <p:nvSpPr>
+          <p:cNvPr id="4" name="Slide Number Placeholder 3"/>
+          <p:cNvSpPr>
+            <a:spLocks noGrp="1"/>
+          </p:cNvSpPr>
+          <p:nvPr>
+            <p:ph type="sldNum" sz="quarter" idx="10"/>
+          </p:nvPr>
+        </p:nvSpPr>
         <p:spPr/>
-      </p:sp>
-      <p:sp>
-        <p:nvSpPr>
-          <p:cNvPr id="3" name="Notes Placeholder 2"/>
-          <p:cNvSpPr>
-            <a:spLocks noGrp="1"/>
-          </p:cNvSpPr>
-          <p:nvPr>
-            <p:ph type="body" idx="1"/>
-          </p:nvPr>
-        </p:nvSpPr>
-        <p:spPr/>
         <p:txBody>
           <a:bodyPr/>
           <a:lstStyle/>
           <a:p>
-            <a:r>
-              <a:rPr lang="en-US" dirty="0" smtClean="0"/>
-              <a:t>no </a:t>
-            </a:r>
-            <a:r>
-              <a:rPr lang="en-US" dirty="0" err="1" smtClean="0"/>
-              <a:t>no</a:t>
-            </a:r>
-            <a:r>
-              <a:rPr lang="en-US" dirty="0" smtClean="0"/>
-              <a:t>, stay with me. </a:t>
-            </a:r>
-          </a:p>
-          <a:p>
-            <a:r>
-              <a:rPr lang="en-US" dirty="0" smtClean="0"/>
-              <a:t>contains a lot of pipes</a:t>
-            </a:r>
-          </a:p>
-          <a:p>
-            <a:r>
+            <a:fld id="{13F0F35F-DD44-4607-AEC1-49D7A4BC4066}" type="slidenum">
               <a:rPr lang="en-US" smtClean="0"/>
-              <a:t>message </a:t>
-            </a:r>
-            <a:r>
-              <a:rPr lang="en-US" dirty="0" smtClean="0"/>
-              <a:t>waste comes in and is cleaned and sorted and sometimes we add things to the messages</a:t>
-            </a:r>
-          </a:p>
-        </p:txBody>
-      </p:sp>
-      <p:sp>
-        <p:nvSpPr>
-          <p:cNvPr id="4" name="Slide Number Placeholder 3"/>
-          <p:cNvSpPr>
-            <a:spLocks noGrp="1"/>
-          </p:cNvSpPr>
-          <p:nvPr>
-            <p:ph type="sldNum" sz="quarter" idx="10"/>
-          </p:nvPr>
-        </p:nvSpPr>
-        <p:spPr/>
-        <p:txBody>
-          <a:bodyPr/>
-          <a:lstStyle/>
-          <a:p>
-            <a:fld id="{4CFD207A-07DF-40AD-A916-9872E089CE7A}" type="slidenum">
-              <a:rPr lang="en-US" smtClean="0"/>
+              <a:pPr/>
               <a:t>14</a:t>
             </a:fld>
-            <a:endParaRPr lang="en-US"/>
+            <a:endParaRPr lang="en-US" dirty="0"/>
+          </a:p>
+        </p:txBody>
+      </p:sp>
+      <p:sp>
+        <p:nvSpPr>
+          <p:cNvPr id="3" name="Notes Placeholder 2"/>
+          <p:cNvSpPr>
+            <a:spLocks noGrp="1"/>
+          </p:cNvSpPr>
+          <p:nvPr>
+            <p:ph type="body" idx="1"/>
+          </p:nvPr>
+        </p:nvSpPr>
+        <p:spPr/>
+        <p:txBody>
+          <a:bodyPr/>
+          <a:lstStyle/>
+          <a:p>
+            <a:endParaRPr lang="en-US" dirty="0"/>
           </a:p>
         </p:txBody>
       </p:sp>
     </p:spTree>
     <p:extLst>
       <p:ext uri="{BB962C8B-B14F-4D97-AF65-F5344CB8AC3E}">
-        <p14:creationId xmlns:p14="http://schemas.microsoft.com/office/powerpoint/2010/main" val="328486038"/>
+        <p14:creationId xmlns:p14="http://schemas.microsoft.com/office/powerpoint/2010/main" val="1686092717"/>
       </p:ext>
     </p:extLst>
   </p:cSld>
@@ -1365,13 +1340,28 @@
           <a:p>
             <a:r>
               <a:rPr lang="en-US" dirty="0" smtClean="0"/>
-              <a:t>Can run arbitrary</a:t>
-            </a:r>
-            <a:r>
-              <a:rPr lang="en-US" baseline="0" dirty="0" smtClean="0"/>
-              <a:t> code to convert one format to another or whatever your little heart desires. What does 157.45.68.98 tell you about an IP? Nothing. 192.168.1.5? A little bit</a:t>
-            </a:r>
-            <a:endParaRPr lang="en-US" dirty="0" smtClean="0"/>
+              <a:t>no </a:t>
+            </a:r>
+            <a:r>
+              <a:rPr lang="en-US" dirty="0" err="1" smtClean="0"/>
+              <a:t>no</a:t>
+            </a:r>
+            <a:r>
+              <a:rPr lang="en-US" dirty="0" smtClean="0"/>
+              <a:t>, stay with me. </a:t>
+            </a:r>
+          </a:p>
+          <a:p>
+            <a:r>
+              <a:rPr lang="en-US" dirty="0" smtClean="0"/>
+              <a:t>contains a lot of pipes</a:t>
+            </a:r>
+          </a:p>
+          <a:p>
+            <a:r>
+              <a:rPr lang="en-US" dirty="0" smtClean="0"/>
+              <a:t>message waste comes in and is cleaned and sorted and sometimes we add things to the messages</a:t>
+            </a:r>
           </a:p>
         </p:txBody>
       </p:sp>
@@ -1401,7 +1391,7 @@
     </p:spTree>
     <p:extLst>
       <p:ext uri="{BB962C8B-B14F-4D97-AF65-F5344CB8AC3E}">
-        <p14:creationId xmlns:p14="http://schemas.microsoft.com/office/powerpoint/2010/main" val="190222636"/>
+        <p14:creationId xmlns:p14="http://schemas.microsoft.com/office/powerpoint/2010/main" val="651189190"/>
       </p:ext>
     </p:extLst>
   </p:cSld>
@@ -1457,13 +1447,32 @@
           <a:p>
             <a:r>
               <a:rPr lang="en-US" dirty="0" smtClean="0"/>
-              <a:t>Can run arbitrary</a:t>
-            </a:r>
-            <a:r>
-              <a:rPr lang="en-US" baseline="0" dirty="0" smtClean="0"/>
-              <a:t> code to convert one format to another or whatever your little heart desires. What does 157.45.68.98 tell you about an IP? Nothing. 192.168.1.5? A little bit</a:t>
-            </a:r>
-            <a:endParaRPr lang="en-US" dirty="0" smtClean="0"/>
+              <a:t>no </a:t>
+            </a:r>
+            <a:r>
+              <a:rPr lang="en-US" dirty="0" err="1" smtClean="0"/>
+              <a:t>no</a:t>
+            </a:r>
+            <a:r>
+              <a:rPr lang="en-US" dirty="0" smtClean="0"/>
+              <a:t>, stay with me. </a:t>
+            </a:r>
+          </a:p>
+          <a:p>
+            <a:r>
+              <a:rPr lang="en-US" dirty="0" smtClean="0"/>
+              <a:t>contains a lot of pipes</a:t>
+            </a:r>
+          </a:p>
+          <a:p>
+            <a:r>
+              <a:rPr lang="en-US" smtClean="0"/>
+              <a:t>message </a:t>
+            </a:r>
+            <a:r>
+              <a:rPr lang="en-US" dirty="0" smtClean="0"/>
+              <a:t>waste comes in and is cleaned and sorted and sometimes we add things to the messages</a:t>
+            </a:r>
           </a:p>
         </p:txBody>
       </p:sp>
@@ -1493,7 +1502,7 @@
     </p:spTree>
     <p:extLst>
       <p:ext uri="{BB962C8B-B14F-4D97-AF65-F5344CB8AC3E}">
-        <p14:creationId xmlns:p14="http://schemas.microsoft.com/office/powerpoint/2010/main" val="3908626167"/>
+        <p14:creationId xmlns:p14="http://schemas.microsoft.com/office/powerpoint/2010/main" val="328486038"/>
       </p:ext>
     </p:extLst>
   </p:cSld>
@@ -1549,16 +1558,13 @@
           <a:p>
             <a:r>
               <a:rPr lang="en-US" dirty="0" smtClean="0"/>
-              <a:t>Apparently </a:t>
-            </a:r>
-            <a:r>
-              <a:rPr lang="en-US" dirty="0" err="1" smtClean="0"/>
-              <a:t>elasticsearch</a:t>
-            </a:r>
-            <a:r>
-              <a:rPr lang="en-US" dirty="0" smtClean="0"/>
-              <a:t> is now just called elastic</a:t>
-            </a:r>
+              <a:t>Can run arbitrary</a:t>
+            </a:r>
+            <a:r>
+              <a:rPr lang="en-US" baseline="0" dirty="0" smtClean="0"/>
+              <a:t> code to convert one format to another or whatever your little heart desires. What does 157.45.68.98 tell you about an IP? Nothing. 192.168.1.5? A little bit</a:t>
+            </a:r>
+            <a:endParaRPr lang="en-US" dirty="0" smtClean="0"/>
           </a:p>
         </p:txBody>
       </p:sp>
@@ -1588,7 +1594,7 @@
     </p:spTree>
     <p:extLst>
       <p:ext uri="{BB962C8B-B14F-4D97-AF65-F5344CB8AC3E}">
-        <p14:creationId xmlns:p14="http://schemas.microsoft.com/office/powerpoint/2010/main" val="2348154011"/>
+        <p14:creationId xmlns:p14="http://schemas.microsoft.com/office/powerpoint/2010/main" val="190222636"/>
       </p:ext>
     </p:extLst>
   </p:cSld>
@@ -1644,28 +1650,11 @@
           <a:p>
             <a:r>
               <a:rPr lang="en-US" dirty="0" smtClean="0"/>
-              <a:t>Seems like companies don’t like to name</a:t>
+              <a:t>Can run arbitrary</a:t>
             </a:r>
             <a:r>
               <a:rPr lang="en-US" baseline="0" dirty="0" smtClean="0"/>
-              <a:t> things in a way that can be easily found by search engines. A pity. </a:t>
-            </a:r>
-          </a:p>
-          <a:p>
-            <a:endParaRPr lang="en-US" baseline="0" dirty="0" smtClean="0"/>
-          </a:p>
-          <a:p>
-            <a:r>
-              <a:rPr lang="en-US" baseline="0" dirty="0" smtClean="0"/>
-              <a:t>Most people are using elastic just as a search engine. You can put pretty much anything into it and do fast full text searches. However elastic is built on top of a distributed database. Data is </a:t>
-            </a:r>
-            <a:r>
-              <a:rPr lang="en-US" baseline="0" dirty="0" err="1" smtClean="0"/>
-              <a:t>sharded</a:t>
-            </a:r>
-            <a:r>
-              <a:rPr lang="en-US" baseline="0" dirty="0" smtClean="0"/>
-              <a:t> onto multiple nodes in a way that is tolerant to failures of some nodes. It is an eventually consistent system and stresses </a:t>
+              <a:t> code to convert one format to another or whatever your little heart desires. What does 157.45.68.98 tell you about an IP? Nothing. 192.168.1.5? A little bit</a:t>
             </a:r>
             <a:endParaRPr lang="en-US" dirty="0" smtClean="0"/>
           </a:p>
@@ -1697,7 +1686,7 @@
     </p:spTree>
     <p:extLst>
       <p:ext uri="{BB962C8B-B14F-4D97-AF65-F5344CB8AC3E}">
-        <p14:creationId xmlns:p14="http://schemas.microsoft.com/office/powerpoint/2010/main" val="246593106"/>
+        <p14:creationId xmlns:p14="http://schemas.microsoft.com/office/powerpoint/2010/main" val="3908626167"/>
       </p:ext>
     </p:extLst>
   </p:cSld>
@@ -1734,66 +1723,60 @@
             <p:ph type="sldImg"/>
           </p:nvPr>
         </p:nvSpPr>
+        <p:spPr>
+          <a:xfrm>
+            <a:off x="381000" y="685800"/>
+            <a:ext cx="6096000" cy="3429000"/>
+          </a:xfrm>
+        </p:spPr>
+      </p:sp>
+      <p:sp>
+        <p:nvSpPr>
+          <p:cNvPr id="4" name="Slide Number Placeholder 3"/>
+          <p:cNvSpPr>
+            <a:spLocks noGrp="1"/>
+          </p:cNvSpPr>
+          <p:nvPr>
+            <p:ph type="sldNum" sz="quarter" idx="10"/>
+          </p:nvPr>
+        </p:nvSpPr>
         <p:spPr/>
-      </p:sp>
-      <p:sp>
-        <p:nvSpPr>
-          <p:cNvPr id="3" name="Notes Placeholder 2"/>
-          <p:cNvSpPr>
-            <a:spLocks noGrp="1"/>
-          </p:cNvSpPr>
-          <p:nvPr>
-            <p:ph type="body" idx="1"/>
-          </p:nvPr>
-        </p:nvSpPr>
-        <p:spPr/>
         <p:txBody>
           <a:bodyPr/>
           <a:lstStyle/>
           <a:p>
-            <a:r>
-              <a:rPr lang="en-US" dirty="0" smtClean="0"/>
-              <a:t>Go to </a:t>
-            </a:r>
-            <a:r>
-              <a:rPr lang="en-US" dirty="0" err="1" smtClean="0"/>
-              <a:t>kibana</a:t>
-            </a:r>
-            <a:r>
-              <a:rPr lang="en-US" dirty="0" smtClean="0"/>
-              <a:t> websites for screenshots http://demo.elastic.co/packetbeat/</a:t>
-            </a:r>
-            <a:endParaRPr lang="en-US" dirty="0"/>
-          </a:p>
-        </p:txBody>
-      </p:sp>
-      <p:sp>
-        <p:nvSpPr>
-          <p:cNvPr id="4" name="Slide Number Placeholder 3"/>
-          <p:cNvSpPr>
-            <a:spLocks noGrp="1"/>
-          </p:cNvSpPr>
-          <p:nvPr>
-            <p:ph type="sldNum" sz="quarter" idx="10"/>
-          </p:nvPr>
-        </p:nvSpPr>
-        <p:spPr/>
-        <p:txBody>
-          <a:bodyPr/>
-          <a:lstStyle/>
-          <a:p>
-            <a:fld id="{4CFD207A-07DF-40AD-A916-9872E089CE7A}" type="slidenum">
+            <a:fld id="{13F0F35F-DD44-4607-AEC1-49D7A4BC4066}" type="slidenum">
               <a:rPr lang="en-US" smtClean="0"/>
+              <a:pPr/>
               <a:t>19</a:t>
             </a:fld>
-            <a:endParaRPr lang="en-US"/>
+            <a:endParaRPr lang="en-US" dirty="0"/>
+          </a:p>
+        </p:txBody>
+      </p:sp>
+      <p:sp>
+        <p:nvSpPr>
+          <p:cNvPr id="3" name="Notes Placeholder 2"/>
+          <p:cNvSpPr>
+            <a:spLocks noGrp="1"/>
+          </p:cNvSpPr>
+          <p:nvPr>
+            <p:ph type="body" idx="1"/>
+          </p:nvPr>
+        </p:nvSpPr>
+        <p:spPr/>
+        <p:txBody>
+          <a:bodyPr/>
+          <a:lstStyle/>
+          <a:p>
+            <a:endParaRPr lang="en-US" dirty="0"/>
           </a:p>
         </p:txBody>
       </p:sp>
     </p:spTree>
     <p:extLst>
       <p:ext uri="{BB962C8B-B14F-4D97-AF65-F5344CB8AC3E}">
-        <p14:creationId xmlns:p14="http://schemas.microsoft.com/office/powerpoint/2010/main" val="1104705984"/>
+        <p14:creationId xmlns:p14="http://schemas.microsoft.com/office/powerpoint/2010/main" val="1686092717"/>
       </p:ext>
     </p:extLst>
   </p:cSld>
@@ -1934,75 +1917,30 @@
           <a:p>
             <a:r>
               <a:rPr lang="en-US" dirty="0" smtClean="0"/>
-              <a:t>Docker is all about isolation. Ramble on for a bit about </a:t>
-            </a:r>
-            <a:r>
-              <a:rPr lang="en-US" dirty="0" err="1" smtClean="0"/>
-              <a:t>docker</a:t>
-            </a:r>
-            <a:r>
-              <a:rPr lang="en-US" dirty="0" smtClean="0"/>
-              <a:t>. The library it is built</a:t>
+              <a:t>Seems like companies don’t like to name</a:t>
             </a:r>
             <a:r>
               <a:rPr lang="en-US" baseline="0" dirty="0" smtClean="0"/>
-              <a:t> on is </a:t>
-            </a:r>
-            <a:r>
-              <a:rPr lang="en-US" b="1" baseline="0" dirty="0" err="1" smtClean="0"/>
-              <a:t>libcontainer</a:t>
-            </a:r>
+              <a:t> things in a way that can be easily found by search engines. A pity. </a:t>
+            </a:r>
+          </a:p>
+          <a:p>
+            <a:endParaRPr lang="en-US" baseline="0" dirty="0" smtClean="0"/>
+          </a:p>
+          <a:p>
             <a:r>
               <a:rPr lang="en-US" baseline="0" dirty="0" smtClean="0"/>
-              <a:t>, </a:t>
+              <a:t>Most people are using elastic just as a search engine. You can put pretty much anything into it and do fast full text searches. However elastic is built on top of a distributed database. Data is </a:t>
             </a:r>
             <a:r>
               <a:rPr lang="en-US" baseline="0" dirty="0" err="1" smtClean="0"/>
-              <a:t>libvirt</a:t>
+              <a:t>sharded</a:t>
             </a:r>
             <a:r>
               <a:rPr lang="en-US" baseline="0" dirty="0" smtClean="0"/>
-              <a:t>, LXC, system-</a:t>
-            </a:r>
-            <a:r>
-              <a:rPr lang="en-US" baseline="0" dirty="0" err="1" smtClean="0"/>
-              <a:t>nspan</a:t>
-            </a:r>
-            <a:endParaRPr lang="en-US" baseline="0" dirty="0" smtClean="0"/>
-          </a:p>
-          <a:p>
-            <a:endParaRPr lang="en-US" baseline="0" dirty="0" smtClean="0"/>
-          </a:p>
-          <a:p>
-            <a:r>
-              <a:rPr lang="en-US" baseline="0" dirty="0" smtClean="0"/>
-              <a:t>“</a:t>
-            </a:r>
-            <a:r>
-              <a:rPr lang="en-US" sz="1200" b="0" i="0" kern="1200" dirty="0" smtClean="0">
-                <a:solidFill>
-                  <a:schemeClr val="tx1"/>
-                </a:solidFill>
-                <a:effectLst/>
-                <a:latin typeface="+mn-lt"/>
-                <a:ea typeface="+mn-ea"/>
-                <a:cs typeface="+mn-cs"/>
-              </a:rPr>
-              <a:t>By using containers, resources can be isolated, services restricted, and processes provisioned to have an almost completely private view of the operating system with their own process ID space, file system structure, and network interfaces. Multiple containers share the same kernel, but each container can be constrained to only use a defined amount of resources such as CPU, memory and I/O.” -</a:t>
-            </a:r>
-            <a:r>
-              <a:rPr lang="en-US" sz="1200" b="0" i="0" kern="1200" dirty="0" err="1" smtClean="0">
-                <a:solidFill>
-                  <a:schemeClr val="tx1"/>
-                </a:solidFill>
-                <a:effectLst/>
-                <a:latin typeface="+mn-lt"/>
-                <a:ea typeface="+mn-ea"/>
-                <a:cs typeface="+mn-cs"/>
-              </a:rPr>
-              <a:t>wikipedia</a:t>
-            </a:r>
-            <a:endParaRPr lang="en-US" dirty="0"/>
+              <a:t> onto multiple nodes in a way that is tolerant to failures of some nodes. It is an eventually consistent system and stresses </a:t>
+            </a:r>
+            <a:endParaRPr lang="en-US" dirty="0" smtClean="0"/>
           </a:p>
         </p:txBody>
       </p:sp>
@@ -2023,7 +1961,7 @@
           <a:p>
             <a:fld id="{4CFD207A-07DF-40AD-A916-9872E089CE7A}" type="slidenum">
               <a:rPr lang="en-US" smtClean="0"/>
-              <a:t>22</a:t>
+              <a:t>20</a:t>
             </a:fld>
             <a:endParaRPr lang="en-US"/>
           </a:p>
@@ -2032,7 +1970,7 @@
     </p:spTree>
     <p:extLst>
       <p:ext uri="{BB962C8B-B14F-4D97-AF65-F5344CB8AC3E}">
-        <p14:creationId xmlns:p14="http://schemas.microsoft.com/office/powerpoint/2010/main" val="2508391104"/>
+        <p14:creationId xmlns:p14="http://schemas.microsoft.com/office/powerpoint/2010/main" val="246593106"/>
       </p:ext>
     </p:extLst>
   </p:cSld>
@@ -2069,7 +2007,36 @@
             <p:ph type="sldImg"/>
           </p:nvPr>
         </p:nvSpPr>
+        <p:spPr>
+          <a:xfrm>
+            <a:off x="381000" y="685800"/>
+            <a:ext cx="6096000" cy="3429000"/>
+          </a:xfrm>
+        </p:spPr>
+      </p:sp>
+      <p:sp>
+        <p:nvSpPr>
+          <p:cNvPr id="4" name="Slide Number Placeholder 3"/>
+          <p:cNvSpPr>
+            <a:spLocks noGrp="1"/>
+          </p:cNvSpPr>
+          <p:nvPr>
+            <p:ph type="sldNum" sz="quarter" idx="10"/>
+          </p:nvPr>
+        </p:nvSpPr>
         <p:spPr/>
+        <p:txBody>
+          <a:bodyPr/>
+          <a:lstStyle/>
+          <a:p>
+            <a:fld id="{13F0F35F-DD44-4607-AEC1-49D7A4BC4066}" type="slidenum">
+              <a:rPr lang="en-US" smtClean="0"/>
+              <a:pPr/>
+              <a:t>21</a:t>
+            </a:fld>
+            <a:endParaRPr lang="en-US" dirty="0"/>
+          </a:p>
+        </p:txBody>
       </p:sp>
       <p:sp>
         <p:nvSpPr>
@@ -2086,69 +2053,14 @@
           <a:bodyPr/>
           <a:lstStyle/>
           <a:p>
-            <a:r>
-              <a:rPr lang="en-US" dirty="0" smtClean="0"/>
-              <a:t>Handles stacking </a:t>
-            </a:r>
-            <a:r>
-              <a:rPr lang="en-US" dirty="0" err="1" smtClean="0"/>
-              <a:t>docker</a:t>
-            </a:r>
-            <a:r>
-              <a:rPr lang="en-US" dirty="0" smtClean="0"/>
-              <a:t> on</a:t>
-            </a:r>
-            <a:r>
-              <a:rPr lang="en-US" baseline="0" dirty="0" smtClean="0"/>
-              <a:t> top of a </a:t>
-            </a:r>
-            <a:r>
-              <a:rPr lang="en-US" baseline="0" dirty="0" err="1" smtClean="0"/>
-              <a:t>vm</a:t>
-            </a:r>
-            <a:r>
-              <a:rPr lang="en-US" baseline="0" dirty="0" smtClean="0"/>
-              <a:t>. Facilitates talking to the </a:t>
-            </a:r>
-            <a:r>
-              <a:rPr lang="en-US" baseline="0" dirty="0" err="1" smtClean="0"/>
-              <a:t>docker</a:t>
-            </a:r>
-            <a:r>
-              <a:rPr lang="en-US" baseline="0" dirty="0" smtClean="0"/>
-              <a:t> images easily</a:t>
-            </a:r>
             <a:endParaRPr lang="en-US" dirty="0"/>
-          </a:p>
-        </p:txBody>
-      </p:sp>
-      <p:sp>
-        <p:nvSpPr>
-          <p:cNvPr id="4" name="Slide Number Placeholder 3"/>
-          <p:cNvSpPr>
-            <a:spLocks noGrp="1"/>
-          </p:cNvSpPr>
-          <p:nvPr>
-            <p:ph type="sldNum" sz="quarter" idx="10"/>
-          </p:nvPr>
-        </p:nvSpPr>
-        <p:spPr/>
-        <p:txBody>
-          <a:bodyPr/>
-          <a:lstStyle/>
-          <a:p>
-            <a:fld id="{4CFD207A-07DF-40AD-A916-9872E089CE7A}" type="slidenum">
-              <a:rPr lang="en-US" smtClean="0"/>
-              <a:t>23</a:t>
-            </a:fld>
-            <a:endParaRPr lang="en-US"/>
           </a:p>
         </p:txBody>
       </p:sp>
     </p:spTree>
     <p:extLst>
       <p:ext uri="{BB962C8B-B14F-4D97-AF65-F5344CB8AC3E}">
-        <p14:creationId xmlns:p14="http://schemas.microsoft.com/office/powerpoint/2010/main" val="298101098"/>
+        <p14:creationId xmlns:p14="http://schemas.microsoft.com/office/powerpoint/2010/main" val="1686092717"/>
       </p:ext>
     </p:extLst>
   </p:cSld>
@@ -2204,19 +2116,15 @@
           <a:p>
             <a:r>
               <a:rPr lang="en-US" dirty="0" smtClean="0"/>
-              <a:t>A bunch of whales. Provides</a:t>
-            </a:r>
-            <a:r>
-              <a:rPr lang="en-US" baseline="0" dirty="0" smtClean="0"/>
-              <a:t> an abstraction over multiple machines so you can throw up a bunch of </a:t>
-            </a:r>
-            <a:r>
-              <a:rPr lang="en-US" baseline="0" dirty="0" err="1" smtClean="0"/>
-              <a:t>docker</a:t>
-            </a:r>
-            <a:r>
-              <a:rPr lang="en-US" baseline="0" dirty="0" smtClean="0"/>
-              <a:t> images without having to worry about which machine is running it or load balancing or any of that. Docker on azure will be compatible with swarm</a:t>
+              <a:t>Go to </a:t>
+            </a:r>
+            <a:r>
+              <a:rPr lang="en-US" dirty="0" err="1" smtClean="0"/>
+              <a:t>kibana</a:t>
+            </a:r>
+            <a:r>
+              <a:rPr lang="en-US" dirty="0" smtClean="0"/>
+              <a:t> websites for screenshots http://demo.elastic.co/packetbeat/</a:t>
             </a:r>
             <a:endParaRPr lang="en-US" dirty="0"/>
           </a:p>
@@ -2239,7 +2147,7 @@
           <a:p>
             <a:fld id="{4CFD207A-07DF-40AD-A916-9872E089CE7A}" type="slidenum">
               <a:rPr lang="en-US" smtClean="0"/>
-              <a:t>24</a:t>
+              <a:t>22</a:t>
             </a:fld>
             <a:endParaRPr lang="en-US"/>
           </a:p>
@@ -2248,7 +2156,7 @@
     </p:spTree>
     <p:extLst>
       <p:ext uri="{BB962C8B-B14F-4D97-AF65-F5344CB8AC3E}">
-        <p14:creationId xmlns:p14="http://schemas.microsoft.com/office/powerpoint/2010/main" val="558400090"/>
+        <p14:creationId xmlns:p14="http://schemas.microsoft.com/office/powerpoint/2010/main" val="1104705984"/>
       </p:ext>
     </p:extLst>
   </p:cSld>
@@ -2285,7 +2193,36 @@
             <p:ph type="sldImg"/>
           </p:nvPr>
         </p:nvSpPr>
+        <p:spPr>
+          <a:xfrm>
+            <a:off x="381000" y="685800"/>
+            <a:ext cx="6096000" cy="3429000"/>
+          </a:xfrm>
+        </p:spPr>
+      </p:sp>
+      <p:sp>
+        <p:nvSpPr>
+          <p:cNvPr id="4" name="Slide Number Placeholder 3"/>
+          <p:cNvSpPr>
+            <a:spLocks noGrp="1"/>
+          </p:cNvSpPr>
+          <p:nvPr>
+            <p:ph type="sldNum" sz="quarter" idx="10"/>
+          </p:nvPr>
+        </p:nvSpPr>
         <p:spPr/>
+        <p:txBody>
+          <a:bodyPr/>
+          <a:lstStyle/>
+          <a:p>
+            <a:fld id="{13F0F35F-DD44-4607-AEC1-49D7A4BC4066}" type="slidenum">
+              <a:rPr lang="en-US" smtClean="0"/>
+              <a:pPr/>
+              <a:t>24</a:t>
+            </a:fld>
+            <a:endParaRPr lang="en-US" dirty="0"/>
+          </a:p>
+        </p:txBody>
       </p:sp>
       <p:sp>
         <p:nvSpPr>
@@ -2302,45 +2239,14 @@
           <a:bodyPr/>
           <a:lstStyle/>
           <a:p>
-            <a:r>
-              <a:rPr lang="en-US" dirty="0" smtClean="0"/>
-              <a:t>JSON based desired state configuration for </a:t>
-            </a:r>
-            <a:r>
-              <a:rPr lang="en-US" smtClean="0"/>
-              <a:t>resource groups</a:t>
-            </a:r>
-            <a:endParaRPr lang="en-US"/>
-          </a:p>
-        </p:txBody>
-      </p:sp>
-      <p:sp>
-        <p:nvSpPr>
-          <p:cNvPr id="4" name="Slide Number Placeholder 3"/>
-          <p:cNvSpPr>
-            <a:spLocks noGrp="1"/>
-          </p:cNvSpPr>
-          <p:nvPr>
-            <p:ph type="sldNum" sz="quarter" idx="10"/>
-          </p:nvPr>
-        </p:nvSpPr>
-        <p:spPr/>
-        <p:txBody>
-          <a:bodyPr/>
-          <a:lstStyle/>
-          <a:p>
-            <a:fld id="{4CFD207A-07DF-40AD-A916-9872E089CE7A}" type="slidenum">
-              <a:rPr lang="en-US" smtClean="0"/>
-              <a:t>25</a:t>
-            </a:fld>
-            <a:endParaRPr lang="en-US"/>
+            <a:endParaRPr lang="en-US" dirty="0"/>
           </a:p>
         </p:txBody>
       </p:sp>
     </p:spTree>
     <p:extLst>
       <p:ext uri="{BB962C8B-B14F-4D97-AF65-F5344CB8AC3E}">
-        <p14:creationId xmlns:p14="http://schemas.microsoft.com/office/powerpoint/2010/main" val="2726624729"/>
+        <p14:creationId xmlns:p14="http://schemas.microsoft.com/office/powerpoint/2010/main" val="1686092717"/>
       </p:ext>
     </p:extLst>
   </p:cSld>
@@ -2396,42 +2302,75 @@
           <a:p>
             <a:r>
               <a:rPr lang="en-US" dirty="0" smtClean="0"/>
-              <a:t>Seems like companies don’t like to name</a:t>
+              <a:t>Docker is all about isolation. Ramble on for a bit about </a:t>
+            </a:r>
+            <a:r>
+              <a:rPr lang="en-US" dirty="0" err="1" smtClean="0"/>
+              <a:t>docker</a:t>
+            </a:r>
+            <a:r>
+              <a:rPr lang="en-US" dirty="0" smtClean="0"/>
+              <a:t>. The library it is built</a:t>
             </a:r>
             <a:r>
               <a:rPr lang="en-US" baseline="0" dirty="0" smtClean="0"/>
-              <a:t> things in a way that can be easily found by search engines. A </a:t>
+              <a:t> on is </a:t>
+            </a:r>
+            <a:r>
+              <a:rPr lang="en-US" b="1" baseline="0" dirty="0" err="1" smtClean="0"/>
+              <a:t>libcontainer</a:t>
+            </a:r>
+            <a:r>
+              <a:rPr lang="en-US" baseline="0" dirty="0" smtClean="0"/>
+              <a:t>, </a:t>
             </a:r>
             <a:r>
               <a:rPr lang="en-US" baseline="0" dirty="0" err="1" smtClean="0"/>
-              <a:t>pitty</a:t>
+              <a:t>libvirt</a:t>
             </a:r>
             <a:r>
               <a:rPr lang="en-US" baseline="0" dirty="0" smtClean="0"/>
-              <a:t>. </a:t>
-            </a:r>
-          </a:p>
-          <a:p>
+              <a:t>, LXC, system-</a:t>
+            </a:r>
+            <a:r>
+              <a:rPr lang="en-US" baseline="0" dirty="0" err="1" smtClean="0"/>
+              <a:t>nspan</a:t>
+            </a:r>
             <a:endParaRPr lang="en-US" baseline="0" dirty="0" smtClean="0"/>
           </a:p>
           <a:p>
+            <a:endParaRPr lang="en-US" baseline="0" dirty="0" smtClean="0"/>
+          </a:p>
+          <a:p>
             <a:r>
               <a:rPr lang="en-US" baseline="0" dirty="0" smtClean="0"/>
-              <a:t>Most people are using elastic just as a search engine. You can put pretty much anything into it and do fast full text searches. However elastic is built on top of a distributed database. Data is </a:t>
-            </a:r>
-            <a:r>
-              <a:rPr lang="en-US" baseline="0" dirty="0" err="1" smtClean="0"/>
-              <a:t>sharded</a:t>
-            </a:r>
-            <a:r>
-              <a:rPr lang="en-US" baseline="0" dirty="0" smtClean="0"/>
-              <a:t> onto multiple nodes in a way that is tolerant to failures of some nodes. It is an eventually consistent system </a:t>
-            </a:r>
-            <a:r>
-              <a:rPr lang="en-US" baseline="0" smtClean="0"/>
-              <a:t>and stresses </a:t>
-            </a:r>
-            <a:endParaRPr lang="en-US" dirty="0" smtClean="0"/>
+              <a:t>“</a:t>
+            </a:r>
+            <a:r>
+              <a:rPr lang="en-US" sz="1200" b="0" i="0" kern="1200" dirty="0" smtClean="0">
+                <a:solidFill>
+                  <a:schemeClr val="tx1"/>
+                </a:solidFill>
+                <a:effectLst/>
+                <a:latin typeface="+mn-lt"/>
+                <a:ea typeface="+mn-ea"/>
+                <a:cs typeface="+mn-cs"/>
+              </a:rPr>
+              <a:t>By using containers, resources can be isolated, services restricted, and processes provisioned to have an almost completely private view of the operating system with their own process ID space, file system structure, and network interfaces. Multiple containers share the same kernel, but each container can be constrained to only use a defined amount of resources such as CPU, memory and I/O.” -</a:t>
+            </a:r>
+            <a:r>
+              <a:rPr lang="en-US" sz="1200" b="0" i="0" kern="1200" dirty="0" err="1" smtClean="0">
+                <a:solidFill>
+                  <a:schemeClr val="tx1"/>
+                </a:solidFill>
+                <a:effectLst/>
+                <a:latin typeface="+mn-lt"/>
+                <a:ea typeface="+mn-ea"/>
+                <a:cs typeface="+mn-cs"/>
+              </a:rPr>
+              <a:t>wikipedia</a:t>
+            </a:r>
+            <a:endParaRPr lang="en-US" dirty="0"/>
           </a:p>
         </p:txBody>
       </p:sp>
@@ -2453,6 +2392,525 @@
             <a:fld id="{4CFD207A-07DF-40AD-A916-9872E089CE7A}" type="slidenum">
               <a:rPr lang="en-US" smtClean="0"/>
               <a:t>26</a:t>
+            </a:fld>
+            <a:endParaRPr lang="en-US"/>
+          </a:p>
+        </p:txBody>
+      </p:sp>
+    </p:spTree>
+    <p:extLst>
+      <p:ext uri="{BB962C8B-B14F-4D97-AF65-F5344CB8AC3E}">
+        <p14:creationId xmlns:p14="http://schemas.microsoft.com/office/powerpoint/2010/main" val="2508391104"/>
+      </p:ext>
+    </p:extLst>
+  </p:cSld>
+  <p:clrMapOvr>
+    <a:masterClrMapping/>
+  </p:clrMapOvr>
+</p:notes>
+</file>
+
+<file path=ppt/notesSlides/notesSlide25.xml><?xml version="1.0" encoding="utf-8"?>
+<p:notes xmlns:a="http://schemas.openxmlformats.org/drawingml/2006/main" xmlns:r="http://schemas.openxmlformats.org/officeDocument/2006/relationships" xmlns:p="http://schemas.openxmlformats.org/presentationml/2006/main">
+  <p:cSld>
+    <p:spTree>
+      <p:nvGrpSpPr>
+        <p:cNvPr id="1" name=""/>
+        <p:cNvGrpSpPr/>
+        <p:nvPr/>
+      </p:nvGrpSpPr>
+      <p:grpSpPr>
+        <a:xfrm>
+          <a:off x="0" y="0"/>
+          <a:ext cx="0" cy="0"/>
+          <a:chOff x="0" y="0"/>
+          <a:chExt cx="0" cy="0"/>
+        </a:xfrm>
+      </p:grpSpPr>
+      <p:sp>
+        <p:nvSpPr>
+          <p:cNvPr id="2" name="Slide Image Placeholder 1"/>
+          <p:cNvSpPr>
+            <a:spLocks noGrp="1" noRot="1" noChangeAspect="1"/>
+          </p:cNvSpPr>
+          <p:nvPr>
+            <p:ph type="sldImg"/>
+          </p:nvPr>
+        </p:nvSpPr>
+        <p:spPr/>
+      </p:sp>
+      <p:sp>
+        <p:nvSpPr>
+          <p:cNvPr id="3" name="Notes Placeholder 2"/>
+          <p:cNvSpPr>
+            <a:spLocks noGrp="1"/>
+          </p:cNvSpPr>
+          <p:nvPr>
+            <p:ph type="body" idx="1"/>
+          </p:nvPr>
+        </p:nvSpPr>
+        <p:spPr/>
+        <p:txBody>
+          <a:bodyPr/>
+          <a:lstStyle/>
+          <a:p>
+            <a:r>
+              <a:rPr lang="en-US" dirty="0" smtClean="0"/>
+              <a:t>Handles stacking </a:t>
+            </a:r>
+            <a:r>
+              <a:rPr lang="en-US" dirty="0" err="1" smtClean="0"/>
+              <a:t>docker</a:t>
+            </a:r>
+            <a:r>
+              <a:rPr lang="en-US" dirty="0" smtClean="0"/>
+              <a:t> on</a:t>
+            </a:r>
+            <a:r>
+              <a:rPr lang="en-US" baseline="0" dirty="0" smtClean="0"/>
+              <a:t> top of a </a:t>
+            </a:r>
+            <a:r>
+              <a:rPr lang="en-US" baseline="0" dirty="0" err="1" smtClean="0"/>
+              <a:t>vm</a:t>
+            </a:r>
+            <a:r>
+              <a:rPr lang="en-US" baseline="0" dirty="0" smtClean="0"/>
+              <a:t>. Facilitates talking to the </a:t>
+            </a:r>
+            <a:r>
+              <a:rPr lang="en-US" baseline="0" dirty="0" err="1" smtClean="0"/>
+              <a:t>docker</a:t>
+            </a:r>
+            <a:r>
+              <a:rPr lang="en-US" baseline="0" dirty="0" smtClean="0"/>
+              <a:t> images easily</a:t>
+            </a:r>
+            <a:endParaRPr lang="en-US" dirty="0"/>
+          </a:p>
+        </p:txBody>
+      </p:sp>
+      <p:sp>
+        <p:nvSpPr>
+          <p:cNvPr id="4" name="Slide Number Placeholder 3"/>
+          <p:cNvSpPr>
+            <a:spLocks noGrp="1"/>
+          </p:cNvSpPr>
+          <p:nvPr>
+            <p:ph type="sldNum" sz="quarter" idx="10"/>
+          </p:nvPr>
+        </p:nvSpPr>
+        <p:spPr/>
+        <p:txBody>
+          <a:bodyPr/>
+          <a:lstStyle/>
+          <a:p>
+            <a:fld id="{4CFD207A-07DF-40AD-A916-9872E089CE7A}" type="slidenum">
+              <a:rPr lang="en-US" smtClean="0"/>
+              <a:t>27</a:t>
+            </a:fld>
+            <a:endParaRPr lang="en-US"/>
+          </a:p>
+        </p:txBody>
+      </p:sp>
+    </p:spTree>
+    <p:extLst>
+      <p:ext uri="{BB962C8B-B14F-4D97-AF65-F5344CB8AC3E}">
+        <p14:creationId xmlns:p14="http://schemas.microsoft.com/office/powerpoint/2010/main" val="298101098"/>
+      </p:ext>
+    </p:extLst>
+  </p:cSld>
+  <p:clrMapOvr>
+    <a:masterClrMapping/>
+  </p:clrMapOvr>
+</p:notes>
+</file>
+
+<file path=ppt/notesSlides/notesSlide26.xml><?xml version="1.0" encoding="utf-8"?>
+<p:notes xmlns:a="http://schemas.openxmlformats.org/drawingml/2006/main" xmlns:r="http://schemas.openxmlformats.org/officeDocument/2006/relationships" xmlns:p="http://schemas.openxmlformats.org/presentationml/2006/main">
+  <p:cSld>
+    <p:spTree>
+      <p:nvGrpSpPr>
+        <p:cNvPr id="1" name=""/>
+        <p:cNvGrpSpPr/>
+        <p:nvPr/>
+      </p:nvGrpSpPr>
+      <p:grpSpPr>
+        <a:xfrm>
+          <a:off x="0" y="0"/>
+          <a:ext cx="0" cy="0"/>
+          <a:chOff x="0" y="0"/>
+          <a:chExt cx="0" cy="0"/>
+        </a:xfrm>
+      </p:grpSpPr>
+      <p:sp>
+        <p:nvSpPr>
+          <p:cNvPr id="2" name="Slide Image Placeholder 1"/>
+          <p:cNvSpPr>
+            <a:spLocks noGrp="1" noRot="1" noChangeAspect="1"/>
+          </p:cNvSpPr>
+          <p:nvPr>
+            <p:ph type="sldImg"/>
+          </p:nvPr>
+        </p:nvSpPr>
+        <p:spPr/>
+      </p:sp>
+      <p:sp>
+        <p:nvSpPr>
+          <p:cNvPr id="3" name="Notes Placeholder 2"/>
+          <p:cNvSpPr>
+            <a:spLocks noGrp="1"/>
+          </p:cNvSpPr>
+          <p:nvPr>
+            <p:ph type="body" idx="1"/>
+          </p:nvPr>
+        </p:nvSpPr>
+        <p:spPr/>
+        <p:txBody>
+          <a:bodyPr/>
+          <a:lstStyle/>
+          <a:p>
+            <a:r>
+              <a:rPr lang="en-US" dirty="0" smtClean="0"/>
+              <a:t>A bunch of whales. Provides</a:t>
+            </a:r>
+            <a:r>
+              <a:rPr lang="en-US" baseline="0" dirty="0" smtClean="0"/>
+              <a:t> an abstraction over multiple machines so you can throw up a bunch of </a:t>
+            </a:r>
+            <a:r>
+              <a:rPr lang="en-US" baseline="0" dirty="0" err="1" smtClean="0"/>
+              <a:t>docker</a:t>
+            </a:r>
+            <a:r>
+              <a:rPr lang="en-US" baseline="0" dirty="0" smtClean="0"/>
+              <a:t> images without having to worry about which machine is running it or load balancing or any of that. Docker on azure will be compatible with swarm</a:t>
+            </a:r>
+            <a:endParaRPr lang="en-US" dirty="0"/>
+          </a:p>
+        </p:txBody>
+      </p:sp>
+      <p:sp>
+        <p:nvSpPr>
+          <p:cNvPr id="4" name="Slide Number Placeholder 3"/>
+          <p:cNvSpPr>
+            <a:spLocks noGrp="1"/>
+          </p:cNvSpPr>
+          <p:nvPr>
+            <p:ph type="sldNum" sz="quarter" idx="10"/>
+          </p:nvPr>
+        </p:nvSpPr>
+        <p:spPr/>
+        <p:txBody>
+          <a:bodyPr/>
+          <a:lstStyle/>
+          <a:p>
+            <a:fld id="{4CFD207A-07DF-40AD-A916-9872E089CE7A}" type="slidenum">
+              <a:rPr lang="en-US" smtClean="0"/>
+              <a:t>28</a:t>
+            </a:fld>
+            <a:endParaRPr lang="en-US"/>
+          </a:p>
+        </p:txBody>
+      </p:sp>
+    </p:spTree>
+    <p:extLst>
+      <p:ext uri="{BB962C8B-B14F-4D97-AF65-F5344CB8AC3E}">
+        <p14:creationId xmlns:p14="http://schemas.microsoft.com/office/powerpoint/2010/main" val="558400090"/>
+      </p:ext>
+    </p:extLst>
+  </p:cSld>
+  <p:clrMapOvr>
+    <a:masterClrMapping/>
+  </p:clrMapOvr>
+</p:notes>
+</file>
+
+<file path=ppt/notesSlides/notesSlide27.xml><?xml version="1.0" encoding="utf-8"?>
+<p:notes xmlns:a="http://schemas.openxmlformats.org/drawingml/2006/main" xmlns:r="http://schemas.openxmlformats.org/officeDocument/2006/relationships" xmlns:p="http://schemas.openxmlformats.org/presentationml/2006/main">
+  <p:cSld>
+    <p:spTree>
+      <p:nvGrpSpPr>
+        <p:cNvPr id="1" name=""/>
+        <p:cNvGrpSpPr/>
+        <p:nvPr/>
+      </p:nvGrpSpPr>
+      <p:grpSpPr>
+        <a:xfrm>
+          <a:off x="0" y="0"/>
+          <a:ext cx="0" cy="0"/>
+          <a:chOff x="0" y="0"/>
+          <a:chExt cx="0" cy="0"/>
+        </a:xfrm>
+      </p:grpSpPr>
+      <p:sp>
+        <p:nvSpPr>
+          <p:cNvPr id="2" name="Slide Image Placeholder 1"/>
+          <p:cNvSpPr>
+            <a:spLocks noGrp="1" noRot="1" noChangeAspect="1"/>
+          </p:cNvSpPr>
+          <p:nvPr>
+            <p:ph type="sldImg"/>
+          </p:nvPr>
+        </p:nvSpPr>
+        <p:spPr/>
+      </p:sp>
+      <p:sp>
+        <p:nvSpPr>
+          <p:cNvPr id="3" name="Notes Placeholder 2"/>
+          <p:cNvSpPr>
+            <a:spLocks noGrp="1"/>
+          </p:cNvSpPr>
+          <p:nvPr>
+            <p:ph type="body" idx="1"/>
+          </p:nvPr>
+        </p:nvSpPr>
+        <p:spPr/>
+        <p:txBody>
+          <a:bodyPr/>
+          <a:lstStyle/>
+          <a:p>
+            <a:r>
+              <a:rPr lang="en-US" dirty="0" smtClean="0"/>
+              <a:t>JSON based desired state configuration for </a:t>
+            </a:r>
+            <a:r>
+              <a:rPr lang="en-US" smtClean="0"/>
+              <a:t>resource groups</a:t>
+            </a:r>
+            <a:endParaRPr lang="en-US"/>
+          </a:p>
+        </p:txBody>
+      </p:sp>
+      <p:sp>
+        <p:nvSpPr>
+          <p:cNvPr id="4" name="Slide Number Placeholder 3"/>
+          <p:cNvSpPr>
+            <a:spLocks noGrp="1"/>
+          </p:cNvSpPr>
+          <p:nvPr>
+            <p:ph type="sldNum" sz="quarter" idx="10"/>
+          </p:nvPr>
+        </p:nvSpPr>
+        <p:spPr/>
+        <p:txBody>
+          <a:bodyPr/>
+          <a:lstStyle/>
+          <a:p>
+            <a:fld id="{4CFD207A-07DF-40AD-A916-9872E089CE7A}" type="slidenum">
+              <a:rPr lang="en-US" smtClean="0"/>
+              <a:t>29</a:t>
+            </a:fld>
+            <a:endParaRPr lang="en-US"/>
+          </a:p>
+        </p:txBody>
+      </p:sp>
+    </p:spTree>
+    <p:extLst>
+      <p:ext uri="{BB962C8B-B14F-4D97-AF65-F5344CB8AC3E}">
+        <p14:creationId xmlns:p14="http://schemas.microsoft.com/office/powerpoint/2010/main" val="2726624729"/>
+      </p:ext>
+    </p:extLst>
+  </p:cSld>
+  <p:clrMapOvr>
+    <a:masterClrMapping/>
+  </p:clrMapOvr>
+</p:notes>
+</file>
+
+<file path=ppt/notesSlides/notesSlide28.xml><?xml version="1.0" encoding="utf-8"?>
+<p:notes xmlns:a="http://schemas.openxmlformats.org/drawingml/2006/main" xmlns:r="http://schemas.openxmlformats.org/officeDocument/2006/relationships" xmlns:p="http://schemas.openxmlformats.org/presentationml/2006/main">
+  <p:cSld>
+    <p:spTree>
+      <p:nvGrpSpPr>
+        <p:cNvPr id="1" name=""/>
+        <p:cNvGrpSpPr/>
+        <p:nvPr/>
+      </p:nvGrpSpPr>
+      <p:grpSpPr>
+        <a:xfrm>
+          <a:off x="0" y="0"/>
+          <a:ext cx="0" cy="0"/>
+          <a:chOff x="0" y="0"/>
+          <a:chExt cx="0" cy="0"/>
+        </a:xfrm>
+      </p:grpSpPr>
+      <p:sp>
+        <p:nvSpPr>
+          <p:cNvPr id="2" name="Slide Image Placeholder 1"/>
+          <p:cNvSpPr>
+            <a:spLocks noGrp="1" noRot="1" noChangeAspect="1"/>
+          </p:cNvSpPr>
+          <p:nvPr>
+            <p:ph type="sldImg"/>
+          </p:nvPr>
+        </p:nvSpPr>
+        <p:spPr>
+          <a:xfrm>
+            <a:off x="381000" y="685800"/>
+            <a:ext cx="6096000" cy="3429000"/>
+          </a:xfrm>
+        </p:spPr>
+      </p:sp>
+      <p:sp>
+        <p:nvSpPr>
+          <p:cNvPr id="4" name="Slide Number Placeholder 3"/>
+          <p:cNvSpPr>
+            <a:spLocks noGrp="1"/>
+          </p:cNvSpPr>
+          <p:nvPr>
+            <p:ph type="sldNum" sz="quarter" idx="10"/>
+          </p:nvPr>
+        </p:nvSpPr>
+        <p:spPr/>
+        <p:txBody>
+          <a:bodyPr/>
+          <a:lstStyle/>
+          <a:p>
+            <a:fld id="{13F0F35F-DD44-4607-AEC1-49D7A4BC4066}" type="slidenum">
+              <a:rPr lang="en-US" smtClean="0"/>
+              <a:pPr/>
+              <a:t>30</a:t>
+            </a:fld>
+            <a:endParaRPr lang="en-US" dirty="0"/>
+          </a:p>
+        </p:txBody>
+      </p:sp>
+      <p:sp>
+        <p:nvSpPr>
+          <p:cNvPr id="3" name="Notes Placeholder 2"/>
+          <p:cNvSpPr>
+            <a:spLocks noGrp="1"/>
+          </p:cNvSpPr>
+          <p:nvPr>
+            <p:ph type="body" idx="1"/>
+          </p:nvPr>
+        </p:nvSpPr>
+        <p:spPr/>
+        <p:txBody>
+          <a:bodyPr/>
+          <a:lstStyle/>
+          <a:p>
+            <a:endParaRPr lang="en-US" dirty="0"/>
+          </a:p>
+        </p:txBody>
+      </p:sp>
+    </p:spTree>
+    <p:extLst>
+      <p:ext uri="{BB962C8B-B14F-4D97-AF65-F5344CB8AC3E}">
+        <p14:creationId xmlns:p14="http://schemas.microsoft.com/office/powerpoint/2010/main" val="1686092717"/>
+      </p:ext>
+    </p:extLst>
+  </p:cSld>
+  <p:clrMapOvr>
+    <a:masterClrMapping/>
+  </p:clrMapOvr>
+</p:notes>
+</file>
+
+<file path=ppt/notesSlides/notesSlide29.xml><?xml version="1.0" encoding="utf-8"?>
+<p:notes xmlns:a="http://schemas.openxmlformats.org/drawingml/2006/main" xmlns:r="http://schemas.openxmlformats.org/officeDocument/2006/relationships" xmlns:p="http://schemas.openxmlformats.org/presentationml/2006/main">
+  <p:cSld>
+    <p:spTree>
+      <p:nvGrpSpPr>
+        <p:cNvPr id="1" name=""/>
+        <p:cNvGrpSpPr/>
+        <p:nvPr/>
+      </p:nvGrpSpPr>
+      <p:grpSpPr>
+        <a:xfrm>
+          <a:off x="0" y="0"/>
+          <a:ext cx="0" cy="0"/>
+          <a:chOff x="0" y="0"/>
+          <a:chExt cx="0" cy="0"/>
+        </a:xfrm>
+      </p:grpSpPr>
+      <p:sp>
+        <p:nvSpPr>
+          <p:cNvPr id="2" name="Slide Image Placeholder 1"/>
+          <p:cNvSpPr>
+            <a:spLocks noGrp="1" noRot="1" noChangeAspect="1"/>
+          </p:cNvSpPr>
+          <p:nvPr>
+            <p:ph type="sldImg"/>
+          </p:nvPr>
+        </p:nvSpPr>
+        <p:spPr/>
+      </p:sp>
+      <p:sp>
+        <p:nvSpPr>
+          <p:cNvPr id="3" name="Notes Placeholder 2"/>
+          <p:cNvSpPr>
+            <a:spLocks noGrp="1"/>
+          </p:cNvSpPr>
+          <p:nvPr>
+            <p:ph type="body" idx="1"/>
+          </p:nvPr>
+        </p:nvSpPr>
+        <p:spPr/>
+        <p:txBody>
+          <a:bodyPr/>
+          <a:lstStyle/>
+          <a:p>
+            <a:r>
+              <a:rPr lang="en-US" dirty="0" smtClean="0"/>
+              <a:t>Seems like companies don’t like to name</a:t>
+            </a:r>
+            <a:r>
+              <a:rPr lang="en-US" baseline="0" dirty="0" smtClean="0"/>
+              <a:t> things in a way that can be easily found by search engines. A </a:t>
+            </a:r>
+            <a:r>
+              <a:rPr lang="en-US" baseline="0" dirty="0" err="1" smtClean="0"/>
+              <a:t>pitty</a:t>
+            </a:r>
+            <a:r>
+              <a:rPr lang="en-US" baseline="0" dirty="0" smtClean="0"/>
+              <a:t>. </a:t>
+            </a:r>
+          </a:p>
+          <a:p>
+            <a:endParaRPr lang="en-US" baseline="0" dirty="0" smtClean="0"/>
+          </a:p>
+          <a:p>
+            <a:r>
+              <a:rPr lang="en-US" baseline="0" dirty="0" smtClean="0"/>
+              <a:t>Most people are using elastic just as a search engine. You can put pretty much anything into it and do fast full text searches. However elastic is built on top of a distributed database. Data is </a:t>
+            </a:r>
+            <a:r>
+              <a:rPr lang="en-US" baseline="0" dirty="0" err="1" smtClean="0"/>
+              <a:t>sharded</a:t>
+            </a:r>
+            <a:r>
+              <a:rPr lang="en-US" baseline="0" dirty="0" smtClean="0"/>
+              <a:t> onto multiple nodes in a way that is tolerant to failures of some nodes. It is an eventually consistent system </a:t>
+            </a:r>
+            <a:r>
+              <a:rPr lang="en-US" baseline="0" smtClean="0"/>
+              <a:t>and stresses </a:t>
+            </a:r>
+            <a:endParaRPr lang="en-US" dirty="0" smtClean="0"/>
+          </a:p>
+        </p:txBody>
+      </p:sp>
+      <p:sp>
+        <p:nvSpPr>
+          <p:cNvPr id="4" name="Slide Number Placeholder 3"/>
+          <p:cNvSpPr>
+            <a:spLocks noGrp="1"/>
+          </p:cNvSpPr>
+          <p:nvPr>
+            <p:ph type="sldNum" sz="quarter" idx="10"/>
+          </p:nvPr>
+        </p:nvSpPr>
+        <p:spPr/>
+        <p:txBody>
+          <a:bodyPr/>
+          <a:lstStyle/>
+          <a:p>
+            <a:fld id="{4CFD207A-07DF-40AD-A916-9872E089CE7A}" type="slidenum">
+              <a:rPr lang="en-US" smtClean="0"/>
+              <a:t>31</a:t>
             </a:fld>
             <a:endParaRPr lang="en-US"/>
           </a:p>
@@ -2592,61 +3050,6 @@
       </p:sp>
       <p:sp>
         <p:nvSpPr>
-          <p:cNvPr id="3" name="Notes Placeholder 2"/>
-          <p:cNvSpPr>
-            <a:spLocks noGrp="1"/>
-          </p:cNvSpPr>
-          <p:nvPr>
-            <p:ph type="body" idx="1"/>
-          </p:nvPr>
-        </p:nvSpPr>
-        <p:spPr/>
-        <p:txBody>
-          <a:bodyPr>
-            <a:normAutofit/>
-          </a:bodyPr>
-          <a:lstStyle/>
-          <a:p>
-            <a:r>
-              <a:rPr lang="en-CA" b="0" dirty="0" smtClean="0"/>
-              <a:t>Log files</a:t>
-            </a:r>
-            <a:r>
-              <a:rPr lang="en-CA" b="0" baseline="0" dirty="0" smtClean="0"/>
-              <a:t> are important. We have all sorts of cool shinny tools like App Insights which monitor the current state of a system and give a high level overview of what people are doing but we still need logs. Logs tell us what has happened. When we’re trying to track down a messy bug it is amazingly useful to have good log files in place. </a:t>
-            </a:r>
-          </a:p>
-          <a:p>
-            <a:endParaRPr lang="en-CA" b="0" baseline="0" dirty="0" smtClean="0"/>
-          </a:p>
-          <a:p>
-            <a:r>
-              <a:rPr lang="en-CA" b="0" baseline="0" dirty="0" smtClean="0"/>
-              <a:t>Have you ever had somebody come to you and ask “why is the system in this state?” or “who changed this field” with good log files you can tell them. </a:t>
-            </a:r>
-          </a:p>
-          <a:p>
-            <a:endParaRPr lang="en-CA" b="0" baseline="0" dirty="0" smtClean="0"/>
-          </a:p>
-          <a:p>
-            <a:r>
-              <a:rPr lang="en-CA" b="0" baseline="0" dirty="0" smtClean="0"/>
-              <a:t>If you think about the </a:t>
-            </a:r>
-            <a:r>
-              <a:rPr lang="en-CA" b="0" baseline="0" dirty="0" err="1" smtClean="0"/>
-              <a:t>mediatr</a:t>
-            </a:r>
-            <a:r>
-              <a:rPr lang="en-CA" b="0" baseline="0" dirty="0" smtClean="0"/>
-              <a:t> pattern we’ve been using we have an ideal place to hook logging into place: the mediator. We can log every command in the system and thusly every change that happened to the data. I use this on some systems in the form of a logging mediator. </a:t>
-            </a:r>
-            <a:endParaRPr lang="en-CA" b="0" dirty="0" smtClean="0"/>
-          </a:p>
-        </p:txBody>
-      </p:sp>
-      <p:sp>
-        <p:nvSpPr>
           <p:cNvPr id="4" name="Slide Number Placeholder 3"/>
           <p:cNvSpPr>
             <a:spLocks noGrp="1"/>
@@ -2669,10 +3072,29 @@
           </a:p>
         </p:txBody>
       </p:sp>
+      <p:sp>
+        <p:nvSpPr>
+          <p:cNvPr id="3" name="Notes Placeholder 2"/>
+          <p:cNvSpPr>
+            <a:spLocks noGrp="1"/>
+          </p:cNvSpPr>
+          <p:nvPr>
+            <p:ph type="body" idx="1"/>
+          </p:nvPr>
+        </p:nvSpPr>
+        <p:spPr/>
+        <p:txBody>
+          <a:bodyPr/>
+          <a:lstStyle/>
+          <a:p>
+            <a:endParaRPr lang="en-US" dirty="0"/>
+          </a:p>
+        </p:txBody>
+      </p:sp>
     </p:spTree>
     <p:extLst>
       <p:ext uri="{BB962C8B-B14F-4D97-AF65-F5344CB8AC3E}">
-        <p14:creationId xmlns:p14="http://schemas.microsoft.com/office/powerpoint/2010/main" val="2911304509"/>
+        <p14:creationId xmlns:p14="http://schemas.microsoft.com/office/powerpoint/2010/main" val="1686092717"/>
       </p:ext>
     </p:extLst>
   </p:cSld>
@@ -2735,8 +3157,39 @@
           <a:p>
             <a:r>
               <a:rPr lang="en-CA" b="0" dirty="0" smtClean="0"/>
-              <a:t>Everything we have produces log files. But they are all over the place. </a:t>
-            </a:r>
+              <a:t>Log files</a:t>
+            </a:r>
+            <a:r>
+              <a:rPr lang="en-CA" b="0" baseline="0" dirty="0" smtClean="0"/>
+              <a:t> are important. We have all sorts of cool shinny tools like App Insights which monitor the current state of a system and give a high level overview of what people are doing but we still need logs. Logs tell us what has happened. When we’re trying to track down a messy bug it is amazingly useful to have good log files in place. </a:t>
+            </a:r>
+          </a:p>
+          <a:p>
+            <a:endParaRPr lang="en-CA" b="0" baseline="0" dirty="0" smtClean="0"/>
+          </a:p>
+          <a:p>
+            <a:r>
+              <a:rPr lang="en-CA" b="0" baseline="0" dirty="0" smtClean="0"/>
+              <a:t>Have you ever had somebody come to you and ask “why is the system in this state?” or “who changed this field” with good log files you can tell them. </a:t>
+            </a:r>
+          </a:p>
+          <a:p>
+            <a:endParaRPr lang="en-CA" b="0" baseline="0" dirty="0" smtClean="0"/>
+          </a:p>
+          <a:p>
+            <a:r>
+              <a:rPr lang="en-CA" b="0" baseline="0" dirty="0" smtClean="0"/>
+              <a:t>If you think about the </a:t>
+            </a:r>
+            <a:r>
+              <a:rPr lang="en-CA" b="0" baseline="0" dirty="0" err="1" smtClean="0"/>
+              <a:t>mediatr</a:t>
+            </a:r>
+            <a:r>
+              <a:rPr lang="en-CA" b="0" baseline="0" dirty="0" smtClean="0"/>
+              <a:t> pattern we’ve been using we have an ideal place to hook logging into place: the mediator. We can log every command in the system and thusly every change that happened to the data. I use this on some systems in the form of a logging mediator. </a:t>
+            </a:r>
+            <a:endParaRPr lang="en-CA" b="0" dirty="0" smtClean="0"/>
           </a:p>
         </p:txBody>
       </p:sp>
@@ -2767,7 +3220,7 @@
     </p:spTree>
     <p:extLst>
       <p:ext uri="{BB962C8B-B14F-4D97-AF65-F5344CB8AC3E}">
-        <p14:creationId xmlns:p14="http://schemas.microsoft.com/office/powerpoint/2010/main" val="3951869880"/>
+        <p14:creationId xmlns:p14="http://schemas.microsoft.com/office/powerpoint/2010/main" val="2911304509"/>
       </p:ext>
     </p:extLst>
   </p:cSld>
@@ -2830,7 +3283,7 @@
           <a:p>
             <a:r>
               <a:rPr lang="en-CA" b="0" dirty="0" smtClean="0"/>
-              <a:t>What’s worse is that everything we produce is in a different format</a:t>
+              <a:t>Everything we have produces log files. But they are all over the place. </a:t>
             </a:r>
           </a:p>
         </p:txBody>
@@ -2862,7 +3315,7 @@
     </p:spTree>
     <p:extLst>
       <p:ext uri="{BB962C8B-B14F-4D97-AF65-F5344CB8AC3E}">
-        <p14:creationId xmlns:p14="http://schemas.microsoft.com/office/powerpoint/2010/main" val="2152532078"/>
+        <p14:creationId xmlns:p14="http://schemas.microsoft.com/office/powerpoint/2010/main" val="3951869880"/>
       </p:ext>
     </p:extLst>
   </p:cSld>
@@ -2925,7 +3378,7 @@
           <a:p>
             <a:r>
               <a:rPr lang="en-CA" b="0" dirty="0" smtClean="0"/>
-              <a:t>We need to find some way to get them all to the same place and the same format</a:t>
+              <a:t>What’s worse is that everything we produce is in a different format</a:t>
             </a:r>
           </a:p>
         </p:txBody>
@@ -2957,7 +3410,7 @@
     </p:spTree>
     <p:extLst>
       <p:ext uri="{BB962C8B-B14F-4D97-AF65-F5344CB8AC3E}">
-        <p14:creationId xmlns:p14="http://schemas.microsoft.com/office/powerpoint/2010/main" val="749318869"/>
+        <p14:creationId xmlns:p14="http://schemas.microsoft.com/office/powerpoint/2010/main" val="2152532078"/>
       </p:ext>
     </p:extLst>
   </p:cSld>
@@ -3020,21 +3473,8 @@
           <a:p>
             <a:r>
               <a:rPr lang="en-CA" b="0" dirty="0" smtClean="0"/>
-              <a:t>This one central log file could be our super</a:t>
-            </a:r>
-            <a:r>
-              <a:rPr lang="en-CA" b="0" baseline="0" dirty="0" smtClean="0"/>
-              <a:t> log file. The place we go to </a:t>
-            </a:r>
-            <a:r>
-              <a:rPr lang="en-CA" b="0" baseline="0" dirty="0" err="1" smtClean="0"/>
-              <a:t>to</a:t>
-            </a:r>
-            <a:r>
-              <a:rPr lang="en-CA" b="0" baseline="0" dirty="0" smtClean="0"/>
-              <a:t> understand what happened in the system</a:t>
-            </a:r>
-            <a:endParaRPr lang="en-CA" b="0" dirty="0" smtClean="0"/>
+              <a:t>We need to find some way to get them all to the same place and the same format</a:t>
+            </a:r>
           </a:p>
         </p:txBody>
       </p:sp>
@@ -3065,7 +3505,7 @@
     </p:spTree>
     <p:extLst>
       <p:ext uri="{BB962C8B-B14F-4D97-AF65-F5344CB8AC3E}">
-        <p14:creationId xmlns:p14="http://schemas.microsoft.com/office/powerpoint/2010/main" val="1903368349"/>
+        <p14:creationId xmlns:p14="http://schemas.microsoft.com/office/powerpoint/2010/main" val="749318869"/>
       </p:ext>
     </p:extLst>
   </p:cSld>
@@ -3128,19 +3568,19 @@
           <a:p>
             <a:r>
               <a:rPr lang="en-CA" b="0" dirty="0" smtClean="0"/>
-              <a:t>Log data</a:t>
+              <a:t>This one central log file could be our super</a:t>
             </a:r>
             <a:r>
               <a:rPr lang="en-CA" b="0" baseline="0" dirty="0" smtClean="0"/>
-              <a:t> can be huge, I mean seriously huge. Consider that if we log every change to data in the mediator then we’re logging at the very least the same amount of data that we’ve got in the system, likely several fold more data. So if your production </a:t>
+              <a:t> log file. The place we go to </a:t>
             </a:r>
             <a:r>
               <a:rPr lang="en-CA" b="0" baseline="0" dirty="0" err="1" smtClean="0"/>
-              <a:t>db</a:t>
+              <a:t>to</a:t>
             </a:r>
             <a:r>
               <a:rPr lang="en-CA" b="0" baseline="0" dirty="0" smtClean="0"/>
-              <a:t> is 1TB your logs could be 10TB. Logs can be a big data problem even for system that aren’t “big data”</a:t>
+              <a:t> understand what happened in the system</a:t>
             </a:r>
             <a:endParaRPr lang="en-CA" b="0" dirty="0" smtClean="0"/>
           </a:p>
@@ -3173,7 +3613,7 @@
     </p:spTree>
     <p:extLst>
       <p:ext uri="{BB962C8B-B14F-4D97-AF65-F5344CB8AC3E}">
-        <p14:creationId xmlns:p14="http://schemas.microsoft.com/office/powerpoint/2010/main" val="1876507788"/>
+        <p14:creationId xmlns:p14="http://schemas.microsoft.com/office/powerpoint/2010/main" val="1903368349"/>
       </p:ext>
     </p:extLst>
   </p:cSld>
@@ -4916,6 +5356,660 @@
 </p:sldLayout>
 </file>
 
+<file path=ppt/slideLayouts/slideLayout9.xml><?xml version="1.0" encoding="utf-8"?>
+<p:sldLayout xmlns:a="http://schemas.openxmlformats.org/drawingml/2006/main" xmlns:r="http://schemas.openxmlformats.org/officeDocument/2006/relationships" xmlns:p="http://schemas.openxmlformats.org/presentationml/2006/main" userDrawn="1">
+  <p:cSld name="1_Section Header">
+    <p:spTree>
+      <p:nvGrpSpPr>
+        <p:cNvPr id="1" name=""/>
+        <p:cNvGrpSpPr/>
+        <p:nvPr/>
+      </p:nvGrpSpPr>
+      <p:grpSpPr>
+        <a:xfrm>
+          <a:off x="0" y="0"/>
+          <a:ext cx="0" cy="0"/>
+          <a:chOff x="0" y="0"/>
+          <a:chExt cx="0" cy="0"/>
+        </a:xfrm>
+      </p:grpSpPr>
+      <p:sp>
+        <p:nvSpPr>
+          <p:cNvPr id="9" name="Subtitle 2"/>
+          <p:cNvSpPr txBox="1">
+            <a:spLocks/>
+          </p:cNvSpPr>
+          <p:nvPr userDrawn="1"/>
+        </p:nvSpPr>
+        <p:spPr>
+          <a:xfrm>
+            <a:off x="8738733" y="2685050"/>
+            <a:ext cx="2241224" cy="2355337"/>
+          </a:xfrm>
+          <a:prstGeom prst="rect">
+            <a:avLst/>
+          </a:prstGeom>
+        </p:spPr>
+        <p:txBody>
+          <a:bodyPr vert="horz" lIns="91409" tIns="45705" rIns="91409" bIns="45705" rtlCol="0" anchor="ctr" anchorCtr="0">
+            <a:normAutofit/>
+          </a:bodyPr>
+          <a:lstStyle>
+            <a:lvl1pPr marL="0" indent="0" algn="l" defTabSz="914052" rtl="0" eaLnBrk="1" latinLnBrk="0" hangingPunct="1">
+              <a:lnSpc>
+                <a:spcPct val="100000"/>
+              </a:lnSpc>
+              <a:spcBef>
+                <a:spcPts val="0"/>
+              </a:spcBef>
+              <a:buSzPct val="90000"/>
+              <a:buFont typeface="Arial" pitchFamily="34" charset="0"/>
+              <a:buNone/>
+              <a:defRPr lang="en-US" sz="1800" b="1" kern="1200" spc="-30" baseline="0" dirty="0">
+                <a:gradFill>
+                  <a:gsLst>
+                    <a:gs pos="1250">
+                      <a:srgbClr val="FFFFFF"/>
+                    </a:gs>
+                    <a:gs pos="6250">
+                      <a:srgbClr val="FFFFFF"/>
+                    </a:gs>
+                  </a:gsLst>
+                  <a:lin ang="5400000" scaled="0"/>
+                </a:gradFill>
+                <a:latin typeface="Segoe UI" pitchFamily="34" charset="0"/>
+                <a:ea typeface="Segoe UI" pitchFamily="34" charset="0"/>
+                <a:cs typeface="Segoe UI" pitchFamily="34" charset="0"/>
+              </a:defRPr>
+            </a:lvl1pPr>
+            <a:lvl2pPr marL="457044" indent="0" algn="ctr" defTabSz="914088" rtl="0" eaLnBrk="1" latinLnBrk="0" hangingPunct="1">
+              <a:spcBef>
+                <a:spcPts val="300"/>
+              </a:spcBef>
+              <a:spcAft>
+                <a:spcPts val="300"/>
+              </a:spcAft>
+              <a:buFont typeface="Arial" pitchFamily="34" charset="0"/>
+              <a:buNone/>
+              <a:defRPr sz="2800" kern="1200">
+                <a:solidFill>
+                  <a:schemeClr val="tx1">
+                    <a:tint val="75000"/>
+                  </a:schemeClr>
+                </a:solidFill>
+                <a:latin typeface="Segoe UI" pitchFamily="34" charset="0"/>
+                <a:ea typeface="Segoe UI" pitchFamily="34" charset="0"/>
+                <a:cs typeface="Segoe UI" pitchFamily="34" charset="0"/>
+              </a:defRPr>
+            </a:lvl2pPr>
+            <a:lvl3pPr marL="914088" indent="0" algn="ctr" defTabSz="914088" rtl="0" eaLnBrk="1" latinLnBrk="0" hangingPunct="1">
+              <a:spcBef>
+                <a:spcPts val="200"/>
+              </a:spcBef>
+              <a:spcAft>
+                <a:spcPts val="200"/>
+              </a:spcAft>
+              <a:buFont typeface="Arial" pitchFamily="34" charset="0"/>
+              <a:buNone/>
+              <a:defRPr sz="2400" kern="1200">
+                <a:solidFill>
+                  <a:schemeClr val="tx1">
+                    <a:tint val="75000"/>
+                  </a:schemeClr>
+                </a:solidFill>
+                <a:latin typeface="Segoe UI" pitchFamily="34" charset="0"/>
+                <a:ea typeface="Segoe UI" pitchFamily="34" charset="0"/>
+                <a:cs typeface="Segoe UI" pitchFamily="34" charset="0"/>
+              </a:defRPr>
+            </a:lvl3pPr>
+            <a:lvl4pPr marL="1371133" indent="0" algn="ctr" defTabSz="914088" rtl="0" eaLnBrk="1" latinLnBrk="0" hangingPunct="1">
+              <a:spcBef>
+                <a:spcPct val="20000"/>
+              </a:spcBef>
+              <a:buFont typeface="Arial" pitchFamily="34" charset="0"/>
+              <a:buNone/>
+              <a:defRPr sz="2000" kern="1200">
+                <a:solidFill>
+                  <a:schemeClr val="tx1">
+                    <a:tint val="75000"/>
+                  </a:schemeClr>
+                </a:solidFill>
+                <a:latin typeface="Segoe UI" pitchFamily="34" charset="0"/>
+                <a:ea typeface="Segoe UI" pitchFamily="34" charset="0"/>
+                <a:cs typeface="Segoe UI" pitchFamily="34" charset="0"/>
+              </a:defRPr>
+            </a:lvl4pPr>
+            <a:lvl5pPr marL="1828178" indent="0" algn="ctr" defTabSz="914088" rtl="0" eaLnBrk="1" latinLnBrk="0" hangingPunct="1">
+              <a:spcBef>
+                <a:spcPct val="20000"/>
+              </a:spcBef>
+              <a:buFont typeface="Arial" pitchFamily="34" charset="0"/>
+              <a:buNone/>
+              <a:defRPr sz="2000" kern="1200">
+                <a:solidFill>
+                  <a:schemeClr val="tx1">
+                    <a:tint val="75000"/>
+                  </a:schemeClr>
+                </a:solidFill>
+                <a:latin typeface="Segoe UI" pitchFamily="34" charset="0"/>
+                <a:ea typeface="Segoe UI" pitchFamily="34" charset="0"/>
+                <a:cs typeface="Segoe UI" pitchFamily="34" charset="0"/>
+              </a:defRPr>
+            </a:lvl5pPr>
+            <a:lvl6pPr marL="2285222" indent="0" algn="ctr" defTabSz="914088" rtl="0" eaLnBrk="1" latinLnBrk="0" hangingPunct="1">
+              <a:spcBef>
+                <a:spcPct val="20000"/>
+              </a:spcBef>
+              <a:buFont typeface="Arial" pitchFamily="34" charset="0"/>
+              <a:buNone/>
+              <a:defRPr sz="2000" kern="1200">
+                <a:solidFill>
+                  <a:schemeClr val="tx1">
+                    <a:tint val="75000"/>
+                  </a:schemeClr>
+                </a:solidFill>
+                <a:latin typeface="+mn-lt"/>
+                <a:ea typeface="+mn-ea"/>
+                <a:cs typeface="+mn-cs"/>
+              </a:defRPr>
+            </a:lvl6pPr>
+            <a:lvl7pPr marL="2742267" indent="0" algn="ctr" defTabSz="914088" rtl="0" eaLnBrk="1" latinLnBrk="0" hangingPunct="1">
+              <a:spcBef>
+                <a:spcPct val="20000"/>
+              </a:spcBef>
+              <a:buFont typeface="Arial" pitchFamily="34" charset="0"/>
+              <a:buNone/>
+              <a:defRPr sz="2000" kern="1200">
+                <a:solidFill>
+                  <a:schemeClr val="tx1">
+                    <a:tint val="75000"/>
+                  </a:schemeClr>
+                </a:solidFill>
+                <a:latin typeface="+mn-lt"/>
+                <a:ea typeface="+mn-ea"/>
+                <a:cs typeface="+mn-cs"/>
+              </a:defRPr>
+            </a:lvl7pPr>
+            <a:lvl8pPr marL="3199311" indent="0" algn="ctr" defTabSz="914088" rtl="0" eaLnBrk="1" latinLnBrk="0" hangingPunct="1">
+              <a:spcBef>
+                <a:spcPct val="20000"/>
+              </a:spcBef>
+              <a:buFont typeface="Arial" pitchFamily="34" charset="0"/>
+              <a:buNone/>
+              <a:defRPr sz="2000" kern="1200">
+                <a:solidFill>
+                  <a:schemeClr val="tx1">
+                    <a:tint val="75000"/>
+                  </a:schemeClr>
+                </a:solidFill>
+                <a:latin typeface="+mn-lt"/>
+                <a:ea typeface="+mn-ea"/>
+                <a:cs typeface="+mn-cs"/>
+              </a:defRPr>
+            </a:lvl8pPr>
+            <a:lvl9pPr marL="3656358" indent="0" algn="ctr" defTabSz="914088" rtl="0" eaLnBrk="1" latinLnBrk="0" hangingPunct="1">
+              <a:spcBef>
+                <a:spcPct val="20000"/>
+              </a:spcBef>
+              <a:buFont typeface="Arial" pitchFamily="34" charset="0"/>
+              <a:buNone/>
+              <a:defRPr sz="2000" kern="1200">
+                <a:solidFill>
+                  <a:schemeClr val="tx1">
+                    <a:tint val="75000"/>
+                  </a:schemeClr>
+                </a:solidFill>
+                <a:latin typeface="+mn-lt"/>
+                <a:ea typeface="+mn-ea"/>
+                <a:cs typeface="+mn-cs"/>
+              </a:defRPr>
+            </a:lvl9pPr>
+          </a:lstStyle>
+          <a:p>
+            <a:r>
+              <a:rPr lang="en-US" smtClean="0"/>
+              <a:t>Click to edit Master subtitle style</a:t>
+            </a:r>
+            <a:endParaRPr lang="en-US"/>
+          </a:p>
+        </p:txBody>
+      </p:sp>
+      <p:sp>
+        <p:nvSpPr>
+          <p:cNvPr id="13" name="Title 1"/>
+          <p:cNvSpPr txBox="1">
+            <a:spLocks/>
+          </p:cNvSpPr>
+          <p:nvPr userDrawn="1"/>
+        </p:nvSpPr>
+        <p:spPr>
+          <a:xfrm>
+            <a:off x="193271" y="3376350"/>
+            <a:ext cx="8409867" cy="1692617"/>
+          </a:xfrm>
+          <a:prstGeom prst="rect">
+            <a:avLst/>
+          </a:prstGeom>
+          <a:solidFill>
+            <a:srgbClr val="007233"/>
+          </a:solidFill>
+          <a:effectLst/>
+        </p:spPr>
+        <p:txBody>
+          <a:bodyPr vert="horz" lIns="137160" tIns="137160" rIns="91409" bIns="137160" rtlCol="0" anchor="b" anchorCtr="0">
+            <a:noAutofit/>
+          </a:bodyPr>
+          <a:lstStyle>
+            <a:lvl1pPr algn="l" defTabSz="914088" rtl="0" eaLnBrk="1" latinLnBrk="0" hangingPunct="1">
+              <a:spcBef>
+                <a:spcPct val="0"/>
+              </a:spcBef>
+              <a:buNone/>
+              <a:defRPr lang="en-US" sz="4000" kern="0" dirty="0">
+                <a:ln w="3175">
+                  <a:noFill/>
+                </a:ln>
+                <a:gradFill flip="none" rotWithShape="1">
+                  <a:gsLst>
+                    <a:gs pos="4583">
+                      <a:srgbClr val="FFFFFF"/>
+                    </a:gs>
+                    <a:gs pos="100000">
+                      <a:srgbClr val="FFFFFF"/>
+                    </a:gs>
+                  </a:gsLst>
+                  <a:lin ang="5400000" scaled="0"/>
+                  <a:tileRect/>
+                </a:gradFill>
+                <a:latin typeface="Segoe UI" pitchFamily="34" charset="0"/>
+                <a:ea typeface="Segoe UI" pitchFamily="34" charset="0"/>
+                <a:cs typeface="Segoe UI" pitchFamily="34" charset="0"/>
+              </a:defRPr>
+            </a:lvl1pPr>
+          </a:lstStyle>
+          <a:p>
+            <a:endParaRPr lang="en-US" sz="4000" dirty="0"/>
+          </a:p>
+        </p:txBody>
+      </p:sp>
+      <p:sp>
+        <p:nvSpPr>
+          <p:cNvPr id="14" name="top right small rectangle"/>
+          <p:cNvSpPr/>
+          <p:nvPr userDrawn="1"/>
+        </p:nvSpPr>
+        <p:spPr bwMode="auto">
+          <a:xfrm>
+            <a:off x="8682790" y="3374967"/>
+            <a:ext cx="3257419" cy="1694322"/>
+          </a:xfrm>
+          <a:prstGeom prst="rect">
+            <a:avLst/>
+          </a:prstGeom>
+          <a:solidFill>
+            <a:schemeClr val="tx2"/>
+          </a:solidFill>
+          <a:ln>
+            <a:noFill/>
+            <a:headEnd type="none" w="med" len="med"/>
+            <a:tailEnd type="none" w="med" len="med"/>
+          </a:ln>
+        </p:spPr>
+        <p:style>
+          <a:lnRef idx="2">
+            <a:schemeClr val="accent5">
+              <a:shade val="50000"/>
+            </a:schemeClr>
+          </a:lnRef>
+          <a:fillRef idx="1">
+            <a:schemeClr val="accent5"/>
+          </a:fillRef>
+          <a:effectRef idx="0">
+            <a:schemeClr val="accent5"/>
+          </a:effectRef>
+          <a:fontRef idx="minor">
+            <a:schemeClr val="lt1"/>
+          </a:fontRef>
+        </p:style>
+        <p:txBody>
+          <a:bodyPr vert="horz" wrap="square" lIns="91404" tIns="45703" rIns="91404" bIns="45703" numCol="1" rtlCol="0" anchor="ctr" anchorCtr="0" compatLnSpc="1">
+            <a:prstTxWarp prst="textNoShape">
+              <a:avLst/>
+            </a:prstTxWarp>
+          </a:bodyPr>
+          <a:lstStyle/>
+          <a:p>
+            <a:pPr algn="ctr" defTabSz="913788" fontAlgn="base">
+              <a:spcBef>
+                <a:spcPct val="0"/>
+              </a:spcBef>
+              <a:spcAft>
+                <a:spcPct val="0"/>
+              </a:spcAft>
+            </a:pPr>
+            <a:endParaRPr lang="en-US" sz="2200" dirty="0">
+              <a:gradFill>
+                <a:gsLst>
+                  <a:gs pos="0">
+                    <a:srgbClr val="FFFFFF"/>
+                  </a:gs>
+                  <a:gs pos="100000">
+                    <a:srgbClr val="FFFFFF"/>
+                  </a:gs>
+                </a:gsLst>
+                <a:lin ang="5400000" scaled="0"/>
+              </a:gradFill>
+            </a:endParaRPr>
+          </a:p>
+        </p:txBody>
+      </p:sp>
+      <p:pic>
+        <p:nvPicPr>
+          <p:cNvPr id="15" name="Picture 14"/>
+          <p:cNvPicPr>
+            <a:picLocks noChangeAspect="1"/>
+          </p:cNvPicPr>
+          <p:nvPr userDrawn="1"/>
+        </p:nvPicPr>
+        <p:blipFill rotWithShape="1">
+          <a:blip r:embed="rId2" cstate="print">
+            <a:extLst>
+              <a:ext uri="{28A0092B-C50C-407E-A947-70E740481C1C}">
+                <a14:useLocalDpi xmlns:a14="http://schemas.microsoft.com/office/drawing/2010/main" val="0"/>
+              </a:ext>
+            </a:extLst>
+          </a:blip>
+          <a:srcRect l="9720" t="16544" r="7275" b="16691"/>
+          <a:stretch/>
+        </p:blipFill>
+        <p:spPr>
+          <a:xfrm>
+            <a:off x="11181757" y="4821401"/>
+            <a:ext cx="740346" cy="218986"/>
+          </a:xfrm>
+          <a:prstGeom prst="rect">
+            <a:avLst/>
+          </a:prstGeom>
+        </p:spPr>
+      </p:pic>
+      <p:sp>
+        <p:nvSpPr>
+          <p:cNvPr id="16" name="Text Placeholder 10"/>
+          <p:cNvSpPr>
+            <a:spLocks noGrp="1"/>
+          </p:cNvSpPr>
+          <p:nvPr>
+            <p:ph type="body" sz="quarter" idx="10" hasCustomPrompt="1"/>
+          </p:nvPr>
+        </p:nvSpPr>
+        <p:spPr>
+          <a:xfrm>
+            <a:off x="292101" y="3466407"/>
+            <a:ext cx="8215796" cy="1485524"/>
+          </a:xfrm>
+          <a:prstGeom prst="rect">
+            <a:avLst/>
+          </a:prstGeom>
+        </p:spPr>
+        <p:txBody>
+          <a:bodyPr anchor="b" anchorCtr="0">
+            <a:normAutofit/>
+          </a:bodyPr>
+          <a:lstStyle>
+            <a:lvl1pPr marL="0" indent="0">
+              <a:buNone/>
+              <a:defRPr sz="3600" b="0" baseline="0">
+                <a:solidFill>
+                  <a:schemeClr val="bg1"/>
+                </a:solidFill>
+                <a:latin typeface="Segoe UI Light" panose="020B0502040204020203" pitchFamily="34" charset="0"/>
+                <a:cs typeface="Segoe UI Light" panose="020B0502040204020203" pitchFamily="34" charset="0"/>
+              </a:defRPr>
+            </a:lvl1pPr>
+          </a:lstStyle>
+          <a:p>
+            <a:pPr lvl="0"/>
+            <a:r>
+              <a:rPr lang="en-US" dirty="0" smtClean="0"/>
+              <a:t>Module or Section transition style</a:t>
+            </a:r>
+          </a:p>
+        </p:txBody>
+      </p:sp>
+      <p:sp>
+        <p:nvSpPr>
+          <p:cNvPr id="11" name="Subtitle 2"/>
+          <p:cNvSpPr>
+            <a:spLocks noGrp="1"/>
+          </p:cNvSpPr>
+          <p:nvPr>
+            <p:ph type="subTitle" idx="1"/>
+          </p:nvPr>
+        </p:nvSpPr>
+        <p:spPr>
+          <a:xfrm>
+            <a:off x="193271" y="5132437"/>
+            <a:ext cx="8409867" cy="1460779"/>
+          </a:xfrm>
+          <a:prstGeom prst="rect">
+            <a:avLst/>
+          </a:prstGeom>
+        </p:spPr>
+        <p:txBody>
+          <a:bodyPr lIns="137160" tIns="137160" rIns="137160" bIns="137160" anchor="b" anchorCtr="0">
+            <a:normAutofit/>
+          </a:bodyPr>
+          <a:lstStyle>
+            <a:lvl1pPr marL="0" indent="0" algn="l" defTabSz="914052" rtl="0" eaLnBrk="1" latinLnBrk="0" hangingPunct="1">
+              <a:lnSpc>
+                <a:spcPct val="100000"/>
+              </a:lnSpc>
+              <a:spcBef>
+                <a:spcPts val="0"/>
+              </a:spcBef>
+              <a:buSzPct val="90000"/>
+              <a:buFont typeface="Arial" pitchFamily="34" charset="0"/>
+              <a:buNone/>
+              <a:defRPr lang="en-US" sz="2400" b="0" kern="0" spc="0" baseline="0" dirty="0">
+                <a:solidFill>
+                  <a:schemeClr val="tx1"/>
+                </a:solidFill>
+                <a:latin typeface="Segoe UI Light" panose="020B0502040204020203" pitchFamily="34" charset="0"/>
+                <a:ea typeface="Segoe UI Light" panose="020B0502040204020203" pitchFamily="34" charset="0"/>
+                <a:cs typeface="Segoe UI Light" panose="020B0502040204020203" pitchFamily="34" charset="0"/>
+              </a:defRPr>
+            </a:lvl1pPr>
+            <a:lvl2pPr marL="457044" indent="0" algn="ctr">
+              <a:buNone/>
+              <a:defRPr>
+                <a:solidFill>
+                  <a:schemeClr val="tx1">
+                    <a:tint val="75000"/>
+                  </a:schemeClr>
+                </a:solidFill>
+              </a:defRPr>
+            </a:lvl2pPr>
+            <a:lvl3pPr marL="914088" indent="0" algn="ctr">
+              <a:buNone/>
+              <a:defRPr>
+                <a:solidFill>
+                  <a:schemeClr val="tx1">
+                    <a:tint val="75000"/>
+                  </a:schemeClr>
+                </a:solidFill>
+              </a:defRPr>
+            </a:lvl3pPr>
+            <a:lvl4pPr marL="1371133" indent="0" algn="ctr">
+              <a:buNone/>
+              <a:defRPr>
+                <a:solidFill>
+                  <a:schemeClr val="tx1">
+                    <a:tint val="75000"/>
+                  </a:schemeClr>
+                </a:solidFill>
+              </a:defRPr>
+            </a:lvl4pPr>
+            <a:lvl5pPr marL="1828178" indent="0" algn="ctr">
+              <a:buNone/>
+              <a:defRPr>
+                <a:solidFill>
+                  <a:schemeClr val="tx1">
+                    <a:tint val="75000"/>
+                  </a:schemeClr>
+                </a:solidFill>
+              </a:defRPr>
+            </a:lvl5pPr>
+            <a:lvl6pPr marL="2285222" indent="0" algn="ctr">
+              <a:buNone/>
+              <a:defRPr>
+                <a:solidFill>
+                  <a:schemeClr val="tx1">
+                    <a:tint val="75000"/>
+                  </a:schemeClr>
+                </a:solidFill>
+              </a:defRPr>
+            </a:lvl6pPr>
+            <a:lvl7pPr marL="2742267" indent="0" algn="ctr">
+              <a:buNone/>
+              <a:defRPr>
+                <a:solidFill>
+                  <a:schemeClr val="tx1">
+                    <a:tint val="75000"/>
+                  </a:schemeClr>
+                </a:solidFill>
+              </a:defRPr>
+            </a:lvl7pPr>
+            <a:lvl8pPr marL="3199311" indent="0" algn="ctr">
+              <a:buNone/>
+              <a:defRPr>
+                <a:solidFill>
+                  <a:schemeClr val="tx1">
+                    <a:tint val="75000"/>
+                  </a:schemeClr>
+                </a:solidFill>
+              </a:defRPr>
+            </a:lvl8pPr>
+            <a:lvl9pPr marL="3656358" indent="0" algn="ctr">
+              <a:buNone/>
+              <a:defRPr>
+                <a:solidFill>
+                  <a:schemeClr val="tx1">
+                    <a:tint val="75000"/>
+                  </a:schemeClr>
+                </a:solidFill>
+              </a:defRPr>
+            </a:lvl9pPr>
+          </a:lstStyle>
+          <a:p>
+            <a:r>
+              <a:rPr lang="en-US" dirty="0" smtClean="0"/>
+              <a:t>Click to edit Master subtitle style</a:t>
+            </a:r>
+            <a:endParaRPr lang="en-US" dirty="0"/>
+          </a:p>
+        </p:txBody>
+      </p:sp>
+      <p:sp>
+        <p:nvSpPr>
+          <p:cNvPr id="10" name="TextBox 9"/>
+          <p:cNvSpPr txBox="1"/>
+          <p:nvPr userDrawn="1"/>
+        </p:nvSpPr>
+        <p:spPr>
+          <a:xfrm>
+            <a:off x="193271" y="164177"/>
+            <a:ext cx="3691466" cy="246221"/>
+          </a:xfrm>
+          <a:prstGeom prst="rect">
+            <a:avLst/>
+          </a:prstGeom>
+          <a:noFill/>
+        </p:spPr>
+        <p:txBody>
+          <a:bodyPr wrap="square" lIns="0" tIns="0" rIns="0" bIns="0" rtlCol="0" anchor="ctr">
+            <a:spAutoFit/>
+          </a:bodyPr>
+          <a:lstStyle/>
+          <a:p>
+            <a:pPr algn="l"/>
+            <a:r>
+              <a:rPr lang="en-US" sz="1600" dirty="0" smtClean="0">
+                <a:solidFill>
+                  <a:schemeClr val="tx1">
+                    <a:lumMod val="75000"/>
+                    <a:lumOff val="25000"/>
+                    <a:alpha val="99000"/>
+                  </a:schemeClr>
+                </a:solidFill>
+                <a:latin typeface="Segoe UI" panose="020B0502040204020203" pitchFamily="34" charset="0"/>
+                <a:cs typeface="Segoe UI" panose="020B0502040204020203" pitchFamily="34" charset="0"/>
+              </a:rPr>
+              <a:t>Microsoft</a:t>
+            </a:r>
+            <a:r>
+              <a:rPr lang="en-US" sz="1600" baseline="0" dirty="0" smtClean="0">
+                <a:solidFill>
+                  <a:schemeClr val="tx1">
+                    <a:lumMod val="75000"/>
+                    <a:lumOff val="25000"/>
+                    <a:alpha val="99000"/>
+                  </a:schemeClr>
+                </a:solidFill>
+                <a:latin typeface="Segoe UI" panose="020B0502040204020203" pitchFamily="34" charset="0"/>
+                <a:cs typeface="Segoe UI" panose="020B0502040204020203" pitchFamily="34" charset="0"/>
+              </a:rPr>
+              <a:t> Virtual Academy</a:t>
+            </a:r>
+            <a:endParaRPr lang="en-US" sz="1600" dirty="0" smtClean="0">
+              <a:solidFill>
+                <a:schemeClr val="tx1">
+                  <a:lumMod val="75000"/>
+                  <a:lumOff val="25000"/>
+                  <a:alpha val="99000"/>
+                </a:schemeClr>
+              </a:solidFill>
+              <a:latin typeface="Segoe UI" panose="020B0502040204020203" pitchFamily="34" charset="0"/>
+              <a:cs typeface="Segoe UI" panose="020B0502040204020203" pitchFamily="34" charset="0"/>
+            </a:endParaRPr>
+          </a:p>
+        </p:txBody>
+      </p:sp>
+    </p:spTree>
+    <p:extLst>
+      <p:ext uri="{BB962C8B-B14F-4D97-AF65-F5344CB8AC3E}">
+        <p14:creationId xmlns:p14="http://schemas.microsoft.com/office/powerpoint/2010/main" val="1347410217"/>
+      </p:ext>
+    </p:extLst>
+  </p:cSld>
+  <p:clrMapOvr>
+    <a:masterClrMapping/>
+  </p:clrMapOvr>
+  <p:timing>
+    <p:tnLst>
+      <p:par>
+        <p:cTn xmlns:p14="http://schemas.microsoft.com/office/powerpoint/2010/main" id="1" dur="indefinite" restart="never" nodeType="tmRoot"/>
+      </p:par>
+    </p:tnLst>
+  </p:timing>
+  <p:extLst mod="1">
+    <p:ext uri="{DCECCB84-F9BA-43D5-87BE-67443E8EF086}">
+      <p15:sldGuideLst xmlns:p15="http://schemas.microsoft.com/office/powerpoint/2012/main" xmlns="">
+        <p15:guide id="1" orient="horz" pos="2160">
+          <p15:clr>
+            <a:srgbClr val="FBAE40"/>
+          </p15:clr>
+        </p15:guide>
+        <p15:guide id="2" pos="3840">
+          <p15:clr>
+            <a:srgbClr val="FBAE40"/>
+          </p15:clr>
+        </p15:guide>
+      </p15:sldGuideLst>
+    </p:ext>
+  </p:extLst>
+</p:sldLayout>
+</file>
+
 <file path=ppt/slideMasters/slideMaster1.xml><?xml version="1.0" encoding="utf-8"?>
 <p:sldMaster xmlns:a="http://schemas.openxmlformats.org/drawingml/2006/main" xmlns:r="http://schemas.openxmlformats.org/officeDocument/2006/relationships" xmlns:p="http://schemas.openxmlformats.org/presentationml/2006/main" preserve="1">
   <p:cSld>
@@ -4988,6 +6082,7 @@
     <p:sldLayoutId id="2147483666" r:id="rId6"/>
     <p:sldLayoutId id="2147483668" r:id="rId7"/>
     <p:sldLayoutId id="2147483669" r:id="rId8"/>
+    <p:sldLayoutId id="2147483670" r:id="rId9"/>
   </p:sldLayoutIdLst>
   <p:timing>
     <p:tnLst>
@@ -5336,15 +6431,11 @@
               <a:t>Docker</a:t>
             </a:r>
             <a:r>
-              <a:rPr lang="en-US" sz="4000"/>
-              <a:t> </a:t>
-            </a:r>
-            <a:r>
-              <a:rPr lang="en-US" sz="4000"/>
-              <a:t>and </a:t>
-            </a:r>
-            <a:r>
-              <a:rPr lang="en-US" sz="4000" smtClean="0"/>
+              <a:rPr lang="en-US" sz="4000" dirty="0"/>
+              <a:t> and </a:t>
+            </a:r>
+            <a:r>
+              <a:rPr lang="en-US" sz="4000" dirty="0" smtClean="0"/>
               <a:t>YOU</a:t>
             </a:r>
             <a:endParaRPr lang="en-US" sz="4000" dirty="0"/>
@@ -5406,59 +6497,41 @@
             <a:pPr lvl="0"/>
             <a:r>
               <a:rPr lang="en-US" dirty="0" smtClean="0"/>
-              <a:t>Solving it</a:t>
+              <a:t>Stacks of Logs</a:t>
             </a:r>
             <a:endParaRPr lang="en-US" dirty="0"/>
           </a:p>
         </p:txBody>
       </p:sp>
-      <p:sp>
-        <p:nvSpPr>
-          <p:cNvPr id="5" name="TextBox 4"/>
-          <p:cNvSpPr txBox="1"/>
-          <p:nvPr/>
-        </p:nvSpPr>
+      <p:pic>
+        <p:nvPicPr>
+          <p:cNvPr id="6" name="Content Placeholder 5"/>
+          <p:cNvPicPr>
+            <a:picLocks noGrp="1" noChangeAspect="1"/>
+          </p:cNvPicPr>
+          <p:nvPr>
+            <p:ph sz="quarter" idx="10"/>
+          </p:nvPr>
+        </p:nvPicPr>
+        <p:blipFill>
+          <a:blip r:embed="rId3">
+            <a:extLst>
+              <a:ext uri="{28A0092B-C50C-407E-A947-70E740481C1C}">
+                <a14:useLocalDpi xmlns:a14="http://schemas.microsoft.com/office/drawing/2010/main" val="0"/>
+              </a:ext>
+            </a:extLst>
+          </a:blip>
+          <a:stretch>
+            <a:fillRect/>
+          </a:stretch>
+        </p:blipFill>
         <p:spPr>
           <a:xfrm>
-            <a:off x="9906000" y="-1"/>
-            <a:ext cx="2286000" cy="2031325"/>
+            <a:off x="1949869" y="1015661"/>
+            <a:ext cx="7956131" cy="5291138"/>
           </a:xfrm>
-          <a:prstGeom prst="rect">
-            <a:avLst/>
-          </a:prstGeom>
-          <a:solidFill>
-            <a:srgbClr val="FFFF00"/>
-          </a:solidFill>
-          <a:ln>
-            <a:noFill/>
-          </a:ln>
         </p:spPr>
-        <p:txBody>
-          <a:bodyPr wrap="square" rtlCol="0">
-            <a:spAutoFit/>
-          </a:bodyPr>
-          <a:lstStyle/>
-          <a:p>
-            <a:pPr algn="ctr"/>
-            <a:endParaRPr lang="en-US" dirty="0" smtClean="0"/>
-          </a:p>
-          <a:p>
-            <a:pPr algn="ctr"/>
-            <a:endParaRPr lang="en-US" dirty="0"/>
-          </a:p>
-          <a:p>
-            <a:pPr algn="ctr"/>
-            <a:r>
-              <a:rPr lang="en-US" dirty="0" smtClean="0"/>
-              <a:t>Please leave this area blank to allow for picture in picture recording</a:t>
-            </a:r>
-          </a:p>
-          <a:p>
-            <a:pPr algn="ctr"/>
-            <a:endParaRPr lang="en-US" dirty="0"/>
-          </a:p>
-        </p:txBody>
-      </p:sp>
+      </p:pic>
       <p:sp>
         <p:nvSpPr>
           <p:cNvPr id="8" name="Rectangle 7"/>
@@ -5487,53 +6560,10 @@
           </a:p>
         </p:txBody>
       </p:sp>
-      <p:sp>
-        <p:nvSpPr>
-          <p:cNvPr id="3" name="Content Placeholder 2"/>
-          <p:cNvSpPr>
-            <a:spLocks noGrp="1"/>
-          </p:cNvSpPr>
-          <p:nvPr>
-            <p:ph sz="quarter" idx="10"/>
-          </p:nvPr>
-        </p:nvSpPr>
-        <p:spPr/>
-        <p:txBody>
-          <a:bodyPr/>
-          <a:lstStyle/>
-          <a:p>
-            <a:r>
-              <a:rPr lang="en-US" dirty="0" smtClean="0"/>
-              <a:t>Big data solution</a:t>
-            </a:r>
-          </a:p>
-          <a:p>
-            <a:r>
-              <a:rPr lang="en-US" dirty="0" smtClean="0"/>
-              <a:t>Search </a:t>
-            </a:r>
-          </a:p>
-          <a:p>
-            <a:r>
-              <a:rPr lang="en-US" dirty="0" smtClean="0"/>
-              <a:t>Analyze</a:t>
-            </a:r>
-          </a:p>
-          <a:p>
-            <a:r>
-              <a:rPr lang="en-US" dirty="0" smtClean="0"/>
-              <a:t>Correlate actions to results</a:t>
-            </a:r>
-          </a:p>
-          <a:p>
-            <a:endParaRPr lang="en-US" dirty="0"/>
-          </a:p>
-        </p:txBody>
-      </p:sp>
     </p:spTree>
     <p:extLst>
       <p:ext uri="{BB962C8B-B14F-4D97-AF65-F5344CB8AC3E}">
-        <p14:creationId xmlns:p14="http://schemas.microsoft.com/office/powerpoint/2010/main" val="2294982690"/>
+        <p14:creationId xmlns:p14="http://schemas.microsoft.com/office/powerpoint/2010/main" val="488398330"/>
       </p:ext>
     </p:extLst>
   </p:cSld>
@@ -5569,79 +6599,204 @@
       </p:grpSpPr>
       <p:sp>
         <p:nvSpPr>
-          <p:cNvPr id="2" name="Title 1"/>
-          <p:cNvSpPr>
-            <a:spLocks noGrp="1"/>
-          </p:cNvSpPr>
-          <p:nvPr>
-            <p:ph type="title"/>
-          </p:nvPr>
-        </p:nvSpPr>
-        <p:spPr/>
-        <p:txBody>
-          <a:bodyPr/>
-          <a:lstStyle/>
-          <a:p>
-            <a:pPr lvl="0"/>
-            <a:r>
-              <a:rPr lang="en-US" dirty="0" err="1" smtClean="0"/>
-              <a:t>Elasticsearch</a:t>
-            </a:r>
-            <a:r>
-              <a:rPr lang="en-US" dirty="0" smtClean="0"/>
-              <a:t> + Log stash + </a:t>
-            </a:r>
-            <a:r>
-              <a:rPr lang="en-US" dirty="0" err="1" smtClean="0"/>
-              <a:t>Kibana</a:t>
-            </a:r>
-            <a:endParaRPr lang="en-US" dirty="0"/>
-          </a:p>
-        </p:txBody>
-      </p:sp>
-      <p:sp>
-        <p:nvSpPr>
-          <p:cNvPr id="5" name="TextBox 4"/>
-          <p:cNvSpPr txBox="1"/>
-          <p:nvPr/>
+          <p:cNvPr id="5" name="Text Placeholder 4"/>
+          <p:cNvSpPr>
+            <a:spLocks noGrp="1"/>
+          </p:cNvSpPr>
+          <p:nvPr>
+            <p:ph type="body" sz="quarter" idx="10"/>
+          </p:nvPr>
         </p:nvSpPr>
         <p:spPr>
-          <a:xfrm>
-            <a:off x="9906000" y="-1"/>
-            <a:ext cx="2286000" cy="2031325"/>
-          </a:xfrm>
-          <a:prstGeom prst="rect">
-            <a:avLst/>
-          </a:prstGeom>
           <a:solidFill>
-            <a:srgbClr val="FFFF00"/>
+            <a:srgbClr val="007233"/>
           </a:solidFill>
           <a:ln>
             <a:noFill/>
           </a:ln>
         </p:spPr>
         <p:txBody>
-          <a:bodyPr wrap="square" rtlCol="0">
-            <a:spAutoFit/>
-          </a:bodyPr>
-          <a:lstStyle/>
-          <a:p>
-            <a:pPr algn="ctr"/>
-            <a:endParaRPr lang="en-US" dirty="0" smtClean="0"/>
-          </a:p>
-          <a:p>
-            <a:pPr algn="ctr"/>
+          <a:bodyPr/>
+          <a:lstStyle/>
+          <a:p>
+            <a:pPr marL="914400" indent="-914400"/>
+            <a:r>
+              <a:rPr lang="en-US" dirty="0" smtClean="0"/>
+              <a:t>Distributed Logging</a:t>
+            </a:r>
             <a:endParaRPr lang="en-US" dirty="0"/>
           </a:p>
-          <a:p>
-            <a:pPr algn="ctr"/>
+        </p:txBody>
+      </p:sp>
+    </p:spTree>
+    <p:extLst>
+      <p:ext uri="{BB962C8B-B14F-4D97-AF65-F5344CB8AC3E}">
+        <p14:creationId xmlns:p14="http://schemas.microsoft.com/office/powerpoint/2010/main" val="1879608437"/>
+      </p:ext>
+    </p:extLst>
+  </p:cSld>
+  <p:clrMapOvr>
+    <a:masterClrMapping/>
+  </p:clrMapOvr>
+  <p:timing>
+    <p:tnLst>
+      <p:par>
+        <p:cTn xmlns:p14="http://schemas.microsoft.com/office/powerpoint/2010/main" id="1" dur="indefinite" restart="never" nodeType="tmRoot"/>
+      </p:par>
+    </p:tnLst>
+  </p:timing>
+</p:sld>
+</file>
+
+<file path=ppt/slides/slide12.xml><?xml version="1.0" encoding="utf-8"?>
+<p:sld xmlns:a="http://schemas.openxmlformats.org/drawingml/2006/main" xmlns:r="http://schemas.openxmlformats.org/officeDocument/2006/relationships" xmlns:p="http://schemas.openxmlformats.org/presentationml/2006/main">
+  <p:cSld>
+    <p:spTree>
+      <p:nvGrpSpPr>
+        <p:cNvPr id="1" name=""/>
+        <p:cNvGrpSpPr/>
+        <p:nvPr/>
+      </p:nvGrpSpPr>
+      <p:grpSpPr>
+        <a:xfrm>
+          <a:off x="0" y="0"/>
+          <a:ext cx="0" cy="0"/>
+          <a:chOff x="0" y="0"/>
+          <a:chExt cx="0" cy="0"/>
+        </a:xfrm>
+      </p:grpSpPr>
+      <p:sp>
+        <p:nvSpPr>
+          <p:cNvPr id="2" name="Title 1"/>
+          <p:cNvSpPr>
+            <a:spLocks noGrp="1"/>
+          </p:cNvSpPr>
+          <p:nvPr>
+            <p:ph type="title"/>
+          </p:nvPr>
+        </p:nvSpPr>
+        <p:spPr/>
+        <p:txBody>
+          <a:bodyPr/>
+          <a:lstStyle/>
+          <a:p>
+            <a:pPr lvl="0"/>
             <a:r>
               <a:rPr lang="en-US" dirty="0" smtClean="0"/>
-              <a:t>Please leave this area blank to allow for picture in picture recording</a:t>
-            </a:r>
-          </a:p>
-          <a:p>
-            <a:pPr algn="ctr"/>
+              <a:t>Solving it</a:t>
+            </a:r>
+            <a:endParaRPr lang="en-US" dirty="0"/>
+          </a:p>
+        </p:txBody>
+      </p:sp>
+      <p:sp>
+        <p:nvSpPr>
+          <p:cNvPr id="3" name="Content Placeholder 2"/>
+          <p:cNvSpPr>
+            <a:spLocks noGrp="1"/>
+          </p:cNvSpPr>
+          <p:nvPr>
+            <p:ph sz="quarter" idx="10"/>
+          </p:nvPr>
+        </p:nvSpPr>
+        <p:spPr/>
+        <p:txBody>
+          <a:bodyPr/>
+          <a:lstStyle/>
+          <a:p>
+            <a:r>
+              <a:rPr lang="en-US" dirty="0" smtClean="0"/>
+              <a:t>Big data solution</a:t>
+            </a:r>
+          </a:p>
+          <a:p>
+            <a:r>
+              <a:rPr lang="en-US" dirty="0" smtClean="0"/>
+              <a:t>Search </a:t>
+            </a:r>
+          </a:p>
+          <a:p>
+            <a:r>
+              <a:rPr lang="en-US" dirty="0" smtClean="0"/>
+              <a:t>Analyze</a:t>
+            </a:r>
+          </a:p>
+          <a:p>
+            <a:r>
+              <a:rPr lang="en-US" dirty="0" smtClean="0"/>
+              <a:t>Correlate actions to results</a:t>
+            </a:r>
+          </a:p>
+          <a:p>
+            <a:endParaRPr lang="en-US" dirty="0"/>
+          </a:p>
+        </p:txBody>
+      </p:sp>
+    </p:spTree>
+    <p:extLst>
+      <p:ext uri="{BB962C8B-B14F-4D97-AF65-F5344CB8AC3E}">
+        <p14:creationId xmlns:p14="http://schemas.microsoft.com/office/powerpoint/2010/main" val="2294982690"/>
+      </p:ext>
+    </p:extLst>
+  </p:cSld>
+  <p:clrMapOvr>
+    <a:masterClrMapping/>
+  </p:clrMapOvr>
+  <p:timing>
+    <p:tnLst>
+      <p:par>
+        <p:cTn xmlns:p14="http://schemas.microsoft.com/office/powerpoint/2010/main" id="1" dur="indefinite" restart="never" nodeType="tmRoot"/>
+      </p:par>
+    </p:tnLst>
+  </p:timing>
+</p:sld>
+</file>
+
+<file path=ppt/slides/slide13.xml><?xml version="1.0" encoding="utf-8"?>
+<p:sld xmlns:a="http://schemas.openxmlformats.org/drawingml/2006/main" xmlns:r="http://schemas.openxmlformats.org/officeDocument/2006/relationships" xmlns:p="http://schemas.openxmlformats.org/presentationml/2006/main">
+  <p:cSld>
+    <p:spTree>
+      <p:nvGrpSpPr>
+        <p:cNvPr id="1" name=""/>
+        <p:cNvGrpSpPr/>
+        <p:nvPr/>
+      </p:nvGrpSpPr>
+      <p:grpSpPr>
+        <a:xfrm>
+          <a:off x="0" y="0"/>
+          <a:ext cx="0" cy="0"/>
+          <a:chOff x="0" y="0"/>
+          <a:chExt cx="0" cy="0"/>
+        </a:xfrm>
+      </p:grpSpPr>
+      <p:sp>
+        <p:nvSpPr>
+          <p:cNvPr id="2" name="Title 1"/>
+          <p:cNvSpPr>
+            <a:spLocks noGrp="1"/>
+          </p:cNvSpPr>
+          <p:nvPr>
+            <p:ph type="title"/>
+          </p:nvPr>
+        </p:nvSpPr>
+        <p:spPr/>
+        <p:txBody>
+          <a:bodyPr/>
+          <a:lstStyle/>
+          <a:p>
+            <a:pPr lvl="0"/>
+            <a:r>
+              <a:rPr lang="en-US" dirty="0" err="1" smtClean="0"/>
+              <a:t>Elasticsearch</a:t>
+            </a:r>
+            <a:r>
+              <a:rPr lang="en-US" dirty="0" smtClean="0"/>
+              <a:t> + Log stash + </a:t>
+            </a:r>
+            <a:r>
+              <a:rPr lang="en-US" dirty="0" err="1" smtClean="0"/>
+              <a:t>Kibana</a:t>
+            </a:r>
             <a:endParaRPr lang="en-US" dirty="0"/>
           </a:p>
         </p:txBody>
@@ -5730,7 +6885,7 @@
         </p:blipFill>
         <p:spPr bwMode="auto">
           <a:xfrm>
-            <a:off x="2510839" y="1095998"/>
+            <a:off x="2667810" y="1181612"/>
             <a:ext cx="7261781" cy="5446336"/>
           </a:xfrm>
           <a:prstGeom prst="rect">
@@ -5768,304 +6923,6 @@
 </p:sld>
 </file>
 
-<file path=ppt/slides/slide12.xml><?xml version="1.0" encoding="utf-8"?>
-<p:sld xmlns:a="http://schemas.openxmlformats.org/drawingml/2006/main" xmlns:r="http://schemas.openxmlformats.org/officeDocument/2006/relationships" xmlns:p="http://schemas.openxmlformats.org/presentationml/2006/main">
-  <p:cSld>
-    <p:spTree>
-      <p:nvGrpSpPr>
-        <p:cNvPr id="1" name=""/>
-        <p:cNvGrpSpPr/>
-        <p:nvPr/>
-      </p:nvGrpSpPr>
-      <p:grpSpPr>
-        <a:xfrm>
-          <a:off x="0" y="0"/>
-          <a:ext cx="0" cy="0"/>
-          <a:chOff x="0" y="0"/>
-          <a:chExt cx="0" cy="0"/>
-        </a:xfrm>
-      </p:grpSpPr>
-      <p:sp>
-        <p:nvSpPr>
-          <p:cNvPr id="2" name="Title 1"/>
-          <p:cNvSpPr>
-            <a:spLocks noGrp="1"/>
-          </p:cNvSpPr>
-          <p:nvPr>
-            <p:ph type="title"/>
-          </p:nvPr>
-        </p:nvSpPr>
-        <p:spPr/>
-        <p:txBody>
-          <a:bodyPr/>
-          <a:lstStyle/>
-          <a:p>
-            <a:r>
-              <a:rPr lang="en-US" dirty="0" err="1" smtClean="0"/>
-              <a:t>Logstash</a:t>
-            </a:r>
-            <a:endParaRPr lang="en-US" dirty="0"/>
-          </a:p>
-        </p:txBody>
-      </p:sp>
-      <p:sp>
-        <p:nvSpPr>
-          <p:cNvPr id="6" name="TextBox 5"/>
-          <p:cNvSpPr txBox="1"/>
-          <p:nvPr/>
-        </p:nvSpPr>
-        <p:spPr>
-          <a:xfrm>
-            <a:off x="9906000" y="-1"/>
-            <a:ext cx="2286000" cy="2031325"/>
-          </a:xfrm>
-          <a:prstGeom prst="rect">
-            <a:avLst/>
-          </a:prstGeom>
-          <a:solidFill>
-            <a:srgbClr val="FFFF00"/>
-          </a:solidFill>
-          <a:ln>
-            <a:noFill/>
-          </a:ln>
-        </p:spPr>
-        <p:txBody>
-          <a:bodyPr wrap="square" rtlCol="0">
-            <a:spAutoFit/>
-          </a:bodyPr>
-          <a:lstStyle/>
-          <a:p>
-            <a:pPr algn="ctr"/>
-            <a:endParaRPr lang="en-US" dirty="0" smtClean="0"/>
-          </a:p>
-          <a:p>
-            <a:pPr algn="ctr"/>
-            <a:endParaRPr lang="en-US" dirty="0"/>
-          </a:p>
-          <a:p>
-            <a:pPr algn="ctr"/>
-            <a:r>
-              <a:rPr lang="en-US" dirty="0" smtClean="0"/>
-              <a:t>Please leave this area blank to allow for picture in picture recording</a:t>
-            </a:r>
-          </a:p>
-          <a:p>
-            <a:pPr algn="ctr"/>
-            <a:endParaRPr lang="en-US" dirty="0"/>
-          </a:p>
-        </p:txBody>
-      </p:sp>
-      <p:sp>
-        <p:nvSpPr>
-          <p:cNvPr id="3" name="Content Placeholder 2"/>
-          <p:cNvSpPr>
-            <a:spLocks noGrp="1"/>
-          </p:cNvSpPr>
-          <p:nvPr>
-            <p:ph sz="quarter" idx="10"/>
-          </p:nvPr>
-        </p:nvSpPr>
-        <p:spPr/>
-        <p:txBody>
-          <a:bodyPr/>
-          <a:lstStyle/>
-          <a:p>
-            <a:endParaRPr lang="en-US"/>
-          </a:p>
-        </p:txBody>
-      </p:sp>
-    </p:spTree>
-    <p:extLst>
-      <p:ext uri="{BB962C8B-B14F-4D97-AF65-F5344CB8AC3E}">
-        <p14:creationId xmlns:p14="http://schemas.microsoft.com/office/powerpoint/2010/main" val="3358378337"/>
-      </p:ext>
-    </p:extLst>
-  </p:cSld>
-  <p:clrMapOvr>
-    <a:masterClrMapping/>
-  </p:clrMapOvr>
-  <p:timing>
-    <p:tnLst>
-      <p:par>
-        <p:cTn xmlns:p14="http://schemas.microsoft.com/office/powerpoint/2010/main" id="1" dur="indefinite" restart="never" nodeType="tmRoot"/>
-      </p:par>
-    </p:tnLst>
-  </p:timing>
-</p:sld>
-</file>
-
-<file path=ppt/slides/slide13.xml><?xml version="1.0" encoding="utf-8"?>
-<p:sld xmlns:a="http://schemas.openxmlformats.org/drawingml/2006/main" xmlns:r="http://schemas.openxmlformats.org/officeDocument/2006/relationships" xmlns:p="http://schemas.openxmlformats.org/presentationml/2006/main">
-  <p:cSld>
-    <p:spTree>
-      <p:nvGrpSpPr>
-        <p:cNvPr id="1" name=""/>
-        <p:cNvGrpSpPr/>
-        <p:nvPr/>
-      </p:nvGrpSpPr>
-      <p:grpSpPr>
-        <a:xfrm>
-          <a:off x="0" y="0"/>
-          <a:ext cx="0" cy="0"/>
-          <a:chOff x="0" y="0"/>
-          <a:chExt cx="0" cy="0"/>
-        </a:xfrm>
-      </p:grpSpPr>
-      <p:sp>
-        <p:nvSpPr>
-          <p:cNvPr id="2" name="Title 1"/>
-          <p:cNvSpPr>
-            <a:spLocks noGrp="1"/>
-          </p:cNvSpPr>
-          <p:nvPr>
-            <p:ph type="title"/>
-          </p:nvPr>
-        </p:nvSpPr>
-        <p:spPr/>
-        <p:txBody>
-          <a:bodyPr/>
-          <a:lstStyle/>
-          <a:p>
-            <a:r>
-              <a:rPr lang="en-US" dirty="0" err="1" smtClean="0"/>
-              <a:t>Logstash</a:t>
-            </a:r>
-            <a:endParaRPr lang="en-US" dirty="0"/>
-          </a:p>
-        </p:txBody>
-      </p:sp>
-      <p:pic>
-        <p:nvPicPr>
-          <p:cNvPr id="5" name="Content Placeholder 4"/>
-          <p:cNvPicPr>
-            <a:picLocks noGrp="1" noChangeAspect="1"/>
-          </p:cNvPicPr>
-          <p:nvPr>
-            <p:ph sz="quarter" idx="10"/>
-          </p:nvPr>
-        </p:nvPicPr>
-        <p:blipFill>
-          <a:blip r:embed="rId3" cstate="print">
-            <a:extLst>
-              <a:ext uri="{28A0092B-C50C-407E-A947-70E740481C1C}">
-                <a14:useLocalDpi xmlns:a14="http://schemas.microsoft.com/office/drawing/2010/main" val="0"/>
-              </a:ext>
-            </a:extLst>
-          </a:blip>
-          <a:stretch>
-            <a:fillRect/>
-          </a:stretch>
-        </p:blipFill>
-        <p:spPr>
-          <a:xfrm>
-            <a:off x="2576239" y="1151805"/>
-            <a:ext cx="7130982" cy="5291138"/>
-          </a:xfrm>
-        </p:spPr>
-      </p:pic>
-      <p:sp>
-        <p:nvSpPr>
-          <p:cNvPr id="4" name="Rectangle 3"/>
-          <p:cNvSpPr/>
-          <p:nvPr/>
-        </p:nvSpPr>
-        <p:spPr>
-          <a:xfrm>
-            <a:off x="2318994" y="6678614"/>
-            <a:ext cx="10114959" cy="230832"/>
-          </a:xfrm>
-          <a:prstGeom prst="rect">
-            <a:avLst/>
-          </a:prstGeom>
-        </p:spPr>
-        <p:txBody>
-          <a:bodyPr wrap="square">
-            <a:spAutoFit/>
-          </a:bodyPr>
-          <a:lstStyle/>
-          <a:p>
-            <a:r>
-              <a:rPr lang="en-US" sz="900" dirty="0"/>
-              <a:t>"WWTP </a:t>
-            </a:r>
-            <a:r>
-              <a:rPr lang="en-US" sz="900" dirty="0" err="1"/>
-              <a:t>Antwerpen</a:t>
-            </a:r>
-            <a:r>
-              <a:rPr lang="en-US" sz="900" dirty="0"/>
-              <a:t>-Zuid" by Annabel - Own work. Licensed under CC BY-SA 3.0 via Commons - https://commons.wikimedia.org/wiki/File:WWTP_Antwerpen-Zuid.jpg#/media/File:WWTP_Antwerpen-Zuid.jpg</a:t>
-            </a:r>
-          </a:p>
-        </p:txBody>
-      </p:sp>
-      <p:sp>
-        <p:nvSpPr>
-          <p:cNvPr id="6" name="TextBox 5"/>
-          <p:cNvSpPr txBox="1"/>
-          <p:nvPr/>
-        </p:nvSpPr>
-        <p:spPr>
-          <a:xfrm>
-            <a:off x="9906000" y="-1"/>
-            <a:ext cx="2286000" cy="2031325"/>
-          </a:xfrm>
-          <a:prstGeom prst="rect">
-            <a:avLst/>
-          </a:prstGeom>
-          <a:solidFill>
-            <a:srgbClr val="FFFF00"/>
-          </a:solidFill>
-          <a:ln>
-            <a:noFill/>
-          </a:ln>
-        </p:spPr>
-        <p:txBody>
-          <a:bodyPr wrap="square" rtlCol="0">
-            <a:spAutoFit/>
-          </a:bodyPr>
-          <a:lstStyle/>
-          <a:p>
-            <a:pPr algn="ctr"/>
-            <a:endParaRPr lang="en-US" dirty="0" smtClean="0"/>
-          </a:p>
-          <a:p>
-            <a:pPr algn="ctr"/>
-            <a:endParaRPr lang="en-US" dirty="0"/>
-          </a:p>
-          <a:p>
-            <a:pPr algn="ctr"/>
-            <a:r>
-              <a:rPr lang="en-US" dirty="0" smtClean="0"/>
-              <a:t>Please leave this area blank to allow for picture in picture recording</a:t>
-            </a:r>
-          </a:p>
-          <a:p>
-            <a:pPr algn="ctr"/>
-            <a:endParaRPr lang="en-US" dirty="0"/>
-          </a:p>
-        </p:txBody>
-      </p:sp>
-    </p:spTree>
-    <p:extLst>
-      <p:ext uri="{BB962C8B-B14F-4D97-AF65-F5344CB8AC3E}">
-        <p14:creationId xmlns:p14="http://schemas.microsoft.com/office/powerpoint/2010/main" val="3509362586"/>
-      </p:ext>
-    </p:extLst>
-  </p:cSld>
-  <p:clrMapOvr>
-    <a:masterClrMapping/>
-  </p:clrMapOvr>
-  <p:timing>
-    <p:tnLst>
-      <p:par>
-        <p:cTn xmlns:p14="http://schemas.microsoft.com/office/powerpoint/2010/main" id="1" dur="indefinite" restart="never" nodeType="tmRoot"/>
-      </p:par>
-    </p:tnLst>
-  </p:timing>
-</p:sld>
-</file>
-
 <file path=ppt/slides/slide14.xml><?xml version="1.0" encoding="utf-8"?>
 <p:sld xmlns:a="http://schemas.openxmlformats.org/drawingml/2006/main" xmlns:r="http://schemas.openxmlformats.org/officeDocument/2006/relationships" xmlns:p="http://schemas.openxmlformats.org/presentationml/2006/main">
   <p:cSld>
@@ -6085,154 +6942,31 @@
       </p:grpSpPr>
       <p:sp>
         <p:nvSpPr>
-          <p:cNvPr id="2" name="Title 1"/>
-          <p:cNvSpPr>
-            <a:spLocks noGrp="1"/>
-          </p:cNvSpPr>
-          <p:nvPr>
-            <p:ph type="title"/>
-          </p:nvPr>
-        </p:nvSpPr>
-        <p:spPr/>
-        <p:txBody>
-          <a:bodyPr/>
-          <a:lstStyle/>
-          <a:p>
-            <a:r>
-              <a:rPr lang="en-US" dirty="0" smtClean="0"/>
-              <a:t>Sources</a:t>
-            </a:r>
-            <a:endParaRPr lang="en-US" dirty="0"/>
-          </a:p>
-        </p:txBody>
-      </p:sp>
-      <p:sp>
-        <p:nvSpPr>
-          <p:cNvPr id="3" name="Content Placeholder 2"/>
-          <p:cNvSpPr>
-            <a:spLocks noGrp="1"/>
-          </p:cNvSpPr>
-          <p:nvPr>
-            <p:ph sz="quarter" idx="10"/>
-          </p:nvPr>
-        </p:nvSpPr>
-        <p:spPr/>
-        <p:txBody>
-          <a:bodyPr/>
-          <a:lstStyle/>
-          <a:p>
-            <a:r>
-              <a:rPr lang="en-US" dirty="0" err="1" smtClean="0"/>
-              <a:t>RabbitMQ</a:t>
-            </a:r>
-            <a:endParaRPr lang="en-US" dirty="0"/>
-          </a:p>
-          <a:p>
-            <a:r>
-              <a:rPr lang="en-US" dirty="0" smtClean="0"/>
-              <a:t>HTTP</a:t>
-            </a:r>
-            <a:endParaRPr lang="en-US" dirty="0"/>
-          </a:p>
-          <a:p>
-            <a:r>
-              <a:rPr lang="en-US" dirty="0" err="1" smtClean="0"/>
-              <a:t>Websockets</a:t>
-            </a:r>
-            <a:r>
-              <a:rPr lang="en-US" dirty="0" smtClean="0"/>
-              <a:t> </a:t>
-            </a:r>
-            <a:endParaRPr lang="en-US" dirty="0"/>
-          </a:p>
-          <a:p>
-            <a:r>
-              <a:rPr lang="en-US" dirty="0"/>
-              <a:t>S</a:t>
-            </a:r>
-            <a:r>
-              <a:rPr lang="en-US" dirty="0" smtClean="0"/>
-              <a:t>3</a:t>
-            </a:r>
-            <a:endParaRPr lang="en-US" dirty="0"/>
-          </a:p>
-          <a:p>
-            <a:r>
-              <a:rPr lang="en-US" dirty="0" smtClean="0"/>
-              <a:t>GitHub</a:t>
-            </a:r>
-            <a:endParaRPr lang="en-US" dirty="0"/>
-          </a:p>
-          <a:p>
-            <a:r>
-              <a:rPr lang="en-US" dirty="0"/>
-              <a:t>F</a:t>
-            </a:r>
-            <a:r>
-              <a:rPr lang="en-US" dirty="0" smtClean="0"/>
-              <a:t>iles</a:t>
-            </a:r>
-            <a:endParaRPr lang="en-US" dirty="0"/>
-          </a:p>
-          <a:p>
-            <a:r>
-              <a:rPr lang="en-US" dirty="0"/>
-              <a:t>S</a:t>
-            </a:r>
-            <a:r>
-              <a:rPr lang="en-US" dirty="0" smtClean="0"/>
-              <a:t>yslog</a:t>
-            </a:r>
-            <a:endParaRPr lang="en-US" dirty="0"/>
-          </a:p>
-          <a:p>
-            <a:endParaRPr lang="en-US" dirty="0"/>
-          </a:p>
-        </p:txBody>
-      </p:sp>
-      <p:sp>
-        <p:nvSpPr>
-          <p:cNvPr id="7" name="TextBox 6"/>
-          <p:cNvSpPr txBox="1"/>
-          <p:nvPr/>
+          <p:cNvPr id="5" name="Text Placeholder 4"/>
+          <p:cNvSpPr>
+            <a:spLocks noGrp="1"/>
+          </p:cNvSpPr>
+          <p:nvPr>
+            <p:ph type="body" sz="quarter" idx="10"/>
+          </p:nvPr>
         </p:nvSpPr>
         <p:spPr>
-          <a:xfrm>
-            <a:off x="9906000" y="-1"/>
-            <a:ext cx="2286000" cy="2031325"/>
-          </a:xfrm>
-          <a:prstGeom prst="rect">
-            <a:avLst/>
-          </a:prstGeom>
           <a:solidFill>
-            <a:srgbClr val="FFFF00"/>
+            <a:srgbClr val="007233"/>
           </a:solidFill>
           <a:ln>
             <a:noFill/>
           </a:ln>
         </p:spPr>
         <p:txBody>
-          <a:bodyPr wrap="square" rtlCol="0">
-            <a:spAutoFit/>
-          </a:bodyPr>
-          <a:lstStyle/>
-          <a:p>
-            <a:pPr algn="ctr"/>
-            <a:endParaRPr lang="en-US" dirty="0" smtClean="0"/>
-          </a:p>
-          <a:p>
-            <a:pPr algn="ctr"/>
-            <a:endParaRPr lang="en-US" dirty="0"/>
-          </a:p>
-          <a:p>
-            <a:pPr algn="ctr"/>
-            <a:r>
-              <a:rPr lang="en-US" dirty="0" smtClean="0"/>
-              <a:t>Please leave this area blank to allow for picture in picture recording</a:t>
-            </a:r>
-          </a:p>
-          <a:p>
-            <a:pPr algn="ctr"/>
+          <a:bodyPr/>
+          <a:lstStyle/>
+          <a:p>
+            <a:pPr marL="914400" indent="-914400"/>
+            <a:r>
+              <a:rPr lang="en-US" dirty="0" err="1" smtClean="0"/>
+              <a:t>Logstash</a:t>
+            </a:r>
             <a:endParaRPr lang="en-US" dirty="0"/>
           </a:p>
         </p:txBody>
@@ -6240,7 +6974,7 @@
     </p:spTree>
     <p:extLst>
       <p:ext uri="{BB962C8B-B14F-4D97-AF65-F5344CB8AC3E}">
-        <p14:creationId xmlns:p14="http://schemas.microsoft.com/office/powerpoint/2010/main" val="2599733258"/>
+        <p14:creationId xmlns:p14="http://schemas.microsoft.com/office/powerpoint/2010/main" val="1879608437"/>
       </p:ext>
     </p:extLst>
   </p:cSld>
@@ -6290,118 +7024,82 @@
           <a:lstStyle/>
           <a:p>
             <a:r>
-              <a:rPr lang="en-US" dirty="0" smtClean="0"/>
-              <a:t>Filters and </a:t>
-            </a:r>
-            <a:r>
               <a:rPr lang="en-US" dirty="0" err="1" smtClean="0"/>
-              <a:t>mutators</a:t>
+              <a:t>Logstash</a:t>
             </a:r>
             <a:endParaRPr lang="en-US" dirty="0"/>
           </a:p>
         </p:txBody>
       </p:sp>
-      <p:sp>
-        <p:nvSpPr>
-          <p:cNvPr id="3" name="Content Placeholder 2"/>
-          <p:cNvSpPr>
-            <a:spLocks noGrp="1"/>
-          </p:cNvSpPr>
+      <p:pic>
+        <p:nvPicPr>
+          <p:cNvPr id="5" name="Content Placeholder 4"/>
+          <p:cNvPicPr>
+            <a:picLocks noGrp="1" noChangeAspect="1"/>
+          </p:cNvPicPr>
           <p:nvPr>
             <p:ph sz="quarter" idx="10"/>
           </p:nvPr>
-        </p:nvSpPr>
-        <p:spPr/>
-        <p:txBody>
-          <a:bodyPr/>
-          <a:lstStyle/>
-          <a:p>
-            <a:r>
-              <a:rPr lang="en-US" dirty="0" smtClean="0"/>
-              <a:t>Convert IP addresses</a:t>
-            </a:r>
-          </a:p>
-          <a:p>
-            <a:r>
-              <a:rPr lang="en-US" dirty="0" smtClean="0"/>
-              <a:t>Filter out events</a:t>
-            </a:r>
-          </a:p>
-          <a:p>
-            <a:r>
-              <a:rPr lang="en-US" dirty="0" smtClean="0"/>
-              <a:t>Split events</a:t>
-            </a:r>
-          </a:p>
-          <a:p>
-            <a:r>
-              <a:rPr lang="en-US" dirty="0" smtClean="0"/>
-              <a:t>Anonymize </a:t>
-            </a:r>
-          </a:p>
-          <a:p>
-            <a:r>
-              <a:rPr lang="en-US" dirty="0" smtClean="0"/>
-              <a:t>Whatever else you can think of</a:t>
-            </a:r>
-            <a:endParaRPr lang="en-US" dirty="0"/>
-          </a:p>
-          <a:p>
-            <a:endParaRPr lang="en-US" dirty="0"/>
-          </a:p>
-        </p:txBody>
-      </p:sp>
-      <p:sp>
-        <p:nvSpPr>
-          <p:cNvPr id="4" name="TextBox 3"/>
-          <p:cNvSpPr txBox="1"/>
-          <p:nvPr/>
-        </p:nvSpPr>
+        </p:nvPicPr>
+        <p:blipFill>
+          <a:blip r:embed="rId3" cstate="print">
+            <a:extLst>
+              <a:ext uri="{28A0092B-C50C-407E-A947-70E740481C1C}">
+                <a14:useLocalDpi xmlns:a14="http://schemas.microsoft.com/office/drawing/2010/main" val="0"/>
+              </a:ext>
+            </a:extLst>
+          </a:blip>
+          <a:stretch>
+            <a:fillRect/>
+          </a:stretch>
+        </p:blipFill>
         <p:spPr>
           <a:xfrm>
-            <a:off x="9906000" y="-1"/>
-            <a:ext cx="2286000" cy="2031325"/>
+            <a:off x="2576239" y="1151805"/>
+            <a:ext cx="7130982" cy="5291138"/>
+          </a:xfrm>
+        </p:spPr>
+      </p:pic>
+      <p:sp>
+        <p:nvSpPr>
+          <p:cNvPr id="4" name="Rectangle 3"/>
+          <p:cNvSpPr/>
+          <p:nvPr/>
+        </p:nvSpPr>
+        <p:spPr>
+          <a:xfrm>
+            <a:off x="2318994" y="6678614"/>
+            <a:ext cx="10114959" cy="230832"/>
           </a:xfrm>
           <a:prstGeom prst="rect">
             <a:avLst/>
           </a:prstGeom>
-          <a:solidFill>
-            <a:srgbClr val="FFFF00"/>
-          </a:solidFill>
-          <a:ln>
-            <a:noFill/>
-          </a:ln>
         </p:spPr>
         <p:txBody>
-          <a:bodyPr wrap="square" rtlCol="0">
+          <a:bodyPr wrap="square">
             <a:spAutoFit/>
           </a:bodyPr>
           <a:lstStyle/>
           <a:p>
-            <a:pPr algn="ctr"/>
-            <a:endParaRPr lang="en-US" dirty="0" smtClean="0"/>
-          </a:p>
-          <a:p>
-            <a:pPr algn="ctr"/>
-            <a:endParaRPr lang="en-US" dirty="0"/>
-          </a:p>
-          <a:p>
-            <a:pPr algn="ctr"/>
-            <a:r>
-              <a:rPr lang="en-US" dirty="0" smtClean="0"/>
-              <a:t>Please leave this area blank to allow for picture in picture recording</a:t>
-            </a:r>
-          </a:p>
-          <a:p>
-            <a:pPr algn="ctr"/>
-            <a:endParaRPr lang="en-US" dirty="0"/>
+            <a:r>
+              <a:rPr lang="en-US" sz="900" dirty="0"/>
+              <a:t>"WWTP </a:t>
+            </a:r>
+            <a:r>
+              <a:rPr lang="en-US" sz="900" dirty="0" err="1"/>
+              <a:t>Antwerpen</a:t>
+            </a:r>
+            <a:r>
+              <a:rPr lang="en-US" sz="900" dirty="0"/>
+              <a:t>-Zuid" by Annabel - Own work. Licensed under CC BY-SA 3.0 via Commons - https://commons.wikimedia.org/wiki/File:WWTP_Antwerpen-Zuid.jpg#/media/File:WWTP_Antwerpen-Zuid.jpg</a:t>
+            </a:r>
           </a:p>
         </p:txBody>
       </p:sp>
     </p:spTree>
     <p:extLst>
       <p:ext uri="{BB962C8B-B14F-4D97-AF65-F5344CB8AC3E}">
-        <p14:creationId xmlns:p14="http://schemas.microsoft.com/office/powerpoint/2010/main" val="1041613072"/>
+        <p14:creationId xmlns:p14="http://schemas.microsoft.com/office/powerpoint/2010/main" val="3509362586"/>
       </p:ext>
     </p:extLst>
   </p:cSld>
@@ -6452,7 +7150,7 @@
           <a:p>
             <a:r>
               <a:rPr lang="en-US" dirty="0" smtClean="0"/>
-              <a:t>Output</a:t>
+              <a:t>Sources</a:t>
             </a:r>
             <a:endParaRPr lang="en-US" dirty="0"/>
           </a:p>
@@ -6475,90 +7173,69 @@
           <a:p>
             <a:r>
               <a:rPr lang="en-US" dirty="0" err="1" smtClean="0"/>
-              <a:t>EMail</a:t>
+              <a:t>RabbitMQ</a:t>
             </a:r>
             <a:endParaRPr lang="en-US" dirty="0"/>
           </a:p>
           <a:p>
             <a:r>
               <a:rPr lang="en-US" dirty="0" smtClean="0"/>
-              <a:t>Files</a:t>
+              <a:t>HTTP</a:t>
             </a:r>
             <a:endParaRPr lang="en-US" dirty="0"/>
           </a:p>
           <a:p>
             <a:r>
               <a:rPr lang="en-US" dirty="0" err="1" smtClean="0"/>
-              <a:t>Hipchat</a:t>
+              <a:t>Websockets</a:t>
+            </a:r>
+            <a:r>
+              <a:rPr lang="en-US" dirty="0" smtClean="0"/>
+              <a:t> </a:t>
             </a:r>
             <a:endParaRPr lang="en-US" dirty="0"/>
           </a:p>
           <a:p>
             <a:r>
+              <a:rPr lang="en-US" dirty="0"/>
+              <a:t>S</a:t>
+            </a:r>
+            <a:r>
               <a:rPr lang="en-US" dirty="0" smtClean="0"/>
-              <a:t>Slack </a:t>
+              <a:t>3</a:t>
             </a:r>
             <a:endParaRPr lang="en-US" dirty="0"/>
           </a:p>
           <a:p>
             <a:r>
               <a:rPr lang="en-US" dirty="0" smtClean="0"/>
-              <a:t>CVS</a:t>
+              <a:t>GitHub</a:t>
             </a:r>
             <a:endParaRPr lang="en-US" dirty="0"/>
           </a:p>
           <a:p>
             <a:r>
-              <a:rPr lang="en-US" dirty="0" err="1" smtClean="0"/>
-              <a:t>Elasticsearch</a:t>
+              <a:rPr lang="en-US" dirty="0"/>
+              <a:t>F</a:t>
+            </a:r>
+            <a:r>
+              <a:rPr lang="en-US" dirty="0" smtClean="0"/>
+              <a:t>iles</a:t>
             </a:r>
             <a:endParaRPr lang="en-US" dirty="0"/>
           </a:p>
-        </p:txBody>
-      </p:sp>
-      <p:sp>
-        <p:nvSpPr>
-          <p:cNvPr id="4" name="TextBox 3"/>
-          <p:cNvSpPr txBox="1"/>
-          <p:nvPr/>
-        </p:nvSpPr>
-        <p:spPr>
-          <a:xfrm>
-            <a:off x="9906000" y="-1"/>
-            <a:ext cx="2286000" cy="2031325"/>
-          </a:xfrm>
-          <a:prstGeom prst="rect">
-            <a:avLst/>
-          </a:prstGeom>
-          <a:solidFill>
-            <a:srgbClr val="FFFF00"/>
-          </a:solidFill>
-          <a:ln>
-            <a:noFill/>
-          </a:ln>
-        </p:spPr>
-        <p:txBody>
-          <a:bodyPr wrap="square" rtlCol="0">
-            <a:spAutoFit/>
-          </a:bodyPr>
-          <a:lstStyle/>
-          <a:p>
-            <a:pPr algn="ctr"/>
-            <a:endParaRPr lang="en-US" dirty="0" smtClean="0"/>
-          </a:p>
-          <a:p>
-            <a:pPr algn="ctr"/>
+          <a:p>
+            <a:r>
+              <a:rPr lang="en-US" dirty="0"/>
+              <a:t>S</a:t>
+            </a:r>
+            <a:r>
+              <a:rPr lang="en-US" dirty="0" smtClean="0"/>
+              <a:t>yslog</a:t>
+            </a:r>
             <a:endParaRPr lang="en-US" dirty="0"/>
           </a:p>
           <a:p>
-            <a:pPr algn="ctr"/>
-            <a:r>
-              <a:rPr lang="en-US" dirty="0" smtClean="0"/>
-              <a:t>Please leave this area blank to allow for picture in picture recording</a:t>
-            </a:r>
-          </a:p>
-          <a:p>
-            <a:pPr algn="ctr"/>
             <a:endParaRPr lang="en-US" dirty="0"/>
           </a:p>
         </p:txBody>
@@ -6566,7 +7243,7 @@
     </p:spTree>
     <p:extLst>
       <p:ext uri="{BB962C8B-B14F-4D97-AF65-F5344CB8AC3E}">
-        <p14:creationId xmlns:p14="http://schemas.microsoft.com/office/powerpoint/2010/main" val="2523918773"/>
+        <p14:creationId xmlns:p14="http://schemas.microsoft.com/office/powerpoint/2010/main" val="2599733258"/>
       </p:ext>
     </p:extLst>
   </p:cSld>
@@ -6616,8 +7293,12 @@
           <a:lstStyle/>
           <a:p>
             <a:r>
-              <a:rPr lang="en-US" dirty="0" err="1" smtClean="0"/>
-              <a:t>Elasticsearch</a:t>
+              <a:rPr lang="en-US" dirty="0" smtClean="0"/>
+              <a:t>Filters and </a:t>
+            </a:r>
+            <a:r>
+              <a:rPr lang="en-US" dirty="0" smtClean="0"/>
+              <a:t>enhancers</a:t>
             </a:r>
             <a:endParaRPr lang="en-US" dirty="0"/>
           </a:p>
@@ -6638,53 +7319,37 @@
           <a:bodyPr/>
           <a:lstStyle/>
           <a:p>
+            <a:r>
+              <a:rPr lang="en-US" dirty="0" smtClean="0"/>
+              <a:t>Convert IP addresses</a:t>
+            </a:r>
+          </a:p>
+          <a:p>
+            <a:r>
+              <a:rPr lang="en-US" dirty="0" smtClean="0"/>
+              <a:t>Filter out events</a:t>
+            </a:r>
+          </a:p>
+          <a:p>
+            <a:r>
+              <a:rPr lang="en-US" dirty="0" smtClean="0"/>
+              <a:t>Split events</a:t>
+            </a:r>
+          </a:p>
+          <a:p>
+            <a:r>
+              <a:rPr lang="en-US" dirty="0" smtClean="0"/>
+              <a:t>Anonymize </a:t>
+            </a:r>
+          </a:p>
+          <a:p>
+            <a:r>
+              <a:rPr lang="en-US" dirty="0" smtClean="0"/>
+              <a:t>Whatever else you can think of</a:t>
+            </a:r>
             <a:endParaRPr lang="en-US" dirty="0"/>
           </a:p>
-        </p:txBody>
-      </p:sp>
-      <p:sp>
-        <p:nvSpPr>
-          <p:cNvPr id="4" name="TextBox 3"/>
-          <p:cNvSpPr txBox="1"/>
-          <p:nvPr/>
-        </p:nvSpPr>
-        <p:spPr>
-          <a:xfrm>
-            <a:off x="9906000" y="-1"/>
-            <a:ext cx="2286000" cy="2031325"/>
-          </a:xfrm>
-          <a:prstGeom prst="rect">
-            <a:avLst/>
-          </a:prstGeom>
-          <a:solidFill>
-            <a:srgbClr val="FFFF00"/>
-          </a:solidFill>
-          <a:ln>
-            <a:noFill/>
-          </a:ln>
-        </p:spPr>
-        <p:txBody>
-          <a:bodyPr wrap="square" rtlCol="0">
-            <a:spAutoFit/>
-          </a:bodyPr>
-          <a:lstStyle/>
-          <a:p>
-            <a:pPr algn="ctr"/>
-            <a:endParaRPr lang="en-US" dirty="0" smtClean="0"/>
-          </a:p>
-          <a:p>
-            <a:pPr algn="ctr"/>
-            <a:endParaRPr lang="en-US" dirty="0"/>
-          </a:p>
-          <a:p>
-            <a:pPr algn="ctr"/>
-            <a:r>
-              <a:rPr lang="en-US" dirty="0" smtClean="0"/>
-              <a:t>Please leave this area blank to allow for picture in picture recording</a:t>
-            </a:r>
-          </a:p>
-          <a:p>
-            <a:pPr algn="ctr"/>
+          <a:p>
             <a:endParaRPr lang="en-US" dirty="0"/>
           </a:p>
         </p:txBody>
@@ -6692,7 +7357,7 @@
     </p:spTree>
     <p:extLst>
       <p:ext uri="{BB962C8B-B14F-4D97-AF65-F5344CB8AC3E}">
-        <p14:creationId xmlns:p14="http://schemas.microsoft.com/office/powerpoint/2010/main" val="1532312386"/>
+        <p14:creationId xmlns:p14="http://schemas.microsoft.com/office/powerpoint/2010/main" val="1041613072"/>
       </p:ext>
     </p:extLst>
   </p:cSld>
@@ -6743,7 +7408,7 @@
           <a:p>
             <a:r>
               <a:rPr lang="en-US" dirty="0" smtClean="0"/>
-              <a:t>Elastic</a:t>
+              <a:t>Output</a:t>
             </a:r>
             <a:endParaRPr lang="en-US" dirty="0"/>
           </a:p>
@@ -6765,103 +7430,44 @@
           <a:lstStyle/>
           <a:p>
             <a:r>
+              <a:rPr lang="en-US" dirty="0" err="1" smtClean="0"/>
+              <a:t>EMail</a:t>
+            </a:r>
+            <a:endParaRPr lang="en-US" dirty="0"/>
+          </a:p>
+          <a:p>
+            <a:r>
               <a:rPr lang="en-US" dirty="0" smtClean="0"/>
-              <a:t>Lucene</a:t>
-            </a:r>
+              <a:t>Files</a:t>
+            </a:r>
+            <a:endParaRPr lang="en-US" dirty="0"/>
+          </a:p>
+          <a:p>
+            <a:r>
+              <a:rPr lang="en-US" dirty="0" err="1" smtClean="0"/>
+              <a:t>Hipchat</a:t>
+            </a:r>
+            <a:endParaRPr lang="en-US" dirty="0"/>
           </a:p>
           <a:p>
             <a:r>
               <a:rPr lang="en-US" dirty="0" smtClean="0"/>
-              <a:t>Schema free</a:t>
+              <a:t>Slack </a:t>
             </a:r>
             <a:endParaRPr lang="en-US" dirty="0"/>
           </a:p>
-        </p:txBody>
-      </p:sp>
-      <p:pic>
-        <p:nvPicPr>
-          <p:cNvPr id="20482" name="Picture 2" descr="File:Rubber bands.jpg"/>
-          <p:cNvPicPr>
-            <a:picLocks noChangeAspect="1" noChangeArrowheads="1"/>
-          </p:cNvPicPr>
-          <p:nvPr/>
-        </p:nvPicPr>
-        <p:blipFill>
-          <a:blip r:embed="rId3">
-            <a:extLst>
-              <a:ext uri="{28A0092B-C50C-407E-A947-70E740481C1C}">
-                <a14:useLocalDpi xmlns:a14="http://schemas.microsoft.com/office/drawing/2010/main" val="0"/>
-              </a:ext>
-            </a:extLst>
-          </a:blip>
-          <a:srcRect/>
-          <a:stretch>
-            <a:fillRect/>
-          </a:stretch>
-        </p:blipFill>
-        <p:spPr bwMode="auto">
-          <a:xfrm>
-            <a:off x="3549224" y="656145"/>
-            <a:ext cx="6315075" cy="5705476"/>
-          </a:xfrm>
-          <a:prstGeom prst="rect">
-            <a:avLst/>
-          </a:prstGeom>
-          <a:noFill/>
-          <a:extLst>
-            <a:ext uri="{909E8E84-426E-40dd-AFC4-6F175D3DCCD1}">
-              <a14:hiddenFill xmlns:a14="http://schemas.microsoft.com/office/drawing/2010/main">
-                <a:solidFill>
-                  <a:srgbClr val="FFFFFF"/>
-                </a:solidFill>
-              </a14:hiddenFill>
-            </a:ext>
-          </a:extLst>
-        </p:spPr>
-      </p:pic>
-      <p:sp>
-        <p:nvSpPr>
-          <p:cNvPr id="5" name="TextBox 4"/>
-          <p:cNvSpPr txBox="1"/>
-          <p:nvPr/>
-        </p:nvSpPr>
-        <p:spPr>
-          <a:xfrm>
-            <a:off x="9906000" y="-1"/>
-            <a:ext cx="2286000" cy="2031325"/>
-          </a:xfrm>
-          <a:prstGeom prst="rect">
-            <a:avLst/>
-          </a:prstGeom>
-          <a:solidFill>
-            <a:srgbClr val="FFFF00"/>
-          </a:solidFill>
-          <a:ln>
-            <a:noFill/>
-          </a:ln>
-        </p:spPr>
-        <p:txBody>
-          <a:bodyPr wrap="square" rtlCol="0">
-            <a:spAutoFit/>
-          </a:bodyPr>
-          <a:lstStyle/>
-          <a:p>
-            <a:pPr algn="ctr"/>
-            <a:endParaRPr lang="en-US" dirty="0" smtClean="0"/>
-          </a:p>
-          <a:p>
-            <a:pPr algn="ctr"/>
+          <a:p>
+            <a:r>
+              <a:rPr lang="en-US" dirty="0" smtClean="0"/>
+              <a:t>CVS</a:t>
+            </a:r>
             <a:endParaRPr lang="en-US" dirty="0"/>
           </a:p>
           <a:p>
-            <a:pPr algn="ctr"/>
-            <a:r>
-              <a:rPr lang="en-US" dirty="0" smtClean="0"/>
-              <a:t>Please leave this area blank to allow for picture in picture recording</a:t>
-            </a:r>
-          </a:p>
-          <a:p>
-            <a:pPr algn="ctr"/>
+            <a:r>
+              <a:rPr lang="en-US" dirty="0" err="1" smtClean="0"/>
+              <a:t>Elasticsearch</a:t>
+            </a:r>
             <a:endParaRPr lang="en-US" dirty="0"/>
           </a:p>
         </p:txBody>
@@ -6869,7 +7475,7 @@
     </p:spTree>
     <p:extLst>
       <p:ext uri="{BB962C8B-B14F-4D97-AF65-F5344CB8AC3E}">
-        <p14:creationId xmlns:p14="http://schemas.microsoft.com/office/powerpoint/2010/main" val="841352403"/>
+        <p14:creationId xmlns:p14="http://schemas.microsoft.com/office/powerpoint/2010/main" val="2523918773"/>
       </p:ext>
     </p:extLst>
   </p:cSld>
@@ -6905,133 +7511,31 @@
       </p:grpSpPr>
       <p:sp>
         <p:nvSpPr>
-          <p:cNvPr id="2" name="Title 1"/>
-          <p:cNvSpPr>
-            <a:spLocks noGrp="1"/>
-          </p:cNvSpPr>
-          <p:nvPr>
-            <p:ph type="title"/>
-          </p:nvPr>
-        </p:nvSpPr>
-        <p:spPr/>
-        <p:txBody>
-          <a:bodyPr/>
-          <a:lstStyle/>
-          <a:p>
-            <a:r>
-              <a:rPr lang="en-US" dirty="0" err="1" smtClean="0"/>
-              <a:t>Kibana</a:t>
-            </a:r>
-            <a:endParaRPr lang="en-US" dirty="0"/>
-          </a:p>
-        </p:txBody>
-      </p:sp>
-      <p:sp>
-        <p:nvSpPr>
-          <p:cNvPr id="3" name="Content Placeholder 2"/>
-          <p:cNvSpPr>
-            <a:spLocks noGrp="1"/>
-          </p:cNvSpPr>
-          <p:nvPr>
-            <p:ph sz="quarter" idx="10"/>
-          </p:nvPr>
-        </p:nvSpPr>
-        <p:spPr/>
-        <p:txBody>
-          <a:bodyPr/>
-          <a:lstStyle/>
-          <a:p>
-            <a:r>
-              <a:rPr lang="en-US" dirty="0" smtClean="0"/>
-              <a:t>Dashboard for data</a:t>
-            </a:r>
-          </a:p>
-          <a:p>
-            <a:r>
-              <a:rPr lang="en-US" dirty="0" smtClean="0"/>
-              <a:t>Multiple different visualizations</a:t>
-            </a:r>
-          </a:p>
-          <a:p>
-            <a:pPr lvl="1"/>
-            <a:r>
-              <a:rPr lang="en-US" dirty="0" smtClean="0"/>
-              <a:t>Graphs</a:t>
-            </a:r>
-          </a:p>
-          <a:p>
-            <a:pPr lvl="1"/>
-            <a:r>
-              <a:rPr lang="en-US" dirty="0" smtClean="0"/>
-              <a:t>Maps</a:t>
-            </a:r>
-          </a:p>
-          <a:p>
-            <a:pPr lvl="1"/>
-            <a:r>
-              <a:rPr lang="en-US" dirty="0" smtClean="0"/>
-              <a:t>Heat maps</a:t>
-            </a:r>
-          </a:p>
-          <a:p>
-            <a:pPr lvl="1"/>
-            <a:r>
-              <a:rPr lang="en-US" dirty="0" smtClean="0"/>
-              <a:t>Lists</a:t>
-            </a:r>
-          </a:p>
-          <a:p>
-            <a:r>
-              <a:rPr lang="en-US" dirty="0" smtClean="0"/>
-              <a:t>Search and query capabilities</a:t>
-            </a:r>
-            <a:endParaRPr lang="en-US" dirty="0"/>
-          </a:p>
-        </p:txBody>
-      </p:sp>
-      <p:sp>
-        <p:nvSpPr>
-          <p:cNvPr id="4" name="TextBox 3"/>
-          <p:cNvSpPr txBox="1"/>
-          <p:nvPr/>
+          <p:cNvPr id="5" name="Text Placeholder 4"/>
+          <p:cNvSpPr>
+            <a:spLocks noGrp="1"/>
+          </p:cNvSpPr>
+          <p:nvPr>
+            <p:ph type="body" sz="quarter" idx="10"/>
+          </p:nvPr>
         </p:nvSpPr>
         <p:spPr>
-          <a:xfrm>
-            <a:off x="9906000" y="-1"/>
-            <a:ext cx="2286000" cy="2031325"/>
-          </a:xfrm>
-          <a:prstGeom prst="rect">
-            <a:avLst/>
-          </a:prstGeom>
           <a:solidFill>
-            <a:srgbClr val="FFFF00"/>
+            <a:srgbClr val="007233"/>
           </a:solidFill>
           <a:ln>
             <a:noFill/>
           </a:ln>
         </p:spPr>
         <p:txBody>
-          <a:bodyPr wrap="square" rtlCol="0">
-            <a:spAutoFit/>
-          </a:bodyPr>
-          <a:lstStyle/>
-          <a:p>
-            <a:pPr algn="ctr"/>
-            <a:endParaRPr lang="en-US" dirty="0" smtClean="0"/>
-          </a:p>
-          <a:p>
-            <a:pPr algn="ctr"/>
-            <a:endParaRPr lang="en-US" dirty="0"/>
-          </a:p>
-          <a:p>
-            <a:pPr algn="ctr"/>
-            <a:r>
-              <a:rPr lang="en-US" dirty="0" smtClean="0"/>
-              <a:t>Please leave this area blank to allow for picture in picture recording</a:t>
-            </a:r>
-          </a:p>
-          <a:p>
-            <a:pPr algn="ctr"/>
+          <a:bodyPr/>
+          <a:lstStyle/>
+          <a:p>
+            <a:pPr marL="914400" indent="-914400"/>
+            <a:r>
+              <a:rPr lang="en-US" dirty="0" err="1" smtClean="0"/>
+              <a:t>Logstash</a:t>
+            </a:r>
             <a:endParaRPr lang="en-US" dirty="0"/>
           </a:p>
         </p:txBody>
@@ -7039,7 +7543,7 @@
     </p:spTree>
     <p:extLst>
       <p:ext uri="{BB962C8B-B14F-4D97-AF65-F5344CB8AC3E}">
-        <p14:creationId xmlns:p14="http://schemas.microsoft.com/office/powerpoint/2010/main" val="15995768"/>
+        <p14:creationId xmlns:p14="http://schemas.microsoft.com/office/powerpoint/2010/main" val="1879608437"/>
       </p:ext>
     </p:extLst>
   </p:cSld>
@@ -7831,6 +8335,327 @@
           <a:p>
             <a:r>
               <a:rPr lang="en-US" dirty="0" smtClean="0"/>
+              <a:t>Elastic</a:t>
+            </a:r>
+            <a:endParaRPr lang="en-US" dirty="0"/>
+          </a:p>
+        </p:txBody>
+      </p:sp>
+      <p:sp>
+        <p:nvSpPr>
+          <p:cNvPr id="3" name="Content Placeholder 2"/>
+          <p:cNvSpPr>
+            <a:spLocks noGrp="1"/>
+          </p:cNvSpPr>
+          <p:nvPr>
+            <p:ph sz="quarter" idx="10"/>
+          </p:nvPr>
+        </p:nvSpPr>
+        <p:spPr/>
+        <p:txBody>
+          <a:bodyPr/>
+          <a:lstStyle/>
+          <a:p>
+            <a:r>
+              <a:rPr lang="en-US" dirty="0" smtClean="0"/>
+              <a:t>Lucene</a:t>
+            </a:r>
+          </a:p>
+          <a:p>
+            <a:r>
+              <a:rPr lang="en-US" dirty="0" smtClean="0"/>
+              <a:t>Schema free</a:t>
+            </a:r>
+            <a:endParaRPr lang="en-US" dirty="0"/>
+          </a:p>
+        </p:txBody>
+      </p:sp>
+      <p:pic>
+        <p:nvPicPr>
+          <p:cNvPr id="20482" name="Picture 2" descr="File:Rubber bands.jpg"/>
+          <p:cNvPicPr>
+            <a:picLocks noChangeAspect="1" noChangeArrowheads="1"/>
+          </p:cNvPicPr>
+          <p:nvPr/>
+        </p:nvPicPr>
+        <p:blipFill>
+          <a:blip r:embed="rId3">
+            <a:extLst>
+              <a:ext uri="{28A0092B-C50C-407E-A947-70E740481C1C}">
+                <a14:useLocalDpi xmlns:a14="http://schemas.microsoft.com/office/drawing/2010/main" val="0"/>
+              </a:ext>
+            </a:extLst>
+          </a:blip>
+          <a:srcRect/>
+          <a:stretch>
+            <a:fillRect/>
+          </a:stretch>
+        </p:blipFill>
+        <p:spPr bwMode="auto">
+          <a:xfrm>
+            <a:off x="3549224" y="656145"/>
+            <a:ext cx="6315075" cy="5705476"/>
+          </a:xfrm>
+          <a:prstGeom prst="rect">
+            <a:avLst/>
+          </a:prstGeom>
+          <a:noFill/>
+          <a:extLst>
+            <a:ext uri="{909E8E84-426E-40dd-AFC4-6F175D3DCCD1}">
+              <a14:hiddenFill xmlns:a14="http://schemas.microsoft.com/office/drawing/2010/main">
+                <a:solidFill>
+                  <a:srgbClr val="FFFFFF"/>
+                </a:solidFill>
+              </a14:hiddenFill>
+            </a:ext>
+          </a:extLst>
+        </p:spPr>
+      </p:pic>
+    </p:spTree>
+    <p:extLst>
+      <p:ext uri="{BB962C8B-B14F-4D97-AF65-F5344CB8AC3E}">
+        <p14:creationId xmlns:p14="http://schemas.microsoft.com/office/powerpoint/2010/main" val="841352403"/>
+      </p:ext>
+    </p:extLst>
+  </p:cSld>
+  <p:clrMapOvr>
+    <a:masterClrMapping/>
+  </p:clrMapOvr>
+  <p:timing>
+    <p:tnLst>
+      <p:par>
+        <p:cTn xmlns:p14="http://schemas.microsoft.com/office/powerpoint/2010/main" id="1" dur="indefinite" restart="never" nodeType="tmRoot"/>
+      </p:par>
+    </p:tnLst>
+  </p:timing>
+</p:sld>
+</file>
+
+<file path=ppt/slides/slide21.xml><?xml version="1.0" encoding="utf-8"?>
+<p:sld xmlns:a="http://schemas.openxmlformats.org/drawingml/2006/main" xmlns:r="http://schemas.openxmlformats.org/officeDocument/2006/relationships" xmlns:p="http://schemas.openxmlformats.org/presentationml/2006/main">
+  <p:cSld>
+    <p:spTree>
+      <p:nvGrpSpPr>
+        <p:cNvPr id="1" name=""/>
+        <p:cNvGrpSpPr/>
+        <p:nvPr/>
+      </p:nvGrpSpPr>
+      <p:grpSpPr>
+        <a:xfrm>
+          <a:off x="0" y="0"/>
+          <a:ext cx="0" cy="0"/>
+          <a:chOff x="0" y="0"/>
+          <a:chExt cx="0" cy="0"/>
+        </a:xfrm>
+      </p:grpSpPr>
+      <p:sp>
+        <p:nvSpPr>
+          <p:cNvPr id="5" name="Text Placeholder 4"/>
+          <p:cNvSpPr>
+            <a:spLocks noGrp="1"/>
+          </p:cNvSpPr>
+          <p:nvPr>
+            <p:ph type="body" sz="quarter" idx="10"/>
+          </p:nvPr>
+        </p:nvSpPr>
+        <p:spPr>
+          <a:solidFill>
+            <a:srgbClr val="007233"/>
+          </a:solidFill>
+          <a:ln>
+            <a:noFill/>
+          </a:ln>
+        </p:spPr>
+        <p:txBody>
+          <a:bodyPr/>
+          <a:lstStyle/>
+          <a:p>
+            <a:pPr marL="914400" indent="-914400"/>
+            <a:r>
+              <a:rPr lang="en-US" dirty="0" err="1" smtClean="0"/>
+              <a:t>Kibana</a:t>
+            </a:r>
+            <a:endParaRPr lang="en-US" dirty="0"/>
+          </a:p>
+        </p:txBody>
+      </p:sp>
+    </p:spTree>
+    <p:extLst>
+      <p:ext uri="{BB962C8B-B14F-4D97-AF65-F5344CB8AC3E}">
+        <p14:creationId xmlns:p14="http://schemas.microsoft.com/office/powerpoint/2010/main" val="1879608437"/>
+      </p:ext>
+    </p:extLst>
+  </p:cSld>
+  <p:clrMapOvr>
+    <a:masterClrMapping/>
+  </p:clrMapOvr>
+  <p:timing>
+    <p:tnLst>
+      <p:par>
+        <p:cTn xmlns:p14="http://schemas.microsoft.com/office/powerpoint/2010/main" id="1" dur="indefinite" restart="never" nodeType="tmRoot"/>
+      </p:par>
+    </p:tnLst>
+  </p:timing>
+</p:sld>
+</file>
+
+<file path=ppt/slides/slide22.xml><?xml version="1.0" encoding="utf-8"?>
+<p:sld xmlns:a="http://schemas.openxmlformats.org/drawingml/2006/main" xmlns:r="http://schemas.openxmlformats.org/officeDocument/2006/relationships" xmlns:p="http://schemas.openxmlformats.org/presentationml/2006/main">
+  <p:cSld>
+    <p:spTree>
+      <p:nvGrpSpPr>
+        <p:cNvPr id="1" name=""/>
+        <p:cNvGrpSpPr/>
+        <p:nvPr/>
+      </p:nvGrpSpPr>
+      <p:grpSpPr>
+        <a:xfrm>
+          <a:off x="0" y="0"/>
+          <a:ext cx="0" cy="0"/>
+          <a:chOff x="0" y="0"/>
+          <a:chExt cx="0" cy="0"/>
+        </a:xfrm>
+      </p:grpSpPr>
+      <p:sp>
+        <p:nvSpPr>
+          <p:cNvPr id="2" name="Title 1"/>
+          <p:cNvSpPr>
+            <a:spLocks noGrp="1"/>
+          </p:cNvSpPr>
+          <p:nvPr>
+            <p:ph type="title"/>
+          </p:nvPr>
+        </p:nvSpPr>
+        <p:spPr/>
+        <p:txBody>
+          <a:bodyPr/>
+          <a:lstStyle/>
+          <a:p>
+            <a:r>
+              <a:rPr lang="en-US" dirty="0" err="1" smtClean="0"/>
+              <a:t>Kibana</a:t>
+            </a:r>
+            <a:endParaRPr lang="en-US" dirty="0"/>
+          </a:p>
+        </p:txBody>
+      </p:sp>
+      <p:sp>
+        <p:nvSpPr>
+          <p:cNvPr id="3" name="Content Placeholder 2"/>
+          <p:cNvSpPr>
+            <a:spLocks noGrp="1"/>
+          </p:cNvSpPr>
+          <p:nvPr>
+            <p:ph sz="quarter" idx="10"/>
+          </p:nvPr>
+        </p:nvSpPr>
+        <p:spPr/>
+        <p:txBody>
+          <a:bodyPr/>
+          <a:lstStyle/>
+          <a:p>
+            <a:r>
+              <a:rPr lang="en-US" dirty="0" smtClean="0"/>
+              <a:t>Dashboard for data</a:t>
+            </a:r>
+          </a:p>
+          <a:p>
+            <a:r>
+              <a:rPr lang="en-US" dirty="0" smtClean="0"/>
+              <a:t>Multiple different visualizations</a:t>
+            </a:r>
+          </a:p>
+          <a:p>
+            <a:pPr lvl="1"/>
+            <a:r>
+              <a:rPr lang="en-US" dirty="0" smtClean="0"/>
+              <a:t>Graphs</a:t>
+            </a:r>
+          </a:p>
+          <a:p>
+            <a:pPr lvl="1"/>
+            <a:r>
+              <a:rPr lang="en-US" dirty="0" smtClean="0"/>
+              <a:t>Maps</a:t>
+            </a:r>
+          </a:p>
+          <a:p>
+            <a:pPr lvl="1"/>
+            <a:r>
+              <a:rPr lang="en-US" dirty="0" smtClean="0"/>
+              <a:t>Heat maps</a:t>
+            </a:r>
+          </a:p>
+          <a:p>
+            <a:pPr lvl="1"/>
+            <a:r>
+              <a:rPr lang="en-US" dirty="0" smtClean="0"/>
+              <a:t>Lists</a:t>
+            </a:r>
+          </a:p>
+          <a:p>
+            <a:r>
+              <a:rPr lang="en-US" dirty="0" smtClean="0"/>
+              <a:t>Search and query capabilities</a:t>
+            </a:r>
+            <a:endParaRPr lang="en-US" dirty="0"/>
+          </a:p>
+        </p:txBody>
+      </p:sp>
+    </p:spTree>
+    <p:extLst>
+      <p:ext uri="{BB962C8B-B14F-4D97-AF65-F5344CB8AC3E}">
+        <p14:creationId xmlns:p14="http://schemas.microsoft.com/office/powerpoint/2010/main" val="15995768"/>
+      </p:ext>
+    </p:extLst>
+  </p:cSld>
+  <p:clrMapOvr>
+    <a:masterClrMapping/>
+  </p:clrMapOvr>
+  <p:timing>
+    <p:tnLst>
+      <p:par>
+        <p:cTn xmlns:p14="http://schemas.microsoft.com/office/powerpoint/2010/main" id="1" dur="indefinite" restart="never" nodeType="tmRoot"/>
+      </p:par>
+    </p:tnLst>
+  </p:timing>
+</p:sld>
+</file>
+
+<file path=ppt/slides/slide23.xml><?xml version="1.0" encoding="utf-8"?>
+<p:sld xmlns:a="http://schemas.openxmlformats.org/drawingml/2006/main" xmlns:r="http://schemas.openxmlformats.org/officeDocument/2006/relationships" xmlns:p="http://schemas.openxmlformats.org/presentationml/2006/main">
+  <p:cSld>
+    <p:spTree>
+      <p:nvGrpSpPr>
+        <p:cNvPr id="1" name=""/>
+        <p:cNvGrpSpPr/>
+        <p:nvPr/>
+      </p:nvGrpSpPr>
+      <p:grpSpPr>
+        <a:xfrm>
+          <a:off x="0" y="0"/>
+          <a:ext cx="0" cy="0"/>
+          <a:chOff x="0" y="0"/>
+          <a:chExt cx="0" cy="0"/>
+        </a:xfrm>
+      </p:grpSpPr>
+      <p:sp>
+        <p:nvSpPr>
+          <p:cNvPr id="2" name="Title 1"/>
+          <p:cNvSpPr>
+            <a:spLocks noGrp="1"/>
+          </p:cNvSpPr>
+          <p:nvPr>
+            <p:ph type="title"/>
+          </p:nvPr>
+        </p:nvSpPr>
+        <p:spPr/>
+        <p:txBody>
+          <a:bodyPr/>
+          <a:lstStyle/>
+          <a:p>
+            <a:r>
+              <a:rPr lang="en-US" dirty="0" smtClean="0"/>
               <a:t>More moving parts…</a:t>
             </a:r>
             <a:endParaRPr lang="en-US" dirty="0"/>
@@ -7885,7 +8710,75 @@
 </p:sld>
 </file>
 
-<file path=ppt/slides/slide21.xml><?xml version="1.0" encoding="utf-8"?>
+<file path=ppt/slides/slide24.xml><?xml version="1.0" encoding="utf-8"?>
+<p:sld xmlns:a="http://schemas.openxmlformats.org/drawingml/2006/main" xmlns:r="http://schemas.openxmlformats.org/officeDocument/2006/relationships" xmlns:p="http://schemas.openxmlformats.org/presentationml/2006/main">
+  <p:cSld>
+    <p:spTree>
+      <p:nvGrpSpPr>
+        <p:cNvPr id="1" name=""/>
+        <p:cNvGrpSpPr/>
+        <p:nvPr/>
+      </p:nvGrpSpPr>
+      <p:grpSpPr>
+        <a:xfrm>
+          <a:off x="0" y="0"/>
+          <a:ext cx="0" cy="0"/>
+          <a:chOff x="0" y="0"/>
+          <a:chExt cx="0" cy="0"/>
+        </a:xfrm>
+      </p:grpSpPr>
+      <p:sp>
+        <p:nvSpPr>
+          <p:cNvPr id="5" name="Text Placeholder 4"/>
+          <p:cNvSpPr>
+            <a:spLocks noGrp="1"/>
+          </p:cNvSpPr>
+          <p:nvPr>
+            <p:ph type="body" sz="quarter" idx="10"/>
+          </p:nvPr>
+        </p:nvSpPr>
+        <p:spPr>
+          <a:solidFill>
+            <a:srgbClr val="007233"/>
+          </a:solidFill>
+          <a:ln>
+            <a:noFill/>
+          </a:ln>
+        </p:spPr>
+        <p:txBody>
+          <a:bodyPr/>
+          <a:lstStyle/>
+          <a:p>
+            <a:pPr marL="914400" indent="-914400"/>
+            <a:r>
+              <a:rPr lang="en-US" dirty="0" smtClean="0"/>
+              <a:t>Containers</a:t>
+            </a:r>
+            <a:endParaRPr lang="en-US" dirty="0"/>
+          </a:p>
+        </p:txBody>
+      </p:sp>
+    </p:spTree>
+    <p:extLst>
+      <p:ext uri="{BB962C8B-B14F-4D97-AF65-F5344CB8AC3E}">
+        <p14:creationId xmlns:p14="http://schemas.microsoft.com/office/powerpoint/2010/main" val="1879608437"/>
+      </p:ext>
+    </p:extLst>
+  </p:cSld>
+  <p:clrMapOvr>
+    <a:masterClrMapping/>
+  </p:clrMapOvr>
+  <p:timing>
+    <p:tnLst>
+      <p:par>
+        <p:cTn xmlns:p14="http://schemas.microsoft.com/office/powerpoint/2010/main" id="1" dur="indefinite" restart="never" nodeType="tmRoot"/>
+      </p:par>
+    </p:tnLst>
+  </p:timing>
+</p:sld>
+</file>
+
+<file path=ppt/slides/slide25.xml><?xml version="1.0" encoding="utf-8"?>
 <p:sld xmlns:a="http://schemas.openxmlformats.org/drawingml/2006/main" xmlns:r="http://schemas.openxmlformats.org/officeDocument/2006/relationships" xmlns:p="http://schemas.openxmlformats.org/presentationml/2006/main">
   <p:cSld>
     <p:spTree>
@@ -7988,7 +8881,7 @@
 </p:sld>
 </file>
 
-<file path=ppt/slides/slide22.xml><?xml version="1.0" encoding="utf-8"?>
+<file path=ppt/slides/slide26.xml><?xml version="1.0" encoding="utf-8"?>
 <p:sld xmlns:a="http://schemas.openxmlformats.org/drawingml/2006/main" xmlns:r="http://schemas.openxmlformats.org/officeDocument/2006/relationships" xmlns:p="http://schemas.openxmlformats.org/presentationml/2006/main">
   <p:cSld>
     <p:spTree>
@@ -8091,7 +8984,7 @@
 </p:sld>
 </file>
 
-<file path=ppt/slides/slide23.xml><?xml version="1.0" encoding="utf-8"?>
+<file path=ppt/slides/slide27.xml><?xml version="1.0" encoding="utf-8"?>
 <p:sld xmlns:a="http://schemas.openxmlformats.org/drawingml/2006/main" xmlns:r="http://schemas.openxmlformats.org/officeDocument/2006/relationships" xmlns:p="http://schemas.openxmlformats.org/presentationml/2006/main">
   <p:cSld>
     <p:spTree>
@@ -8198,7 +9091,7 @@
 </p:sld>
 </file>
 
-<file path=ppt/slides/slide24.xml><?xml version="1.0" encoding="utf-8"?>
+<file path=ppt/slides/slide28.xml><?xml version="1.0" encoding="utf-8"?>
 <p:sld xmlns:a="http://schemas.openxmlformats.org/drawingml/2006/main" xmlns:r="http://schemas.openxmlformats.org/officeDocument/2006/relationships" xmlns:p="http://schemas.openxmlformats.org/presentationml/2006/main">
   <p:cSld>
     <p:spTree>
@@ -8305,7 +9198,7 @@
 </p:sld>
 </file>
 
-<file path=ppt/slides/slide25.xml><?xml version="1.0" encoding="utf-8"?>
+<file path=ppt/slides/slide29.xml><?xml version="1.0" encoding="utf-8"?>
 <p:sld xmlns:a="http://schemas.openxmlformats.org/drawingml/2006/main" xmlns:r="http://schemas.openxmlformats.org/officeDocument/2006/relationships" xmlns:p="http://schemas.openxmlformats.org/presentationml/2006/main">
   <p:cSld>
     <p:spTree>
@@ -8372,204 +9265,6 @@
     <p:extLst>
       <p:ext uri="{BB962C8B-B14F-4D97-AF65-F5344CB8AC3E}">
         <p14:creationId xmlns:p14="http://schemas.microsoft.com/office/powerpoint/2010/main" val="2530278774"/>
-      </p:ext>
-    </p:extLst>
-  </p:cSld>
-  <p:clrMapOvr>
-    <a:masterClrMapping/>
-  </p:clrMapOvr>
-  <p:timing>
-    <p:tnLst>
-      <p:par>
-        <p:cTn xmlns:p14="http://schemas.microsoft.com/office/powerpoint/2010/main" id="1" dur="indefinite" restart="never" nodeType="tmRoot"/>
-      </p:par>
-    </p:tnLst>
-  </p:timing>
-</p:sld>
-</file>
-
-<file path=ppt/slides/slide26.xml><?xml version="1.0" encoding="utf-8"?>
-<p:sld xmlns:a="http://schemas.openxmlformats.org/drawingml/2006/main" xmlns:r="http://schemas.openxmlformats.org/officeDocument/2006/relationships" xmlns:p="http://schemas.openxmlformats.org/presentationml/2006/main">
-  <p:cSld>
-    <p:spTree>
-      <p:nvGrpSpPr>
-        <p:cNvPr id="1" name=""/>
-        <p:cNvGrpSpPr/>
-        <p:nvPr/>
-      </p:nvGrpSpPr>
-      <p:grpSpPr>
-        <a:xfrm>
-          <a:off x="0" y="0"/>
-          <a:ext cx="0" cy="0"/>
-          <a:chOff x="0" y="0"/>
-          <a:chExt cx="0" cy="0"/>
-        </a:xfrm>
-      </p:grpSpPr>
-      <p:sp>
-        <p:nvSpPr>
-          <p:cNvPr id="2" name="Title 1"/>
-          <p:cNvSpPr>
-            <a:spLocks noGrp="1"/>
-          </p:cNvSpPr>
-          <p:nvPr>
-            <p:ph type="title"/>
-          </p:nvPr>
-        </p:nvSpPr>
-        <p:spPr/>
-        <p:txBody>
-          <a:bodyPr/>
-          <a:lstStyle/>
-          <a:p>
-            <a:r>
-              <a:rPr lang="en-US" dirty="0" smtClean="0"/>
-              <a:t>Great Reads</a:t>
-            </a:r>
-            <a:endParaRPr lang="en-US" dirty="0"/>
-          </a:p>
-        </p:txBody>
-      </p:sp>
-      <p:sp>
-        <p:nvSpPr>
-          <p:cNvPr id="3" name="Content Placeholder 2"/>
-          <p:cNvSpPr>
-            <a:spLocks noGrp="1"/>
-          </p:cNvSpPr>
-          <p:nvPr>
-            <p:ph sz="quarter" idx="10"/>
-          </p:nvPr>
-        </p:nvSpPr>
-        <p:spPr>
-          <a:xfrm>
-            <a:off x="379413" y="2213540"/>
-            <a:ext cx="11525250" cy="4465074"/>
-          </a:xfrm>
-        </p:spPr>
-        <p:txBody>
-          <a:bodyPr/>
-          <a:lstStyle/>
-          <a:p>
-            <a:r>
-              <a:rPr lang="en-US" dirty="0">
-                <a:hlinkClick r:id="rId3"/>
-              </a:rPr>
-              <a:t>https://</a:t>
-            </a:r>
-            <a:r>
-              <a:rPr lang="en-US" dirty="0" smtClean="0">
-                <a:hlinkClick r:id="rId3"/>
-              </a:rPr>
-              <a:t>aphyr.com/posts/317-call-me-maybe-elasticsearch</a:t>
-            </a:r>
-            <a:endParaRPr lang="en-US" dirty="0" smtClean="0"/>
-          </a:p>
-          <a:p>
-            <a:r>
-              <a:rPr lang="en-US" dirty="0">
-                <a:hlinkClick r:id="rId4"/>
-              </a:rPr>
-              <a:t>https://</a:t>
-            </a:r>
-            <a:r>
-              <a:rPr lang="en-US" dirty="0" smtClean="0">
-                <a:hlinkClick r:id="rId4"/>
-              </a:rPr>
-              <a:t>www.youtube.com/watch?v=91cIyipiKAk&amp;index=3&amp;list=PL5GivWTz0TB0Gm-8yYpiA3e0MG-bi_lPy</a:t>
-            </a:r>
-            <a:r>
-              <a:rPr lang="en-US" dirty="0" smtClean="0"/>
-              <a:t> </a:t>
-            </a:r>
-          </a:p>
-        </p:txBody>
-      </p:sp>
-      <p:sp>
-        <p:nvSpPr>
-          <p:cNvPr id="4" name="TextBox 3"/>
-          <p:cNvSpPr txBox="1"/>
-          <p:nvPr/>
-        </p:nvSpPr>
-        <p:spPr>
-          <a:xfrm>
-            <a:off x="9906000" y="-1"/>
-            <a:ext cx="2286000" cy="2031325"/>
-          </a:xfrm>
-          <a:prstGeom prst="rect">
-            <a:avLst/>
-          </a:prstGeom>
-          <a:solidFill>
-            <a:srgbClr val="FFFF00"/>
-          </a:solidFill>
-          <a:ln>
-            <a:noFill/>
-          </a:ln>
-        </p:spPr>
-        <p:txBody>
-          <a:bodyPr wrap="square" rtlCol="0">
-            <a:spAutoFit/>
-          </a:bodyPr>
-          <a:lstStyle/>
-          <a:p>
-            <a:pPr algn="ctr"/>
-            <a:endParaRPr lang="en-US" dirty="0" smtClean="0"/>
-          </a:p>
-          <a:p>
-            <a:pPr algn="ctr"/>
-            <a:endParaRPr lang="en-US" dirty="0"/>
-          </a:p>
-          <a:p>
-            <a:pPr algn="ctr"/>
-            <a:r>
-              <a:rPr lang="en-US" dirty="0" smtClean="0"/>
-              <a:t>Please leave this area blank to allow for picture in picture recording</a:t>
-            </a:r>
-          </a:p>
-          <a:p>
-            <a:pPr algn="ctr"/>
-            <a:endParaRPr lang="en-US" dirty="0"/>
-          </a:p>
-        </p:txBody>
-      </p:sp>
-    </p:spTree>
-    <p:extLst>
-      <p:ext uri="{BB962C8B-B14F-4D97-AF65-F5344CB8AC3E}">
-        <p14:creationId xmlns:p14="http://schemas.microsoft.com/office/powerpoint/2010/main" val="2913567182"/>
-      </p:ext>
-    </p:extLst>
-  </p:cSld>
-  <p:clrMapOvr>
-    <a:masterClrMapping/>
-  </p:clrMapOvr>
-  <p:timing>
-    <p:tnLst>
-      <p:par>
-        <p:cTn xmlns:p14="http://schemas.microsoft.com/office/powerpoint/2010/main" id="1" dur="indefinite" restart="never" nodeType="tmRoot"/>
-      </p:par>
-    </p:tnLst>
-  </p:timing>
-</p:sld>
-</file>
-
-<file path=ppt/slides/slide27.xml><?xml version="1.0" encoding="utf-8"?>
-<p:sld xmlns:a="http://schemas.openxmlformats.org/drawingml/2006/main" xmlns:r="http://schemas.openxmlformats.org/officeDocument/2006/relationships" xmlns:p="http://schemas.openxmlformats.org/presentationml/2006/main">
-  <p:cSld>
-    <p:spTree>
-      <p:nvGrpSpPr>
-        <p:cNvPr id="1" name=""/>
-        <p:cNvGrpSpPr/>
-        <p:nvPr/>
-      </p:nvGrpSpPr>
-      <p:grpSpPr>
-        <a:xfrm>
-          <a:off x="0" y="0"/>
-          <a:ext cx="0" cy="0"/>
-          <a:chOff x="0" y="0"/>
-          <a:chExt cx="0" cy="0"/>
-        </a:xfrm>
-      </p:grpSpPr>
-    </p:spTree>
-    <p:extLst>
-      <p:ext uri="{BB962C8B-B14F-4D97-AF65-F5344CB8AC3E}">
-        <p14:creationId xmlns:p14="http://schemas.microsoft.com/office/powerpoint/2010/main" val="898363405"/>
       </p:ext>
     </p:extLst>
   </p:cSld>
@@ -9327,6 +10022,225 @@
 </p:sld>
 </file>
 
+<file path=ppt/slides/slide30.xml><?xml version="1.0" encoding="utf-8"?>
+<p:sld xmlns:a="http://schemas.openxmlformats.org/drawingml/2006/main" xmlns:r="http://schemas.openxmlformats.org/officeDocument/2006/relationships" xmlns:p="http://schemas.openxmlformats.org/presentationml/2006/main">
+  <p:cSld>
+    <p:spTree>
+      <p:nvGrpSpPr>
+        <p:cNvPr id="1" name=""/>
+        <p:cNvGrpSpPr/>
+        <p:nvPr/>
+      </p:nvGrpSpPr>
+      <p:grpSpPr>
+        <a:xfrm>
+          <a:off x="0" y="0"/>
+          <a:ext cx="0" cy="0"/>
+          <a:chOff x="0" y="0"/>
+          <a:chExt cx="0" cy="0"/>
+        </a:xfrm>
+      </p:grpSpPr>
+      <p:sp>
+        <p:nvSpPr>
+          <p:cNvPr id="5" name="Text Placeholder 4"/>
+          <p:cNvSpPr>
+            <a:spLocks noGrp="1"/>
+          </p:cNvSpPr>
+          <p:nvPr>
+            <p:ph type="body" sz="quarter" idx="10"/>
+          </p:nvPr>
+        </p:nvSpPr>
+        <p:spPr>
+          <a:solidFill>
+            <a:srgbClr val="007233"/>
+          </a:solidFill>
+          <a:ln>
+            <a:noFill/>
+          </a:ln>
+        </p:spPr>
+        <p:txBody>
+          <a:bodyPr/>
+          <a:lstStyle/>
+          <a:p>
+            <a:pPr marL="914400" indent="-914400"/>
+            <a:r>
+              <a:rPr lang="en-US" dirty="0" smtClean="0"/>
+              <a:t>Conclusion</a:t>
+            </a:r>
+            <a:endParaRPr lang="en-US" dirty="0"/>
+          </a:p>
+        </p:txBody>
+      </p:sp>
+    </p:spTree>
+    <p:extLst>
+      <p:ext uri="{BB962C8B-B14F-4D97-AF65-F5344CB8AC3E}">
+        <p14:creationId xmlns:p14="http://schemas.microsoft.com/office/powerpoint/2010/main" val="1879608437"/>
+      </p:ext>
+    </p:extLst>
+  </p:cSld>
+  <p:clrMapOvr>
+    <a:masterClrMapping/>
+  </p:clrMapOvr>
+  <p:timing>
+    <p:tnLst>
+      <p:par>
+        <p:cTn xmlns:p14="http://schemas.microsoft.com/office/powerpoint/2010/main" id="1" dur="indefinite" restart="never" nodeType="tmRoot"/>
+      </p:par>
+    </p:tnLst>
+  </p:timing>
+</p:sld>
+</file>
+
+<file path=ppt/slides/slide31.xml><?xml version="1.0" encoding="utf-8"?>
+<p:sld xmlns:a="http://schemas.openxmlformats.org/drawingml/2006/main" xmlns:r="http://schemas.openxmlformats.org/officeDocument/2006/relationships" xmlns:p="http://schemas.openxmlformats.org/presentationml/2006/main">
+  <p:cSld>
+    <p:spTree>
+      <p:nvGrpSpPr>
+        <p:cNvPr id="1" name=""/>
+        <p:cNvGrpSpPr/>
+        <p:nvPr/>
+      </p:nvGrpSpPr>
+      <p:grpSpPr>
+        <a:xfrm>
+          <a:off x="0" y="0"/>
+          <a:ext cx="0" cy="0"/>
+          <a:chOff x="0" y="0"/>
+          <a:chExt cx="0" cy="0"/>
+        </a:xfrm>
+      </p:grpSpPr>
+      <p:sp>
+        <p:nvSpPr>
+          <p:cNvPr id="2" name="Title 1"/>
+          <p:cNvSpPr>
+            <a:spLocks noGrp="1"/>
+          </p:cNvSpPr>
+          <p:nvPr>
+            <p:ph type="title"/>
+          </p:nvPr>
+        </p:nvSpPr>
+        <p:spPr/>
+        <p:txBody>
+          <a:bodyPr/>
+          <a:lstStyle/>
+          <a:p>
+            <a:r>
+              <a:rPr lang="en-US" dirty="0" smtClean="0"/>
+              <a:t>Great Reads</a:t>
+            </a:r>
+            <a:endParaRPr lang="en-US" dirty="0"/>
+          </a:p>
+        </p:txBody>
+      </p:sp>
+      <p:sp>
+        <p:nvSpPr>
+          <p:cNvPr id="3" name="Content Placeholder 2"/>
+          <p:cNvSpPr>
+            <a:spLocks noGrp="1"/>
+          </p:cNvSpPr>
+          <p:nvPr>
+            <p:ph sz="quarter" idx="10"/>
+          </p:nvPr>
+        </p:nvSpPr>
+        <p:spPr>
+          <a:xfrm>
+            <a:off x="379413" y="2213540"/>
+            <a:ext cx="11525250" cy="4465074"/>
+          </a:xfrm>
+        </p:spPr>
+        <p:txBody>
+          <a:bodyPr/>
+          <a:lstStyle/>
+          <a:p>
+            <a:r>
+              <a:rPr lang="en-US" dirty="0">
+                <a:hlinkClick r:id="rId3"/>
+              </a:rPr>
+              <a:t>https://</a:t>
+            </a:r>
+            <a:r>
+              <a:rPr lang="en-US" dirty="0" smtClean="0">
+                <a:hlinkClick r:id="rId3"/>
+              </a:rPr>
+              <a:t>aphyr.com/posts/317-call-me-maybe-elasticsearch</a:t>
+            </a:r>
+            <a:endParaRPr lang="en-US" dirty="0" smtClean="0"/>
+          </a:p>
+          <a:p>
+            <a:r>
+              <a:rPr lang="en-US" dirty="0">
+                <a:hlinkClick r:id="rId4"/>
+              </a:rPr>
+              <a:t>https://</a:t>
+            </a:r>
+            <a:r>
+              <a:rPr lang="en-US" dirty="0" smtClean="0">
+                <a:hlinkClick r:id="rId4"/>
+              </a:rPr>
+              <a:t>www.youtube.com/watch?v=91cIyipiKAk&amp;index=3&amp;list=PL5GivWTz0TB0Gm-8yYpiA3e0MG-bi_lPy</a:t>
+            </a:r>
+            <a:r>
+              <a:rPr lang="en-US" dirty="0" smtClean="0"/>
+              <a:t> </a:t>
+            </a:r>
+          </a:p>
+        </p:txBody>
+      </p:sp>
+    </p:spTree>
+    <p:extLst>
+      <p:ext uri="{BB962C8B-B14F-4D97-AF65-F5344CB8AC3E}">
+        <p14:creationId xmlns:p14="http://schemas.microsoft.com/office/powerpoint/2010/main" val="2913567182"/>
+      </p:ext>
+    </p:extLst>
+  </p:cSld>
+  <p:clrMapOvr>
+    <a:masterClrMapping/>
+  </p:clrMapOvr>
+  <p:timing>
+    <p:tnLst>
+      <p:par>
+        <p:cTn xmlns:p14="http://schemas.microsoft.com/office/powerpoint/2010/main" id="1" dur="indefinite" restart="never" nodeType="tmRoot"/>
+      </p:par>
+    </p:tnLst>
+  </p:timing>
+</p:sld>
+</file>
+
+<file path=ppt/slides/slide32.xml><?xml version="1.0" encoding="utf-8"?>
+<p:sld xmlns:a="http://schemas.openxmlformats.org/drawingml/2006/main" xmlns:r="http://schemas.openxmlformats.org/officeDocument/2006/relationships" xmlns:p="http://schemas.openxmlformats.org/presentationml/2006/main">
+  <p:cSld>
+    <p:spTree>
+      <p:nvGrpSpPr>
+        <p:cNvPr id="1" name=""/>
+        <p:cNvGrpSpPr/>
+        <p:nvPr/>
+      </p:nvGrpSpPr>
+      <p:grpSpPr>
+        <a:xfrm>
+          <a:off x="0" y="0"/>
+          <a:ext cx="0" cy="0"/>
+          <a:chOff x="0" y="0"/>
+          <a:chExt cx="0" cy="0"/>
+        </a:xfrm>
+      </p:grpSpPr>
+    </p:spTree>
+    <p:extLst>
+      <p:ext uri="{BB962C8B-B14F-4D97-AF65-F5344CB8AC3E}">
+        <p14:creationId xmlns:p14="http://schemas.microsoft.com/office/powerpoint/2010/main" val="898363405"/>
+      </p:ext>
+    </p:extLst>
+  </p:cSld>
+  <p:clrMapOvr>
+    <a:masterClrMapping/>
+  </p:clrMapOvr>
+  <p:timing>
+    <p:tnLst>
+      <p:par>
+        <p:cTn xmlns:p14="http://schemas.microsoft.com/office/powerpoint/2010/main" id="1" dur="indefinite" restart="never" nodeType="tmRoot"/>
+      </p:par>
+    </p:tnLst>
+  </p:timing>
+</p:sld>
+</file>
+
 <file path=ppt/slides/slide4.xml><?xml version="1.0" encoding="utf-8"?>
 <p:sld xmlns:a="http://schemas.openxmlformats.org/drawingml/2006/main" xmlns:r="http://schemas.openxmlformats.org/officeDocument/2006/relationships" xmlns:p="http://schemas.openxmlformats.org/presentationml/2006/main">
   <p:cSld>
@@ -9346,71 +10260,92 @@
       </p:grpSpPr>
       <p:sp>
         <p:nvSpPr>
-          <p:cNvPr id="2" name="Title 1"/>
-          <p:cNvSpPr>
-            <a:spLocks noGrp="1"/>
-          </p:cNvSpPr>
-          <p:nvPr>
-            <p:ph type="title"/>
-          </p:nvPr>
-        </p:nvSpPr>
-        <p:spPr/>
-        <p:txBody>
-          <a:bodyPr/>
-          <a:lstStyle/>
-          <a:p>
-            <a:pPr lvl="0"/>
-            <a:r>
-              <a:rPr lang="en-US" dirty="0" smtClean="0"/>
-              <a:t>Logging</a:t>
-            </a:r>
-            <a:endParaRPr lang="en-US" dirty="0"/>
-          </a:p>
-        </p:txBody>
-      </p:sp>
-      <p:sp>
-        <p:nvSpPr>
-          <p:cNvPr id="5" name="TextBox 4"/>
-          <p:cNvSpPr txBox="1"/>
-          <p:nvPr/>
+          <p:cNvPr id="5" name="Text Placeholder 4"/>
+          <p:cNvSpPr>
+            <a:spLocks noGrp="1"/>
+          </p:cNvSpPr>
+          <p:nvPr>
+            <p:ph type="body" sz="quarter" idx="10"/>
+          </p:nvPr>
         </p:nvSpPr>
         <p:spPr>
-          <a:xfrm>
-            <a:off x="9906000" y="-1"/>
-            <a:ext cx="2286000" cy="2031325"/>
-          </a:xfrm>
-          <a:prstGeom prst="rect">
-            <a:avLst/>
-          </a:prstGeom>
           <a:solidFill>
-            <a:srgbClr val="FFFF00"/>
+            <a:srgbClr val="007233"/>
           </a:solidFill>
           <a:ln>
             <a:noFill/>
           </a:ln>
         </p:spPr>
         <p:txBody>
-          <a:bodyPr wrap="square" rtlCol="0">
-            <a:spAutoFit/>
-          </a:bodyPr>
-          <a:lstStyle/>
-          <a:p>
-            <a:pPr algn="ctr"/>
-            <a:endParaRPr lang="en-US" dirty="0" smtClean="0"/>
-          </a:p>
-          <a:p>
-            <a:pPr algn="ctr"/>
+          <a:bodyPr/>
+          <a:lstStyle/>
+          <a:p>
+            <a:pPr marL="914400" indent="-914400"/>
+            <a:r>
+              <a:rPr lang="en-US" dirty="0" smtClean="0"/>
+              <a:t>Logging</a:t>
+            </a:r>
             <a:endParaRPr lang="en-US" dirty="0"/>
           </a:p>
-          <a:p>
-            <a:pPr algn="ctr"/>
+        </p:txBody>
+      </p:sp>
+    </p:spTree>
+    <p:extLst>
+      <p:ext uri="{BB962C8B-B14F-4D97-AF65-F5344CB8AC3E}">
+        <p14:creationId xmlns:p14="http://schemas.microsoft.com/office/powerpoint/2010/main" val="1879608437"/>
+      </p:ext>
+    </p:extLst>
+  </p:cSld>
+  <p:clrMapOvr>
+    <a:masterClrMapping/>
+  </p:clrMapOvr>
+  <p:timing>
+    <p:tnLst>
+      <p:par>
+        <p:cTn xmlns:p14="http://schemas.microsoft.com/office/powerpoint/2010/main" id="1" dur="indefinite" restart="never" nodeType="tmRoot"/>
+      </p:par>
+    </p:tnLst>
+  </p:timing>
+</p:sld>
+</file>
+
+<file path=ppt/slides/slide5.xml><?xml version="1.0" encoding="utf-8"?>
+<p:sld xmlns:a="http://schemas.openxmlformats.org/drawingml/2006/main" xmlns:r="http://schemas.openxmlformats.org/officeDocument/2006/relationships" xmlns:p="http://schemas.openxmlformats.org/presentationml/2006/main">
+  <p:cSld>
+    <p:spTree>
+      <p:nvGrpSpPr>
+        <p:cNvPr id="1" name=""/>
+        <p:cNvGrpSpPr/>
+        <p:nvPr/>
+      </p:nvGrpSpPr>
+      <p:grpSpPr>
+        <a:xfrm>
+          <a:off x="0" y="0"/>
+          <a:ext cx="0" cy="0"/>
+          <a:chOff x="0" y="0"/>
+          <a:chExt cx="0" cy="0"/>
+        </a:xfrm>
+      </p:grpSpPr>
+      <p:sp>
+        <p:nvSpPr>
+          <p:cNvPr id="2" name="Title 1"/>
+          <p:cNvSpPr>
+            <a:spLocks noGrp="1"/>
+          </p:cNvSpPr>
+          <p:nvPr>
+            <p:ph type="title"/>
+          </p:nvPr>
+        </p:nvSpPr>
+        <p:spPr/>
+        <p:txBody>
+          <a:bodyPr/>
+          <a:lstStyle/>
+          <a:p>
+            <a:pPr lvl="0"/>
             <a:r>
               <a:rPr lang="en-US" dirty="0" smtClean="0"/>
-              <a:t>Please leave this area blank to allow for picture in picture recording</a:t>
-            </a:r>
-          </a:p>
-          <a:p>
-            <a:pPr algn="ctr"/>
+              <a:t>Logging</a:t>
+            </a:r>
             <a:endParaRPr lang="en-US" dirty="0"/>
           </a:p>
         </p:txBody>
@@ -9478,7 +10413,7 @@
 </p:sld>
 </file>
 
-<file path=ppt/slides/slide5.xml><?xml version="1.0" encoding="utf-8"?>
+<file path=ppt/slides/slide6.xml><?xml version="1.0" encoding="utf-8"?>
 <p:sld xmlns:a="http://schemas.openxmlformats.org/drawingml/2006/main" xmlns:r="http://schemas.openxmlformats.org/officeDocument/2006/relationships" xmlns:p="http://schemas.openxmlformats.org/presentationml/2006/main">
   <p:cSld>
     <p:spTree>
@@ -9515,53 +10450,6 @@
               <a:rPr lang="en-US" dirty="0" smtClean="0"/>
               <a:t>Logging</a:t>
             </a:r>
-            <a:endParaRPr lang="en-US" dirty="0"/>
-          </a:p>
-        </p:txBody>
-      </p:sp>
-      <p:sp>
-        <p:nvSpPr>
-          <p:cNvPr id="5" name="TextBox 4"/>
-          <p:cNvSpPr txBox="1"/>
-          <p:nvPr/>
-        </p:nvSpPr>
-        <p:spPr>
-          <a:xfrm>
-            <a:off x="9906000" y="-1"/>
-            <a:ext cx="2286000" cy="2031325"/>
-          </a:xfrm>
-          <a:prstGeom prst="rect">
-            <a:avLst/>
-          </a:prstGeom>
-          <a:solidFill>
-            <a:srgbClr val="FFFF00"/>
-          </a:solidFill>
-          <a:ln>
-            <a:noFill/>
-          </a:ln>
-        </p:spPr>
-        <p:txBody>
-          <a:bodyPr wrap="square" rtlCol="0">
-            <a:spAutoFit/>
-          </a:bodyPr>
-          <a:lstStyle/>
-          <a:p>
-            <a:pPr algn="ctr"/>
-            <a:endParaRPr lang="en-US" dirty="0" smtClean="0"/>
-          </a:p>
-          <a:p>
-            <a:pPr algn="ctr"/>
-            <a:endParaRPr lang="en-US" dirty="0"/>
-          </a:p>
-          <a:p>
-            <a:pPr algn="ctr"/>
-            <a:r>
-              <a:rPr lang="en-US" dirty="0" smtClean="0"/>
-              <a:t>Please leave this area blank to allow for picture in picture recording</a:t>
-            </a:r>
-          </a:p>
-          <a:p>
-            <a:pPr algn="ctr"/>
             <a:endParaRPr lang="en-US" dirty="0"/>
           </a:p>
         </p:txBody>
@@ -9615,7 +10503,7 @@
 </p:sld>
 </file>
 
-<file path=ppt/slides/slide6.xml><?xml version="1.0" encoding="utf-8"?>
+<file path=ppt/slides/slide7.xml><?xml version="1.0" encoding="utf-8"?>
 <p:sld xmlns:a="http://schemas.openxmlformats.org/drawingml/2006/main" xmlns:r="http://schemas.openxmlformats.org/officeDocument/2006/relationships" xmlns:p="http://schemas.openxmlformats.org/presentationml/2006/main">
   <p:cSld>
     <p:spTree>
@@ -9652,53 +10540,6 @@
               <a:rPr lang="en-US" dirty="0" smtClean="0"/>
               <a:t>Logging</a:t>
             </a:r>
-            <a:endParaRPr lang="en-US" dirty="0"/>
-          </a:p>
-        </p:txBody>
-      </p:sp>
-      <p:sp>
-        <p:nvSpPr>
-          <p:cNvPr id="5" name="TextBox 4"/>
-          <p:cNvSpPr txBox="1"/>
-          <p:nvPr/>
-        </p:nvSpPr>
-        <p:spPr>
-          <a:xfrm>
-            <a:off x="9906000" y="-1"/>
-            <a:ext cx="2286000" cy="2031325"/>
-          </a:xfrm>
-          <a:prstGeom prst="rect">
-            <a:avLst/>
-          </a:prstGeom>
-          <a:solidFill>
-            <a:srgbClr val="FFFF00"/>
-          </a:solidFill>
-          <a:ln>
-            <a:noFill/>
-          </a:ln>
-        </p:spPr>
-        <p:txBody>
-          <a:bodyPr wrap="square" rtlCol="0">
-            <a:spAutoFit/>
-          </a:bodyPr>
-          <a:lstStyle/>
-          <a:p>
-            <a:pPr algn="ctr"/>
-            <a:endParaRPr lang="en-US" dirty="0" smtClean="0"/>
-          </a:p>
-          <a:p>
-            <a:pPr algn="ctr"/>
-            <a:endParaRPr lang="en-US" dirty="0"/>
-          </a:p>
-          <a:p>
-            <a:pPr algn="ctr"/>
-            <a:r>
-              <a:rPr lang="en-US" dirty="0" smtClean="0"/>
-              <a:t>Please leave this area blank to allow for picture in picture recording</a:t>
-            </a:r>
-          </a:p>
-          <a:p>
-            <a:pPr algn="ctr"/>
             <a:endParaRPr lang="en-US" dirty="0"/>
           </a:p>
         </p:txBody>
@@ -9971,7 +10812,7 @@
 </p:sld>
 </file>
 
-<file path=ppt/slides/slide7.xml><?xml version="1.0" encoding="utf-8"?>
+<file path=ppt/slides/slide8.xml><?xml version="1.0" encoding="utf-8"?>
 <p:sld xmlns:a="http://schemas.openxmlformats.org/drawingml/2006/main" xmlns:r="http://schemas.openxmlformats.org/officeDocument/2006/relationships" xmlns:p="http://schemas.openxmlformats.org/presentationml/2006/main">
   <p:cSld>
     <p:spTree>
@@ -10008,53 +10849,6 @@
               <a:rPr lang="en-US" dirty="0" smtClean="0"/>
               <a:t>Logging</a:t>
             </a:r>
-            <a:endParaRPr lang="en-US" dirty="0"/>
-          </a:p>
-        </p:txBody>
-      </p:sp>
-      <p:sp>
-        <p:nvSpPr>
-          <p:cNvPr id="5" name="TextBox 4"/>
-          <p:cNvSpPr txBox="1"/>
-          <p:nvPr/>
-        </p:nvSpPr>
-        <p:spPr>
-          <a:xfrm>
-            <a:off x="9906000" y="-1"/>
-            <a:ext cx="2286000" cy="2031325"/>
-          </a:xfrm>
-          <a:prstGeom prst="rect">
-            <a:avLst/>
-          </a:prstGeom>
-          <a:solidFill>
-            <a:srgbClr val="FFFF00"/>
-          </a:solidFill>
-          <a:ln>
-            <a:noFill/>
-          </a:ln>
-        </p:spPr>
-        <p:txBody>
-          <a:bodyPr wrap="square" rtlCol="0">
-            <a:spAutoFit/>
-          </a:bodyPr>
-          <a:lstStyle/>
-          <a:p>
-            <a:pPr algn="ctr"/>
-            <a:endParaRPr lang="en-US" dirty="0" smtClean="0"/>
-          </a:p>
-          <a:p>
-            <a:pPr algn="ctr"/>
-            <a:endParaRPr lang="en-US" dirty="0"/>
-          </a:p>
-          <a:p>
-            <a:pPr algn="ctr"/>
-            <a:r>
-              <a:rPr lang="en-US" dirty="0" smtClean="0"/>
-              <a:t>Please leave this area blank to allow for picture in picture recording</a:t>
-            </a:r>
-          </a:p>
-          <a:p>
-            <a:pPr algn="ctr"/>
             <a:endParaRPr lang="en-US" dirty="0"/>
           </a:p>
         </p:txBody>
@@ -10108,7 +10902,7 @@
 </p:sld>
 </file>
 
-<file path=ppt/slides/slide8.xml><?xml version="1.0" encoding="utf-8"?>
+<file path=ppt/slides/slide9.xml><?xml version="1.0" encoding="utf-8"?>
 <p:sld xmlns:a="http://schemas.openxmlformats.org/drawingml/2006/main" xmlns:r="http://schemas.openxmlformats.org/officeDocument/2006/relationships" xmlns:p="http://schemas.openxmlformats.org/presentationml/2006/main">
   <p:cSld>
     <p:spTree>
@@ -10145,53 +10939,6 @@
               <a:rPr lang="en-US" dirty="0" smtClean="0"/>
               <a:t>Logging</a:t>
             </a:r>
-            <a:endParaRPr lang="en-US" dirty="0"/>
-          </a:p>
-        </p:txBody>
-      </p:sp>
-      <p:sp>
-        <p:nvSpPr>
-          <p:cNvPr id="5" name="TextBox 4"/>
-          <p:cNvSpPr txBox="1"/>
-          <p:nvPr/>
-        </p:nvSpPr>
-        <p:spPr>
-          <a:xfrm>
-            <a:off x="9906000" y="-1"/>
-            <a:ext cx="2286000" cy="2031325"/>
-          </a:xfrm>
-          <a:prstGeom prst="rect">
-            <a:avLst/>
-          </a:prstGeom>
-          <a:solidFill>
-            <a:srgbClr val="FFFF00"/>
-          </a:solidFill>
-          <a:ln>
-            <a:noFill/>
-          </a:ln>
-        </p:spPr>
-        <p:txBody>
-          <a:bodyPr wrap="square" rtlCol="0">
-            <a:spAutoFit/>
-          </a:bodyPr>
-          <a:lstStyle/>
-          <a:p>
-            <a:pPr algn="ctr"/>
-            <a:endParaRPr lang="en-US" dirty="0" smtClean="0"/>
-          </a:p>
-          <a:p>
-            <a:pPr algn="ctr"/>
-            <a:endParaRPr lang="en-US" dirty="0"/>
-          </a:p>
-          <a:p>
-            <a:pPr algn="ctr"/>
-            <a:r>
-              <a:rPr lang="en-US" dirty="0" smtClean="0"/>
-              <a:t>Please leave this area blank to allow for picture in picture recording</a:t>
-            </a:r>
-          </a:p>
-          <a:p>
-            <a:pPr algn="ctr"/>
             <a:endParaRPr lang="en-US" dirty="0"/>
           </a:p>
         </p:txBody>
@@ -10229,171 +10976,6 @@
     <p:extLst>
       <p:ext uri="{BB962C8B-B14F-4D97-AF65-F5344CB8AC3E}">
         <p14:creationId xmlns:p14="http://schemas.microsoft.com/office/powerpoint/2010/main" val="4059480197"/>
-      </p:ext>
-    </p:extLst>
-  </p:cSld>
-  <p:clrMapOvr>
-    <a:masterClrMapping/>
-  </p:clrMapOvr>
-  <p:timing>
-    <p:tnLst>
-      <p:par>
-        <p:cTn xmlns:p14="http://schemas.microsoft.com/office/powerpoint/2010/main" id="1" dur="indefinite" restart="never" nodeType="tmRoot"/>
-      </p:par>
-    </p:tnLst>
-  </p:timing>
-</p:sld>
-</file>
-
-<file path=ppt/slides/slide9.xml><?xml version="1.0" encoding="utf-8"?>
-<p:sld xmlns:a="http://schemas.openxmlformats.org/drawingml/2006/main" xmlns:r="http://schemas.openxmlformats.org/officeDocument/2006/relationships" xmlns:p="http://schemas.openxmlformats.org/presentationml/2006/main">
-  <p:cSld>
-    <p:spTree>
-      <p:nvGrpSpPr>
-        <p:cNvPr id="1" name=""/>
-        <p:cNvGrpSpPr/>
-        <p:nvPr/>
-      </p:nvGrpSpPr>
-      <p:grpSpPr>
-        <a:xfrm>
-          <a:off x="0" y="0"/>
-          <a:ext cx="0" cy="0"/>
-          <a:chOff x="0" y="0"/>
-          <a:chExt cx="0" cy="0"/>
-        </a:xfrm>
-      </p:grpSpPr>
-      <p:sp>
-        <p:nvSpPr>
-          <p:cNvPr id="2" name="Title 1"/>
-          <p:cNvSpPr>
-            <a:spLocks noGrp="1"/>
-          </p:cNvSpPr>
-          <p:nvPr>
-            <p:ph type="title"/>
-          </p:nvPr>
-        </p:nvSpPr>
-        <p:spPr/>
-        <p:txBody>
-          <a:bodyPr/>
-          <a:lstStyle/>
-          <a:p>
-            <a:pPr lvl="0"/>
-            <a:r>
-              <a:rPr lang="en-US" dirty="0" smtClean="0"/>
-              <a:t>Logging</a:t>
-            </a:r>
-            <a:endParaRPr lang="en-US" dirty="0"/>
-          </a:p>
-        </p:txBody>
-      </p:sp>
-      <p:sp>
-        <p:nvSpPr>
-          <p:cNvPr id="5" name="TextBox 4"/>
-          <p:cNvSpPr txBox="1"/>
-          <p:nvPr/>
-        </p:nvSpPr>
-        <p:spPr>
-          <a:xfrm>
-            <a:off x="9906000" y="-1"/>
-            <a:ext cx="2286000" cy="2031325"/>
-          </a:xfrm>
-          <a:prstGeom prst="rect">
-            <a:avLst/>
-          </a:prstGeom>
-          <a:solidFill>
-            <a:srgbClr val="FFFF00"/>
-          </a:solidFill>
-          <a:ln>
-            <a:noFill/>
-          </a:ln>
-        </p:spPr>
-        <p:txBody>
-          <a:bodyPr wrap="square" rtlCol="0">
-            <a:spAutoFit/>
-          </a:bodyPr>
-          <a:lstStyle/>
-          <a:p>
-            <a:pPr algn="ctr"/>
-            <a:endParaRPr lang="en-US" dirty="0" smtClean="0"/>
-          </a:p>
-          <a:p>
-            <a:pPr algn="ctr"/>
-            <a:endParaRPr lang="en-US" dirty="0"/>
-          </a:p>
-          <a:p>
-            <a:pPr algn="ctr"/>
-            <a:r>
-              <a:rPr lang="en-US" dirty="0" smtClean="0"/>
-              <a:t>Please leave this area blank to allow for picture in picture recording</a:t>
-            </a:r>
-          </a:p>
-          <a:p>
-            <a:pPr algn="ctr"/>
-            <a:endParaRPr lang="en-US" dirty="0"/>
-          </a:p>
-        </p:txBody>
-      </p:sp>
-      <p:pic>
-        <p:nvPicPr>
-          <p:cNvPr id="6" name="Content Placeholder 5"/>
-          <p:cNvPicPr>
-            <a:picLocks noGrp="1" noChangeAspect="1"/>
-          </p:cNvPicPr>
-          <p:nvPr>
-            <p:ph sz="quarter" idx="10"/>
-          </p:nvPr>
-        </p:nvPicPr>
-        <p:blipFill>
-          <a:blip r:embed="rId3">
-            <a:extLst>
-              <a:ext uri="{28A0092B-C50C-407E-A947-70E740481C1C}">
-                <a14:useLocalDpi xmlns:a14="http://schemas.microsoft.com/office/drawing/2010/main" val="0"/>
-              </a:ext>
-            </a:extLst>
-          </a:blip>
-          <a:stretch>
-            <a:fillRect/>
-          </a:stretch>
-        </p:blipFill>
-        <p:spPr>
-          <a:xfrm>
-            <a:off x="1949869" y="1015661"/>
-            <a:ext cx="7956131" cy="5291138"/>
-          </a:xfrm>
-        </p:spPr>
-      </p:pic>
-      <p:sp>
-        <p:nvSpPr>
-          <p:cNvPr id="8" name="Rectangle 7"/>
-          <p:cNvSpPr/>
-          <p:nvPr/>
-        </p:nvSpPr>
-        <p:spPr>
-          <a:xfrm>
-            <a:off x="9476192" y="6627168"/>
-            <a:ext cx="2715808" cy="230832"/>
-          </a:xfrm>
-          <a:prstGeom prst="rect">
-            <a:avLst/>
-          </a:prstGeom>
-        </p:spPr>
-        <p:txBody>
-          <a:bodyPr wrap="none">
-            <a:spAutoFit/>
-          </a:bodyPr>
-          <a:lstStyle/>
-          <a:p>
-            <a:r>
-              <a:rPr lang="en-US" sz="900" dirty="0"/>
-              <a:t>https://www.flickr.com/photos/saneboy/3617855124</a:t>
-            </a:r>
-          </a:p>
-        </p:txBody>
-      </p:sp>
-    </p:spTree>
-    <p:extLst>
-      <p:ext uri="{BB962C8B-B14F-4D97-AF65-F5344CB8AC3E}">
-        <p14:creationId xmlns:p14="http://schemas.microsoft.com/office/powerpoint/2010/main" val="488398330"/>
       </p:ext>
     </p:extLst>
   </p:cSld>

--- a/Presentation Materials/MVA-ApplicationsOnAzure-06.pptx
+++ b/Presentation Materials/MVA-ApplicationsOnAzure-06.pptx
@@ -5,10 +5,10 @@
     <p:sldMasterId id="2147483660" r:id="rId4"/>
   </p:sldMasterIdLst>
   <p:notesMasterIdLst>
-    <p:notesMasterId r:id="rId37"/>
+    <p:notesMasterId r:id="rId38"/>
   </p:notesMasterIdLst>
   <p:handoutMasterIdLst>
-    <p:handoutMasterId r:id="rId38"/>
+    <p:handoutMasterId r:id="rId39"/>
   </p:handoutMasterIdLst>
   <p:sldIdLst>
     <p:sldId id="271" r:id="rId5"/>
@@ -33,16 +33,17 @@
     <p:sldId id="298" r:id="rId24"/>
     <p:sldId id="312" r:id="rId25"/>
     <p:sldId id="300" r:id="rId26"/>
-    <p:sldId id="302" r:id="rId27"/>
-    <p:sldId id="313" r:id="rId28"/>
-    <p:sldId id="303" r:id="rId29"/>
-    <p:sldId id="304" r:id="rId30"/>
-    <p:sldId id="305" r:id="rId31"/>
-    <p:sldId id="306" r:id="rId32"/>
-    <p:sldId id="307" r:id="rId33"/>
-    <p:sldId id="314" r:id="rId34"/>
-    <p:sldId id="299" r:id="rId35"/>
-    <p:sldId id="269" r:id="rId36"/>
+    <p:sldId id="315" r:id="rId27"/>
+    <p:sldId id="302" r:id="rId28"/>
+    <p:sldId id="313" r:id="rId29"/>
+    <p:sldId id="303" r:id="rId30"/>
+    <p:sldId id="304" r:id="rId31"/>
+    <p:sldId id="305" r:id="rId32"/>
+    <p:sldId id="306" r:id="rId33"/>
+    <p:sldId id="307" r:id="rId34"/>
+    <p:sldId id="314" r:id="rId35"/>
+    <p:sldId id="299" r:id="rId36"/>
+    <p:sldId id="269" r:id="rId37"/>
   </p:sldIdLst>
   <p:sldSz cx="12192000" cy="6858000"/>
   <p:notesSz cx="6858000" cy="9144000"/>
@@ -143,7 +144,7 @@
   </p:defaultTextStyle>
   <p:extLst>
     <p:ext uri="{EFAFB233-063F-42B5-8137-9DF3F51BA10A}">
-      <p15:sldGuideLst xmlns:p15="http://schemas.microsoft.com/office/powerpoint/2012/main" xmlns="">
+      <p15:sldGuideLst xmlns:p15="http://schemas.microsoft.com/office/powerpoint/2012/main">
         <p15:guide id="1" orient="horz" pos="2160">
           <p15:clr>
             <a:srgbClr val="A4A3A4"/>
@@ -157,7 +158,7 @@
       </p15:sldGuideLst>
     </p:ext>
     <p:ext uri="{2D200454-40CA-4A62-9FC3-DE9A4176ACB9}">
-      <p15:notesGuideLst xmlns:p15="http://schemas.microsoft.com/office/powerpoint/2012/main" xmlns=""/>
+      <p15:notesGuideLst xmlns:p15="http://schemas.microsoft.com/office/powerpoint/2012/main"/>
     </p:ext>
   </p:extLst>
 </p:presentation>
@@ -245,7 +246,7 @@
           <a:p>
             <a:fld id="{312E7B4A-039C-48A2-9B2C-AF16AA3873D8}" type="datetimeFigureOut">
               <a:rPr lang="en-US" smtClean="0"/>
-              <a:t>2015-11-08</a:t>
+              <a:t>11/8/2015</a:t>
             </a:fld>
             <a:endParaRPr lang="en-US"/>
           </a:p>
@@ -410,7 +411,7 @@
           <a:p>
             <a:fld id="{DA005A0C-54D9-45AA-87D4-C551D08DFCE1}" type="datetimeFigureOut">
               <a:rPr lang="en-US" smtClean="0"/>
-              <a:t>2015-11-08</a:t>
+              <a:t>11/8/2015</a:t>
             </a:fld>
             <a:endParaRPr lang="en-US"/>
           </a:p>
@@ -2193,12 +2194,46 @@
             <p:ph type="sldImg"/>
           </p:nvPr>
         </p:nvSpPr>
-        <p:spPr>
-          <a:xfrm>
-            <a:off x="381000" y="685800"/>
-            <a:ext cx="6096000" cy="3429000"/>
-          </a:xfrm>
-        </p:spPr>
+        <p:spPr/>
+      </p:sp>
+      <p:sp>
+        <p:nvSpPr>
+          <p:cNvPr id="3" name="Notes Placeholder 2"/>
+          <p:cNvSpPr>
+            <a:spLocks noGrp="1"/>
+          </p:cNvSpPr>
+          <p:nvPr>
+            <p:ph type="body" idx="1"/>
+          </p:nvPr>
+        </p:nvSpPr>
+        <p:spPr/>
+        <p:txBody>
+          <a:bodyPr/>
+          <a:lstStyle/>
+          <a:p>
+            <a:pPr marL="0" marR="0" indent="0" algn="l" defTabSz="914400" rtl="0" eaLnBrk="1" fontAlgn="auto" latinLnBrk="0" hangingPunct="1">
+              <a:lnSpc>
+                <a:spcPct val="100000"/>
+              </a:lnSpc>
+              <a:spcBef>
+                <a:spcPts val="0"/>
+              </a:spcBef>
+              <a:spcAft>
+                <a:spcPts val="0"/>
+              </a:spcAft>
+              <a:buClrTx/>
+              <a:buSzTx/>
+              <a:buFontTx/>
+              <a:buNone/>
+              <a:tabLst/>
+              <a:defRPr/>
+            </a:pPr>
+            <a:r>
+              <a:rPr lang="en-US" dirty="0" smtClean="0"/>
+              <a:t>http://demo.elastic.co/packetbeat/</a:t>
+            </a:r>
+          </a:p>
+        </p:txBody>
       </p:sp>
       <p:sp>
         <p:nvSpPr>
@@ -2215,38 +2250,18 @@
           <a:bodyPr/>
           <a:lstStyle/>
           <a:p>
-            <a:fld id="{13F0F35F-DD44-4607-AEC1-49D7A4BC4066}" type="slidenum">
+            <a:fld id="{4CFD207A-07DF-40AD-A916-9872E089CE7A}" type="slidenum">
               <a:rPr lang="en-US" smtClean="0"/>
-              <a:pPr/>
-              <a:t>24</a:t>
+              <a:t>23</a:t>
             </a:fld>
-            <a:endParaRPr lang="en-US" dirty="0"/>
-          </a:p>
-        </p:txBody>
-      </p:sp>
-      <p:sp>
-        <p:nvSpPr>
-          <p:cNvPr id="3" name="Notes Placeholder 2"/>
-          <p:cNvSpPr>
-            <a:spLocks noGrp="1"/>
-          </p:cNvSpPr>
-          <p:nvPr>
-            <p:ph type="body" idx="1"/>
-          </p:nvPr>
-        </p:nvSpPr>
-        <p:spPr/>
-        <p:txBody>
-          <a:bodyPr/>
-          <a:lstStyle/>
-          <a:p>
-            <a:endParaRPr lang="en-US" dirty="0"/>
+            <a:endParaRPr lang="en-US"/>
           </a:p>
         </p:txBody>
       </p:sp>
     </p:spTree>
     <p:extLst>
       <p:ext uri="{BB962C8B-B14F-4D97-AF65-F5344CB8AC3E}">
-        <p14:creationId xmlns:p14="http://schemas.microsoft.com/office/powerpoint/2010/main" val="1686092717"/>
+        <p14:creationId xmlns:p14="http://schemas.microsoft.com/office/powerpoint/2010/main" val="3054279491"/>
       </p:ext>
     </p:extLst>
   </p:cSld>
@@ -2283,7 +2298,36 @@
             <p:ph type="sldImg"/>
           </p:nvPr>
         </p:nvSpPr>
+        <p:spPr>
+          <a:xfrm>
+            <a:off x="381000" y="685800"/>
+            <a:ext cx="6096000" cy="3429000"/>
+          </a:xfrm>
+        </p:spPr>
+      </p:sp>
+      <p:sp>
+        <p:nvSpPr>
+          <p:cNvPr id="4" name="Slide Number Placeholder 3"/>
+          <p:cNvSpPr>
+            <a:spLocks noGrp="1"/>
+          </p:cNvSpPr>
+          <p:nvPr>
+            <p:ph type="sldNum" sz="quarter" idx="10"/>
+          </p:nvPr>
+        </p:nvSpPr>
         <p:spPr/>
+        <p:txBody>
+          <a:bodyPr/>
+          <a:lstStyle/>
+          <a:p>
+            <a:fld id="{13F0F35F-DD44-4607-AEC1-49D7A4BC4066}" type="slidenum">
+              <a:rPr lang="en-US" smtClean="0"/>
+              <a:pPr/>
+              <a:t>25</a:t>
+            </a:fld>
+            <a:endParaRPr lang="en-US" dirty="0"/>
+          </a:p>
+        </p:txBody>
       </p:sp>
       <p:sp>
         <p:nvSpPr>
@@ -2300,107 +2344,14 @@
           <a:bodyPr/>
           <a:lstStyle/>
           <a:p>
-            <a:r>
-              <a:rPr lang="en-US" dirty="0" smtClean="0"/>
-              <a:t>Docker is all about isolation. Ramble on for a bit about </a:t>
-            </a:r>
-            <a:r>
-              <a:rPr lang="en-US" dirty="0" err="1" smtClean="0"/>
-              <a:t>docker</a:t>
-            </a:r>
-            <a:r>
-              <a:rPr lang="en-US" dirty="0" smtClean="0"/>
-              <a:t>. The library it is built</a:t>
-            </a:r>
-            <a:r>
-              <a:rPr lang="en-US" baseline="0" dirty="0" smtClean="0"/>
-              <a:t> on is </a:t>
-            </a:r>
-            <a:r>
-              <a:rPr lang="en-US" b="1" baseline="0" dirty="0" err="1" smtClean="0"/>
-              <a:t>libcontainer</a:t>
-            </a:r>
-            <a:r>
-              <a:rPr lang="en-US" baseline="0" dirty="0" smtClean="0"/>
-              <a:t>, </a:t>
-            </a:r>
-            <a:r>
-              <a:rPr lang="en-US" baseline="0" dirty="0" err="1" smtClean="0"/>
-              <a:t>libvirt</a:t>
-            </a:r>
-            <a:r>
-              <a:rPr lang="en-US" baseline="0" dirty="0" smtClean="0"/>
-              <a:t>, LXC, system-</a:t>
-            </a:r>
-            <a:r>
-              <a:rPr lang="en-US" baseline="0" dirty="0" err="1" smtClean="0"/>
-              <a:t>nspan</a:t>
-            </a:r>
-            <a:endParaRPr lang="en-US" baseline="0" dirty="0" smtClean="0"/>
-          </a:p>
-          <a:p>
-            <a:endParaRPr lang="en-US" baseline="0" dirty="0" smtClean="0"/>
-          </a:p>
-          <a:p>
-            <a:r>
-              <a:rPr lang="en-US" baseline="0" dirty="0" smtClean="0"/>
-              <a:t>“</a:t>
-            </a:r>
-            <a:r>
-              <a:rPr lang="en-US" sz="1200" b="0" i="0" kern="1200" dirty="0" smtClean="0">
-                <a:solidFill>
-                  <a:schemeClr val="tx1"/>
-                </a:solidFill>
-                <a:effectLst/>
-                <a:latin typeface="+mn-lt"/>
-                <a:ea typeface="+mn-ea"/>
-                <a:cs typeface="+mn-cs"/>
-              </a:rPr>
-              <a:t>By using containers, resources can be isolated, services restricted, and processes provisioned to have an almost completely private view of the operating system with their own process ID space, file system structure, and network interfaces. Multiple containers share the same kernel, but each container can be constrained to only use a defined amount of resources such as CPU, memory and I/O.” -</a:t>
-            </a:r>
-            <a:r>
-              <a:rPr lang="en-US" sz="1200" b="0" i="0" kern="1200" dirty="0" err="1" smtClean="0">
-                <a:solidFill>
-                  <a:schemeClr val="tx1"/>
-                </a:solidFill>
-                <a:effectLst/>
-                <a:latin typeface="+mn-lt"/>
-                <a:ea typeface="+mn-ea"/>
-                <a:cs typeface="+mn-cs"/>
-              </a:rPr>
-              <a:t>wikipedia</a:t>
-            </a:r>
             <a:endParaRPr lang="en-US" dirty="0"/>
-          </a:p>
-        </p:txBody>
-      </p:sp>
-      <p:sp>
-        <p:nvSpPr>
-          <p:cNvPr id="4" name="Slide Number Placeholder 3"/>
-          <p:cNvSpPr>
-            <a:spLocks noGrp="1"/>
-          </p:cNvSpPr>
-          <p:nvPr>
-            <p:ph type="sldNum" sz="quarter" idx="10"/>
-          </p:nvPr>
-        </p:nvSpPr>
-        <p:spPr/>
-        <p:txBody>
-          <a:bodyPr/>
-          <a:lstStyle/>
-          <a:p>
-            <a:fld id="{4CFD207A-07DF-40AD-A916-9872E089CE7A}" type="slidenum">
-              <a:rPr lang="en-US" smtClean="0"/>
-              <a:t>26</a:t>
-            </a:fld>
-            <a:endParaRPr lang="en-US"/>
           </a:p>
         </p:txBody>
       </p:sp>
     </p:spTree>
     <p:extLst>
       <p:ext uri="{BB962C8B-B14F-4D97-AF65-F5344CB8AC3E}">
-        <p14:creationId xmlns:p14="http://schemas.microsoft.com/office/powerpoint/2010/main" val="2508391104"/>
+        <p14:creationId xmlns:p14="http://schemas.microsoft.com/office/powerpoint/2010/main" val="1686092717"/>
       </p:ext>
     </p:extLst>
   </p:cSld>
@@ -2456,7 +2407,7 @@
           <a:p>
             <a:r>
               <a:rPr lang="en-US" dirty="0" smtClean="0"/>
-              <a:t>Handles stacking </a:t>
+              <a:t>Docker is all about isolation. Ramble on for a bit about </a:t>
             </a:r>
             <a:r>
               <a:rPr lang="en-US" dirty="0" err="1" smtClean="0"/>
@@ -2464,27 +2415,65 @@
             </a:r>
             <a:r>
               <a:rPr lang="en-US" dirty="0" smtClean="0"/>
-              <a:t> on</a:t>
+              <a:t>. The library it is built</a:t>
             </a:r>
             <a:r>
               <a:rPr lang="en-US" baseline="0" dirty="0" smtClean="0"/>
-              <a:t> top of a </a:t>
+              <a:t> on is </a:t>
+            </a:r>
+            <a:r>
+              <a:rPr lang="en-US" b="1" baseline="0" dirty="0" err="1" smtClean="0"/>
+              <a:t>libcontainer</a:t>
+            </a:r>
+            <a:r>
+              <a:rPr lang="en-US" baseline="0" dirty="0" smtClean="0"/>
+              <a:t>, </a:t>
             </a:r>
             <a:r>
               <a:rPr lang="en-US" baseline="0" dirty="0" err="1" smtClean="0"/>
-              <a:t>vm</a:t>
+              <a:t>libvirt</a:t>
             </a:r>
             <a:r>
               <a:rPr lang="en-US" baseline="0" dirty="0" smtClean="0"/>
-              <a:t>. Facilitates talking to the </a:t>
+              <a:t>, LXC, system-</a:t>
             </a:r>
             <a:r>
               <a:rPr lang="en-US" baseline="0" dirty="0" err="1" smtClean="0"/>
-              <a:t>docker</a:t>
-            </a:r>
+              <a:t>nspan</a:t>
+            </a:r>
+            <a:endParaRPr lang="en-US" baseline="0" dirty="0" smtClean="0"/>
+          </a:p>
+          <a:p>
+            <a:endParaRPr lang="en-US" baseline="0" dirty="0" smtClean="0"/>
+          </a:p>
+          <a:p>
             <a:r>
               <a:rPr lang="en-US" baseline="0" dirty="0" smtClean="0"/>
-              <a:t> images easily</a:t>
+              <a:t>“</a:t>
+            </a:r>
+            <a:r>
+              <a:rPr lang="en-US" sz="1200" b="0" i="0" kern="1200" dirty="0" smtClean="0">
+                <a:solidFill>
+                  <a:schemeClr val="tx1"/>
+                </a:solidFill>
+                <a:effectLst/>
+                <a:latin typeface="+mn-lt"/>
+                <a:ea typeface="+mn-ea"/>
+                <a:cs typeface="+mn-cs"/>
+              </a:rPr>
+              <a:t>By using containers, resources can be isolated, services restricted, and processes provisioned to have an almost completely private view of the operating system with their own process ID space, file system structure, and network interfaces. Multiple containers share the same kernel, but each container can be constrained to only use a defined amount of resources such as CPU, memory and I/O.” -</a:t>
+            </a:r>
+            <a:r>
+              <a:rPr lang="en-US" sz="1200" b="0" i="0" kern="1200" dirty="0" err="1" smtClean="0">
+                <a:solidFill>
+                  <a:schemeClr val="tx1"/>
+                </a:solidFill>
+                <a:effectLst/>
+                <a:latin typeface="+mn-lt"/>
+                <a:ea typeface="+mn-ea"/>
+                <a:cs typeface="+mn-cs"/>
+              </a:rPr>
+              <a:t>wikipedia</a:t>
             </a:r>
             <a:endParaRPr lang="en-US" dirty="0"/>
           </a:p>
@@ -2516,7 +2505,7 @@
     </p:spTree>
     <p:extLst>
       <p:ext uri="{BB962C8B-B14F-4D97-AF65-F5344CB8AC3E}">
-        <p14:creationId xmlns:p14="http://schemas.microsoft.com/office/powerpoint/2010/main" val="298101098"/>
+        <p14:creationId xmlns:p14="http://schemas.microsoft.com/office/powerpoint/2010/main" val="2508391104"/>
       </p:ext>
     </p:extLst>
   </p:cSld>
@@ -2572,11 +2561,27 @@
           <a:p>
             <a:r>
               <a:rPr lang="en-US" dirty="0" smtClean="0"/>
-              <a:t>A bunch of whales. Provides</a:t>
+              <a:t>Handles stacking </a:t>
+            </a:r>
+            <a:r>
+              <a:rPr lang="en-US" dirty="0" err="1" smtClean="0"/>
+              <a:t>docker</a:t>
+            </a:r>
+            <a:r>
+              <a:rPr lang="en-US" dirty="0" smtClean="0"/>
+              <a:t> on</a:t>
             </a:r>
             <a:r>
               <a:rPr lang="en-US" baseline="0" dirty="0" smtClean="0"/>
-              <a:t> an abstraction over multiple machines so you can throw up a bunch of </a:t>
+              <a:t> top of a </a:t>
+            </a:r>
+            <a:r>
+              <a:rPr lang="en-US" baseline="0" dirty="0" err="1" smtClean="0"/>
+              <a:t>vm</a:t>
+            </a:r>
+            <a:r>
+              <a:rPr lang="en-US" baseline="0" dirty="0" smtClean="0"/>
+              <a:t>. Facilitates talking to the </a:t>
             </a:r>
             <a:r>
               <a:rPr lang="en-US" baseline="0" dirty="0" err="1" smtClean="0"/>
@@ -2584,7 +2589,7 @@
             </a:r>
             <a:r>
               <a:rPr lang="en-US" baseline="0" dirty="0" smtClean="0"/>
-              <a:t> images without having to worry about which machine is running it or load balancing or any of that. Docker on azure will be compatible with swarm</a:t>
+              <a:t> images easily</a:t>
             </a:r>
             <a:endParaRPr lang="en-US" dirty="0"/>
           </a:p>
@@ -2616,7 +2621,7 @@
     </p:spTree>
     <p:extLst>
       <p:ext uri="{BB962C8B-B14F-4D97-AF65-F5344CB8AC3E}">
-        <p14:creationId xmlns:p14="http://schemas.microsoft.com/office/powerpoint/2010/main" val="558400090"/>
+        <p14:creationId xmlns:p14="http://schemas.microsoft.com/office/powerpoint/2010/main" val="298101098"/>
       </p:ext>
     </p:extLst>
   </p:cSld>
@@ -2672,13 +2677,21 @@
           <a:p>
             <a:r>
               <a:rPr lang="en-US" dirty="0" smtClean="0"/>
-              <a:t>JSON based desired state configuration for </a:t>
-            </a:r>
-            <a:r>
-              <a:rPr lang="en-US" smtClean="0"/>
-              <a:t>resource groups</a:t>
-            </a:r>
-            <a:endParaRPr lang="en-US"/>
+              <a:t>A bunch of whales. Provides</a:t>
+            </a:r>
+            <a:r>
+              <a:rPr lang="en-US" baseline="0" dirty="0" smtClean="0"/>
+              <a:t> an abstraction over multiple machines so you can throw up a bunch of </a:t>
+            </a:r>
+            <a:r>
+              <a:rPr lang="en-US" baseline="0" dirty="0" err="1" smtClean="0"/>
+              <a:t>docker</a:t>
+            </a:r>
+            <a:r>
+              <a:rPr lang="en-US" baseline="0" dirty="0" smtClean="0"/>
+              <a:t> images without having to worry about which machine is running it or load balancing or any of that. Docker on azure will be compatible with swarm</a:t>
+            </a:r>
+            <a:endParaRPr lang="en-US" dirty="0"/>
           </a:p>
         </p:txBody>
       </p:sp>
@@ -2708,7 +2721,7 @@
     </p:spTree>
     <p:extLst>
       <p:ext uri="{BB962C8B-B14F-4D97-AF65-F5344CB8AC3E}">
-        <p14:creationId xmlns:p14="http://schemas.microsoft.com/office/powerpoint/2010/main" val="2726624729"/>
+        <p14:creationId xmlns:p14="http://schemas.microsoft.com/office/powerpoint/2010/main" val="558400090"/>
       </p:ext>
     </p:extLst>
   </p:cSld>
@@ -2745,12 +2758,34 @@
             <p:ph type="sldImg"/>
           </p:nvPr>
         </p:nvSpPr>
-        <p:spPr>
-          <a:xfrm>
-            <a:off x="381000" y="685800"/>
-            <a:ext cx="6096000" cy="3429000"/>
-          </a:xfrm>
-        </p:spPr>
+        <p:spPr/>
+      </p:sp>
+      <p:sp>
+        <p:nvSpPr>
+          <p:cNvPr id="3" name="Notes Placeholder 2"/>
+          <p:cNvSpPr>
+            <a:spLocks noGrp="1"/>
+          </p:cNvSpPr>
+          <p:nvPr>
+            <p:ph type="body" idx="1"/>
+          </p:nvPr>
+        </p:nvSpPr>
+        <p:spPr/>
+        <p:txBody>
+          <a:bodyPr/>
+          <a:lstStyle/>
+          <a:p>
+            <a:r>
+              <a:rPr lang="en-US" dirty="0" smtClean="0"/>
+              <a:t>JSON based desired state configuration for </a:t>
+            </a:r>
+            <a:r>
+              <a:rPr lang="en-US" smtClean="0"/>
+              <a:t>resource groups</a:t>
+            </a:r>
+            <a:endParaRPr lang="en-US"/>
+          </a:p>
+        </p:txBody>
       </p:sp>
       <p:sp>
         <p:nvSpPr>
@@ -2767,38 +2802,18 @@
           <a:bodyPr/>
           <a:lstStyle/>
           <a:p>
-            <a:fld id="{13F0F35F-DD44-4607-AEC1-49D7A4BC4066}" type="slidenum">
+            <a:fld id="{4CFD207A-07DF-40AD-A916-9872E089CE7A}" type="slidenum">
               <a:rPr lang="en-US" smtClean="0"/>
-              <a:pPr/>
               <a:t>30</a:t>
             </a:fld>
-            <a:endParaRPr lang="en-US" dirty="0"/>
-          </a:p>
-        </p:txBody>
-      </p:sp>
-      <p:sp>
-        <p:nvSpPr>
-          <p:cNvPr id="3" name="Notes Placeholder 2"/>
-          <p:cNvSpPr>
-            <a:spLocks noGrp="1"/>
-          </p:cNvSpPr>
-          <p:nvPr>
-            <p:ph type="body" idx="1"/>
-          </p:nvPr>
-        </p:nvSpPr>
-        <p:spPr/>
-        <p:txBody>
-          <a:bodyPr/>
-          <a:lstStyle/>
-          <a:p>
-            <a:endParaRPr lang="en-US" dirty="0"/>
+            <a:endParaRPr lang="en-US"/>
           </a:p>
         </p:txBody>
       </p:sp>
     </p:spTree>
     <p:extLst>
       <p:ext uri="{BB962C8B-B14F-4D97-AF65-F5344CB8AC3E}">
-        <p14:creationId xmlns:p14="http://schemas.microsoft.com/office/powerpoint/2010/main" val="1686092717"/>
+        <p14:creationId xmlns:p14="http://schemas.microsoft.com/office/powerpoint/2010/main" val="2726624729"/>
       </p:ext>
     </p:extLst>
   </p:cSld>
@@ -2835,91 +2850,60 @@
             <p:ph type="sldImg"/>
           </p:nvPr>
         </p:nvSpPr>
+        <p:spPr>
+          <a:xfrm>
+            <a:off x="381000" y="685800"/>
+            <a:ext cx="6096000" cy="3429000"/>
+          </a:xfrm>
+        </p:spPr>
+      </p:sp>
+      <p:sp>
+        <p:nvSpPr>
+          <p:cNvPr id="4" name="Slide Number Placeholder 3"/>
+          <p:cNvSpPr>
+            <a:spLocks noGrp="1"/>
+          </p:cNvSpPr>
+          <p:nvPr>
+            <p:ph type="sldNum" sz="quarter" idx="10"/>
+          </p:nvPr>
+        </p:nvSpPr>
         <p:spPr/>
-      </p:sp>
-      <p:sp>
-        <p:nvSpPr>
-          <p:cNvPr id="3" name="Notes Placeholder 2"/>
-          <p:cNvSpPr>
-            <a:spLocks noGrp="1"/>
-          </p:cNvSpPr>
-          <p:nvPr>
-            <p:ph type="body" idx="1"/>
-          </p:nvPr>
-        </p:nvSpPr>
-        <p:spPr/>
         <p:txBody>
           <a:bodyPr/>
           <a:lstStyle/>
           <a:p>
-            <a:r>
-              <a:rPr lang="en-US" dirty="0" smtClean="0"/>
-              <a:t>Seems like companies don’t like to name</a:t>
-            </a:r>
-            <a:r>
-              <a:rPr lang="en-US" baseline="0" dirty="0" smtClean="0"/>
-              <a:t> things in a way that can be easily found by search engines. A </a:t>
-            </a:r>
-            <a:r>
-              <a:rPr lang="en-US" baseline="0" dirty="0" err="1" smtClean="0"/>
-              <a:t>pitty</a:t>
-            </a:r>
-            <a:r>
-              <a:rPr lang="en-US" baseline="0" dirty="0" smtClean="0"/>
-              <a:t>. </a:t>
-            </a:r>
-          </a:p>
-          <a:p>
-            <a:endParaRPr lang="en-US" baseline="0" dirty="0" smtClean="0"/>
-          </a:p>
-          <a:p>
-            <a:r>
-              <a:rPr lang="en-US" baseline="0" dirty="0" smtClean="0"/>
-              <a:t>Most people are using elastic just as a search engine. You can put pretty much anything into it and do fast full text searches. However elastic is built on top of a distributed database. Data is </a:t>
-            </a:r>
-            <a:r>
-              <a:rPr lang="en-US" baseline="0" dirty="0" err="1" smtClean="0"/>
-              <a:t>sharded</a:t>
-            </a:r>
-            <a:r>
-              <a:rPr lang="en-US" baseline="0" dirty="0" smtClean="0"/>
-              <a:t> onto multiple nodes in a way that is tolerant to failures of some nodes. It is an eventually consistent system </a:t>
-            </a:r>
-            <a:r>
-              <a:rPr lang="en-US" baseline="0" smtClean="0"/>
-              <a:t>and stresses </a:t>
-            </a:r>
-            <a:endParaRPr lang="en-US" dirty="0" smtClean="0"/>
-          </a:p>
-        </p:txBody>
-      </p:sp>
-      <p:sp>
-        <p:nvSpPr>
-          <p:cNvPr id="4" name="Slide Number Placeholder 3"/>
-          <p:cNvSpPr>
-            <a:spLocks noGrp="1"/>
-          </p:cNvSpPr>
-          <p:nvPr>
-            <p:ph type="sldNum" sz="quarter" idx="10"/>
-          </p:nvPr>
-        </p:nvSpPr>
-        <p:spPr/>
-        <p:txBody>
-          <a:bodyPr/>
-          <a:lstStyle/>
-          <a:p>
-            <a:fld id="{4CFD207A-07DF-40AD-A916-9872E089CE7A}" type="slidenum">
+            <a:fld id="{13F0F35F-DD44-4607-AEC1-49D7A4BC4066}" type="slidenum">
               <a:rPr lang="en-US" smtClean="0"/>
+              <a:pPr/>
               <a:t>31</a:t>
             </a:fld>
-            <a:endParaRPr lang="en-US"/>
+            <a:endParaRPr lang="en-US" dirty="0"/>
+          </a:p>
+        </p:txBody>
+      </p:sp>
+      <p:sp>
+        <p:nvSpPr>
+          <p:cNvPr id="3" name="Notes Placeholder 2"/>
+          <p:cNvSpPr>
+            <a:spLocks noGrp="1"/>
+          </p:cNvSpPr>
+          <p:nvPr>
+            <p:ph type="body" idx="1"/>
+          </p:nvPr>
+        </p:nvSpPr>
+        <p:spPr/>
+        <p:txBody>
+          <a:bodyPr/>
+          <a:lstStyle/>
+          <a:p>
+            <a:endParaRPr lang="en-US" dirty="0"/>
           </a:p>
         </p:txBody>
       </p:sp>
     </p:spTree>
     <p:extLst>
       <p:ext uri="{BB962C8B-B14F-4D97-AF65-F5344CB8AC3E}">
-        <p14:creationId xmlns:p14="http://schemas.microsoft.com/office/powerpoint/2010/main" val="1358550594"/>
+        <p14:creationId xmlns:p14="http://schemas.microsoft.com/office/powerpoint/2010/main" val="1686092717"/>
       </p:ext>
     </p:extLst>
   </p:cSld>
@@ -3005,6 +2989,127 @@
     <p:extLst>
       <p:ext uri="{BB962C8B-B14F-4D97-AF65-F5344CB8AC3E}">
         <p14:creationId xmlns:p14="http://schemas.microsoft.com/office/powerpoint/2010/main" val="2595756465"/>
+      </p:ext>
+    </p:extLst>
+  </p:cSld>
+  <p:clrMapOvr>
+    <a:masterClrMapping/>
+  </p:clrMapOvr>
+</p:notes>
+</file>
+
+<file path=ppt/notesSlides/notesSlide30.xml><?xml version="1.0" encoding="utf-8"?>
+<p:notes xmlns:a="http://schemas.openxmlformats.org/drawingml/2006/main" xmlns:r="http://schemas.openxmlformats.org/officeDocument/2006/relationships" xmlns:p="http://schemas.openxmlformats.org/presentationml/2006/main">
+  <p:cSld>
+    <p:spTree>
+      <p:nvGrpSpPr>
+        <p:cNvPr id="1" name=""/>
+        <p:cNvGrpSpPr/>
+        <p:nvPr/>
+      </p:nvGrpSpPr>
+      <p:grpSpPr>
+        <a:xfrm>
+          <a:off x="0" y="0"/>
+          <a:ext cx="0" cy="0"/>
+          <a:chOff x="0" y="0"/>
+          <a:chExt cx="0" cy="0"/>
+        </a:xfrm>
+      </p:grpSpPr>
+      <p:sp>
+        <p:nvSpPr>
+          <p:cNvPr id="2" name="Slide Image Placeholder 1"/>
+          <p:cNvSpPr>
+            <a:spLocks noGrp="1" noRot="1" noChangeAspect="1"/>
+          </p:cNvSpPr>
+          <p:nvPr>
+            <p:ph type="sldImg"/>
+          </p:nvPr>
+        </p:nvSpPr>
+        <p:spPr/>
+      </p:sp>
+      <p:sp>
+        <p:nvSpPr>
+          <p:cNvPr id="3" name="Notes Placeholder 2"/>
+          <p:cNvSpPr>
+            <a:spLocks noGrp="1"/>
+          </p:cNvSpPr>
+          <p:nvPr>
+            <p:ph type="body" idx="1"/>
+          </p:nvPr>
+        </p:nvSpPr>
+        <p:spPr/>
+        <p:txBody>
+          <a:bodyPr/>
+          <a:lstStyle/>
+          <a:p>
+            <a:r>
+              <a:rPr lang="en-US" dirty="0" smtClean="0"/>
+              <a:t>Seems like companies don’t like to name</a:t>
+            </a:r>
+            <a:r>
+              <a:rPr lang="en-US" baseline="0" dirty="0" smtClean="0"/>
+              <a:t> things in a way that can be easily found by search engines. A </a:t>
+            </a:r>
+            <a:r>
+              <a:rPr lang="en-US" baseline="0" dirty="0" err="1" smtClean="0"/>
+              <a:t>pitty</a:t>
+            </a:r>
+            <a:r>
+              <a:rPr lang="en-US" baseline="0" dirty="0" smtClean="0"/>
+              <a:t>. </a:t>
+            </a:r>
+          </a:p>
+          <a:p>
+            <a:endParaRPr lang="en-US" baseline="0" dirty="0" smtClean="0"/>
+          </a:p>
+          <a:p>
+            <a:r>
+              <a:rPr lang="en-US" baseline="0" dirty="0" smtClean="0"/>
+              <a:t>Most people are using elastic just as a search engine. You can put pretty much anything into it and do fast full text searches. However elastic is built on top of a distributed database. Data is </a:t>
+            </a:r>
+            <a:r>
+              <a:rPr lang="en-US" baseline="0" dirty="0" err="1" smtClean="0"/>
+              <a:t>sharded</a:t>
+            </a:r>
+            <a:r>
+              <a:rPr lang="en-US" baseline="0" dirty="0" smtClean="0"/>
+              <a:t> onto multiple nodes in a way that is tolerant to failures of some nodes. It is an eventually consistent system </a:t>
+            </a:r>
+            <a:r>
+              <a:rPr lang="en-US" baseline="0" smtClean="0"/>
+              <a:t>and stresses </a:t>
+            </a:r>
+            <a:endParaRPr lang="en-US" dirty="0" smtClean="0"/>
+          </a:p>
+        </p:txBody>
+      </p:sp>
+      <p:sp>
+        <p:nvSpPr>
+          <p:cNvPr id="4" name="Slide Number Placeholder 3"/>
+          <p:cNvSpPr>
+            <a:spLocks noGrp="1"/>
+          </p:cNvSpPr>
+          <p:nvPr>
+            <p:ph type="sldNum" sz="quarter" idx="10"/>
+          </p:nvPr>
+        </p:nvSpPr>
+        <p:spPr/>
+        <p:txBody>
+          <a:bodyPr/>
+          <a:lstStyle/>
+          <a:p>
+            <a:fld id="{4CFD207A-07DF-40AD-A916-9872E089CE7A}" type="slidenum">
+              <a:rPr lang="en-US" smtClean="0"/>
+              <a:t>32</a:t>
+            </a:fld>
+            <a:endParaRPr lang="en-US"/>
+          </a:p>
+        </p:txBody>
+      </p:sp>
+    </p:spTree>
+    <p:extLst>
+      <p:ext uri="{BB962C8B-B14F-4D97-AF65-F5344CB8AC3E}">
+        <p14:creationId xmlns:p14="http://schemas.microsoft.com/office/powerpoint/2010/main" val="1358550594"/>
       </p:ext>
     </p:extLst>
   </p:cSld>
@@ -4011,13 +4116,13 @@
   <p:timing>
     <p:tnLst>
       <p:par>
-        <p:cTn xmlns:p14="http://schemas.microsoft.com/office/powerpoint/2010/main" id="1" dur="indefinite" restart="never" nodeType="tmRoot"/>
+        <p:cTn id="1" dur="indefinite" restart="never" nodeType="tmRoot"/>
       </p:par>
     </p:tnLst>
   </p:timing>
   <p:extLst mod="1">
     <p:ext uri="{DCECCB84-F9BA-43D5-87BE-67443E8EF086}">
-      <p15:sldGuideLst xmlns:p15="http://schemas.microsoft.com/office/powerpoint/2012/main" xmlns="">
+      <p15:sldGuideLst xmlns:p15="http://schemas.microsoft.com/office/powerpoint/2012/main">
         <p15:guide id="1" orient="horz" pos="3792">
           <p15:clr>
             <a:srgbClr val="FBAE40"/>
@@ -4250,7 +4355,7 @@
   <p:timing>
     <p:tnLst>
       <p:par>
-        <p:cTn xmlns:p14="http://schemas.microsoft.com/office/powerpoint/2010/main" id="1" dur="indefinite" restart="never" nodeType="tmRoot"/>
+        <p:cTn id="1" dur="indefinite" restart="never" nodeType="tmRoot"/>
       </p:par>
     </p:tnLst>
   </p:timing>
@@ -4409,7 +4514,7 @@
   <p:timing>
     <p:tnLst>
       <p:par>
-        <p:cTn xmlns:p14="http://schemas.microsoft.com/office/powerpoint/2010/main" id="1" dur="indefinite" restart="never" nodeType="tmRoot"/>
+        <p:cTn id="1" dur="indefinite" restart="never" nodeType="tmRoot"/>
       </p:par>
     </p:tnLst>
   </p:timing>
@@ -4649,7 +4754,7 @@
   <p:timing>
     <p:tnLst>
       <p:par>
-        <p:cTn xmlns:p14="http://schemas.microsoft.com/office/powerpoint/2010/main" id="1" dur="indefinite" restart="never" nodeType="tmRoot"/>
+        <p:cTn id="1" dur="indefinite" restart="never" nodeType="tmRoot"/>
       </p:par>
     </p:tnLst>
   </p:timing>
@@ -5041,7 +5146,7 @@
   <p:timing>
     <p:tnLst>
       <p:par>
-        <p:cTn xmlns:p14="http://schemas.microsoft.com/office/powerpoint/2010/main" id="1" dur="indefinite" restart="never" nodeType="tmRoot"/>
+        <p:cTn id="1" dur="indefinite" restart="never" nodeType="tmRoot"/>
       </p:par>
     </p:tnLst>
   </p:timing>
@@ -5101,7 +5206,7 @@
   <p:timing>
     <p:tnLst>
       <p:par>
-        <p:cTn xmlns:p14="http://schemas.microsoft.com/office/powerpoint/2010/main" id="1" dur="indefinite" restart="never" nodeType="tmRoot"/>
+        <p:cTn id="1" dur="indefinite" restart="never" nodeType="tmRoot"/>
       </p:par>
     </p:tnLst>
   </p:timing>
@@ -5138,7 +5243,7 @@
   <p:timing>
     <p:tnLst>
       <p:par>
-        <p:cTn xmlns:p14="http://schemas.microsoft.com/office/powerpoint/2010/main" id="1" dur="indefinite" restart="never" nodeType="tmRoot"/>
+        <p:cTn id="1" dur="indefinite" restart="never" nodeType="tmRoot"/>
       </p:par>
     </p:tnLst>
   </p:timing>
@@ -5349,7 +5454,7 @@
   <p:timing>
     <p:tnLst>
       <p:par>
-        <p:cTn xmlns:p14="http://schemas.microsoft.com/office/powerpoint/2010/main" id="1" dur="indefinite" restart="never" nodeType="tmRoot"/>
+        <p:cTn id="1" dur="indefinite" restart="never" nodeType="tmRoot"/>
       </p:par>
     </p:tnLst>
   </p:timing>
@@ -5987,13 +6092,13 @@
   <p:timing>
     <p:tnLst>
       <p:par>
-        <p:cTn xmlns:p14="http://schemas.microsoft.com/office/powerpoint/2010/main" id="1" dur="indefinite" restart="never" nodeType="tmRoot"/>
+        <p:cTn id="1" dur="indefinite" restart="never" nodeType="tmRoot"/>
       </p:par>
     </p:tnLst>
   </p:timing>
   <p:extLst mod="1">
     <p:ext uri="{DCECCB84-F9BA-43D5-87BE-67443E8EF086}">
-      <p15:sldGuideLst xmlns:p15="http://schemas.microsoft.com/office/powerpoint/2012/main" xmlns="">
+      <p15:sldGuideLst xmlns:p15="http://schemas.microsoft.com/office/powerpoint/2012/main">
         <p15:guide id="1" orient="horz" pos="2160">
           <p15:clr>
             <a:srgbClr val="FBAE40"/>
@@ -6087,7 +6192,7 @@
   <p:timing>
     <p:tnLst>
       <p:par>
-        <p:cTn xmlns:p14="http://schemas.microsoft.com/office/powerpoint/2010/main" id="1" dur="indefinite" restart="never" nodeType="tmRoot"/>
+        <p:cTn id="1" dur="indefinite" restart="never" nodeType="tmRoot"/>
       </p:par>
     </p:tnLst>
   </p:timing>
@@ -6455,7 +6560,7 @@
   <p:timing>
     <p:tnLst>
       <p:par>
-        <p:cTn xmlns:p14="http://schemas.microsoft.com/office/powerpoint/2010/main" id="1" dur="indefinite" restart="never" nodeType="tmRoot"/>
+        <p:cTn id="1" dur="indefinite" restart="never" nodeType="tmRoot"/>
       </p:par>
     </p:tnLst>
   </p:timing>
@@ -6573,7 +6678,7 @@
   <p:timing>
     <p:tnLst>
       <p:par>
-        <p:cTn xmlns:p14="http://schemas.microsoft.com/office/powerpoint/2010/main" id="1" dur="indefinite" restart="never" nodeType="tmRoot"/>
+        <p:cTn id="1" dur="indefinite" restart="never" nodeType="tmRoot"/>
       </p:par>
     </p:tnLst>
   </p:timing>
@@ -6641,7 +6746,7 @@
   <p:timing>
     <p:tnLst>
       <p:par>
-        <p:cTn xmlns:p14="http://schemas.microsoft.com/office/powerpoint/2010/main" id="1" dur="indefinite" restart="never" nodeType="tmRoot"/>
+        <p:cTn id="1" dur="indefinite" restart="never" nodeType="tmRoot"/>
       </p:par>
     </p:tnLst>
   </p:timing>
@@ -6745,7 +6850,7 @@
   <p:timing>
     <p:tnLst>
       <p:par>
-        <p:cTn xmlns:p14="http://schemas.microsoft.com/office/powerpoint/2010/main" id="1" dur="indefinite" restart="never" nodeType="tmRoot"/>
+        <p:cTn id="1" dur="indefinite" restart="never" nodeType="tmRoot"/>
       </p:par>
     </p:tnLst>
   </p:timing>
@@ -6894,7 +6999,7 @@
           <a:noFill/>
           <a:extLst>
             <a:ext uri="{909E8E84-426E-40dd-AFC4-6F175D3DCCD1}">
-              <a14:hiddenFill xmlns:a14="http://schemas.microsoft.com/office/drawing/2010/main">
+              <a14:hiddenFill xmlns:a14="http://schemas.microsoft.com/office/drawing/2010/main" xmlns="">
                 <a:solidFill>
                   <a:srgbClr val="FFFFFF"/>
                 </a:solidFill>
@@ -6916,7 +7021,7 @@
   <p:timing>
     <p:tnLst>
       <p:par>
-        <p:cTn xmlns:p14="http://schemas.microsoft.com/office/powerpoint/2010/main" id="1" dur="indefinite" restart="never" nodeType="tmRoot"/>
+        <p:cTn id="1" dur="indefinite" restart="never" nodeType="tmRoot"/>
       </p:par>
     </p:tnLst>
   </p:timing>
@@ -6984,7 +7089,7 @@
   <p:timing>
     <p:tnLst>
       <p:par>
-        <p:cTn xmlns:p14="http://schemas.microsoft.com/office/powerpoint/2010/main" id="1" dur="indefinite" restart="never" nodeType="tmRoot"/>
+        <p:cTn id="1" dur="indefinite" restart="never" nodeType="tmRoot"/>
       </p:par>
     </p:tnLst>
   </p:timing>
@@ -7109,7 +7214,7 @@
   <p:timing>
     <p:tnLst>
       <p:par>
-        <p:cTn xmlns:p14="http://schemas.microsoft.com/office/powerpoint/2010/main" id="1" dur="indefinite" restart="never" nodeType="tmRoot"/>
+        <p:cTn id="1" dur="indefinite" restart="never" nodeType="tmRoot"/>
       </p:par>
     </p:tnLst>
   </p:timing>
@@ -7253,7 +7358,7 @@
   <p:timing>
     <p:tnLst>
       <p:par>
-        <p:cTn xmlns:p14="http://schemas.microsoft.com/office/powerpoint/2010/main" id="1" dur="indefinite" restart="never" nodeType="tmRoot"/>
+        <p:cTn id="1" dur="indefinite" restart="never" nodeType="tmRoot"/>
       </p:par>
     </p:tnLst>
   </p:timing>
@@ -7294,11 +7399,7 @@
           <a:p>
             <a:r>
               <a:rPr lang="en-US" dirty="0" smtClean="0"/>
-              <a:t>Filters and </a:t>
-            </a:r>
-            <a:r>
-              <a:rPr lang="en-US" dirty="0" smtClean="0"/>
-              <a:t>enhancers</a:t>
+              <a:t>Filters and enhancers</a:t>
             </a:r>
             <a:endParaRPr lang="en-US" dirty="0"/>
           </a:p>
@@ -7367,7 +7468,7 @@
   <p:timing>
     <p:tnLst>
       <p:par>
-        <p:cTn xmlns:p14="http://schemas.microsoft.com/office/powerpoint/2010/main" id="1" dur="indefinite" restart="never" nodeType="tmRoot"/>
+        <p:cTn id="1" dur="indefinite" restart="never" nodeType="tmRoot"/>
       </p:par>
     </p:tnLst>
   </p:timing>
@@ -7459,7 +7560,7 @@
           <a:p>
             <a:r>
               <a:rPr lang="en-US" dirty="0" smtClean="0"/>
-              <a:t>CVS</a:t>
+              <a:t>CSV</a:t>
             </a:r>
             <a:endParaRPr lang="en-US" dirty="0"/>
           </a:p>
@@ -7485,7 +7586,7 @@
   <p:timing>
     <p:tnLst>
       <p:par>
-        <p:cTn xmlns:p14="http://schemas.microsoft.com/office/powerpoint/2010/main" id="1" dur="indefinite" restart="never" nodeType="tmRoot"/>
+        <p:cTn id="1" dur="indefinite" restart="never" nodeType="tmRoot"/>
       </p:par>
     </p:tnLst>
   </p:timing>
@@ -7534,7 +7635,7 @@
             <a:pPr marL="914400" indent="-914400"/>
             <a:r>
               <a:rPr lang="en-US" dirty="0" err="1" smtClean="0"/>
-              <a:t>Logstash</a:t>
+              <a:t>Elasticsearch</a:t>
             </a:r>
             <a:endParaRPr lang="en-US" dirty="0"/>
           </a:p>
@@ -7553,7 +7654,7 @@
   <p:timing>
     <p:tnLst>
       <p:par>
-        <p:cTn xmlns:p14="http://schemas.microsoft.com/office/powerpoint/2010/main" id="1" dur="indefinite" restart="never" nodeType="tmRoot"/>
+        <p:cTn id="1" dur="indefinite" restart="never" nodeType="tmRoot"/>
       </p:par>
     </p:tnLst>
   </p:timing>
@@ -7632,14 +7733,14 @@
                 <a:gridCol w="5762625">
                   <a:extLst>
                     <a:ext uri="{9D8B030D-6E8A-4147-A177-3AD203B41FA5}">
-                      <a16:colId xmlns:a16="http://schemas.microsoft.com/office/drawing/2014/main" xmlns="" val="1632794655"/>
+                      <a16:colId xmlns="" xmlns:a16="http://schemas.microsoft.com/office/drawing/2014/main" val="1632794655"/>
                     </a:ext>
                   </a:extLst>
                 </a:gridCol>
                 <a:gridCol w="5762625">
                   <a:extLst>
                     <a:ext uri="{9D8B030D-6E8A-4147-A177-3AD203B41FA5}">
-                      <a16:colId xmlns:a16="http://schemas.microsoft.com/office/drawing/2014/main" xmlns="" val="2011313899"/>
+                      <a16:colId xmlns="" xmlns:a16="http://schemas.microsoft.com/office/drawing/2014/main" val="2011313899"/>
                     </a:ext>
                   </a:extLst>
                 </a:gridCol>
@@ -7684,7 +7785,7 @@
                 </a:tc>
                 <a:extLst>
                   <a:ext uri="{0D108BD9-81ED-4DB2-BD59-A6C34878D82A}">
-                    <a16:rowId xmlns:a16="http://schemas.microsoft.com/office/drawing/2014/main" xmlns="" val="1789177411"/>
+                    <a16:rowId xmlns="" xmlns:a16="http://schemas.microsoft.com/office/drawing/2014/main" val="1789177411"/>
                   </a:ext>
                 </a:extLst>
               </a:tr>
@@ -7755,7 +7856,7 @@
                 </a:tc>
                 <a:extLst>
                   <a:ext uri="{0D108BD9-81ED-4DB2-BD59-A6C34878D82A}">
-                    <a16:rowId xmlns:a16="http://schemas.microsoft.com/office/drawing/2014/main" xmlns="" val="3842815335"/>
+                    <a16:rowId xmlns="" xmlns:a16="http://schemas.microsoft.com/office/drawing/2014/main" val="3842815335"/>
                   </a:ext>
                 </a:extLst>
               </a:tr>
@@ -7812,7 +7913,7 @@
                 </a:tc>
                 <a:extLst>
                   <a:ext uri="{0D108BD9-81ED-4DB2-BD59-A6C34878D82A}">
-                    <a16:rowId xmlns:a16="http://schemas.microsoft.com/office/drawing/2014/main" xmlns="" val="321066646"/>
+                    <a16:rowId xmlns="" xmlns:a16="http://schemas.microsoft.com/office/drawing/2014/main" val="321066646"/>
                   </a:ext>
                 </a:extLst>
               </a:tr>
@@ -7897,7 +7998,7 @@
                 </a:tc>
                 <a:extLst>
                   <a:ext uri="{0D108BD9-81ED-4DB2-BD59-A6C34878D82A}">
-                    <a16:rowId xmlns:a16="http://schemas.microsoft.com/office/drawing/2014/main" xmlns="" val="3812060533"/>
+                    <a16:rowId xmlns="" xmlns:a16="http://schemas.microsoft.com/office/drawing/2014/main" val="3812060533"/>
                   </a:ext>
                 </a:extLst>
               </a:tr>
@@ -7944,7 +8045,7 @@
                 </a:tc>
                 <a:extLst>
                   <a:ext uri="{0D108BD9-81ED-4DB2-BD59-A6C34878D82A}">
-                    <a16:rowId xmlns:a16="http://schemas.microsoft.com/office/drawing/2014/main" xmlns="" val="733235577"/>
+                    <a16:rowId xmlns="" xmlns:a16="http://schemas.microsoft.com/office/drawing/2014/main" val="733235577"/>
                   </a:ext>
                 </a:extLst>
               </a:tr>
@@ -7968,7 +8069,7 @@
         </p:nvGraphicFramePr>
         <p:xfrm>
           <a:off x="379413" y="1417636"/>
-          <a:ext cx="11525250" cy="4259248"/>
+          <a:ext cx="11525250" cy="3838160"/>
         </p:xfrm>
         <a:graphic>
           <a:graphicData uri="http://schemas.openxmlformats.org/drawingml/2006/table">
@@ -7980,14 +8081,14 @@
                 <a:gridCol w="5762625">
                   <a:extLst>
                     <a:ext uri="{9D8B030D-6E8A-4147-A177-3AD203B41FA5}">
-                      <a16:colId xmlns:a16="http://schemas.microsoft.com/office/drawing/2014/main" xmlns="" val="1632794655"/>
+                      <a16:colId xmlns="" xmlns:a16="http://schemas.microsoft.com/office/drawing/2014/main" val="1632794655"/>
                     </a:ext>
                   </a:extLst>
                 </a:gridCol>
                 <a:gridCol w="5762625">
                   <a:extLst>
                     <a:ext uri="{9D8B030D-6E8A-4147-A177-3AD203B41FA5}">
-                      <a16:colId xmlns:a16="http://schemas.microsoft.com/office/drawing/2014/main" xmlns="" val="2011313899"/>
+                      <a16:colId xmlns="" xmlns:a16="http://schemas.microsoft.com/office/drawing/2014/main" val="2011313899"/>
                     </a:ext>
                   </a:extLst>
                 </a:gridCol>
@@ -8025,7 +8126,7 @@
                 </a:tc>
                 <a:extLst>
                   <a:ext uri="{0D108BD9-81ED-4DB2-BD59-A6C34878D82A}">
-                    <a16:rowId xmlns:a16="http://schemas.microsoft.com/office/drawing/2014/main" xmlns="" val="1789177411"/>
+                    <a16:rowId xmlns="" xmlns:a16="http://schemas.microsoft.com/office/drawing/2014/main" val="1789177411"/>
                   </a:ext>
                 </a:extLst>
               </a:tr>
@@ -8072,7 +8173,7 @@
                 </a:tc>
                 <a:extLst>
                   <a:ext uri="{0D108BD9-81ED-4DB2-BD59-A6C34878D82A}">
-                    <a16:rowId xmlns:a16="http://schemas.microsoft.com/office/drawing/2014/main" xmlns="" val="3842815335"/>
+                    <a16:rowId xmlns="" xmlns:a16="http://schemas.microsoft.com/office/drawing/2014/main" val="3842815335"/>
                   </a:ext>
                 </a:extLst>
               </a:tr>
@@ -8147,7 +8248,7 @@
                 </a:tc>
                 <a:extLst>
                   <a:ext uri="{0D108BD9-81ED-4DB2-BD59-A6C34878D82A}">
-                    <a16:rowId xmlns:a16="http://schemas.microsoft.com/office/drawing/2014/main" xmlns="" val="321066646"/>
+                    <a16:rowId xmlns="" xmlns:a16="http://schemas.microsoft.com/office/drawing/2014/main" val="321066646"/>
                   </a:ext>
                 </a:extLst>
               </a:tr>
@@ -8218,7 +8319,7 @@
                 </a:tc>
                 <a:extLst>
                   <a:ext uri="{0D108BD9-81ED-4DB2-BD59-A6C34878D82A}">
-                    <a16:rowId xmlns:a16="http://schemas.microsoft.com/office/drawing/2014/main" xmlns="" val="3812060533"/>
+                    <a16:rowId xmlns="" xmlns:a16="http://schemas.microsoft.com/office/drawing/2014/main" val="3812060533"/>
                   </a:ext>
                 </a:extLst>
               </a:tr>
@@ -8265,7 +8366,7 @@
                 </a:tc>
                 <a:extLst>
                   <a:ext uri="{0D108BD9-81ED-4DB2-BD59-A6C34878D82A}">
-                    <a16:rowId xmlns:a16="http://schemas.microsoft.com/office/drawing/2014/main" xmlns="" val="733235577"/>
+                    <a16:rowId xmlns="" xmlns:a16="http://schemas.microsoft.com/office/drawing/2014/main" val="733235577"/>
                   </a:ext>
                 </a:extLst>
               </a:tr>
@@ -8294,7 +8395,7 @@
   <p:timing>
     <p:tnLst>
       <p:par>
-        <p:cTn xmlns:p14="http://schemas.microsoft.com/office/powerpoint/2010/main" id="1" dur="indefinite" restart="never" nodeType="tmRoot"/>
+        <p:cTn id="1" dur="indefinite" restart="never" nodeType="tmRoot"/>
       </p:par>
     </p:tnLst>
   </p:timing>
@@ -8402,7 +8503,7 @@
           <a:noFill/>
           <a:extLst>
             <a:ext uri="{909E8E84-426E-40dd-AFC4-6F175D3DCCD1}">
-              <a14:hiddenFill xmlns:a14="http://schemas.microsoft.com/office/drawing/2010/main">
+              <a14:hiddenFill xmlns:a14="http://schemas.microsoft.com/office/drawing/2010/main" xmlns="">
                 <a:solidFill>
                   <a:srgbClr val="FFFFFF"/>
                 </a:solidFill>
@@ -8424,7 +8525,7 @@
   <p:timing>
     <p:tnLst>
       <p:par>
-        <p:cTn xmlns:p14="http://schemas.microsoft.com/office/powerpoint/2010/main" id="1" dur="indefinite" restart="never" nodeType="tmRoot"/>
+        <p:cTn id="1" dur="indefinite" restart="never" nodeType="tmRoot"/>
       </p:par>
     </p:tnLst>
   </p:timing>
@@ -8492,7 +8593,7 @@
   <p:timing>
     <p:tnLst>
       <p:par>
-        <p:cTn xmlns:p14="http://schemas.microsoft.com/office/powerpoint/2010/main" id="1" dur="indefinite" restart="never" nodeType="tmRoot"/>
+        <p:cTn id="1" dur="indefinite" restart="never" nodeType="tmRoot"/>
       </p:par>
     </p:tnLst>
   </p:timing>
@@ -8615,7 +8716,7 @@
   <p:timing>
     <p:tnLst>
       <p:par>
-        <p:cTn xmlns:p14="http://schemas.microsoft.com/office/powerpoint/2010/main" id="1" dur="indefinite" restart="never" nodeType="tmRoot"/>
+        <p:cTn id="1" dur="indefinite" restart="never" nodeType="tmRoot"/>
       </p:par>
     </p:tnLst>
   </p:timing>
@@ -8641,7 +8742,7 @@
       </p:grpSpPr>
       <p:sp>
         <p:nvSpPr>
-          <p:cNvPr id="2" name="Title 1"/>
+          <p:cNvPr id="4" name="Title 3"/>
           <p:cNvSpPr>
             <a:spLocks noGrp="1"/>
           </p:cNvSpPr>
@@ -8656,57 +8757,30 @@
           <a:p>
             <a:r>
               <a:rPr lang="en-US" dirty="0" smtClean="0"/>
-              <a:t>More moving parts…</a:t>
+              <a:t>Try </a:t>
+            </a:r>
+            <a:r>
+              <a:rPr lang="en-US" dirty="0" err="1" smtClean="0"/>
+              <a:t>Kibana</a:t>
+            </a:r>
+            <a:r>
+              <a:rPr lang="en-US" dirty="0" smtClean="0"/>
+              <a:t> For Yourself</a:t>
             </a:r>
             <a:endParaRPr lang="en-US" dirty="0"/>
-          </a:p>
-        </p:txBody>
-      </p:sp>
-      <p:sp>
-        <p:nvSpPr>
-          <p:cNvPr id="3" name="Content Placeholder 2"/>
-          <p:cNvSpPr>
-            <a:spLocks noGrp="1"/>
-          </p:cNvSpPr>
-          <p:nvPr>
-            <p:ph sz="quarter" idx="10"/>
-          </p:nvPr>
-        </p:nvSpPr>
-        <p:spPr/>
-        <p:txBody>
-          <a:bodyPr/>
-          <a:lstStyle/>
-          <a:p>
-            <a:pPr marL="0" indent="0" algn="ctr">
-              <a:buNone/>
-            </a:pPr>
-            <a:r>
-              <a:rPr lang="en-US" sz="20000" dirty="0" smtClean="0">
-                <a:sym typeface="Wingdings" panose="05000000000000000000" pitchFamily="2" charset="2"/>
-              </a:rPr>
-              <a:t></a:t>
-            </a:r>
-            <a:endParaRPr lang="en-US" sz="20000" dirty="0"/>
           </a:p>
         </p:txBody>
       </p:sp>
     </p:spTree>
     <p:extLst>
       <p:ext uri="{BB962C8B-B14F-4D97-AF65-F5344CB8AC3E}">
-        <p14:creationId xmlns:p14="http://schemas.microsoft.com/office/powerpoint/2010/main" val="961814862"/>
+        <p14:creationId xmlns:p14="http://schemas.microsoft.com/office/powerpoint/2010/main" val="4256428706"/>
       </p:ext>
     </p:extLst>
   </p:cSld>
   <p:clrMapOvr>
     <a:masterClrMapping/>
   </p:clrMapOvr>
-  <p:timing>
-    <p:tnLst>
-      <p:par>
-        <p:cTn xmlns:p14="http://schemas.microsoft.com/office/powerpoint/2010/main" id="1" dur="indefinite" restart="never" nodeType="tmRoot"/>
-      </p:par>
-    </p:tnLst>
-  </p:timing>
 </p:sld>
 </file>
 
@@ -8729,6 +8803,94 @@
       </p:grpSpPr>
       <p:sp>
         <p:nvSpPr>
+          <p:cNvPr id="2" name="Title 1"/>
+          <p:cNvSpPr>
+            <a:spLocks noGrp="1"/>
+          </p:cNvSpPr>
+          <p:nvPr>
+            <p:ph type="title"/>
+          </p:nvPr>
+        </p:nvSpPr>
+        <p:spPr/>
+        <p:txBody>
+          <a:bodyPr/>
+          <a:lstStyle/>
+          <a:p>
+            <a:r>
+              <a:rPr lang="en-US" dirty="0" smtClean="0"/>
+              <a:t>More moving parts…</a:t>
+            </a:r>
+            <a:endParaRPr lang="en-US" dirty="0"/>
+          </a:p>
+        </p:txBody>
+      </p:sp>
+      <p:sp>
+        <p:nvSpPr>
+          <p:cNvPr id="3" name="Content Placeholder 2"/>
+          <p:cNvSpPr>
+            <a:spLocks noGrp="1"/>
+          </p:cNvSpPr>
+          <p:nvPr>
+            <p:ph sz="quarter" idx="10"/>
+          </p:nvPr>
+        </p:nvSpPr>
+        <p:spPr/>
+        <p:txBody>
+          <a:bodyPr/>
+          <a:lstStyle/>
+          <a:p>
+            <a:pPr marL="0" indent="0" algn="ctr">
+              <a:buNone/>
+            </a:pPr>
+            <a:r>
+              <a:rPr lang="en-US" sz="20000" dirty="0" smtClean="0">
+                <a:sym typeface="Wingdings" panose="05000000000000000000" pitchFamily="2" charset="2"/>
+              </a:rPr>
+              <a:t></a:t>
+            </a:r>
+            <a:endParaRPr lang="en-US" sz="20000" dirty="0"/>
+          </a:p>
+        </p:txBody>
+      </p:sp>
+    </p:spTree>
+    <p:extLst>
+      <p:ext uri="{BB962C8B-B14F-4D97-AF65-F5344CB8AC3E}">
+        <p14:creationId xmlns:p14="http://schemas.microsoft.com/office/powerpoint/2010/main" val="961814862"/>
+      </p:ext>
+    </p:extLst>
+  </p:cSld>
+  <p:clrMapOvr>
+    <a:masterClrMapping/>
+  </p:clrMapOvr>
+  <p:timing>
+    <p:tnLst>
+      <p:par>
+        <p:cTn id="1" dur="indefinite" restart="never" nodeType="tmRoot"/>
+      </p:par>
+    </p:tnLst>
+  </p:timing>
+</p:sld>
+</file>
+
+<file path=ppt/slides/slide25.xml><?xml version="1.0" encoding="utf-8"?>
+<p:sld xmlns:a="http://schemas.openxmlformats.org/drawingml/2006/main" xmlns:r="http://schemas.openxmlformats.org/officeDocument/2006/relationships" xmlns:p="http://schemas.openxmlformats.org/presentationml/2006/main">
+  <p:cSld>
+    <p:spTree>
+      <p:nvGrpSpPr>
+        <p:cNvPr id="1" name=""/>
+        <p:cNvGrpSpPr/>
+        <p:nvPr/>
+      </p:nvGrpSpPr>
+      <p:grpSpPr>
+        <a:xfrm>
+          <a:off x="0" y="0"/>
+          <a:ext cx="0" cy="0"/>
+          <a:chOff x="0" y="0"/>
+          <a:chExt cx="0" cy="0"/>
+        </a:xfrm>
+      </p:grpSpPr>
+      <p:sp>
+        <p:nvSpPr>
           <p:cNvPr id="5" name="Text Placeholder 4"/>
           <p:cNvSpPr>
             <a:spLocks noGrp="1"/>
@@ -8771,14 +8933,14 @@
   <p:timing>
     <p:tnLst>
       <p:par>
-        <p:cTn xmlns:p14="http://schemas.microsoft.com/office/powerpoint/2010/main" id="1" dur="indefinite" restart="never" nodeType="tmRoot"/>
+        <p:cTn id="1" dur="indefinite" restart="never" nodeType="tmRoot"/>
       </p:par>
     </p:tnLst>
   </p:timing>
 </p:sld>
 </file>
 
-<file path=ppt/slides/slide25.xml><?xml version="1.0" encoding="utf-8"?>
+<file path=ppt/slides/slide26.xml><?xml version="1.0" encoding="utf-8"?>
 <p:sld xmlns:a="http://schemas.openxmlformats.org/drawingml/2006/main" xmlns:r="http://schemas.openxmlformats.org/officeDocument/2006/relationships" xmlns:p="http://schemas.openxmlformats.org/presentationml/2006/main">
   <p:cSld>
     <p:spTree>
@@ -8874,14 +9036,14 @@
   <p:timing>
     <p:tnLst>
       <p:par>
-        <p:cTn xmlns:p14="http://schemas.microsoft.com/office/powerpoint/2010/main" id="1" dur="indefinite" restart="never" nodeType="tmRoot"/>
+        <p:cTn id="1" dur="indefinite" restart="never" nodeType="tmRoot"/>
       </p:par>
     </p:tnLst>
   </p:timing>
 </p:sld>
 </file>
 
-<file path=ppt/slides/slide26.xml><?xml version="1.0" encoding="utf-8"?>
+<file path=ppt/slides/slide27.xml><?xml version="1.0" encoding="utf-8"?>
 <p:sld xmlns:a="http://schemas.openxmlformats.org/drawingml/2006/main" xmlns:r="http://schemas.openxmlformats.org/officeDocument/2006/relationships" xmlns:p="http://schemas.openxmlformats.org/presentationml/2006/main">
   <p:cSld>
     <p:spTree>
@@ -8955,7 +9117,7 @@
           <a:noFill/>
           <a:extLst>
             <a:ext uri="{909E8E84-426E-40dd-AFC4-6F175D3DCCD1}">
-              <a14:hiddenFill xmlns:a14="http://schemas.microsoft.com/office/drawing/2010/main">
+              <a14:hiddenFill xmlns:a14="http://schemas.microsoft.com/office/drawing/2010/main" xmlns="">
                 <a:solidFill>
                   <a:srgbClr val="FFFFFF"/>
                 </a:solidFill>
@@ -8977,114 +9139,7 @@
   <p:timing>
     <p:tnLst>
       <p:par>
-        <p:cTn xmlns:p14="http://schemas.microsoft.com/office/powerpoint/2010/main" id="1" dur="indefinite" restart="never" nodeType="tmRoot"/>
-      </p:par>
-    </p:tnLst>
-  </p:timing>
-</p:sld>
-</file>
-
-<file path=ppt/slides/slide27.xml><?xml version="1.0" encoding="utf-8"?>
-<p:sld xmlns:a="http://schemas.openxmlformats.org/drawingml/2006/main" xmlns:r="http://schemas.openxmlformats.org/officeDocument/2006/relationships" xmlns:p="http://schemas.openxmlformats.org/presentationml/2006/main">
-  <p:cSld>
-    <p:spTree>
-      <p:nvGrpSpPr>
-        <p:cNvPr id="1" name=""/>
-        <p:cNvGrpSpPr/>
-        <p:nvPr/>
-      </p:nvGrpSpPr>
-      <p:grpSpPr>
-        <a:xfrm>
-          <a:off x="0" y="0"/>
-          <a:ext cx="0" cy="0"/>
-          <a:chOff x="0" y="0"/>
-          <a:chExt cx="0" cy="0"/>
-        </a:xfrm>
-      </p:grpSpPr>
-      <p:sp>
-        <p:nvSpPr>
-          <p:cNvPr id="2" name="Title 1"/>
-          <p:cNvSpPr>
-            <a:spLocks noGrp="1"/>
-          </p:cNvSpPr>
-          <p:nvPr>
-            <p:ph type="title"/>
-          </p:nvPr>
-        </p:nvSpPr>
-        <p:spPr/>
-        <p:txBody>
-          <a:bodyPr/>
-          <a:lstStyle/>
-          <a:p>
-            <a:r>
-              <a:rPr lang="en-US" dirty="0" smtClean="0"/>
-              <a:t>Docker Machine </a:t>
-            </a:r>
-            <a:endParaRPr lang="en-US" dirty="0"/>
-          </a:p>
-        </p:txBody>
-      </p:sp>
-      <p:sp>
-        <p:nvSpPr>
-          <p:cNvPr id="4" name="Rectangle 3"/>
-          <p:cNvSpPr/>
-          <p:nvPr/>
-        </p:nvSpPr>
-        <p:spPr>
-          <a:xfrm>
-            <a:off x="10296929" y="6627168"/>
-            <a:ext cx="1895071" cy="230832"/>
-          </a:xfrm>
-          <a:prstGeom prst="rect">
-            <a:avLst/>
-          </a:prstGeom>
-        </p:spPr>
-        <p:txBody>
-          <a:bodyPr wrap="none">
-            <a:spAutoFit/>
-          </a:bodyPr>
-          <a:lstStyle/>
-          <a:p>
-            <a:r>
-              <a:rPr lang="en-US" sz="900" dirty="0"/>
-              <a:t>https://github.com/docker/machine</a:t>
-            </a:r>
-          </a:p>
-        </p:txBody>
-      </p:sp>
-      <p:sp>
-        <p:nvSpPr>
-          <p:cNvPr id="3" name="Content Placeholder 2"/>
-          <p:cNvSpPr>
-            <a:spLocks noGrp="1"/>
-          </p:cNvSpPr>
-          <p:nvPr>
-            <p:ph sz="quarter" idx="10"/>
-          </p:nvPr>
-        </p:nvSpPr>
-        <p:spPr/>
-        <p:txBody>
-          <a:bodyPr/>
-          <a:lstStyle/>
-          <a:p>
-            <a:endParaRPr lang="en-US"/>
-          </a:p>
-        </p:txBody>
-      </p:sp>
-    </p:spTree>
-    <p:extLst>
-      <p:ext uri="{BB962C8B-B14F-4D97-AF65-F5344CB8AC3E}">
-        <p14:creationId xmlns:p14="http://schemas.microsoft.com/office/powerpoint/2010/main" val="1760904765"/>
-      </p:ext>
-    </p:extLst>
-  </p:cSld>
-  <p:clrMapOvr>
-    <a:masterClrMapping/>
-  </p:clrMapOvr>
-  <p:timing>
-    <p:tnLst>
-      <p:par>
-        <p:cTn xmlns:p14="http://schemas.microsoft.com/office/powerpoint/2010/main" id="1" dur="indefinite" restart="never" nodeType="tmRoot"/>
+        <p:cTn id="1" dur="indefinite" restart="never" nodeType="tmRoot"/>
       </p:par>
     </p:tnLst>
   </p:timing>
@@ -9125,7 +9180,7 @@
           <a:p>
             <a:r>
               <a:rPr lang="en-US" dirty="0" smtClean="0"/>
-              <a:t>Docker Swarm</a:t>
+              <a:t>Docker Machine </a:t>
             </a:r>
             <a:endParaRPr lang="en-US" dirty="0"/>
           </a:p>
@@ -9174,14 +9229,14 @@
           <a:bodyPr/>
           <a:lstStyle/>
           <a:p>
-            <a:endParaRPr lang="en-US" dirty="0"/>
+            <a:endParaRPr lang="en-US"/>
           </a:p>
         </p:txBody>
       </p:sp>
     </p:spTree>
     <p:extLst>
       <p:ext uri="{BB962C8B-B14F-4D97-AF65-F5344CB8AC3E}">
-        <p14:creationId xmlns:p14="http://schemas.microsoft.com/office/powerpoint/2010/main" val="3252762251"/>
+        <p14:creationId xmlns:p14="http://schemas.microsoft.com/office/powerpoint/2010/main" val="1760904765"/>
       </p:ext>
     </p:extLst>
   </p:cSld>
@@ -9191,7 +9246,7 @@
   <p:timing>
     <p:tnLst>
       <p:par>
-        <p:cTn xmlns:p14="http://schemas.microsoft.com/office/powerpoint/2010/main" id="1" dur="indefinite" restart="never" nodeType="tmRoot"/>
+        <p:cTn id="1" dur="indefinite" restart="never" nodeType="tmRoot"/>
       </p:par>
     </p:tnLst>
   </p:timing>
@@ -9232,7 +9287,7 @@
           <a:p>
             <a:r>
               <a:rPr lang="en-US" dirty="0" smtClean="0"/>
-              <a:t>Deploying to Azure using ARM</a:t>
+              <a:t>Docker Swarm</a:t>
             </a:r>
             <a:endParaRPr lang="en-US" dirty="0"/>
           </a:p>
@@ -9240,6 +9295,34 @@
       </p:sp>
       <p:sp>
         <p:nvSpPr>
+          <p:cNvPr id="4" name="Rectangle 3"/>
+          <p:cNvSpPr/>
+          <p:nvPr/>
+        </p:nvSpPr>
+        <p:spPr>
+          <a:xfrm>
+            <a:off x="10296929" y="6627168"/>
+            <a:ext cx="1895071" cy="230832"/>
+          </a:xfrm>
+          <a:prstGeom prst="rect">
+            <a:avLst/>
+          </a:prstGeom>
+        </p:spPr>
+        <p:txBody>
+          <a:bodyPr wrap="none">
+            <a:spAutoFit/>
+          </a:bodyPr>
+          <a:lstStyle/>
+          <a:p>
+            <a:r>
+              <a:rPr lang="en-US" sz="900" dirty="0"/>
+              <a:t>https://github.com/docker/machine</a:t>
+            </a:r>
+          </a:p>
+        </p:txBody>
+      </p:sp>
+      <p:sp>
+        <p:nvSpPr>
           <p:cNvPr id="3" name="Content Placeholder 2"/>
           <p:cNvSpPr>
             <a:spLocks noGrp="1"/>
@@ -9253,10 +9336,6 @@
           <a:bodyPr/>
           <a:lstStyle/>
           <a:p>
-            <a:r>
-              <a:rPr lang="en-US" dirty="0" smtClean="0"/>
-              <a:t>Azure Resource Manager</a:t>
-            </a:r>
             <a:endParaRPr lang="en-US" dirty="0"/>
           </a:p>
         </p:txBody>
@@ -9264,7 +9343,7 @@
     </p:spTree>
     <p:extLst>
       <p:ext uri="{BB962C8B-B14F-4D97-AF65-F5344CB8AC3E}">
-        <p14:creationId xmlns:p14="http://schemas.microsoft.com/office/powerpoint/2010/main" val="2530278774"/>
+        <p14:creationId xmlns:p14="http://schemas.microsoft.com/office/powerpoint/2010/main" val="3252762251"/>
       </p:ext>
     </p:extLst>
   </p:cSld>
@@ -9274,7 +9353,7 @@
   <p:timing>
     <p:tnLst>
       <p:par>
-        <p:cTn xmlns:p14="http://schemas.microsoft.com/office/powerpoint/2010/main" id="1" dur="indefinite" restart="never" nodeType="tmRoot"/>
+        <p:cTn id="1" dur="indefinite" restart="never" nodeType="tmRoot"/>
       </p:par>
     </p:tnLst>
   </p:timing>
@@ -9353,14 +9432,14 @@
                 <a:gridCol w="5762625">
                   <a:extLst>
                     <a:ext uri="{9D8B030D-6E8A-4147-A177-3AD203B41FA5}">
-                      <a16:colId xmlns:a16="http://schemas.microsoft.com/office/drawing/2014/main" xmlns="" val="1632794655"/>
+                      <a16:colId xmlns="" xmlns:a16="http://schemas.microsoft.com/office/drawing/2014/main" val="1632794655"/>
                     </a:ext>
                   </a:extLst>
                 </a:gridCol>
                 <a:gridCol w="5762625">
                   <a:extLst>
                     <a:ext uri="{9D8B030D-6E8A-4147-A177-3AD203B41FA5}">
-                      <a16:colId xmlns:a16="http://schemas.microsoft.com/office/drawing/2014/main" xmlns="" val="2011313899"/>
+                      <a16:colId xmlns="" xmlns:a16="http://schemas.microsoft.com/office/drawing/2014/main" val="2011313899"/>
                     </a:ext>
                   </a:extLst>
                 </a:gridCol>
@@ -9405,7 +9484,7 @@
                 </a:tc>
                 <a:extLst>
                   <a:ext uri="{0D108BD9-81ED-4DB2-BD59-A6C34878D82A}">
-                    <a16:rowId xmlns:a16="http://schemas.microsoft.com/office/drawing/2014/main" xmlns="" val="1789177411"/>
+                    <a16:rowId xmlns="" xmlns:a16="http://schemas.microsoft.com/office/drawing/2014/main" val="1789177411"/>
                   </a:ext>
                 </a:extLst>
               </a:tr>
@@ -9476,7 +9555,7 @@
                 </a:tc>
                 <a:extLst>
                   <a:ext uri="{0D108BD9-81ED-4DB2-BD59-A6C34878D82A}">
-                    <a16:rowId xmlns:a16="http://schemas.microsoft.com/office/drawing/2014/main" xmlns="" val="3842815335"/>
+                    <a16:rowId xmlns="" xmlns:a16="http://schemas.microsoft.com/office/drawing/2014/main" val="3842815335"/>
                   </a:ext>
                 </a:extLst>
               </a:tr>
@@ -9533,7 +9612,7 @@
                 </a:tc>
                 <a:extLst>
                   <a:ext uri="{0D108BD9-81ED-4DB2-BD59-A6C34878D82A}">
-                    <a16:rowId xmlns:a16="http://schemas.microsoft.com/office/drawing/2014/main" xmlns="" val="321066646"/>
+                    <a16:rowId xmlns="" xmlns:a16="http://schemas.microsoft.com/office/drawing/2014/main" val="321066646"/>
                   </a:ext>
                 </a:extLst>
               </a:tr>
@@ -9618,7 +9697,7 @@
                 </a:tc>
                 <a:extLst>
                   <a:ext uri="{0D108BD9-81ED-4DB2-BD59-A6C34878D82A}">
-                    <a16:rowId xmlns:a16="http://schemas.microsoft.com/office/drawing/2014/main" xmlns="" val="3812060533"/>
+                    <a16:rowId xmlns="" xmlns:a16="http://schemas.microsoft.com/office/drawing/2014/main" val="3812060533"/>
                   </a:ext>
                 </a:extLst>
               </a:tr>
@@ -9665,7 +9744,7 @@
                 </a:tc>
                 <a:extLst>
                   <a:ext uri="{0D108BD9-81ED-4DB2-BD59-A6C34878D82A}">
-                    <a16:rowId xmlns:a16="http://schemas.microsoft.com/office/drawing/2014/main" xmlns="" val="733235577"/>
+                    <a16:rowId xmlns="" xmlns:a16="http://schemas.microsoft.com/office/drawing/2014/main" val="733235577"/>
                   </a:ext>
                 </a:extLst>
               </a:tr>
@@ -9689,7 +9768,7 @@
         </p:nvGraphicFramePr>
         <p:xfrm>
           <a:off x="379413" y="1417636"/>
-          <a:ext cx="11525250" cy="4259248"/>
+          <a:ext cx="11525250" cy="3838160"/>
         </p:xfrm>
         <a:graphic>
           <a:graphicData uri="http://schemas.openxmlformats.org/drawingml/2006/table">
@@ -9701,14 +9780,14 @@
                 <a:gridCol w="5762625">
                   <a:extLst>
                     <a:ext uri="{9D8B030D-6E8A-4147-A177-3AD203B41FA5}">
-                      <a16:colId xmlns:a16="http://schemas.microsoft.com/office/drawing/2014/main" xmlns="" val="1632794655"/>
+                      <a16:colId xmlns="" xmlns:a16="http://schemas.microsoft.com/office/drawing/2014/main" val="1632794655"/>
                     </a:ext>
                   </a:extLst>
                 </a:gridCol>
                 <a:gridCol w="5762625">
                   <a:extLst>
                     <a:ext uri="{9D8B030D-6E8A-4147-A177-3AD203B41FA5}">
-                      <a16:colId xmlns:a16="http://schemas.microsoft.com/office/drawing/2014/main" xmlns="" val="2011313899"/>
+                      <a16:colId xmlns="" xmlns:a16="http://schemas.microsoft.com/office/drawing/2014/main" val="2011313899"/>
                     </a:ext>
                   </a:extLst>
                 </a:gridCol>
@@ -9746,7 +9825,7 @@
                 </a:tc>
                 <a:extLst>
                   <a:ext uri="{0D108BD9-81ED-4DB2-BD59-A6C34878D82A}">
-                    <a16:rowId xmlns:a16="http://schemas.microsoft.com/office/drawing/2014/main" xmlns="" val="1789177411"/>
+                    <a16:rowId xmlns="" xmlns:a16="http://schemas.microsoft.com/office/drawing/2014/main" val="1789177411"/>
                   </a:ext>
                 </a:extLst>
               </a:tr>
@@ -9793,7 +9872,7 @@
                 </a:tc>
                 <a:extLst>
                   <a:ext uri="{0D108BD9-81ED-4DB2-BD59-A6C34878D82A}">
-                    <a16:rowId xmlns:a16="http://schemas.microsoft.com/office/drawing/2014/main" xmlns="" val="3842815335"/>
+                    <a16:rowId xmlns="" xmlns:a16="http://schemas.microsoft.com/office/drawing/2014/main" val="3842815335"/>
                   </a:ext>
                 </a:extLst>
               </a:tr>
@@ -9868,7 +9947,7 @@
                 </a:tc>
                 <a:extLst>
                   <a:ext uri="{0D108BD9-81ED-4DB2-BD59-A6C34878D82A}">
-                    <a16:rowId xmlns:a16="http://schemas.microsoft.com/office/drawing/2014/main" xmlns="" val="321066646"/>
+                    <a16:rowId xmlns="" xmlns:a16="http://schemas.microsoft.com/office/drawing/2014/main" val="321066646"/>
                   </a:ext>
                 </a:extLst>
               </a:tr>
@@ -9939,7 +10018,7 @@
                 </a:tc>
                 <a:extLst>
                   <a:ext uri="{0D108BD9-81ED-4DB2-BD59-A6C34878D82A}">
-                    <a16:rowId xmlns:a16="http://schemas.microsoft.com/office/drawing/2014/main" xmlns="" val="3812060533"/>
+                    <a16:rowId xmlns="" xmlns:a16="http://schemas.microsoft.com/office/drawing/2014/main" val="3812060533"/>
                   </a:ext>
                 </a:extLst>
               </a:tr>
@@ -9986,7 +10065,7 @@
                 </a:tc>
                 <a:extLst>
                   <a:ext uri="{0D108BD9-81ED-4DB2-BD59-A6C34878D82A}">
-                    <a16:rowId xmlns:a16="http://schemas.microsoft.com/office/drawing/2014/main" xmlns="" val="733235577"/>
+                    <a16:rowId xmlns="" xmlns:a16="http://schemas.microsoft.com/office/drawing/2014/main" val="733235577"/>
                   </a:ext>
                 </a:extLst>
               </a:tr>
@@ -10015,7 +10094,7 @@
   <p:timing>
     <p:tnLst>
       <p:par>
-        <p:cTn xmlns:p14="http://schemas.microsoft.com/office/powerpoint/2010/main" id="1" dur="indefinite" restart="never" nodeType="tmRoot"/>
+        <p:cTn id="1" dur="indefinite" restart="never" nodeType="tmRoot"/>
       </p:par>
     </p:tnLst>
   </p:timing>
@@ -10023,7 +10102,7 @@
 </file>
 
 <file path=ppt/slides/slide30.xml><?xml version="1.0" encoding="utf-8"?>
-<p:sld xmlns:a="http://schemas.openxmlformats.org/drawingml/2006/main" xmlns:r="http://schemas.openxmlformats.org/officeDocument/2006/relationships" xmlns:p="http://schemas.openxmlformats.org/presentationml/2006/main">
+<p:sld xmlns:a="http://schemas.openxmlformats.org/drawingml/2006/main" xmlns:r="http://schemas.openxmlformats.org/officeDocument/2006/relationships" xmlns:p="http://schemas.openxmlformats.org/presentationml/2006/main" show="0">
   <p:cSld>
     <p:spTree>
       <p:nvGrpSpPr>
@@ -10041,30 +10120,45 @@
       </p:grpSpPr>
       <p:sp>
         <p:nvSpPr>
-          <p:cNvPr id="5" name="Text Placeholder 4"/>
-          <p:cNvSpPr>
-            <a:spLocks noGrp="1"/>
-          </p:cNvSpPr>
-          <p:nvPr>
-            <p:ph type="body" sz="quarter" idx="10"/>
-          </p:nvPr>
-        </p:nvSpPr>
-        <p:spPr>
-          <a:solidFill>
-            <a:srgbClr val="007233"/>
-          </a:solidFill>
-          <a:ln>
-            <a:noFill/>
-          </a:ln>
-        </p:spPr>
+          <p:cNvPr id="2" name="Title 1"/>
+          <p:cNvSpPr>
+            <a:spLocks noGrp="1"/>
+          </p:cNvSpPr>
+          <p:nvPr>
+            <p:ph type="title"/>
+          </p:nvPr>
+        </p:nvSpPr>
+        <p:spPr/>
         <p:txBody>
           <a:bodyPr/>
           <a:lstStyle/>
           <a:p>
-            <a:pPr marL="914400" indent="-914400"/>
             <a:r>
               <a:rPr lang="en-US" dirty="0" smtClean="0"/>
-              <a:t>Conclusion</a:t>
+              <a:t>Deploying to Azure using ARM</a:t>
+            </a:r>
+            <a:endParaRPr lang="en-US" dirty="0"/>
+          </a:p>
+        </p:txBody>
+      </p:sp>
+      <p:sp>
+        <p:nvSpPr>
+          <p:cNvPr id="3" name="Content Placeholder 2"/>
+          <p:cNvSpPr>
+            <a:spLocks noGrp="1"/>
+          </p:cNvSpPr>
+          <p:nvPr>
+            <p:ph sz="quarter" idx="10"/>
+          </p:nvPr>
+        </p:nvSpPr>
+        <p:spPr/>
+        <p:txBody>
+          <a:bodyPr/>
+          <a:lstStyle/>
+          <a:p>
+            <a:r>
+              <a:rPr lang="en-US" dirty="0" smtClean="0"/>
+              <a:t>Azure Resource Manager</a:t>
             </a:r>
             <a:endParaRPr lang="en-US" dirty="0"/>
           </a:p>
@@ -10073,17 +10167,25 @@
     </p:spTree>
     <p:extLst>
       <p:ext uri="{BB962C8B-B14F-4D97-AF65-F5344CB8AC3E}">
-        <p14:creationId xmlns:p14="http://schemas.microsoft.com/office/powerpoint/2010/main" val="1879608437"/>
+        <p14:creationId xmlns:p14="http://schemas.microsoft.com/office/powerpoint/2010/main" val="2530278774"/>
       </p:ext>
     </p:extLst>
   </p:cSld>
   <p:clrMapOvr>
     <a:masterClrMapping/>
   </p:clrMapOvr>
+  <mc:AlternateContent xmlns:mc="http://schemas.openxmlformats.org/markup-compatibility/2006">
+    <mc:Choice xmlns:p14="http://schemas.microsoft.com/office/powerpoint/2010/main" Requires="p14">
+      <p:transition spd="slow" p14:dur="2000"/>
+    </mc:Choice>
+    <mc:Fallback>
+      <p:transition spd="slow"/>
+    </mc:Fallback>
+  </mc:AlternateContent>
   <p:timing>
     <p:tnLst>
       <p:par>
-        <p:cTn xmlns:p14="http://schemas.microsoft.com/office/powerpoint/2010/main" id="1" dur="indefinite" restart="never" nodeType="tmRoot"/>
+        <p:cTn id="1" dur="indefinite" restart="never" nodeType="tmRoot"/>
       </p:par>
     </p:tnLst>
   </p:timing>
@@ -10109,6 +10211,74 @@
       </p:grpSpPr>
       <p:sp>
         <p:nvSpPr>
+          <p:cNvPr id="5" name="Text Placeholder 4"/>
+          <p:cNvSpPr>
+            <a:spLocks noGrp="1"/>
+          </p:cNvSpPr>
+          <p:nvPr>
+            <p:ph type="body" sz="quarter" idx="10"/>
+          </p:nvPr>
+        </p:nvSpPr>
+        <p:spPr>
+          <a:solidFill>
+            <a:srgbClr val="007233"/>
+          </a:solidFill>
+          <a:ln>
+            <a:noFill/>
+          </a:ln>
+        </p:spPr>
+        <p:txBody>
+          <a:bodyPr/>
+          <a:lstStyle/>
+          <a:p>
+            <a:pPr marL="914400" indent="-914400"/>
+            <a:r>
+              <a:rPr lang="en-US" dirty="0" smtClean="0"/>
+              <a:t>Conclusion</a:t>
+            </a:r>
+            <a:endParaRPr lang="en-US" dirty="0"/>
+          </a:p>
+        </p:txBody>
+      </p:sp>
+    </p:spTree>
+    <p:extLst>
+      <p:ext uri="{BB962C8B-B14F-4D97-AF65-F5344CB8AC3E}">
+        <p14:creationId xmlns:p14="http://schemas.microsoft.com/office/powerpoint/2010/main" val="1879608437"/>
+      </p:ext>
+    </p:extLst>
+  </p:cSld>
+  <p:clrMapOvr>
+    <a:masterClrMapping/>
+  </p:clrMapOvr>
+  <p:timing>
+    <p:tnLst>
+      <p:par>
+        <p:cTn id="1" dur="indefinite" restart="never" nodeType="tmRoot"/>
+      </p:par>
+    </p:tnLst>
+  </p:timing>
+</p:sld>
+</file>
+
+<file path=ppt/slides/slide32.xml><?xml version="1.0" encoding="utf-8"?>
+<p:sld xmlns:a="http://schemas.openxmlformats.org/drawingml/2006/main" xmlns:r="http://schemas.openxmlformats.org/officeDocument/2006/relationships" xmlns:p="http://schemas.openxmlformats.org/presentationml/2006/main">
+  <p:cSld>
+    <p:spTree>
+      <p:nvGrpSpPr>
+        <p:cNvPr id="1" name=""/>
+        <p:cNvGrpSpPr/>
+        <p:nvPr/>
+      </p:nvGrpSpPr>
+      <p:grpSpPr>
+        <a:xfrm>
+          <a:off x="0" y="0"/>
+          <a:ext cx="0" cy="0"/>
+          <a:chOff x="0" y="0"/>
+          <a:chExt cx="0" cy="0"/>
+        </a:xfrm>
+      </p:grpSpPr>
+      <p:sp>
+        <p:nvSpPr>
           <p:cNvPr id="2" name="Title 1"/>
           <p:cNvSpPr>
             <a:spLocks noGrp="1"/>
@@ -10197,14 +10367,14 @@
   <p:timing>
     <p:tnLst>
       <p:par>
-        <p:cTn xmlns:p14="http://schemas.microsoft.com/office/powerpoint/2010/main" id="1" dur="indefinite" restart="never" nodeType="tmRoot"/>
+        <p:cTn id="1" dur="indefinite" restart="never" nodeType="tmRoot"/>
       </p:par>
     </p:tnLst>
   </p:timing>
 </p:sld>
 </file>
 
-<file path=ppt/slides/slide32.xml><?xml version="1.0" encoding="utf-8"?>
+<file path=ppt/slides/slide33.xml><?xml version="1.0" encoding="utf-8"?>
 <p:sld xmlns:a="http://schemas.openxmlformats.org/drawingml/2006/main" xmlns:r="http://schemas.openxmlformats.org/officeDocument/2006/relationships" xmlns:p="http://schemas.openxmlformats.org/presentationml/2006/main">
   <p:cSld>
     <p:spTree>
@@ -10234,7 +10404,7 @@
   <p:timing>
     <p:tnLst>
       <p:par>
-        <p:cTn xmlns:p14="http://schemas.microsoft.com/office/powerpoint/2010/main" id="1" dur="indefinite" restart="never" nodeType="tmRoot"/>
+        <p:cTn id="1" dur="indefinite" restart="never" nodeType="tmRoot"/>
       </p:par>
     </p:tnLst>
   </p:timing>
@@ -10302,7 +10472,7 @@
   <p:timing>
     <p:tnLst>
       <p:par>
-        <p:cTn xmlns:p14="http://schemas.microsoft.com/office/powerpoint/2010/main" id="1" dur="indefinite" restart="never" nodeType="tmRoot"/>
+        <p:cTn id="1" dur="indefinite" restart="never" nodeType="tmRoot"/>
       </p:par>
     </p:tnLst>
   </p:timing>
@@ -10384,7 +10554,7 @@
           <a:noFill/>
           <a:extLst>
             <a:ext uri="{909E8E84-426E-40dd-AFC4-6F175D3DCCD1}">
-              <a14:hiddenFill xmlns:a14="http://schemas.microsoft.com/office/drawing/2010/main">
+              <a14:hiddenFill xmlns:a14="http://schemas.microsoft.com/office/drawing/2010/main" xmlns="">
                 <a:solidFill>
                   <a:srgbClr val="FFFFFF"/>
                 </a:solidFill>
@@ -10406,7 +10576,7 @@
   <p:timing>
     <p:tnLst>
       <p:par>
-        <p:cTn xmlns:p14="http://schemas.microsoft.com/office/powerpoint/2010/main" id="1" dur="indefinite" restart="never" nodeType="tmRoot"/>
+        <p:cTn id="1" dur="indefinite" restart="never" nodeType="tmRoot"/>
       </p:par>
     </p:tnLst>
   </p:timing>
@@ -10496,7 +10666,7 @@
   <p:timing>
     <p:tnLst>
       <p:par>
-        <p:cTn xmlns:p14="http://schemas.microsoft.com/office/powerpoint/2010/main" id="1" dur="indefinite" restart="never" nodeType="tmRoot"/>
+        <p:cTn id="1" dur="indefinite" restart="never" nodeType="tmRoot"/>
       </p:par>
     </p:tnLst>
   </p:timing>
@@ -10805,7 +10975,7 @@
   <p:timing>
     <p:tnLst>
       <p:par>
-        <p:cTn xmlns:p14="http://schemas.microsoft.com/office/powerpoint/2010/main" id="1" dur="indefinite" restart="never" nodeType="tmRoot"/>
+        <p:cTn id="1" dur="indefinite" restart="never" nodeType="tmRoot"/>
       </p:par>
     </p:tnLst>
   </p:timing>
@@ -10895,7 +11065,7 @@
   <p:timing>
     <p:tnLst>
       <p:par>
-        <p:cTn xmlns:p14="http://schemas.microsoft.com/office/powerpoint/2010/main" id="1" dur="indefinite" restart="never" nodeType="tmRoot"/>
+        <p:cTn id="1" dur="indefinite" restart="never" nodeType="tmRoot"/>
       </p:par>
     </p:tnLst>
   </p:timing>
@@ -10985,7 +11155,7 @@
   <p:timing>
     <p:tnLst>
       <p:par>
-        <p:cTn xmlns:p14="http://schemas.microsoft.com/office/powerpoint/2010/main" id="1" dur="indefinite" restart="never" nodeType="tmRoot"/>
+        <p:cTn id="1" dur="indefinite" restart="never" nodeType="tmRoot"/>
       </p:par>
     </p:tnLst>
   </p:timing>
@@ -11532,7 +11702,7 @@
   <a:extraClrSchemeLst/>
   <a:extLst>
     <a:ext uri="{05A4C25C-085E-4340-85A3-A5531E510DB2}">
-      <thm15:themeFamily xmlns:thm15="http://schemas.microsoft.com/office/thememl/2012/main" xmlns="" name="Office Theme" id="{62F939B6-93AF-4DB8-9C6B-D6C7DFDC589F}" vid="{4A3C46E8-61CC-4603-A589-7422A47A8E4A}"/>
+      <thm15:themeFamily xmlns:thm15="http://schemas.microsoft.com/office/thememl/2012/main" name="Office Theme" id="{62F939B6-93AF-4DB8-9C6B-D6C7DFDC589F}" vid="{4A3C46E8-61CC-4603-A589-7422A47A8E4A}"/>
     </a:ext>
   </a:extLst>
 </a:theme>
@@ -11793,7 +11963,7 @@
   <a:extraClrSchemeLst/>
   <a:extLst>
     <a:ext uri="{05A4C25C-085E-4340-85A3-A5531E510DB2}">
-      <thm15:themeFamily xmlns:thm15="http://schemas.microsoft.com/office/thememl/2012/main" xmlns="" name="Office Theme" id="{62F939B6-93AF-4DB8-9C6B-D6C7DFDC589F}" vid="{4A3C46E8-61CC-4603-A589-7422A47A8E4A}"/>
+      <thm15:themeFamily xmlns:thm15="http://schemas.microsoft.com/office/thememl/2012/main" name="Office Theme" id="{62F939B6-93AF-4DB8-9C6B-D6C7DFDC589F}" vid="{4A3C46E8-61CC-4603-A589-7422A47A8E4A}"/>
     </a:ext>
   </a:extLst>
 </a:theme>
@@ -12008,15 +12178,6 @@
 </file>
 
 <file path=customXml/item2.xml><?xml version="1.0" encoding="utf-8"?>
-<?mso-contentType ?>
-<FormTemplates xmlns="http://schemas.microsoft.com/sharepoint/v3/contenttype/forms">
-  <Display>DocumentLibraryForm</Display>
-  <Edit>DocumentLibraryForm</Edit>
-  <New>DocumentLibraryForm</New>
-</FormTemplates>
-</file>
-
-<file path=customXml/item3.xml><?xml version="1.0" encoding="utf-8"?>
 <p:properties xmlns:p="http://schemas.microsoft.com/office/2006/metadata/properties" xmlns:xsi="http://www.w3.org/2001/XMLSchema-instance" xmlns:pc="http://schemas.microsoft.com/office/infopath/2007/PartnerControls">
   <documentManagement>
     <TaxCatchAll xmlns="230e9df3-be65-4c73-a93b-d1236ebd677e"/>
@@ -12059,6 +12220,15 @@
 </p:properties>
 </file>
 
+<file path=customXml/item3.xml><?xml version="1.0" encoding="utf-8"?>
+<?mso-contentType ?>
+<FormTemplates xmlns="http://schemas.microsoft.com/sharepoint/v3/contenttype/forms">
+  <Display>DocumentLibraryForm</Display>
+  <Edit>DocumentLibraryForm</Edit>
+  <New>DocumentLibraryForm</New>
+</FormTemplates>
+</file>
+
 <file path=customXml/itemProps1.xml><?xml version="1.0" encoding="utf-8"?>
 <ds:datastoreItem xmlns:ds="http://schemas.openxmlformats.org/officeDocument/2006/customXml" ds:itemID="{B8E57EAE-DEC5-48ED-98EA-03E186D6E9F9}">
   <ds:schemaRefs>
@@ -12080,14 +12250,6 @@
 </file>
 
 <file path=customXml/itemProps2.xml><?xml version="1.0" encoding="utf-8"?>
-<ds:datastoreItem xmlns:ds="http://schemas.openxmlformats.org/officeDocument/2006/customXml" ds:itemID="{B0CA13EC-1D3C-4D6F-8D1C-E8A452CFC79A}">
-  <ds:schemaRefs>
-    <ds:schemaRef ds:uri="http://schemas.microsoft.com/sharepoint/v3/contenttype/forms"/>
-  </ds:schemaRefs>
-</ds:datastoreItem>
-</file>
-
-<file path=customXml/itemProps3.xml><?xml version="1.0" encoding="utf-8"?>
 <ds:datastoreItem xmlns:ds="http://schemas.openxmlformats.org/officeDocument/2006/customXml" ds:itemID="{7025FDD9-4C58-4084-9F89-0E6ADD6FFF55}">
   <ds:schemaRefs>
     <ds:schemaRef ds:uri="http://schemas.microsoft.com/office/infopath/2007/PartnerControls"/>
@@ -12103,4 +12265,12 @@
     <ds:schemaRef ds:uri="http://purl.org/dc/dcmitype/"/>
   </ds:schemaRefs>
 </ds:datastoreItem>
+</file>
+
+<file path=customXml/itemProps3.xml><?xml version="1.0" encoding="utf-8"?>
+<ds:datastoreItem xmlns:ds="http://schemas.openxmlformats.org/officeDocument/2006/customXml" ds:itemID="{B0CA13EC-1D3C-4D6F-8D1C-E8A452CFC79A}">
+  <ds:schemaRefs>
+    <ds:schemaRef ds:uri="http://schemas.microsoft.com/sharepoint/v3/contenttype/forms"/>
+  </ds:schemaRefs>
+</ds:datastoreItem>
 </file>